--- a/presentation/chess_presentation.pptx
+++ b/presentation/chess_presentation.pptx
@@ -18,6 +18,8 @@
     <p:sldId id="263" r:id="rId13"/>
     <p:sldId id="264" r:id="rId14"/>
     <p:sldId id="265" r:id="rId15"/>
+    <p:sldId id="266" r:id="rId16"/>
+    <p:sldId id="267" r:id="rId17"/>
   </p:sldIdLst>
   <p:sldSz cx="9144000" cy="6858000"/>
   <p:notesSz cx="7772400" cy="10058400"/>
@@ -65,7 +67,7 @@
       </p:grpSpPr>
       <p:sp>
         <p:nvSpPr>
-          <p:cNvPr id="26" name="PlaceHolder 1"/>
+          <p:cNvPr id="23" name="PlaceHolder 1"/>
           <p:cNvSpPr>
             <a:spLocks noGrp="1"/>
           </p:cNvSpPr>
@@ -75,8 +77,8 @@
         </p:nvSpPr>
         <p:spPr>
           <a:xfrm>
-            <a:off x="448920" y="833040"/>
-            <a:ext cx="8229240" cy="1143000"/>
+            <a:off x="457200" y="273600"/>
+            <a:ext cx="8229240" cy="1145160"/>
           </a:xfrm>
           <a:prstGeom prst="rect">
             <a:avLst/>
@@ -85,13 +87,14 @@
         <p:txBody>
           <a:bodyPr anchor="ctr" bIns="0" lIns="0" rIns="0" tIns="0" wrap="none"/>
           <a:p>
-            <a:endParaRPr/>
-          </a:p>
-        </p:txBody>
-      </p:sp>
-      <p:sp>
-        <p:nvSpPr>
-          <p:cNvPr id="27" name="PlaceHolder 2"/>
+            <a:pPr algn="ctr"/>
+            <a:endParaRPr/>
+          </a:p>
+        </p:txBody>
+      </p:sp>
+      <p:sp>
+        <p:nvSpPr>
+          <p:cNvPr id="24" name="PlaceHolder 2"/>
           <p:cNvSpPr>
             <a:spLocks noGrp="1"/>
           </p:cNvSpPr>
@@ -101,8 +104,8 @@
         </p:nvSpPr>
         <p:spPr>
           <a:xfrm>
-            <a:off x="448920" y="2002320"/>
-            <a:ext cx="4039920" cy="304560"/>
+            <a:off x="457200" y="1604520"/>
+            <a:ext cx="8046360" cy="1896840"/>
           </a:xfrm>
           <a:prstGeom prst="rect">
             <a:avLst/>
@@ -117,7 +120,7 @@
       </p:sp>
       <p:sp>
         <p:nvSpPr>
-          <p:cNvPr id="28" name="PlaceHolder 3"/>
+          <p:cNvPr id="25" name="PlaceHolder 3"/>
           <p:cNvSpPr>
             <a:spLocks noGrp="1"/>
           </p:cNvSpPr>
@@ -127,8 +130,8 @@
         </p:nvSpPr>
         <p:spPr>
           <a:xfrm>
-            <a:off x="448920" y="2336040"/>
-            <a:ext cx="4039920" cy="304560"/>
+            <a:off x="457200" y="3681720"/>
+            <a:ext cx="8046360" cy="1896840"/>
           </a:xfrm>
           <a:prstGeom prst="rect">
             <a:avLst/>
@@ -165,7 +168,7 @@
       </p:grpSpPr>
       <p:sp>
         <p:nvSpPr>
-          <p:cNvPr id="29" name="PlaceHolder 1"/>
+          <p:cNvPr id="26" name="PlaceHolder 1"/>
           <p:cNvSpPr>
             <a:spLocks noGrp="1"/>
           </p:cNvSpPr>
@@ -175,8 +178,8 @@
         </p:nvSpPr>
         <p:spPr>
           <a:xfrm>
-            <a:off x="448920" y="833040"/>
-            <a:ext cx="8229240" cy="1143000"/>
+            <a:off x="457200" y="273600"/>
+            <a:ext cx="8229240" cy="1145160"/>
           </a:xfrm>
           <a:prstGeom prst="rect">
             <a:avLst/>
@@ -185,13 +188,14 @@
         <p:txBody>
           <a:bodyPr anchor="ctr" bIns="0" lIns="0" rIns="0" tIns="0" wrap="none"/>
           <a:p>
-            <a:endParaRPr/>
-          </a:p>
-        </p:txBody>
-      </p:sp>
-      <p:sp>
-        <p:nvSpPr>
-          <p:cNvPr id="30" name="PlaceHolder 2"/>
+            <a:pPr algn="ctr"/>
+            <a:endParaRPr/>
+          </a:p>
+        </p:txBody>
+      </p:sp>
+      <p:sp>
+        <p:nvSpPr>
+          <p:cNvPr id="27" name="PlaceHolder 2"/>
           <p:cNvSpPr>
             <a:spLocks noGrp="1"/>
           </p:cNvSpPr>
@@ -201,8 +205,8 @@
         </p:nvSpPr>
         <p:spPr>
           <a:xfrm>
-            <a:off x="448920" y="2002320"/>
-            <a:ext cx="1971000" cy="304560"/>
+            <a:off x="457200" y="1604520"/>
+            <a:ext cx="3926160" cy="1896840"/>
           </a:xfrm>
           <a:prstGeom prst="rect">
             <a:avLst/>
@@ -217,7 +221,7 @@
       </p:sp>
       <p:sp>
         <p:nvSpPr>
-          <p:cNvPr id="31" name="PlaceHolder 3"/>
+          <p:cNvPr id="28" name="PlaceHolder 3"/>
           <p:cNvSpPr>
             <a:spLocks noGrp="1"/>
           </p:cNvSpPr>
@@ -227,8 +231,8 @@
         </p:nvSpPr>
         <p:spPr>
           <a:xfrm>
-            <a:off x="2518560" y="2002320"/>
-            <a:ext cx="1971000" cy="304560"/>
+            <a:off x="4579920" y="1604520"/>
+            <a:ext cx="3926160" cy="1896840"/>
           </a:xfrm>
           <a:prstGeom prst="rect">
             <a:avLst/>
@@ -243,7 +247,7 @@
       </p:sp>
       <p:sp>
         <p:nvSpPr>
-          <p:cNvPr id="32" name="PlaceHolder 4"/>
+          <p:cNvPr id="29" name="PlaceHolder 4"/>
           <p:cNvSpPr>
             <a:spLocks noGrp="1"/>
           </p:cNvSpPr>
@@ -253,8 +257,8 @@
         </p:nvSpPr>
         <p:spPr>
           <a:xfrm>
-            <a:off x="2518560" y="2336040"/>
-            <a:ext cx="1971000" cy="304560"/>
+            <a:off x="4579920" y="3681720"/>
+            <a:ext cx="3926160" cy="1896840"/>
           </a:xfrm>
           <a:prstGeom prst="rect">
             <a:avLst/>
@@ -269,7 +273,7 @@
       </p:sp>
       <p:sp>
         <p:nvSpPr>
-          <p:cNvPr id="33" name="PlaceHolder 5"/>
+          <p:cNvPr id="30" name="PlaceHolder 5"/>
           <p:cNvSpPr>
             <a:spLocks noGrp="1"/>
           </p:cNvSpPr>
@@ -279,8 +283,8 @@
         </p:nvSpPr>
         <p:spPr>
           <a:xfrm>
-            <a:off x="448920" y="2336040"/>
-            <a:ext cx="1971000" cy="304560"/>
+            <a:off x="457200" y="3681720"/>
+            <a:ext cx="3926160" cy="1896840"/>
           </a:xfrm>
           <a:prstGeom prst="rect">
             <a:avLst/>
@@ -317,7 +321,7 @@
       </p:grpSpPr>
       <p:sp>
         <p:nvSpPr>
-          <p:cNvPr id="34" name="PlaceHolder 1"/>
+          <p:cNvPr id="31" name="PlaceHolder 1"/>
           <p:cNvSpPr>
             <a:spLocks noGrp="1"/>
           </p:cNvSpPr>
@@ -327,8 +331,8 @@
         </p:nvSpPr>
         <p:spPr>
           <a:xfrm>
-            <a:off x="448920" y="833040"/>
-            <a:ext cx="8229240" cy="1143000"/>
+            <a:off x="457200" y="273600"/>
+            <a:ext cx="8229240" cy="1145160"/>
           </a:xfrm>
           <a:prstGeom prst="rect">
             <a:avLst/>
@@ -337,13 +341,14 @@
         <p:txBody>
           <a:bodyPr anchor="ctr" bIns="0" lIns="0" rIns="0" tIns="0" wrap="none"/>
           <a:p>
-            <a:endParaRPr/>
-          </a:p>
-        </p:txBody>
-      </p:sp>
-      <p:sp>
-        <p:nvSpPr>
-          <p:cNvPr id="35" name="PlaceHolder 2"/>
+            <a:pPr algn="ctr"/>
+            <a:endParaRPr/>
+          </a:p>
+        </p:txBody>
+      </p:sp>
+      <p:sp>
+        <p:nvSpPr>
+          <p:cNvPr id="32" name="PlaceHolder 2"/>
           <p:cNvSpPr>
             <a:spLocks noGrp="1"/>
           </p:cNvSpPr>
@@ -353,8 +358,8 @@
         </p:nvSpPr>
         <p:spPr>
           <a:xfrm>
-            <a:off x="448920" y="2002320"/>
-            <a:ext cx="1971000" cy="304560"/>
+            <a:off x="457200" y="1604520"/>
+            <a:ext cx="3926160" cy="1896840"/>
           </a:xfrm>
           <a:prstGeom prst="rect">
             <a:avLst/>
@@ -369,7 +374,7 @@
       </p:sp>
       <p:sp>
         <p:nvSpPr>
-          <p:cNvPr id="36" name="PlaceHolder 3"/>
+          <p:cNvPr id="33" name="PlaceHolder 3"/>
           <p:cNvSpPr>
             <a:spLocks noGrp="1"/>
           </p:cNvSpPr>
@@ -379,8 +384,8 @@
         </p:nvSpPr>
         <p:spPr>
           <a:xfrm>
-            <a:off x="2518560" y="2002320"/>
-            <a:ext cx="1971000" cy="304560"/>
+            <a:off x="4579920" y="1604520"/>
+            <a:ext cx="3926160" cy="1896840"/>
           </a:xfrm>
           <a:prstGeom prst="rect">
             <a:avLst/>
@@ -439,7 +444,7 @@
       </p:grpSpPr>
       <p:sp>
         <p:nvSpPr>
-          <p:cNvPr id="42" name="PlaceHolder 1"/>
+          <p:cNvPr id="36" name="PlaceHolder 1"/>
           <p:cNvSpPr>
             <a:spLocks noGrp="1"/>
           </p:cNvSpPr>
@@ -449,8 +454,8 @@
         </p:nvSpPr>
         <p:spPr>
           <a:xfrm>
-            <a:off x="448920" y="833040"/>
-            <a:ext cx="8229240" cy="1143000"/>
+            <a:off x="457200" y="273600"/>
+            <a:ext cx="8229240" cy="1145160"/>
           </a:xfrm>
           <a:prstGeom prst="rect">
             <a:avLst/>
@@ -459,13 +464,14 @@
         <p:txBody>
           <a:bodyPr anchor="ctr" bIns="0" lIns="0" rIns="0" tIns="0" wrap="none"/>
           <a:p>
-            <a:endParaRPr/>
-          </a:p>
-        </p:txBody>
-      </p:sp>
-      <p:sp>
-        <p:nvSpPr>
-          <p:cNvPr id="43" name="PlaceHolder 2"/>
+            <a:pPr algn="ctr"/>
+            <a:endParaRPr/>
+          </a:p>
+        </p:txBody>
+      </p:sp>
+      <p:sp>
+        <p:nvSpPr>
+          <p:cNvPr id="37" name="PlaceHolder 2"/>
           <p:cNvSpPr>
             <a:spLocks noGrp="1"/>
           </p:cNvSpPr>
@@ -475,8 +481,8 @@
         </p:nvSpPr>
         <p:spPr>
           <a:xfrm>
-            <a:off x="448920" y="2002320"/>
-            <a:ext cx="4039920" cy="639720"/>
+            <a:off x="457200" y="1604520"/>
+            <a:ext cx="8046360" cy="3977640"/>
           </a:xfrm>
           <a:prstGeom prst="rect">
             <a:avLst/>
@@ -514,7 +520,7 @@
       </p:grpSpPr>
       <p:sp>
         <p:nvSpPr>
-          <p:cNvPr id="44" name="PlaceHolder 1"/>
+          <p:cNvPr id="38" name="PlaceHolder 1"/>
           <p:cNvSpPr>
             <a:spLocks noGrp="1"/>
           </p:cNvSpPr>
@@ -524,8 +530,8 @@
         </p:nvSpPr>
         <p:spPr>
           <a:xfrm>
-            <a:off x="448920" y="833040"/>
-            <a:ext cx="8229240" cy="1143000"/>
+            <a:off x="457200" y="273600"/>
+            <a:ext cx="8229240" cy="1145160"/>
           </a:xfrm>
           <a:prstGeom prst="rect">
             <a:avLst/>
@@ -534,13 +540,14 @@
         <p:txBody>
           <a:bodyPr anchor="ctr" bIns="0" lIns="0" rIns="0" tIns="0" wrap="none"/>
           <a:p>
-            <a:endParaRPr/>
-          </a:p>
-        </p:txBody>
-      </p:sp>
-      <p:sp>
-        <p:nvSpPr>
-          <p:cNvPr id="45" name="PlaceHolder 2"/>
+            <a:pPr algn="ctr"/>
+            <a:endParaRPr/>
+          </a:p>
+        </p:txBody>
+      </p:sp>
+      <p:sp>
+        <p:nvSpPr>
+          <p:cNvPr id="39" name="PlaceHolder 2"/>
           <p:cNvSpPr>
             <a:spLocks noGrp="1"/>
           </p:cNvSpPr>
@@ -550,8 +557,8 @@
         </p:nvSpPr>
         <p:spPr>
           <a:xfrm>
-            <a:off x="448920" y="2002320"/>
-            <a:ext cx="4039920" cy="639360"/>
+            <a:off x="457200" y="1604520"/>
+            <a:ext cx="8046360" cy="3977280"/>
           </a:xfrm>
           <a:prstGeom prst="rect">
             <a:avLst/>
@@ -588,7 +595,7 @@
       </p:grpSpPr>
       <p:sp>
         <p:nvSpPr>
-          <p:cNvPr id="46" name="PlaceHolder 1"/>
+          <p:cNvPr id="40" name="PlaceHolder 1"/>
           <p:cNvSpPr>
             <a:spLocks noGrp="1"/>
           </p:cNvSpPr>
@@ -598,8 +605,8 @@
         </p:nvSpPr>
         <p:spPr>
           <a:xfrm>
-            <a:off x="448920" y="833040"/>
-            <a:ext cx="8229240" cy="1143000"/>
+            <a:off x="457200" y="273600"/>
+            <a:ext cx="8229240" cy="1145160"/>
           </a:xfrm>
           <a:prstGeom prst="rect">
             <a:avLst/>
@@ -608,13 +615,14 @@
         <p:txBody>
           <a:bodyPr anchor="ctr" bIns="0" lIns="0" rIns="0" tIns="0" wrap="none"/>
           <a:p>
-            <a:endParaRPr/>
-          </a:p>
-        </p:txBody>
-      </p:sp>
-      <p:sp>
-        <p:nvSpPr>
-          <p:cNvPr id="47" name="PlaceHolder 2"/>
+            <a:pPr algn="ctr"/>
+            <a:endParaRPr/>
+          </a:p>
+        </p:txBody>
+      </p:sp>
+      <p:sp>
+        <p:nvSpPr>
+          <p:cNvPr id="41" name="PlaceHolder 2"/>
           <p:cNvSpPr>
             <a:spLocks noGrp="1"/>
           </p:cNvSpPr>
@@ -624,8 +632,8 @@
         </p:nvSpPr>
         <p:spPr>
           <a:xfrm>
-            <a:off x="448920" y="2002320"/>
-            <a:ext cx="1971000" cy="639360"/>
+            <a:off x="457200" y="1604520"/>
+            <a:ext cx="3926160" cy="3977280"/>
           </a:xfrm>
           <a:prstGeom prst="rect">
             <a:avLst/>
@@ -640,7 +648,7 @@
       </p:sp>
       <p:sp>
         <p:nvSpPr>
-          <p:cNvPr id="48" name="PlaceHolder 3"/>
+          <p:cNvPr id="42" name="PlaceHolder 3"/>
           <p:cNvSpPr>
             <a:spLocks noGrp="1"/>
           </p:cNvSpPr>
@@ -650,8 +658,8 @@
         </p:nvSpPr>
         <p:spPr>
           <a:xfrm>
-            <a:off x="2518560" y="2002320"/>
-            <a:ext cx="1971000" cy="639360"/>
+            <a:off x="4579920" y="1604520"/>
+            <a:ext cx="3926160" cy="3977280"/>
           </a:xfrm>
           <a:prstGeom prst="rect">
             <a:avLst/>
@@ -688,7 +696,7 @@
       </p:grpSpPr>
       <p:sp>
         <p:nvSpPr>
-          <p:cNvPr id="49" name="PlaceHolder 1"/>
+          <p:cNvPr id="43" name="PlaceHolder 1"/>
           <p:cNvSpPr>
             <a:spLocks noGrp="1"/>
           </p:cNvSpPr>
@@ -698,8 +706,8 @@
         </p:nvSpPr>
         <p:spPr>
           <a:xfrm>
-            <a:off x="448920" y="833040"/>
-            <a:ext cx="8229240" cy="1143000"/>
+            <a:off x="457200" y="273600"/>
+            <a:ext cx="8229240" cy="1145160"/>
           </a:xfrm>
           <a:prstGeom prst="rect">
             <a:avLst/>
@@ -708,6 +716,7 @@
         <p:txBody>
           <a:bodyPr anchor="ctr" bIns="0" lIns="0" rIns="0" tIns="0" wrap="none"/>
           <a:p>
+            <a:pPr algn="ctr"/>
             <a:endParaRPr/>
           </a:p>
         </p:txBody>
@@ -736,7 +745,7 @@
       </p:grpSpPr>
       <p:sp>
         <p:nvSpPr>
-          <p:cNvPr id="50" name="PlaceHolder 1"/>
+          <p:cNvPr id="44" name="PlaceHolder 1"/>
           <p:cNvSpPr>
             <a:spLocks noGrp="1"/>
           </p:cNvSpPr>
@@ -746,8 +755,8 @@
         </p:nvSpPr>
         <p:spPr>
           <a:xfrm>
-            <a:off x="448920" y="833040"/>
-            <a:ext cx="8229240" cy="1808640"/>
+            <a:off x="457200" y="273600"/>
+            <a:ext cx="8229240" cy="5308200"/>
           </a:xfrm>
           <a:prstGeom prst="rect">
             <a:avLst/>
@@ -785,7 +794,7 @@
       </p:grpSpPr>
       <p:sp>
         <p:nvSpPr>
-          <p:cNvPr id="51" name="PlaceHolder 1"/>
+          <p:cNvPr id="45" name="PlaceHolder 1"/>
           <p:cNvSpPr>
             <a:spLocks noGrp="1"/>
           </p:cNvSpPr>
@@ -795,8 +804,8 @@
         </p:nvSpPr>
         <p:spPr>
           <a:xfrm>
-            <a:off x="448920" y="833040"/>
-            <a:ext cx="8229240" cy="1143000"/>
+            <a:off x="457200" y="273600"/>
+            <a:ext cx="8229240" cy="1145160"/>
           </a:xfrm>
           <a:prstGeom prst="rect">
             <a:avLst/>
@@ -805,13 +814,14 @@
         <p:txBody>
           <a:bodyPr anchor="ctr" bIns="0" lIns="0" rIns="0" tIns="0" wrap="none"/>
           <a:p>
-            <a:endParaRPr/>
-          </a:p>
-        </p:txBody>
-      </p:sp>
-      <p:sp>
-        <p:nvSpPr>
-          <p:cNvPr id="52" name="PlaceHolder 2"/>
+            <a:pPr algn="ctr"/>
+            <a:endParaRPr/>
+          </a:p>
+        </p:txBody>
+      </p:sp>
+      <p:sp>
+        <p:nvSpPr>
+          <p:cNvPr id="46" name="PlaceHolder 2"/>
           <p:cNvSpPr>
             <a:spLocks noGrp="1"/>
           </p:cNvSpPr>
@@ -821,8 +831,8 @@
         </p:nvSpPr>
         <p:spPr>
           <a:xfrm>
-            <a:off x="448920" y="2002320"/>
-            <a:ext cx="1971000" cy="304560"/>
+            <a:off x="457200" y="1604520"/>
+            <a:ext cx="3926160" cy="1896840"/>
           </a:xfrm>
           <a:prstGeom prst="rect">
             <a:avLst/>
@@ -837,7 +847,7 @@
       </p:sp>
       <p:sp>
         <p:nvSpPr>
-          <p:cNvPr id="53" name="PlaceHolder 3"/>
+          <p:cNvPr id="47" name="PlaceHolder 3"/>
           <p:cNvSpPr>
             <a:spLocks noGrp="1"/>
           </p:cNvSpPr>
@@ -847,8 +857,8 @@
         </p:nvSpPr>
         <p:spPr>
           <a:xfrm>
-            <a:off x="448920" y="2336040"/>
-            <a:ext cx="1971000" cy="304560"/>
+            <a:off x="457200" y="3681720"/>
+            <a:ext cx="3926160" cy="1896840"/>
           </a:xfrm>
           <a:prstGeom prst="rect">
             <a:avLst/>
@@ -863,7 +873,7 @@
       </p:sp>
       <p:sp>
         <p:nvSpPr>
-          <p:cNvPr id="54" name="PlaceHolder 4"/>
+          <p:cNvPr id="48" name="PlaceHolder 4"/>
           <p:cNvSpPr>
             <a:spLocks noGrp="1"/>
           </p:cNvSpPr>
@@ -873,8 +883,8 @@
         </p:nvSpPr>
         <p:spPr>
           <a:xfrm>
-            <a:off x="2518560" y="2002320"/>
-            <a:ext cx="1971000" cy="639360"/>
+            <a:off x="4579920" y="1604520"/>
+            <a:ext cx="3926160" cy="3977280"/>
           </a:xfrm>
           <a:prstGeom prst="rect">
             <a:avLst/>
@@ -911,7 +921,7 @@
       </p:grpSpPr>
       <p:sp>
         <p:nvSpPr>
-          <p:cNvPr id="5" name="PlaceHolder 1"/>
+          <p:cNvPr id="2" name="PlaceHolder 1"/>
           <p:cNvSpPr>
             <a:spLocks noGrp="1"/>
           </p:cNvSpPr>
@@ -921,8 +931,8 @@
         </p:nvSpPr>
         <p:spPr>
           <a:xfrm>
-            <a:off x="448920" y="833040"/>
-            <a:ext cx="8229240" cy="1143000"/>
+            <a:off x="457200" y="273600"/>
+            <a:ext cx="8229240" cy="1145160"/>
           </a:xfrm>
           <a:prstGeom prst="rect">
             <a:avLst/>
@@ -931,13 +941,14 @@
         <p:txBody>
           <a:bodyPr anchor="ctr" bIns="0" lIns="0" rIns="0" tIns="0" wrap="none"/>
           <a:p>
-            <a:endParaRPr/>
-          </a:p>
-        </p:txBody>
-      </p:sp>
-      <p:sp>
-        <p:nvSpPr>
-          <p:cNvPr id="6" name="PlaceHolder 2"/>
+            <a:pPr algn="ctr"/>
+            <a:endParaRPr/>
+          </a:p>
+        </p:txBody>
+      </p:sp>
+      <p:sp>
+        <p:nvSpPr>
+          <p:cNvPr id="3" name="PlaceHolder 2"/>
           <p:cNvSpPr>
             <a:spLocks noGrp="1"/>
           </p:cNvSpPr>
@@ -947,8 +958,8 @@
         </p:nvSpPr>
         <p:spPr>
           <a:xfrm>
-            <a:off x="448920" y="2002320"/>
-            <a:ext cx="4039920" cy="639720"/>
+            <a:off x="457200" y="1604520"/>
+            <a:ext cx="8046360" cy="3977640"/>
           </a:xfrm>
           <a:prstGeom prst="rect">
             <a:avLst/>
@@ -986,7 +997,7 @@
       </p:grpSpPr>
       <p:sp>
         <p:nvSpPr>
-          <p:cNvPr id="55" name="PlaceHolder 1"/>
+          <p:cNvPr id="49" name="PlaceHolder 1"/>
           <p:cNvSpPr>
             <a:spLocks noGrp="1"/>
           </p:cNvSpPr>
@@ -996,8 +1007,8 @@
         </p:nvSpPr>
         <p:spPr>
           <a:xfrm>
-            <a:off x="448920" y="833040"/>
-            <a:ext cx="8229240" cy="1143000"/>
+            <a:off x="457200" y="273600"/>
+            <a:ext cx="8229240" cy="1145160"/>
           </a:xfrm>
           <a:prstGeom prst="rect">
             <a:avLst/>
@@ -1006,13 +1017,14 @@
         <p:txBody>
           <a:bodyPr anchor="ctr" bIns="0" lIns="0" rIns="0" tIns="0" wrap="none"/>
           <a:p>
-            <a:endParaRPr/>
-          </a:p>
-        </p:txBody>
-      </p:sp>
-      <p:sp>
-        <p:nvSpPr>
-          <p:cNvPr id="56" name="PlaceHolder 2"/>
+            <a:pPr algn="ctr"/>
+            <a:endParaRPr/>
+          </a:p>
+        </p:txBody>
+      </p:sp>
+      <p:sp>
+        <p:nvSpPr>
+          <p:cNvPr id="50" name="PlaceHolder 2"/>
           <p:cNvSpPr>
             <a:spLocks noGrp="1"/>
           </p:cNvSpPr>
@@ -1022,8 +1034,8 @@
         </p:nvSpPr>
         <p:spPr>
           <a:xfrm>
-            <a:off x="448920" y="2002320"/>
-            <a:ext cx="1971000" cy="639360"/>
+            <a:off x="457200" y="1604520"/>
+            <a:ext cx="3926160" cy="3977280"/>
           </a:xfrm>
           <a:prstGeom prst="rect">
             <a:avLst/>
@@ -1038,7 +1050,7 @@
       </p:sp>
       <p:sp>
         <p:nvSpPr>
-          <p:cNvPr id="57" name="PlaceHolder 3"/>
+          <p:cNvPr id="51" name="PlaceHolder 3"/>
           <p:cNvSpPr>
             <a:spLocks noGrp="1"/>
           </p:cNvSpPr>
@@ -1048,8 +1060,8 @@
         </p:nvSpPr>
         <p:spPr>
           <a:xfrm>
-            <a:off x="2518560" y="2002320"/>
-            <a:ext cx="1971000" cy="304560"/>
+            <a:off x="4579920" y="1604520"/>
+            <a:ext cx="3926160" cy="1896840"/>
           </a:xfrm>
           <a:prstGeom prst="rect">
             <a:avLst/>
@@ -1064,7 +1076,7 @@
       </p:sp>
       <p:sp>
         <p:nvSpPr>
-          <p:cNvPr id="58" name="PlaceHolder 4"/>
+          <p:cNvPr id="52" name="PlaceHolder 4"/>
           <p:cNvSpPr>
             <a:spLocks noGrp="1"/>
           </p:cNvSpPr>
@@ -1074,8 +1086,8 @@
         </p:nvSpPr>
         <p:spPr>
           <a:xfrm>
-            <a:off x="2518560" y="2336040"/>
-            <a:ext cx="1971000" cy="304560"/>
+            <a:off x="4579920" y="3681720"/>
+            <a:ext cx="3926160" cy="1896840"/>
           </a:xfrm>
           <a:prstGeom prst="rect">
             <a:avLst/>
@@ -1112,7 +1124,7 @@
       </p:grpSpPr>
       <p:sp>
         <p:nvSpPr>
-          <p:cNvPr id="59" name="PlaceHolder 1"/>
+          <p:cNvPr id="53" name="PlaceHolder 1"/>
           <p:cNvSpPr>
             <a:spLocks noGrp="1"/>
           </p:cNvSpPr>
@@ -1122,8 +1134,8 @@
         </p:nvSpPr>
         <p:spPr>
           <a:xfrm>
-            <a:off x="448920" y="833040"/>
-            <a:ext cx="8229240" cy="1143000"/>
+            <a:off x="457200" y="273600"/>
+            <a:ext cx="8229240" cy="1145160"/>
           </a:xfrm>
           <a:prstGeom prst="rect">
             <a:avLst/>
@@ -1132,13 +1144,14 @@
         <p:txBody>
           <a:bodyPr anchor="ctr" bIns="0" lIns="0" rIns="0" tIns="0" wrap="none"/>
           <a:p>
-            <a:endParaRPr/>
-          </a:p>
-        </p:txBody>
-      </p:sp>
-      <p:sp>
-        <p:nvSpPr>
-          <p:cNvPr id="60" name="PlaceHolder 2"/>
+            <a:pPr algn="ctr"/>
+            <a:endParaRPr/>
+          </a:p>
+        </p:txBody>
+      </p:sp>
+      <p:sp>
+        <p:nvSpPr>
+          <p:cNvPr id="54" name="PlaceHolder 2"/>
           <p:cNvSpPr>
             <a:spLocks noGrp="1"/>
           </p:cNvSpPr>
@@ -1148,8 +1161,8 @@
         </p:nvSpPr>
         <p:spPr>
           <a:xfrm>
-            <a:off x="448920" y="2002320"/>
-            <a:ext cx="1971000" cy="304560"/>
+            <a:off x="457200" y="1604520"/>
+            <a:ext cx="3926160" cy="1896840"/>
           </a:xfrm>
           <a:prstGeom prst="rect">
             <a:avLst/>
@@ -1164,7 +1177,7 @@
       </p:sp>
       <p:sp>
         <p:nvSpPr>
-          <p:cNvPr id="61" name="PlaceHolder 3"/>
+          <p:cNvPr id="55" name="PlaceHolder 3"/>
           <p:cNvSpPr>
             <a:spLocks noGrp="1"/>
           </p:cNvSpPr>
@@ -1174,8 +1187,8 @@
         </p:nvSpPr>
         <p:spPr>
           <a:xfrm>
-            <a:off x="2518560" y="2002320"/>
-            <a:ext cx="1971000" cy="304560"/>
+            <a:off x="4579920" y="1604520"/>
+            <a:ext cx="3926160" cy="1896840"/>
           </a:xfrm>
           <a:prstGeom prst="rect">
             <a:avLst/>
@@ -1190,7 +1203,7 @@
       </p:sp>
       <p:sp>
         <p:nvSpPr>
-          <p:cNvPr id="62" name="PlaceHolder 4"/>
+          <p:cNvPr id="56" name="PlaceHolder 4"/>
           <p:cNvSpPr>
             <a:spLocks noGrp="1"/>
           </p:cNvSpPr>
@@ -1200,8 +1213,8 @@
         </p:nvSpPr>
         <p:spPr>
           <a:xfrm>
-            <a:off x="448920" y="2336040"/>
-            <a:ext cx="4039200" cy="304560"/>
+            <a:off x="457200" y="3681720"/>
+            <a:ext cx="8045640" cy="1896840"/>
           </a:xfrm>
           <a:prstGeom prst="rect">
             <a:avLst/>
@@ -1238,7 +1251,7 @@
       </p:grpSpPr>
       <p:sp>
         <p:nvSpPr>
-          <p:cNvPr id="63" name="PlaceHolder 1"/>
+          <p:cNvPr id="57" name="PlaceHolder 1"/>
           <p:cNvSpPr>
             <a:spLocks noGrp="1"/>
           </p:cNvSpPr>
@@ -1248,8 +1261,8 @@
         </p:nvSpPr>
         <p:spPr>
           <a:xfrm>
-            <a:off x="448920" y="833040"/>
-            <a:ext cx="8229240" cy="1143000"/>
+            <a:off x="457200" y="273600"/>
+            <a:ext cx="8229240" cy="1145160"/>
           </a:xfrm>
           <a:prstGeom prst="rect">
             <a:avLst/>
@@ -1258,13 +1271,14 @@
         <p:txBody>
           <a:bodyPr anchor="ctr" bIns="0" lIns="0" rIns="0" tIns="0" wrap="none"/>
           <a:p>
-            <a:endParaRPr/>
-          </a:p>
-        </p:txBody>
-      </p:sp>
-      <p:sp>
-        <p:nvSpPr>
-          <p:cNvPr id="64" name="PlaceHolder 2"/>
+            <a:pPr algn="ctr"/>
+            <a:endParaRPr/>
+          </a:p>
+        </p:txBody>
+      </p:sp>
+      <p:sp>
+        <p:nvSpPr>
+          <p:cNvPr id="58" name="PlaceHolder 2"/>
           <p:cNvSpPr>
             <a:spLocks noGrp="1"/>
           </p:cNvSpPr>
@@ -1274,8 +1288,8 @@
         </p:nvSpPr>
         <p:spPr>
           <a:xfrm>
-            <a:off x="448920" y="2002320"/>
-            <a:ext cx="4039920" cy="304560"/>
+            <a:off x="457200" y="1604520"/>
+            <a:ext cx="8046360" cy="1896840"/>
           </a:xfrm>
           <a:prstGeom prst="rect">
             <a:avLst/>
@@ -1290,7 +1304,7 @@
       </p:sp>
       <p:sp>
         <p:nvSpPr>
-          <p:cNvPr id="65" name="PlaceHolder 3"/>
+          <p:cNvPr id="59" name="PlaceHolder 3"/>
           <p:cNvSpPr>
             <a:spLocks noGrp="1"/>
           </p:cNvSpPr>
@@ -1300,8 +1314,8 @@
         </p:nvSpPr>
         <p:spPr>
           <a:xfrm>
-            <a:off x="448920" y="2336040"/>
-            <a:ext cx="4039920" cy="304560"/>
+            <a:off x="457200" y="3681720"/>
+            <a:ext cx="8046360" cy="1896840"/>
           </a:xfrm>
           <a:prstGeom prst="rect">
             <a:avLst/>
@@ -1338,7 +1352,7 @@
       </p:grpSpPr>
       <p:sp>
         <p:nvSpPr>
-          <p:cNvPr id="66" name="PlaceHolder 1"/>
+          <p:cNvPr id="60" name="PlaceHolder 1"/>
           <p:cNvSpPr>
             <a:spLocks noGrp="1"/>
           </p:cNvSpPr>
@@ -1348,8 +1362,8 @@
         </p:nvSpPr>
         <p:spPr>
           <a:xfrm>
-            <a:off x="448920" y="833040"/>
-            <a:ext cx="8229240" cy="1143000"/>
+            <a:off x="457200" y="273600"/>
+            <a:ext cx="8229240" cy="1145160"/>
           </a:xfrm>
           <a:prstGeom prst="rect">
             <a:avLst/>
@@ -1358,13 +1372,14 @@
         <p:txBody>
           <a:bodyPr anchor="ctr" bIns="0" lIns="0" rIns="0" tIns="0" wrap="none"/>
           <a:p>
-            <a:endParaRPr/>
-          </a:p>
-        </p:txBody>
-      </p:sp>
-      <p:sp>
-        <p:nvSpPr>
-          <p:cNvPr id="67" name="PlaceHolder 2"/>
+            <a:pPr algn="ctr"/>
+            <a:endParaRPr/>
+          </a:p>
+        </p:txBody>
+      </p:sp>
+      <p:sp>
+        <p:nvSpPr>
+          <p:cNvPr id="61" name="PlaceHolder 2"/>
           <p:cNvSpPr>
             <a:spLocks noGrp="1"/>
           </p:cNvSpPr>
@@ -1374,8 +1389,8 @@
         </p:nvSpPr>
         <p:spPr>
           <a:xfrm>
-            <a:off x="448920" y="2002320"/>
-            <a:ext cx="1971000" cy="304560"/>
+            <a:off x="457200" y="1604520"/>
+            <a:ext cx="3926160" cy="1896840"/>
           </a:xfrm>
           <a:prstGeom prst="rect">
             <a:avLst/>
@@ -1390,7 +1405,7 @@
       </p:sp>
       <p:sp>
         <p:nvSpPr>
-          <p:cNvPr id="68" name="PlaceHolder 3"/>
+          <p:cNvPr id="62" name="PlaceHolder 3"/>
           <p:cNvSpPr>
             <a:spLocks noGrp="1"/>
           </p:cNvSpPr>
@@ -1400,8 +1415,8 @@
         </p:nvSpPr>
         <p:spPr>
           <a:xfrm>
-            <a:off x="2518560" y="2002320"/>
-            <a:ext cx="1971000" cy="304560"/>
+            <a:off x="4579920" y="1604520"/>
+            <a:ext cx="3926160" cy="1896840"/>
           </a:xfrm>
           <a:prstGeom prst="rect">
             <a:avLst/>
@@ -1416,7 +1431,7 @@
       </p:sp>
       <p:sp>
         <p:nvSpPr>
-          <p:cNvPr id="69" name="PlaceHolder 4"/>
+          <p:cNvPr id="63" name="PlaceHolder 4"/>
           <p:cNvSpPr>
             <a:spLocks noGrp="1"/>
           </p:cNvSpPr>
@@ -1426,8 +1441,8 @@
         </p:nvSpPr>
         <p:spPr>
           <a:xfrm>
-            <a:off x="2518560" y="2336040"/>
-            <a:ext cx="1971000" cy="304560"/>
+            <a:off x="4579920" y="3681720"/>
+            <a:ext cx="3926160" cy="1896840"/>
           </a:xfrm>
           <a:prstGeom prst="rect">
             <a:avLst/>
@@ -1442,7 +1457,7 @@
       </p:sp>
       <p:sp>
         <p:nvSpPr>
-          <p:cNvPr id="70" name="PlaceHolder 5"/>
+          <p:cNvPr id="64" name="PlaceHolder 5"/>
           <p:cNvSpPr>
             <a:spLocks noGrp="1"/>
           </p:cNvSpPr>
@@ -1452,8 +1467,8 @@
         </p:nvSpPr>
         <p:spPr>
           <a:xfrm>
-            <a:off x="448920" y="2336040"/>
-            <a:ext cx="1971000" cy="304560"/>
+            <a:off x="457200" y="3681720"/>
+            <a:ext cx="3926160" cy="1896840"/>
           </a:xfrm>
           <a:prstGeom prst="rect">
             <a:avLst/>
@@ -1490,7 +1505,7 @@
       </p:grpSpPr>
       <p:sp>
         <p:nvSpPr>
-          <p:cNvPr id="71" name="PlaceHolder 1"/>
+          <p:cNvPr id="65" name="PlaceHolder 1"/>
           <p:cNvSpPr>
             <a:spLocks noGrp="1"/>
           </p:cNvSpPr>
@@ -1500,8 +1515,8 @@
         </p:nvSpPr>
         <p:spPr>
           <a:xfrm>
-            <a:off x="448920" y="833040"/>
-            <a:ext cx="8229240" cy="1143000"/>
+            <a:off x="457200" y="273600"/>
+            <a:ext cx="8229240" cy="1145160"/>
           </a:xfrm>
           <a:prstGeom prst="rect">
             <a:avLst/>
@@ -1510,13 +1525,14 @@
         <p:txBody>
           <a:bodyPr anchor="ctr" bIns="0" lIns="0" rIns="0" tIns="0" wrap="none"/>
           <a:p>
-            <a:endParaRPr/>
-          </a:p>
-        </p:txBody>
-      </p:sp>
-      <p:sp>
-        <p:nvSpPr>
-          <p:cNvPr id="72" name="PlaceHolder 2"/>
+            <a:pPr algn="ctr"/>
+            <a:endParaRPr/>
+          </a:p>
+        </p:txBody>
+      </p:sp>
+      <p:sp>
+        <p:nvSpPr>
+          <p:cNvPr id="66" name="PlaceHolder 2"/>
           <p:cNvSpPr>
             <a:spLocks noGrp="1"/>
           </p:cNvSpPr>
@@ -1526,8 +1542,8 @@
         </p:nvSpPr>
         <p:spPr>
           <a:xfrm>
-            <a:off x="448920" y="2002320"/>
-            <a:ext cx="1971000" cy="304560"/>
+            <a:off x="457200" y="1604520"/>
+            <a:ext cx="3926160" cy="1896840"/>
           </a:xfrm>
           <a:prstGeom prst="rect">
             <a:avLst/>
@@ -1542,7 +1558,7 @@
       </p:sp>
       <p:sp>
         <p:nvSpPr>
-          <p:cNvPr id="73" name="PlaceHolder 3"/>
+          <p:cNvPr id="67" name="PlaceHolder 3"/>
           <p:cNvSpPr>
             <a:spLocks noGrp="1"/>
           </p:cNvSpPr>
@@ -1552,8 +1568,8 @@
         </p:nvSpPr>
         <p:spPr>
           <a:xfrm>
-            <a:off x="2518560" y="2002320"/>
-            <a:ext cx="1971000" cy="304560"/>
+            <a:off x="4579920" y="1604520"/>
+            <a:ext cx="3926160" cy="1896840"/>
           </a:xfrm>
           <a:prstGeom prst="rect">
             <a:avLst/>
@@ -1612,7 +1628,7 @@
       </p:grpSpPr>
       <p:sp>
         <p:nvSpPr>
-          <p:cNvPr id="79" name="PlaceHolder 1"/>
+          <p:cNvPr id="70" name="PlaceHolder 1"/>
           <p:cNvSpPr>
             <a:spLocks noGrp="1"/>
           </p:cNvSpPr>
@@ -1622,8 +1638,8 @@
         </p:nvSpPr>
         <p:spPr>
           <a:xfrm>
-            <a:off x="448920" y="833040"/>
-            <a:ext cx="8229240" cy="1143000"/>
+            <a:off x="457200" y="273600"/>
+            <a:ext cx="8229240" cy="1145160"/>
           </a:xfrm>
           <a:prstGeom prst="rect">
             <a:avLst/>
@@ -1632,13 +1648,14 @@
         <p:txBody>
           <a:bodyPr anchor="ctr" bIns="0" lIns="0" rIns="0" tIns="0" wrap="none"/>
           <a:p>
-            <a:endParaRPr/>
-          </a:p>
-        </p:txBody>
-      </p:sp>
-      <p:sp>
-        <p:nvSpPr>
-          <p:cNvPr id="80" name="PlaceHolder 2"/>
+            <a:pPr algn="ctr"/>
+            <a:endParaRPr/>
+          </a:p>
+        </p:txBody>
+      </p:sp>
+      <p:sp>
+        <p:nvSpPr>
+          <p:cNvPr id="71" name="PlaceHolder 2"/>
           <p:cNvSpPr>
             <a:spLocks noGrp="1"/>
           </p:cNvSpPr>
@@ -1648,8 +1665,8 @@
         </p:nvSpPr>
         <p:spPr>
           <a:xfrm>
-            <a:off x="448920" y="2002320"/>
-            <a:ext cx="4039920" cy="639720"/>
+            <a:off x="457200" y="1604520"/>
+            <a:ext cx="8046360" cy="3977640"/>
           </a:xfrm>
           <a:prstGeom prst="rect">
             <a:avLst/>
@@ -1687,7 +1704,7 @@
       </p:grpSpPr>
       <p:sp>
         <p:nvSpPr>
-          <p:cNvPr id="81" name="PlaceHolder 1"/>
+          <p:cNvPr id="72" name="PlaceHolder 1"/>
           <p:cNvSpPr>
             <a:spLocks noGrp="1"/>
           </p:cNvSpPr>
@@ -1697,8 +1714,8 @@
         </p:nvSpPr>
         <p:spPr>
           <a:xfrm>
-            <a:off x="448920" y="833040"/>
-            <a:ext cx="8229240" cy="1143000"/>
+            <a:off x="457200" y="273600"/>
+            <a:ext cx="8229240" cy="1145160"/>
           </a:xfrm>
           <a:prstGeom prst="rect">
             <a:avLst/>
@@ -1707,13 +1724,14 @@
         <p:txBody>
           <a:bodyPr anchor="ctr" bIns="0" lIns="0" rIns="0" tIns="0" wrap="none"/>
           <a:p>
-            <a:endParaRPr/>
-          </a:p>
-        </p:txBody>
-      </p:sp>
-      <p:sp>
-        <p:nvSpPr>
-          <p:cNvPr id="82" name="PlaceHolder 2"/>
+            <a:pPr algn="ctr"/>
+            <a:endParaRPr/>
+          </a:p>
+        </p:txBody>
+      </p:sp>
+      <p:sp>
+        <p:nvSpPr>
+          <p:cNvPr id="73" name="PlaceHolder 2"/>
           <p:cNvSpPr>
             <a:spLocks noGrp="1"/>
           </p:cNvSpPr>
@@ -1723,8 +1741,8 @@
         </p:nvSpPr>
         <p:spPr>
           <a:xfrm>
-            <a:off x="448920" y="2002320"/>
-            <a:ext cx="4039920" cy="639360"/>
+            <a:off x="457200" y="1604520"/>
+            <a:ext cx="8046360" cy="3977280"/>
           </a:xfrm>
           <a:prstGeom prst="rect">
             <a:avLst/>
@@ -1761,7 +1779,7 @@
       </p:grpSpPr>
       <p:sp>
         <p:nvSpPr>
-          <p:cNvPr id="83" name="PlaceHolder 1"/>
+          <p:cNvPr id="74" name="PlaceHolder 1"/>
           <p:cNvSpPr>
             <a:spLocks noGrp="1"/>
           </p:cNvSpPr>
@@ -1771,8 +1789,8 @@
         </p:nvSpPr>
         <p:spPr>
           <a:xfrm>
-            <a:off x="448920" y="833040"/>
-            <a:ext cx="8229240" cy="1143000"/>
+            <a:off x="457200" y="273600"/>
+            <a:ext cx="8229240" cy="1145160"/>
           </a:xfrm>
           <a:prstGeom prst="rect">
             <a:avLst/>
@@ -1781,13 +1799,14 @@
         <p:txBody>
           <a:bodyPr anchor="ctr" bIns="0" lIns="0" rIns="0" tIns="0" wrap="none"/>
           <a:p>
-            <a:endParaRPr/>
-          </a:p>
-        </p:txBody>
-      </p:sp>
-      <p:sp>
-        <p:nvSpPr>
-          <p:cNvPr id="84" name="PlaceHolder 2"/>
+            <a:pPr algn="ctr"/>
+            <a:endParaRPr/>
+          </a:p>
+        </p:txBody>
+      </p:sp>
+      <p:sp>
+        <p:nvSpPr>
+          <p:cNvPr id="75" name="PlaceHolder 2"/>
           <p:cNvSpPr>
             <a:spLocks noGrp="1"/>
           </p:cNvSpPr>
@@ -1797,8 +1816,8 @@
         </p:nvSpPr>
         <p:spPr>
           <a:xfrm>
-            <a:off x="448920" y="2002320"/>
-            <a:ext cx="1971000" cy="639360"/>
+            <a:off x="457200" y="1604520"/>
+            <a:ext cx="3926160" cy="3977280"/>
           </a:xfrm>
           <a:prstGeom prst="rect">
             <a:avLst/>
@@ -1813,7 +1832,7 @@
       </p:sp>
       <p:sp>
         <p:nvSpPr>
-          <p:cNvPr id="85" name="PlaceHolder 3"/>
+          <p:cNvPr id="76" name="PlaceHolder 3"/>
           <p:cNvSpPr>
             <a:spLocks noGrp="1"/>
           </p:cNvSpPr>
@@ -1823,8 +1842,8 @@
         </p:nvSpPr>
         <p:spPr>
           <a:xfrm>
-            <a:off x="2518560" y="2002320"/>
-            <a:ext cx="1971000" cy="639360"/>
+            <a:off x="4579920" y="1604520"/>
+            <a:ext cx="3926160" cy="3977280"/>
           </a:xfrm>
           <a:prstGeom prst="rect">
             <a:avLst/>
@@ -1861,7 +1880,7 @@
       </p:grpSpPr>
       <p:sp>
         <p:nvSpPr>
-          <p:cNvPr id="86" name="PlaceHolder 1"/>
+          <p:cNvPr id="77" name="PlaceHolder 1"/>
           <p:cNvSpPr>
             <a:spLocks noGrp="1"/>
           </p:cNvSpPr>
@@ -1871,8 +1890,8 @@
         </p:nvSpPr>
         <p:spPr>
           <a:xfrm>
-            <a:off x="448920" y="833040"/>
-            <a:ext cx="8229240" cy="1143000"/>
+            <a:off x="457200" y="273600"/>
+            <a:ext cx="8229240" cy="1145160"/>
           </a:xfrm>
           <a:prstGeom prst="rect">
             <a:avLst/>
@@ -1881,6 +1900,7 @@
         <p:txBody>
           <a:bodyPr anchor="ctr" bIns="0" lIns="0" rIns="0" tIns="0" wrap="none"/>
           <a:p>
+            <a:pPr algn="ctr"/>
             <a:endParaRPr/>
           </a:p>
         </p:txBody>
@@ -1909,7 +1929,7 @@
       </p:grpSpPr>
       <p:sp>
         <p:nvSpPr>
-          <p:cNvPr id="7" name="PlaceHolder 1"/>
+          <p:cNvPr id="4" name="PlaceHolder 1"/>
           <p:cNvSpPr>
             <a:spLocks noGrp="1"/>
           </p:cNvSpPr>
@@ -1919,8 +1939,8 @@
         </p:nvSpPr>
         <p:spPr>
           <a:xfrm>
-            <a:off x="448920" y="833040"/>
-            <a:ext cx="8229240" cy="1143000"/>
+            <a:off x="457200" y="273600"/>
+            <a:ext cx="8229240" cy="1145160"/>
           </a:xfrm>
           <a:prstGeom prst="rect">
             <a:avLst/>
@@ -1929,13 +1949,14 @@
         <p:txBody>
           <a:bodyPr anchor="ctr" bIns="0" lIns="0" rIns="0" tIns="0" wrap="none"/>
           <a:p>
-            <a:endParaRPr/>
-          </a:p>
-        </p:txBody>
-      </p:sp>
-      <p:sp>
-        <p:nvSpPr>
-          <p:cNvPr id="8" name="PlaceHolder 2"/>
+            <a:pPr algn="ctr"/>
+            <a:endParaRPr/>
+          </a:p>
+        </p:txBody>
+      </p:sp>
+      <p:sp>
+        <p:nvSpPr>
+          <p:cNvPr id="5" name="PlaceHolder 2"/>
           <p:cNvSpPr>
             <a:spLocks noGrp="1"/>
           </p:cNvSpPr>
@@ -1945,8 +1966,8 @@
         </p:nvSpPr>
         <p:spPr>
           <a:xfrm>
-            <a:off x="448920" y="2002320"/>
-            <a:ext cx="4039920" cy="639360"/>
+            <a:off x="457200" y="1604520"/>
+            <a:ext cx="8046360" cy="3977280"/>
           </a:xfrm>
           <a:prstGeom prst="rect">
             <a:avLst/>
@@ -1983,7 +2004,7 @@
       </p:grpSpPr>
       <p:sp>
         <p:nvSpPr>
-          <p:cNvPr id="87" name="PlaceHolder 1"/>
+          <p:cNvPr id="78" name="PlaceHolder 1"/>
           <p:cNvSpPr>
             <a:spLocks noGrp="1"/>
           </p:cNvSpPr>
@@ -1993,8 +2014,8 @@
         </p:nvSpPr>
         <p:spPr>
           <a:xfrm>
-            <a:off x="448920" y="833040"/>
-            <a:ext cx="8229240" cy="1808640"/>
+            <a:off x="457200" y="273600"/>
+            <a:ext cx="8229240" cy="5308200"/>
           </a:xfrm>
           <a:prstGeom prst="rect">
             <a:avLst/>
@@ -2032,7 +2053,7 @@
       </p:grpSpPr>
       <p:sp>
         <p:nvSpPr>
-          <p:cNvPr id="88" name="PlaceHolder 1"/>
+          <p:cNvPr id="79" name="PlaceHolder 1"/>
           <p:cNvSpPr>
             <a:spLocks noGrp="1"/>
           </p:cNvSpPr>
@@ -2042,8 +2063,8 @@
         </p:nvSpPr>
         <p:spPr>
           <a:xfrm>
-            <a:off x="448920" y="833040"/>
-            <a:ext cx="8229240" cy="1143000"/>
+            <a:off x="457200" y="273600"/>
+            <a:ext cx="8229240" cy="1145160"/>
           </a:xfrm>
           <a:prstGeom prst="rect">
             <a:avLst/>
@@ -2052,13 +2073,14 @@
         <p:txBody>
           <a:bodyPr anchor="ctr" bIns="0" lIns="0" rIns="0" tIns="0" wrap="none"/>
           <a:p>
-            <a:endParaRPr/>
-          </a:p>
-        </p:txBody>
-      </p:sp>
-      <p:sp>
-        <p:nvSpPr>
-          <p:cNvPr id="89" name="PlaceHolder 2"/>
+            <a:pPr algn="ctr"/>
+            <a:endParaRPr/>
+          </a:p>
+        </p:txBody>
+      </p:sp>
+      <p:sp>
+        <p:nvSpPr>
+          <p:cNvPr id="80" name="PlaceHolder 2"/>
           <p:cNvSpPr>
             <a:spLocks noGrp="1"/>
           </p:cNvSpPr>
@@ -2068,8 +2090,8 @@
         </p:nvSpPr>
         <p:spPr>
           <a:xfrm>
-            <a:off x="448920" y="2002320"/>
-            <a:ext cx="1971000" cy="304560"/>
+            <a:off x="457200" y="1604520"/>
+            <a:ext cx="3926160" cy="1896840"/>
           </a:xfrm>
           <a:prstGeom prst="rect">
             <a:avLst/>
@@ -2084,7 +2106,7 @@
       </p:sp>
       <p:sp>
         <p:nvSpPr>
-          <p:cNvPr id="90" name="PlaceHolder 3"/>
+          <p:cNvPr id="81" name="PlaceHolder 3"/>
           <p:cNvSpPr>
             <a:spLocks noGrp="1"/>
           </p:cNvSpPr>
@@ -2094,8 +2116,8 @@
         </p:nvSpPr>
         <p:spPr>
           <a:xfrm>
-            <a:off x="448920" y="2336040"/>
-            <a:ext cx="1971000" cy="304560"/>
+            <a:off x="457200" y="3681720"/>
+            <a:ext cx="3926160" cy="1896840"/>
           </a:xfrm>
           <a:prstGeom prst="rect">
             <a:avLst/>
@@ -2110,7 +2132,7 @@
       </p:sp>
       <p:sp>
         <p:nvSpPr>
-          <p:cNvPr id="91" name="PlaceHolder 4"/>
+          <p:cNvPr id="82" name="PlaceHolder 4"/>
           <p:cNvSpPr>
             <a:spLocks noGrp="1"/>
           </p:cNvSpPr>
@@ -2120,8 +2142,8 @@
         </p:nvSpPr>
         <p:spPr>
           <a:xfrm>
-            <a:off x="2518560" y="2002320"/>
-            <a:ext cx="1971000" cy="639360"/>
+            <a:off x="4579920" y="1604520"/>
+            <a:ext cx="3926160" cy="3977280"/>
           </a:xfrm>
           <a:prstGeom prst="rect">
             <a:avLst/>
@@ -2158,7 +2180,7 @@
       </p:grpSpPr>
       <p:sp>
         <p:nvSpPr>
-          <p:cNvPr id="92" name="PlaceHolder 1"/>
+          <p:cNvPr id="83" name="PlaceHolder 1"/>
           <p:cNvSpPr>
             <a:spLocks noGrp="1"/>
           </p:cNvSpPr>
@@ -2168,8 +2190,8 @@
         </p:nvSpPr>
         <p:spPr>
           <a:xfrm>
-            <a:off x="448920" y="833040"/>
-            <a:ext cx="8229240" cy="1143000"/>
+            <a:off x="457200" y="273600"/>
+            <a:ext cx="8229240" cy="1145160"/>
           </a:xfrm>
           <a:prstGeom prst="rect">
             <a:avLst/>
@@ -2178,13 +2200,14 @@
         <p:txBody>
           <a:bodyPr anchor="ctr" bIns="0" lIns="0" rIns="0" tIns="0" wrap="none"/>
           <a:p>
-            <a:endParaRPr/>
-          </a:p>
-        </p:txBody>
-      </p:sp>
-      <p:sp>
-        <p:nvSpPr>
-          <p:cNvPr id="93" name="PlaceHolder 2"/>
+            <a:pPr algn="ctr"/>
+            <a:endParaRPr/>
+          </a:p>
+        </p:txBody>
+      </p:sp>
+      <p:sp>
+        <p:nvSpPr>
+          <p:cNvPr id="84" name="PlaceHolder 2"/>
           <p:cNvSpPr>
             <a:spLocks noGrp="1"/>
           </p:cNvSpPr>
@@ -2194,8 +2217,8 @@
         </p:nvSpPr>
         <p:spPr>
           <a:xfrm>
-            <a:off x="448920" y="2002320"/>
-            <a:ext cx="1971000" cy="639360"/>
+            <a:off x="457200" y="1604520"/>
+            <a:ext cx="3926160" cy="3977280"/>
           </a:xfrm>
           <a:prstGeom prst="rect">
             <a:avLst/>
@@ -2210,7 +2233,7 @@
       </p:sp>
       <p:sp>
         <p:nvSpPr>
-          <p:cNvPr id="94" name="PlaceHolder 3"/>
+          <p:cNvPr id="85" name="PlaceHolder 3"/>
           <p:cNvSpPr>
             <a:spLocks noGrp="1"/>
           </p:cNvSpPr>
@@ -2220,8 +2243,8 @@
         </p:nvSpPr>
         <p:spPr>
           <a:xfrm>
-            <a:off x="2518560" y="2002320"/>
-            <a:ext cx="1971000" cy="304560"/>
+            <a:off x="4579920" y="1604520"/>
+            <a:ext cx="3926160" cy="1896840"/>
           </a:xfrm>
           <a:prstGeom prst="rect">
             <a:avLst/>
@@ -2236,7 +2259,7 @@
       </p:sp>
       <p:sp>
         <p:nvSpPr>
-          <p:cNvPr id="95" name="PlaceHolder 4"/>
+          <p:cNvPr id="86" name="PlaceHolder 4"/>
           <p:cNvSpPr>
             <a:spLocks noGrp="1"/>
           </p:cNvSpPr>
@@ -2246,8 +2269,8 @@
         </p:nvSpPr>
         <p:spPr>
           <a:xfrm>
-            <a:off x="2518560" y="2336040"/>
-            <a:ext cx="1971000" cy="304560"/>
+            <a:off x="4579920" y="3681720"/>
+            <a:ext cx="3926160" cy="1896840"/>
           </a:xfrm>
           <a:prstGeom prst="rect">
             <a:avLst/>
@@ -2284,7 +2307,7 @@
       </p:grpSpPr>
       <p:sp>
         <p:nvSpPr>
-          <p:cNvPr id="96" name="PlaceHolder 1"/>
+          <p:cNvPr id="87" name="PlaceHolder 1"/>
           <p:cNvSpPr>
             <a:spLocks noGrp="1"/>
           </p:cNvSpPr>
@@ -2294,8 +2317,8 @@
         </p:nvSpPr>
         <p:spPr>
           <a:xfrm>
-            <a:off x="448920" y="833040"/>
-            <a:ext cx="8229240" cy="1143000"/>
+            <a:off x="457200" y="273600"/>
+            <a:ext cx="8229240" cy="1145160"/>
           </a:xfrm>
           <a:prstGeom prst="rect">
             <a:avLst/>
@@ -2304,13 +2327,14 @@
         <p:txBody>
           <a:bodyPr anchor="ctr" bIns="0" lIns="0" rIns="0" tIns="0" wrap="none"/>
           <a:p>
-            <a:endParaRPr/>
-          </a:p>
-        </p:txBody>
-      </p:sp>
-      <p:sp>
-        <p:nvSpPr>
-          <p:cNvPr id="97" name="PlaceHolder 2"/>
+            <a:pPr algn="ctr"/>
+            <a:endParaRPr/>
+          </a:p>
+        </p:txBody>
+      </p:sp>
+      <p:sp>
+        <p:nvSpPr>
+          <p:cNvPr id="88" name="PlaceHolder 2"/>
           <p:cNvSpPr>
             <a:spLocks noGrp="1"/>
           </p:cNvSpPr>
@@ -2320,8 +2344,8 @@
         </p:nvSpPr>
         <p:spPr>
           <a:xfrm>
-            <a:off x="448920" y="2002320"/>
-            <a:ext cx="1971000" cy="304560"/>
+            <a:off x="457200" y="1604520"/>
+            <a:ext cx="3926160" cy="1896840"/>
           </a:xfrm>
           <a:prstGeom prst="rect">
             <a:avLst/>
@@ -2336,7 +2360,7 @@
       </p:sp>
       <p:sp>
         <p:nvSpPr>
-          <p:cNvPr id="98" name="PlaceHolder 3"/>
+          <p:cNvPr id="89" name="PlaceHolder 3"/>
           <p:cNvSpPr>
             <a:spLocks noGrp="1"/>
           </p:cNvSpPr>
@@ -2346,8 +2370,8 @@
         </p:nvSpPr>
         <p:spPr>
           <a:xfrm>
-            <a:off x="2518560" y="2002320"/>
-            <a:ext cx="1971000" cy="304560"/>
+            <a:off x="4579920" y="1604520"/>
+            <a:ext cx="3926160" cy="1896840"/>
           </a:xfrm>
           <a:prstGeom prst="rect">
             <a:avLst/>
@@ -2362,7 +2386,7 @@
       </p:sp>
       <p:sp>
         <p:nvSpPr>
-          <p:cNvPr id="99" name="PlaceHolder 4"/>
+          <p:cNvPr id="90" name="PlaceHolder 4"/>
           <p:cNvSpPr>
             <a:spLocks noGrp="1"/>
           </p:cNvSpPr>
@@ -2372,8 +2396,8 @@
         </p:nvSpPr>
         <p:spPr>
           <a:xfrm>
-            <a:off x="448920" y="2336040"/>
-            <a:ext cx="4039200" cy="304560"/>
+            <a:off x="457200" y="3681720"/>
+            <a:ext cx="8045640" cy="1896840"/>
           </a:xfrm>
           <a:prstGeom prst="rect">
             <a:avLst/>
@@ -2410,7 +2434,7 @@
       </p:grpSpPr>
       <p:sp>
         <p:nvSpPr>
-          <p:cNvPr id="100" name="PlaceHolder 1"/>
+          <p:cNvPr id="91" name="PlaceHolder 1"/>
           <p:cNvSpPr>
             <a:spLocks noGrp="1"/>
           </p:cNvSpPr>
@@ -2420,8 +2444,8 @@
         </p:nvSpPr>
         <p:spPr>
           <a:xfrm>
-            <a:off x="448920" y="833040"/>
-            <a:ext cx="8229240" cy="1143000"/>
+            <a:off x="457200" y="273600"/>
+            <a:ext cx="8229240" cy="1145160"/>
           </a:xfrm>
           <a:prstGeom prst="rect">
             <a:avLst/>
@@ -2430,13 +2454,14 @@
         <p:txBody>
           <a:bodyPr anchor="ctr" bIns="0" lIns="0" rIns="0" tIns="0" wrap="none"/>
           <a:p>
-            <a:endParaRPr/>
-          </a:p>
-        </p:txBody>
-      </p:sp>
-      <p:sp>
-        <p:nvSpPr>
-          <p:cNvPr id="101" name="PlaceHolder 2"/>
+            <a:pPr algn="ctr"/>
+            <a:endParaRPr/>
+          </a:p>
+        </p:txBody>
+      </p:sp>
+      <p:sp>
+        <p:nvSpPr>
+          <p:cNvPr id="92" name="PlaceHolder 2"/>
           <p:cNvSpPr>
             <a:spLocks noGrp="1"/>
           </p:cNvSpPr>
@@ -2446,8 +2471,8 @@
         </p:nvSpPr>
         <p:spPr>
           <a:xfrm>
-            <a:off x="448920" y="2002320"/>
-            <a:ext cx="4039920" cy="304560"/>
+            <a:off x="457200" y="1604520"/>
+            <a:ext cx="8046360" cy="1896840"/>
           </a:xfrm>
           <a:prstGeom prst="rect">
             <a:avLst/>
@@ -2462,7 +2487,7 @@
       </p:sp>
       <p:sp>
         <p:nvSpPr>
-          <p:cNvPr id="102" name="PlaceHolder 3"/>
+          <p:cNvPr id="93" name="PlaceHolder 3"/>
           <p:cNvSpPr>
             <a:spLocks noGrp="1"/>
           </p:cNvSpPr>
@@ -2472,8 +2497,8 @@
         </p:nvSpPr>
         <p:spPr>
           <a:xfrm>
-            <a:off x="448920" y="2336040"/>
-            <a:ext cx="4039920" cy="304560"/>
+            <a:off x="457200" y="3681720"/>
+            <a:ext cx="8046360" cy="1896840"/>
           </a:xfrm>
           <a:prstGeom prst="rect">
             <a:avLst/>
@@ -2510,7 +2535,7 @@
       </p:grpSpPr>
       <p:sp>
         <p:nvSpPr>
-          <p:cNvPr id="103" name="PlaceHolder 1"/>
+          <p:cNvPr id="94" name="PlaceHolder 1"/>
           <p:cNvSpPr>
             <a:spLocks noGrp="1"/>
           </p:cNvSpPr>
@@ -2520,8 +2545,8 @@
         </p:nvSpPr>
         <p:spPr>
           <a:xfrm>
-            <a:off x="448920" y="833040"/>
-            <a:ext cx="8229240" cy="1143000"/>
+            <a:off x="457200" y="273600"/>
+            <a:ext cx="8229240" cy="1145160"/>
           </a:xfrm>
           <a:prstGeom prst="rect">
             <a:avLst/>
@@ -2530,13 +2555,14 @@
         <p:txBody>
           <a:bodyPr anchor="ctr" bIns="0" lIns="0" rIns="0" tIns="0" wrap="none"/>
           <a:p>
-            <a:endParaRPr/>
-          </a:p>
-        </p:txBody>
-      </p:sp>
-      <p:sp>
-        <p:nvSpPr>
-          <p:cNvPr id="104" name="PlaceHolder 2"/>
+            <a:pPr algn="ctr"/>
+            <a:endParaRPr/>
+          </a:p>
+        </p:txBody>
+      </p:sp>
+      <p:sp>
+        <p:nvSpPr>
+          <p:cNvPr id="95" name="PlaceHolder 2"/>
           <p:cNvSpPr>
             <a:spLocks noGrp="1"/>
           </p:cNvSpPr>
@@ -2546,8 +2572,8 @@
         </p:nvSpPr>
         <p:spPr>
           <a:xfrm>
-            <a:off x="448920" y="2002320"/>
-            <a:ext cx="1971000" cy="304560"/>
+            <a:off x="457200" y="1604520"/>
+            <a:ext cx="3926160" cy="1896840"/>
           </a:xfrm>
           <a:prstGeom prst="rect">
             <a:avLst/>
@@ -2562,7 +2588,7 @@
       </p:sp>
       <p:sp>
         <p:nvSpPr>
-          <p:cNvPr id="105" name="PlaceHolder 3"/>
+          <p:cNvPr id="96" name="PlaceHolder 3"/>
           <p:cNvSpPr>
             <a:spLocks noGrp="1"/>
           </p:cNvSpPr>
@@ -2572,8 +2598,8 @@
         </p:nvSpPr>
         <p:spPr>
           <a:xfrm>
-            <a:off x="2518560" y="2002320"/>
-            <a:ext cx="1971000" cy="304560"/>
+            <a:off x="4579920" y="1604520"/>
+            <a:ext cx="3926160" cy="1896840"/>
           </a:xfrm>
           <a:prstGeom prst="rect">
             <a:avLst/>
@@ -2588,7 +2614,7 @@
       </p:sp>
       <p:sp>
         <p:nvSpPr>
-          <p:cNvPr id="106" name="PlaceHolder 4"/>
+          <p:cNvPr id="97" name="PlaceHolder 4"/>
           <p:cNvSpPr>
             <a:spLocks noGrp="1"/>
           </p:cNvSpPr>
@@ -2598,8 +2624,8 @@
         </p:nvSpPr>
         <p:spPr>
           <a:xfrm>
-            <a:off x="2518560" y="2336040"/>
-            <a:ext cx="1971000" cy="304560"/>
+            <a:off x="4579920" y="3681720"/>
+            <a:ext cx="3926160" cy="1896840"/>
           </a:xfrm>
           <a:prstGeom prst="rect">
             <a:avLst/>
@@ -2614,7 +2640,7 @@
       </p:sp>
       <p:sp>
         <p:nvSpPr>
-          <p:cNvPr id="107" name="PlaceHolder 5"/>
+          <p:cNvPr id="98" name="PlaceHolder 5"/>
           <p:cNvSpPr>
             <a:spLocks noGrp="1"/>
           </p:cNvSpPr>
@@ -2624,8 +2650,8 @@
         </p:nvSpPr>
         <p:spPr>
           <a:xfrm>
-            <a:off x="448920" y="2336040"/>
-            <a:ext cx="1971000" cy="304560"/>
+            <a:off x="457200" y="3681720"/>
+            <a:ext cx="3926160" cy="1896840"/>
           </a:xfrm>
           <a:prstGeom prst="rect">
             <a:avLst/>
@@ -2662,7 +2688,7 @@
       </p:grpSpPr>
       <p:sp>
         <p:nvSpPr>
-          <p:cNvPr id="108" name="PlaceHolder 1"/>
+          <p:cNvPr id="99" name="PlaceHolder 1"/>
           <p:cNvSpPr>
             <a:spLocks noGrp="1"/>
           </p:cNvSpPr>
@@ -2672,8 +2698,8 @@
         </p:nvSpPr>
         <p:spPr>
           <a:xfrm>
-            <a:off x="448920" y="833040"/>
-            <a:ext cx="8229240" cy="1143000"/>
+            <a:off x="457200" y="273600"/>
+            <a:ext cx="8229240" cy="1145160"/>
           </a:xfrm>
           <a:prstGeom prst="rect">
             <a:avLst/>
@@ -2682,13 +2708,14 @@
         <p:txBody>
           <a:bodyPr anchor="ctr" bIns="0" lIns="0" rIns="0" tIns="0" wrap="none"/>
           <a:p>
-            <a:endParaRPr/>
-          </a:p>
-        </p:txBody>
-      </p:sp>
-      <p:sp>
-        <p:nvSpPr>
-          <p:cNvPr id="109" name="PlaceHolder 2"/>
+            <a:pPr algn="ctr"/>
+            <a:endParaRPr/>
+          </a:p>
+        </p:txBody>
+      </p:sp>
+      <p:sp>
+        <p:nvSpPr>
+          <p:cNvPr id="100" name="PlaceHolder 2"/>
           <p:cNvSpPr>
             <a:spLocks noGrp="1"/>
           </p:cNvSpPr>
@@ -2698,8 +2725,8 @@
         </p:nvSpPr>
         <p:spPr>
           <a:xfrm>
-            <a:off x="448920" y="2002320"/>
-            <a:ext cx="1971000" cy="304560"/>
+            <a:off x="457200" y="1604520"/>
+            <a:ext cx="3926160" cy="1896840"/>
           </a:xfrm>
           <a:prstGeom prst="rect">
             <a:avLst/>
@@ -2714,7 +2741,7 @@
       </p:sp>
       <p:sp>
         <p:nvSpPr>
-          <p:cNvPr id="110" name="PlaceHolder 3"/>
+          <p:cNvPr id="101" name="PlaceHolder 3"/>
           <p:cNvSpPr>
             <a:spLocks noGrp="1"/>
           </p:cNvSpPr>
@@ -2724,8 +2751,8 @@
         </p:nvSpPr>
         <p:spPr>
           <a:xfrm>
-            <a:off x="2518560" y="2002320"/>
-            <a:ext cx="1971000" cy="304560"/>
+            <a:off x="4579920" y="1604520"/>
+            <a:ext cx="3926160" cy="1896840"/>
           </a:xfrm>
           <a:prstGeom prst="rect">
             <a:avLst/>
@@ -2784,7 +2811,7 @@
       </p:grpSpPr>
       <p:sp>
         <p:nvSpPr>
-          <p:cNvPr id="119" name="PlaceHolder 1"/>
+          <p:cNvPr id="104" name="PlaceHolder 1"/>
           <p:cNvSpPr>
             <a:spLocks noGrp="1"/>
           </p:cNvSpPr>
@@ -2794,8 +2821,8 @@
         </p:nvSpPr>
         <p:spPr>
           <a:xfrm>
-            <a:off x="448920" y="833040"/>
-            <a:ext cx="8229240" cy="1143000"/>
+            <a:off x="457200" y="273600"/>
+            <a:ext cx="8229240" cy="1145160"/>
           </a:xfrm>
           <a:prstGeom prst="rect">
             <a:avLst/>
@@ -2804,13 +2831,14 @@
         <p:txBody>
           <a:bodyPr anchor="ctr" bIns="0" lIns="0" rIns="0" tIns="0" wrap="none"/>
           <a:p>
-            <a:endParaRPr/>
-          </a:p>
-        </p:txBody>
-      </p:sp>
-      <p:sp>
-        <p:nvSpPr>
-          <p:cNvPr id="120" name="PlaceHolder 2"/>
+            <a:pPr algn="ctr"/>
+            <a:endParaRPr/>
+          </a:p>
+        </p:txBody>
+      </p:sp>
+      <p:sp>
+        <p:nvSpPr>
+          <p:cNvPr id="105" name="PlaceHolder 2"/>
           <p:cNvSpPr>
             <a:spLocks noGrp="1"/>
           </p:cNvSpPr>
@@ -2820,8 +2848,8 @@
         </p:nvSpPr>
         <p:spPr>
           <a:xfrm>
-            <a:off x="448920" y="2002320"/>
-            <a:ext cx="4039920" cy="639720"/>
+            <a:off x="457200" y="1604520"/>
+            <a:ext cx="8046360" cy="3977640"/>
           </a:xfrm>
           <a:prstGeom prst="rect">
             <a:avLst/>
@@ -2859,7 +2887,7 @@
       </p:grpSpPr>
       <p:sp>
         <p:nvSpPr>
-          <p:cNvPr id="121" name="PlaceHolder 1"/>
+          <p:cNvPr id="106" name="PlaceHolder 1"/>
           <p:cNvSpPr>
             <a:spLocks noGrp="1"/>
           </p:cNvSpPr>
@@ -2869,8 +2897,8 @@
         </p:nvSpPr>
         <p:spPr>
           <a:xfrm>
-            <a:off x="448920" y="833040"/>
-            <a:ext cx="8229240" cy="1143000"/>
+            <a:off x="457200" y="273600"/>
+            <a:ext cx="8229240" cy="1145160"/>
           </a:xfrm>
           <a:prstGeom prst="rect">
             <a:avLst/>
@@ -2879,13 +2907,14 @@
         <p:txBody>
           <a:bodyPr anchor="ctr" bIns="0" lIns="0" rIns="0" tIns="0" wrap="none"/>
           <a:p>
-            <a:endParaRPr/>
-          </a:p>
-        </p:txBody>
-      </p:sp>
-      <p:sp>
-        <p:nvSpPr>
-          <p:cNvPr id="122" name="PlaceHolder 2"/>
+            <a:pPr algn="ctr"/>
+            <a:endParaRPr/>
+          </a:p>
+        </p:txBody>
+      </p:sp>
+      <p:sp>
+        <p:nvSpPr>
+          <p:cNvPr id="107" name="PlaceHolder 2"/>
           <p:cNvSpPr>
             <a:spLocks noGrp="1"/>
           </p:cNvSpPr>
@@ -2895,8 +2924,8 @@
         </p:nvSpPr>
         <p:spPr>
           <a:xfrm>
-            <a:off x="448920" y="2002320"/>
-            <a:ext cx="4039920" cy="639360"/>
+            <a:off x="457200" y="1604520"/>
+            <a:ext cx="8046360" cy="3977280"/>
           </a:xfrm>
           <a:prstGeom prst="rect">
             <a:avLst/>
@@ -2933,7 +2962,7 @@
       </p:grpSpPr>
       <p:sp>
         <p:nvSpPr>
-          <p:cNvPr id="9" name="PlaceHolder 1"/>
+          <p:cNvPr id="6" name="PlaceHolder 1"/>
           <p:cNvSpPr>
             <a:spLocks noGrp="1"/>
           </p:cNvSpPr>
@@ -2943,8 +2972,8 @@
         </p:nvSpPr>
         <p:spPr>
           <a:xfrm>
-            <a:off x="448920" y="833040"/>
-            <a:ext cx="8229240" cy="1143000"/>
+            <a:off x="457200" y="273600"/>
+            <a:ext cx="8229240" cy="1145160"/>
           </a:xfrm>
           <a:prstGeom prst="rect">
             <a:avLst/>
@@ -2953,13 +2982,14 @@
         <p:txBody>
           <a:bodyPr anchor="ctr" bIns="0" lIns="0" rIns="0" tIns="0" wrap="none"/>
           <a:p>
-            <a:endParaRPr/>
-          </a:p>
-        </p:txBody>
-      </p:sp>
-      <p:sp>
-        <p:nvSpPr>
-          <p:cNvPr id="10" name="PlaceHolder 2"/>
+            <a:pPr algn="ctr"/>
+            <a:endParaRPr/>
+          </a:p>
+        </p:txBody>
+      </p:sp>
+      <p:sp>
+        <p:nvSpPr>
+          <p:cNvPr id="7" name="PlaceHolder 2"/>
           <p:cNvSpPr>
             <a:spLocks noGrp="1"/>
           </p:cNvSpPr>
@@ -2969,8 +2999,8 @@
         </p:nvSpPr>
         <p:spPr>
           <a:xfrm>
-            <a:off x="448920" y="2002320"/>
-            <a:ext cx="1971000" cy="639360"/>
+            <a:off x="457200" y="1604520"/>
+            <a:ext cx="3926160" cy="3977280"/>
           </a:xfrm>
           <a:prstGeom prst="rect">
             <a:avLst/>
@@ -2985,7 +3015,7 @@
       </p:sp>
       <p:sp>
         <p:nvSpPr>
-          <p:cNvPr id="11" name="PlaceHolder 3"/>
+          <p:cNvPr id="8" name="PlaceHolder 3"/>
           <p:cNvSpPr>
             <a:spLocks noGrp="1"/>
           </p:cNvSpPr>
@@ -2995,8 +3025,8 @@
         </p:nvSpPr>
         <p:spPr>
           <a:xfrm>
-            <a:off x="2518560" y="2002320"/>
-            <a:ext cx="1971000" cy="639360"/>
+            <a:off x="4579920" y="1604520"/>
+            <a:ext cx="3926160" cy="3977280"/>
           </a:xfrm>
           <a:prstGeom prst="rect">
             <a:avLst/>
@@ -3033,7 +3063,7 @@
       </p:grpSpPr>
       <p:sp>
         <p:nvSpPr>
-          <p:cNvPr id="123" name="PlaceHolder 1"/>
+          <p:cNvPr id="108" name="PlaceHolder 1"/>
           <p:cNvSpPr>
             <a:spLocks noGrp="1"/>
           </p:cNvSpPr>
@@ -3043,8 +3073,8 @@
         </p:nvSpPr>
         <p:spPr>
           <a:xfrm>
-            <a:off x="448920" y="833040"/>
-            <a:ext cx="8229240" cy="1143000"/>
+            <a:off x="457200" y="273600"/>
+            <a:ext cx="8229240" cy="1145160"/>
           </a:xfrm>
           <a:prstGeom prst="rect">
             <a:avLst/>
@@ -3053,13 +3083,14 @@
         <p:txBody>
           <a:bodyPr anchor="ctr" bIns="0" lIns="0" rIns="0" tIns="0" wrap="none"/>
           <a:p>
-            <a:endParaRPr/>
-          </a:p>
-        </p:txBody>
-      </p:sp>
-      <p:sp>
-        <p:nvSpPr>
-          <p:cNvPr id="124" name="PlaceHolder 2"/>
+            <a:pPr algn="ctr"/>
+            <a:endParaRPr/>
+          </a:p>
+        </p:txBody>
+      </p:sp>
+      <p:sp>
+        <p:nvSpPr>
+          <p:cNvPr id="109" name="PlaceHolder 2"/>
           <p:cNvSpPr>
             <a:spLocks noGrp="1"/>
           </p:cNvSpPr>
@@ -3069,8 +3100,8 @@
         </p:nvSpPr>
         <p:spPr>
           <a:xfrm>
-            <a:off x="448920" y="2002320"/>
-            <a:ext cx="1971000" cy="639360"/>
+            <a:off x="457200" y="1604520"/>
+            <a:ext cx="3926160" cy="3977280"/>
           </a:xfrm>
           <a:prstGeom prst="rect">
             <a:avLst/>
@@ -3085,7 +3116,7 @@
       </p:sp>
       <p:sp>
         <p:nvSpPr>
-          <p:cNvPr id="125" name="PlaceHolder 3"/>
+          <p:cNvPr id="110" name="PlaceHolder 3"/>
           <p:cNvSpPr>
             <a:spLocks noGrp="1"/>
           </p:cNvSpPr>
@@ -3095,8 +3126,8 @@
         </p:nvSpPr>
         <p:spPr>
           <a:xfrm>
-            <a:off x="2518560" y="2002320"/>
-            <a:ext cx="1971000" cy="639360"/>
+            <a:off x="4579920" y="1604520"/>
+            <a:ext cx="3926160" cy="3977280"/>
           </a:xfrm>
           <a:prstGeom prst="rect">
             <a:avLst/>
@@ -3133,7 +3164,7 @@
       </p:grpSpPr>
       <p:sp>
         <p:nvSpPr>
-          <p:cNvPr id="126" name="PlaceHolder 1"/>
+          <p:cNvPr id="111" name="PlaceHolder 1"/>
           <p:cNvSpPr>
             <a:spLocks noGrp="1"/>
           </p:cNvSpPr>
@@ -3143,8 +3174,8 @@
         </p:nvSpPr>
         <p:spPr>
           <a:xfrm>
-            <a:off x="448920" y="833040"/>
-            <a:ext cx="8229240" cy="1143000"/>
+            <a:off x="457200" y="273600"/>
+            <a:ext cx="8229240" cy="1145160"/>
           </a:xfrm>
           <a:prstGeom prst="rect">
             <a:avLst/>
@@ -3153,6 +3184,7 @@
         <p:txBody>
           <a:bodyPr anchor="ctr" bIns="0" lIns="0" rIns="0" tIns="0" wrap="none"/>
           <a:p>
+            <a:pPr algn="ctr"/>
             <a:endParaRPr/>
           </a:p>
         </p:txBody>
@@ -3181,7 +3213,7 @@
       </p:grpSpPr>
       <p:sp>
         <p:nvSpPr>
-          <p:cNvPr id="127" name="PlaceHolder 1"/>
+          <p:cNvPr id="112" name="PlaceHolder 1"/>
           <p:cNvSpPr>
             <a:spLocks noGrp="1"/>
           </p:cNvSpPr>
@@ -3191,8 +3223,8 @@
         </p:nvSpPr>
         <p:spPr>
           <a:xfrm>
-            <a:off x="448920" y="833040"/>
-            <a:ext cx="8229240" cy="1808640"/>
+            <a:off x="457200" y="273600"/>
+            <a:ext cx="8229240" cy="5308200"/>
           </a:xfrm>
           <a:prstGeom prst="rect">
             <a:avLst/>
@@ -3230,7 +3262,7 @@
       </p:grpSpPr>
       <p:sp>
         <p:nvSpPr>
-          <p:cNvPr id="128" name="PlaceHolder 1"/>
+          <p:cNvPr id="113" name="PlaceHolder 1"/>
           <p:cNvSpPr>
             <a:spLocks noGrp="1"/>
           </p:cNvSpPr>
@@ -3240,8 +3272,8 @@
         </p:nvSpPr>
         <p:spPr>
           <a:xfrm>
-            <a:off x="448920" y="833040"/>
-            <a:ext cx="8229240" cy="1143000"/>
+            <a:off x="457200" y="273600"/>
+            <a:ext cx="8229240" cy="1145160"/>
           </a:xfrm>
           <a:prstGeom prst="rect">
             <a:avLst/>
@@ -3250,13 +3282,14 @@
         <p:txBody>
           <a:bodyPr anchor="ctr" bIns="0" lIns="0" rIns="0" tIns="0" wrap="none"/>
           <a:p>
-            <a:endParaRPr/>
-          </a:p>
-        </p:txBody>
-      </p:sp>
-      <p:sp>
-        <p:nvSpPr>
-          <p:cNvPr id="129" name="PlaceHolder 2"/>
+            <a:pPr algn="ctr"/>
+            <a:endParaRPr/>
+          </a:p>
+        </p:txBody>
+      </p:sp>
+      <p:sp>
+        <p:nvSpPr>
+          <p:cNvPr id="114" name="PlaceHolder 2"/>
           <p:cNvSpPr>
             <a:spLocks noGrp="1"/>
           </p:cNvSpPr>
@@ -3266,8 +3299,8 @@
         </p:nvSpPr>
         <p:spPr>
           <a:xfrm>
-            <a:off x="448920" y="2002320"/>
-            <a:ext cx="1971000" cy="304560"/>
+            <a:off x="457200" y="1604520"/>
+            <a:ext cx="3926160" cy="1896840"/>
           </a:xfrm>
           <a:prstGeom prst="rect">
             <a:avLst/>
@@ -3282,7 +3315,7 @@
       </p:sp>
       <p:sp>
         <p:nvSpPr>
-          <p:cNvPr id="130" name="PlaceHolder 3"/>
+          <p:cNvPr id="115" name="PlaceHolder 3"/>
           <p:cNvSpPr>
             <a:spLocks noGrp="1"/>
           </p:cNvSpPr>
@@ -3292,8 +3325,8 @@
         </p:nvSpPr>
         <p:spPr>
           <a:xfrm>
-            <a:off x="448920" y="2336040"/>
-            <a:ext cx="1971000" cy="304560"/>
+            <a:off x="457200" y="3681720"/>
+            <a:ext cx="3926160" cy="1896840"/>
           </a:xfrm>
           <a:prstGeom prst="rect">
             <a:avLst/>
@@ -3308,7 +3341,7 @@
       </p:sp>
       <p:sp>
         <p:nvSpPr>
-          <p:cNvPr id="131" name="PlaceHolder 4"/>
+          <p:cNvPr id="116" name="PlaceHolder 4"/>
           <p:cNvSpPr>
             <a:spLocks noGrp="1"/>
           </p:cNvSpPr>
@@ -3318,8 +3351,8 @@
         </p:nvSpPr>
         <p:spPr>
           <a:xfrm>
-            <a:off x="2518560" y="2002320"/>
-            <a:ext cx="1971000" cy="639360"/>
+            <a:off x="4579920" y="1604520"/>
+            <a:ext cx="3926160" cy="3977280"/>
           </a:xfrm>
           <a:prstGeom prst="rect">
             <a:avLst/>
@@ -3356,7 +3389,7 @@
       </p:grpSpPr>
       <p:sp>
         <p:nvSpPr>
-          <p:cNvPr id="132" name="PlaceHolder 1"/>
+          <p:cNvPr id="117" name="PlaceHolder 1"/>
           <p:cNvSpPr>
             <a:spLocks noGrp="1"/>
           </p:cNvSpPr>
@@ -3366,8 +3399,8 @@
         </p:nvSpPr>
         <p:spPr>
           <a:xfrm>
-            <a:off x="448920" y="833040"/>
-            <a:ext cx="8229240" cy="1143000"/>
+            <a:off x="457200" y="273600"/>
+            <a:ext cx="8229240" cy="1145160"/>
           </a:xfrm>
           <a:prstGeom prst="rect">
             <a:avLst/>
@@ -3376,13 +3409,14 @@
         <p:txBody>
           <a:bodyPr anchor="ctr" bIns="0" lIns="0" rIns="0" tIns="0" wrap="none"/>
           <a:p>
-            <a:endParaRPr/>
-          </a:p>
-        </p:txBody>
-      </p:sp>
-      <p:sp>
-        <p:nvSpPr>
-          <p:cNvPr id="133" name="PlaceHolder 2"/>
+            <a:pPr algn="ctr"/>
+            <a:endParaRPr/>
+          </a:p>
+        </p:txBody>
+      </p:sp>
+      <p:sp>
+        <p:nvSpPr>
+          <p:cNvPr id="118" name="PlaceHolder 2"/>
           <p:cNvSpPr>
             <a:spLocks noGrp="1"/>
           </p:cNvSpPr>
@@ -3392,8 +3426,8 @@
         </p:nvSpPr>
         <p:spPr>
           <a:xfrm>
-            <a:off x="448920" y="2002320"/>
-            <a:ext cx="1971000" cy="639360"/>
+            <a:off x="457200" y="1604520"/>
+            <a:ext cx="3926160" cy="3977280"/>
           </a:xfrm>
           <a:prstGeom prst="rect">
             <a:avLst/>
@@ -3408,7 +3442,7 @@
       </p:sp>
       <p:sp>
         <p:nvSpPr>
-          <p:cNvPr id="134" name="PlaceHolder 3"/>
+          <p:cNvPr id="119" name="PlaceHolder 3"/>
           <p:cNvSpPr>
             <a:spLocks noGrp="1"/>
           </p:cNvSpPr>
@@ -3418,8 +3452,8 @@
         </p:nvSpPr>
         <p:spPr>
           <a:xfrm>
-            <a:off x="2518560" y="2002320"/>
-            <a:ext cx="1971000" cy="304560"/>
+            <a:off x="4579920" y="1604520"/>
+            <a:ext cx="3926160" cy="1896840"/>
           </a:xfrm>
           <a:prstGeom prst="rect">
             <a:avLst/>
@@ -3434,7 +3468,7 @@
       </p:sp>
       <p:sp>
         <p:nvSpPr>
-          <p:cNvPr id="135" name="PlaceHolder 4"/>
+          <p:cNvPr id="120" name="PlaceHolder 4"/>
           <p:cNvSpPr>
             <a:spLocks noGrp="1"/>
           </p:cNvSpPr>
@@ -3444,8 +3478,8 @@
         </p:nvSpPr>
         <p:spPr>
           <a:xfrm>
-            <a:off x="2518560" y="2336040"/>
-            <a:ext cx="1971000" cy="304560"/>
+            <a:off x="4579920" y="3681720"/>
+            <a:ext cx="3926160" cy="1896840"/>
           </a:xfrm>
           <a:prstGeom prst="rect">
             <a:avLst/>
@@ -3482,7 +3516,7 @@
       </p:grpSpPr>
       <p:sp>
         <p:nvSpPr>
-          <p:cNvPr id="136" name="PlaceHolder 1"/>
+          <p:cNvPr id="121" name="PlaceHolder 1"/>
           <p:cNvSpPr>
             <a:spLocks noGrp="1"/>
           </p:cNvSpPr>
@@ -3492,8 +3526,8 @@
         </p:nvSpPr>
         <p:spPr>
           <a:xfrm>
-            <a:off x="448920" y="833040"/>
-            <a:ext cx="8229240" cy="1143000"/>
+            <a:off x="457200" y="273600"/>
+            <a:ext cx="8229240" cy="1145160"/>
           </a:xfrm>
           <a:prstGeom prst="rect">
             <a:avLst/>
@@ -3502,13 +3536,14 @@
         <p:txBody>
           <a:bodyPr anchor="ctr" bIns="0" lIns="0" rIns="0" tIns="0" wrap="none"/>
           <a:p>
-            <a:endParaRPr/>
-          </a:p>
-        </p:txBody>
-      </p:sp>
-      <p:sp>
-        <p:nvSpPr>
-          <p:cNvPr id="137" name="PlaceHolder 2"/>
+            <a:pPr algn="ctr"/>
+            <a:endParaRPr/>
+          </a:p>
+        </p:txBody>
+      </p:sp>
+      <p:sp>
+        <p:nvSpPr>
+          <p:cNvPr id="122" name="PlaceHolder 2"/>
           <p:cNvSpPr>
             <a:spLocks noGrp="1"/>
           </p:cNvSpPr>
@@ -3518,8 +3553,8 @@
         </p:nvSpPr>
         <p:spPr>
           <a:xfrm>
-            <a:off x="448920" y="2002320"/>
-            <a:ext cx="1971000" cy="304560"/>
+            <a:off x="457200" y="1604520"/>
+            <a:ext cx="3926160" cy="1896840"/>
           </a:xfrm>
           <a:prstGeom prst="rect">
             <a:avLst/>
@@ -3534,7 +3569,7 @@
       </p:sp>
       <p:sp>
         <p:nvSpPr>
-          <p:cNvPr id="138" name="PlaceHolder 3"/>
+          <p:cNvPr id="123" name="PlaceHolder 3"/>
           <p:cNvSpPr>
             <a:spLocks noGrp="1"/>
           </p:cNvSpPr>
@@ -3544,8 +3579,8 @@
         </p:nvSpPr>
         <p:spPr>
           <a:xfrm>
-            <a:off x="2518560" y="2002320"/>
-            <a:ext cx="1971000" cy="304560"/>
+            <a:off x="4579920" y="1604520"/>
+            <a:ext cx="3926160" cy="1896840"/>
           </a:xfrm>
           <a:prstGeom prst="rect">
             <a:avLst/>
@@ -3560,7 +3595,7 @@
       </p:sp>
       <p:sp>
         <p:nvSpPr>
-          <p:cNvPr id="139" name="PlaceHolder 4"/>
+          <p:cNvPr id="124" name="PlaceHolder 4"/>
           <p:cNvSpPr>
             <a:spLocks noGrp="1"/>
           </p:cNvSpPr>
@@ -3570,8 +3605,8 @@
         </p:nvSpPr>
         <p:spPr>
           <a:xfrm>
-            <a:off x="448920" y="2336040"/>
-            <a:ext cx="4039200" cy="304560"/>
+            <a:off x="457200" y="3681720"/>
+            <a:ext cx="8045640" cy="1896840"/>
           </a:xfrm>
           <a:prstGeom prst="rect">
             <a:avLst/>
@@ -3608,7 +3643,7 @@
       </p:grpSpPr>
       <p:sp>
         <p:nvSpPr>
-          <p:cNvPr id="140" name="PlaceHolder 1"/>
+          <p:cNvPr id="125" name="PlaceHolder 1"/>
           <p:cNvSpPr>
             <a:spLocks noGrp="1"/>
           </p:cNvSpPr>
@@ -3618,8 +3653,8 @@
         </p:nvSpPr>
         <p:spPr>
           <a:xfrm>
-            <a:off x="448920" y="833040"/>
-            <a:ext cx="8229240" cy="1143000"/>
+            <a:off x="457200" y="273600"/>
+            <a:ext cx="8229240" cy="1145160"/>
           </a:xfrm>
           <a:prstGeom prst="rect">
             <a:avLst/>
@@ -3628,13 +3663,14 @@
         <p:txBody>
           <a:bodyPr anchor="ctr" bIns="0" lIns="0" rIns="0" tIns="0" wrap="none"/>
           <a:p>
-            <a:endParaRPr/>
-          </a:p>
-        </p:txBody>
-      </p:sp>
-      <p:sp>
-        <p:nvSpPr>
-          <p:cNvPr id="141" name="PlaceHolder 2"/>
+            <a:pPr algn="ctr"/>
+            <a:endParaRPr/>
+          </a:p>
+        </p:txBody>
+      </p:sp>
+      <p:sp>
+        <p:nvSpPr>
+          <p:cNvPr id="126" name="PlaceHolder 2"/>
           <p:cNvSpPr>
             <a:spLocks noGrp="1"/>
           </p:cNvSpPr>
@@ -3644,8 +3680,8 @@
         </p:nvSpPr>
         <p:spPr>
           <a:xfrm>
-            <a:off x="448920" y="2002320"/>
-            <a:ext cx="4039920" cy="304560"/>
+            <a:off x="457200" y="1604520"/>
+            <a:ext cx="8046360" cy="1896840"/>
           </a:xfrm>
           <a:prstGeom prst="rect">
             <a:avLst/>
@@ -3660,7 +3696,7 @@
       </p:sp>
       <p:sp>
         <p:nvSpPr>
-          <p:cNvPr id="142" name="PlaceHolder 3"/>
+          <p:cNvPr id="127" name="PlaceHolder 3"/>
           <p:cNvSpPr>
             <a:spLocks noGrp="1"/>
           </p:cNvSpPr>
@@ -3670,8 +3706,8 @@
         </p:nvSpPr>
         <p:spPr>
           <a:xfrm>
-            <a:off x="448920" y="2336040"/>
-            <a:ext cx="4039920" cy="304560"/>
+            <a:off x="457200" y="3681720"/>
+            <a:ext cx="8046360" cy="1896840"/>
           </a:xfrm>
           <a:prstGeom prst="rect">
             <a:avLst/>
@@ -3708,7 +3744,7 @@
       </p:grpSpPr>
       <p:sp>
         <p:nvSpPr>
-          <p:cNvPr id="143" name="PlaceHolder 1"/>
+          <p:cNvPr id="128" name="PlaceHolder 1"/>
           <p:cNvSpPr>
             <a:spLocks noGrp="1"/>
           </p:cNvSpPr>
@@ -3718,8 +3754,8 @@
         </p:nvSpPr>
         <p:spPr>
           <a:xfrm>
-            <a:off x="448920" y="833040"/>
-            <a:ext cx="8229240" cy="1143000"/>
+            <a:off x="457200" y="273600"/>
+            <a:ext cx="8229240" cy="1145160"/>
           </a:xfrm>
           <a:prstGeom prst="rect">
             <a:avLst/>
@@ -3728,13 +3764,14 @@
         <p:txBody>
           <a:bodyPr anchor="ctr" bIns="0" lIns="0" rIns="0" tIns="0" wrap="none"/>
           <a:p>
-            <a:endParaRPr/>
-          </a:p>
-        </p:txBody>
-      </p:sp>
-      <p:sp>
-        <p:nvSpPr>
-          <p:cNvPr id="144" name="PlaceHolder 2"/>
+            <a:pPr algn="ctr"/>
+            <a:endParaRPr/>
+          </a:p>
+        </p:txBody>
+      </p:sp>
+      <p:sp>
+        <p:nvSpPr>
+          <p:cNvPr id="129" name="PlaceHolder 2"/>
           <p:cNvSpPr>
             <a:spLocks noGrp="1"/>
           </p:cNvSpPr>
@@ -3744,8 +3781,8 @@
         </p:nvSpPr>
         <p:spPr>
           <a:xfrm>
-            <a:off x="448920" y="2002320"/>
-            <a:ext cx="1971000" cy="304560"/>
+            <a:off x="457200" y="1604520"/>
+            <a:ext cx="3926160" cy="1896840"/>
           </a:xfrm>
           <a:prstGeom prst="rect">
             <a:avLst/>
@@ -3760,7 +3797,7 @@
       </p:sp>
       <p:sp>
         <p:nvSpPr>
-          <p:cNvPr id="145" name="PlaceHolder 3"/>
+          <p:cNvPr id="130" name="PlaceHolder 3"/>
           <p:cNvSpPr>
             <a:spLocks noGrp="1"/>
           </p:cNvSpPr>
@@ -3770,8 +3807,8 @@
         </p:nvSpPr>
         <p:spPr>
           <a:xfrm>
-            <a:off x="2518560" y="2002320"/>
-            <a:ext cx="1971000" cy="304560"/>
+            <a:off x="4579920" y="1604520"/>
+            <a:ext cx="3926160" cy="1896840"/>
           </a:xfrm>
           <a:prstGeom prst="rect">
             <a:avLst/>
@@ -3786,7 +3823,7 @@
       </p:sp>
       <p:sp>
         <p:nvSpPr>
-          <p:cNvPr id="146" name="PlaceHolder 4"/>
+          <p:cNvPr id="131" name="PlaceHolder 4"/>
           <p:cNvSpPr>
             <a:spLocks noGrp="1"/>
           </p:cNvSpPr>
@@ -3796,8 +3833,8 @@
         </p:nvSpPr>
         <p:spPr>
           <a:xfrm>
-            <a:off x="2518560" y="2336040"/>
-            <a:ext cx="1971000" cy="304560"/>
+            <a:off x="4579920" y="3681720"/>
+            <a:ext cx="3926160" cy="1896840"/>
           </a:xfrm>
           <a:prstGeom prst="rect">
             <a:avLst/>
@@ -3812,7 +3849,7 @@
       </p:sp>
       <p:sp>
         <p:nvSpPr>
-          <p:cNvPr id="147" name="PlaceHolder 5"/>
+          <p:cNvPr id="132" name="PlaceHolder 5"/>
           <p:cNvSpPr>
             <a:spLocks noGrp="1"/>
           </p:cNvSpPr>
@@ -3822,8 +3859,8 @@
         </p:nvSpPr>
         <p:spPr>
           <a:xfrm>
-            <a:off x="448920" y="2336040"/>
-            <a:ext cx="1971000" cy="304560"/>
+            <a:off x="457200" y="3681720"/>
+            <a:ext cx="3926160" cy="1896840"/>
           </a:xfrm>
           <a:prstGeom prst="rect">
             <a:avLst/>
@@ -3860,7 +3897,7 @@
       </p:grpSpPr>
       <p:sp>
         <p:nvSpPr>
-          <p:cNvPr id="148" name="PlaceHolder 1"/>
+          <p:cNvPr id="133" name="PlaceHolder 1"/>
           <p:cNvSpPr>
             <a:spLocks noGrp="1"/>
           </p:cNvSpPr>
@@ -3870,8 +3907,8 @@
         </p:nvSpPr>
         <p:spPr>
           <a:xfrm>
-            <a:off x="448920" y="833040"/>
-            <a:ext cx="8229240" cy="1143000"/>
+            <a:off x="457200" y="273600"/>
+            <a:ext cx="8229240" cy="1145160"/>
           </a:xfrm>
           <a:prstGeom prst="rect">
             <a:avLst/>
@@ -3880,13 +3917,14 @@
         <p:txBody>
           <a:bodyPr anchor="ctr" bIns="0" lIns="0" rIns="0" tIns="0" wrap="none"/>
           <a:p>
-            <a:endParaRPr/>
-          </a:p>
-        </p:txBody>
-      </p:sp>
-      <p:sp>
-        <p:nvSpPr>
-          <p:cNvPr id="149" name="PlaceHolder 2"/>
+            <a:pPr algn="ctr"/>
+            <a:endParaRPr/>
+          </a:p>
+        </p:txBody>
+      </p:sp>
+      <p:sp>
+        <p:nvSpPr>
+          <p:cNvPr id="134" name="PlaceHolder 2"/>
           <p:cNvSpPr>
             <a:spLocks noGrp="1"/>
           </p:cNvSpPr>
@@ -3896,8 +3934,8 @@
         </p:nvSpPr>
         <p:spPr>
           <a:xfrm>
-            <a:off x="448920" y="2002320"/>
-            <a:ext cx="1971000" cy="304560"/>
+            <a:off x="457200" y="1604520"/>
+            <a:ext cx="3926160" cy="1896840"/>
           </a:xfrm>
           <a:prstGeom prst="rect">
             <a:avLst/>
@@ -3912,7 +3950,7 @@
       </p:sp>
       <p:sp>
         <p:nvSpPr>
-          <p:cNvPr id="150" name="PlaceHolder 3"/>
+          <p:cNvPr id="135" name="PlaceHolder 3"/>
           <p:cNvSpPr>
             <a:spLocks noGrp="1"/>
           </p:cNvSpPr>
@@ -3922,8 +3960,8 @@
         </p:nvSpPr>
         <p:spPr>
           <a:xfrm>
-            <a:off x="2518560" y="2002320"/>
-            <a:ext cx="1971000" cy="304560"/>
+            <a:off x="4579920" y="1604520"/>
+            <a:ext cx="3926160" cy="1896840"/>
           </a:xfrm>
           <a:prstGeom prst="rect">
             <a:avLst/>
@@ -3960,7 +3998,7 @@
       </p:grpSpPr>
       <p:sp>
         <p:nvSpPr>
-          <p:cNvPr id="12" name="PlaceHolder 1"/>
+          <p:cNvPr id="9" name="PlaceHolder 1"/>
           <p:cNvSpPr>
             <a:spLocks noGrp="1"/>
           </p:cNvSpPr>
@@ -3970,8 +4008,8 @@
         </p:nvSpPr>
         <p:spPr>
           <a:xfrm>
-            <a:off x="448920" y="833040"/>
-            <a:ext cx="8229240" cy="1143000"/>
+            <a:off x="457200" y="273600"/>
+            <a:ext cx="8229240" cy="1145160"/>
           </a:xfrm>
           <a:prstGeom prst="rect">
             <a:avLst/>
@@ -3980,6 +4018,7 @@
         <p:txBody>
           <a:bodyPr anchor="ctr" bIns="0" lIns="0" rIns="0" tIns="0" wrap="none"/>
           <a:p>
+            <a:pPr algn="ctr"/>
             <a:endParaRPr/>
           </a:p>
         </p:txBody>
@@ -4008,7 +4047,7 @@
       </p:grpSpPr>
       <p:sp>
         <p:nvSpPr>
-          <p:cNvPr id="13" name="PlaceHolder 1"/>
+          <p:cNvPr id="10" name="PlaceHolder 1"/>
           <p:cNvSpPr>
             <a:spLocks noGrp="1"/>
           </p:cNvSpPr>
@@ -4018,8 +4057,8 @@
         </p:nvSpPr>
         <p:spPr>
           <a:xfrm>
-            <a:off x="448920" y="833040"/>
-            <a:ext cx="8229240" cy="1808640"/>
+            <a:off x="457200" y="273600"/>
+            <a:ext cx="8229240" cy="5308200"/>
           </a:xfrm>
           <a:prstGeom prst="rect">
             <a:avLst/>
@@ -4057,7 +4096,7 @@
       </p:grpSpPr>
       <p:sp>
         <p:nvSpPr>
-          <p:cNvPr id="14" name="PlaceHolder 1"/>
+          <p:cNvPr id="11" name="PlaceHolder 1"/>
           <p:cNvSpPr>
             <a:spLocks noGrp="1"/>
           </p:cNvSpPr>
@@ -4067,8 +4106,8 @@
         </p:nvSpPr>
         <p:spPr>
           <a:xfrm>
-            <a:off x="448920" y="833040"/>
-            <a:ext cx="8229240" cy="1143000"/>
+            <a:off x="457200" y="273600"/>
+            <a:ext cx="8229240" cy="1145160"/>
           </a:xfrm>
           <a:prstGeom prst="rect">
             <a:avLst/>
@@ -4077,13 +4116,14 @@
         <p:txBody>
           <a:bodyPr anchor="ctr" bIns="0" lIns="0" rIns="0" tIns="0" wrap="none"/>
           <a:p>
-            <a:endParaRPr/>
-          </a:p>
-        </p:txBody>
-      </p:sp>
-      <p:sp>
-        <p:nvSpPr>
-          <p:cNvPr id="15" name="PlaceHolder 2"/>
+            <a:pPr algn="ctr"/>
+            <a:endParaRPr/>
+          </a:p>
+        </p:txBody>
+      </p:sp>
+      <p:sp>
+        <p:nvSpPr>
+          <p:cNvPr id="12" name="PlaceHolder 2"/>
           <p:cNvSpPr>
             <a:spLocks noGrp="1"/>
           </p:cNvSpPr>
@@ -4093,8 +4133,8 @@
         </p:nvSpPr>
         <p:spPr>
           <a:xfrm>
-            <a:off x="448920" y="2002320"/>
-            <a:ext cx="1971000" cy="304560"/>
+            <a:off x="457200" y="1604520"/>
+            <a:ext cx="3926160" cy="1896840"/>
           </a:xfrm>
           <a:prstGeom prst="rect">
             <a:avLst/>
@@ -4109,7 +4149,7 @@
       </p:sp>
       <p:sp>
         <p:nvSpPr>
-          <p:cNvPr id="16" name="PlaceHolder 3"/>
+          <p:cNvPr id="13" name="PlaceHolder 3"/>
           <p:cNvSpPr>
             <a:spLocks noGrp="1"/>
           </p:cNvSpPr>
@@ -4119,8 +4159,8 @@
         </p:nvSpPr>
         <p:spPr>
           <a:xfrm>
-            <a:off x="448920" y="2336040"/>
-            <a:ext cx="1971000" cy="304560"/>
+            <a:off x="457200" y="3681720"/>
+            <a:ext cx="3926160" cy="1896840"/>
           </a:xfrm>
           <a:prstGeom prst="rect">
             <a:avLst/>
@@ -4135,7 +4175,7 @@
       </p:sp>
       <p:sp>
         <p:nvSpPr>
-          <p:cNvPr id="17" name="PlaceHolder 4"/>
+          <p:cNvPr id="14" name="PlaceHolder 4"/>
           <p:cNvSpPr>
             <a:spLocks noGrp="1"/>
           </p:cNvSpPr>
@@ -4145,8 +4185,8 @@
         </p:nvSpPr>
         <p:spPr>
           <a:xfrm>
-            <a:off x="2518560" y="2002320"/>
-            <a:ext cx="1971000" cy="639360"/>
+            <a:off x="4579920" y="1604520"/>
+            <a:ext cx="3926160" cy="3977280"/>
           </a:xfrm>
           <a:prstGeom prst="rect">
             <a:avLst/>
@@ -4183,7 +4223,7 @@
       </p:grpSpPr>
       <p:sp>
         <p:nvSpPr>
-          <p:cNvPr id="18" name="PlaceHolder 1"/>
+          <p:cNvPr id="15" name="PlaceHolder 1"/>
           <p:cNvSpPr>
             <a:spLocks noGrp="1"/>
           </p:cNvSpPr>
@@ -4193,8 +4233,8 @@
         </p:nvSpPr>
         <p:spPr>
           <a:xfrm>
-            <a:off x="448920" y="833040"/>
-            <a:ext cx="8229240" cy="1143000"/>
+            <a:off x="457200" y="273600"/>
+            <a:ext cx="8229240" cy="1145160"/>
           </a:xfrm>
           <a:prstGeom prst="rect">
             <a:avLst/>
@@ -4203,13 +4243,14 @@
         <p:txBody>
           <a:bodyPr anchor="ctr" bIns="0" lIns="0" rIns="0" tIns="0" wrap="none"/>
           <a:p>
-            <a:endParaRPr/>
-          </a:p>
-        </p:txBody>
-      </p:sp>
-      <p:sp>
-        <p:nvSpPr>
-          <p:cNvPr id="19" name="PlaceHolder 2"/>
+            <a:pPr algn="ctr"/>
+            <a:endParaRPr/>
+          </a:p>
+        </p:txBody>
+      </p:sp>
+      <p:sp>
+        <p:nvSpPr>
+          <p:cNvPr id="16" name="PlaceHolder 2"/>
           <p:cNvSpPr>
             <a:spLocks noGrp="1"/>
           </p:cNvSpPr>
@@ -4219,8 +4260,8 @@
         </p:nvSpPr>
         <p:spPr>
           <a:xfrm>
-            <a:off x="448920" y="2002320"/>
-            <a:ext cx="1971000" cy="639360"/>
+            <a:off x="457200" y="1604520"/>
+            <a:ext cx="3926160" cy="3977280"/>
           </a:xfrm>
           <a:prstGeom prst="rect">
             <a:avLst/>
@@ -4235,7 +4276,7 @@
       </p:sp>
       <p:sp>
         <p:nvSpPr>
-          <p:cNvPr id="20" name="PlaceHolder 3"/>
+          <p:cNvPr id="17" name="PlaceHolder 3"/>
           <p:cNvSpPr>
             <a:spLocks noGrp="1"/>
           </p:cNvSpPr>
@@ -4245,8 +4286,8 @@
         </p:nvSpPr>
         <p:spPr>
           <a:xfrm>
-            <a:off x="2518560" y="2002320"/>
-            <a:ext cx="1971000" cy="304560"/>
+            <a:off x="4579920" y="1604520"/>
+            <a:ext cx="3926160" cy="1896840"/>
           </a:xfrm>
           <a:prstGeom prst="rect">
             <a:avLst/>
@@ -4261,7 +4302,7 @@
       </p:sp>
       <p:sp>
         <p:nvSpPr>
-          <p:cNvPr id="21" name="PlaceHolder 4"/>
+          <p:cNvPr id="18" name="PlaceHolder 4"/>
           <p:cNvSpPr>
             <a:spLocks noGrp="1"/>
           </p:cNvSpPr>
@@ -4271,8 +4312,8 @@
         </p:nvSpPr>
         <p:spPr>
           <a:xfrm>
-            <a:off x="2518560" y="2336040"/>
-            <a:ext cx="1971000" cy="304560"/>
+            <a:off x="4579920" y="3681720"/>
+            <a:ext cx="3926160" cy="1896840"/>
           </a:xfrm>
           <a:prstGeom prst="rect">
             <a:avLst/>
@@ -4309,7 +4350,7 @@
       </p:grpSpPr>
       <p:sp>
         <p:nvSpPr>
-          <p:cNvPr id="22" name="PlaceHolder 1"/>
+          <p:cNvPr id="19" name="PlaceHolder 1"/>
           <p:cNvSpPr>
             <a:spLocks noGrp="1"/>
           </p:cNvSpPr>
@@ -4319,8 +4360,8 @@
         </p:nvSpPr>
         <p:spPr>
           <a:xfrm>
-            <a:off x="448920" y="833040"/>
-            <a:ext cx="8229240" cy="1143000"/>
+            <a:off x="457200" y="273600"/>
+            <a:ext cx="8229240" cy="1145160"/>
           </a:xfrm>
           <a:prstGeom prst="rect">
             <a:avLst/>
@@ -4329,13 +4370,14 @@
         <p:txBody>
           <a:bodyPr anchor="ctr" bIns="0" lIns="0" rIns="0" tIns="0" wrap="none"/>
           <a:p>
-            <a:endParaRPr/>
-          </a:p>
-        </p:txBody>
-      </p:sp>
-      <p:sp>
-        <p:nvSpPr>
-          <p:cNvPr id="23" name="PlaceHolder 2"/>
+            <a:pPr algn="ctr"/>
+            <a:endParaRPr/>
+          </a:p>
+        </p:txBody>
+      </p:sp>
+      <p:sp>
+        <p:nvSpPr>
+          <p:cNvPr id="20" name="PlaceHolder 2"/>
           <p:cNvSpPr>
             <a:spLocks noGrp="1"/>
           </p:cNvSpPr>
@@ -4345,8 +4387,8 @@
         </p:nvSpPr>
         <p:spPr>
           <a:xfrm>
-            <a:off x="448920" y="2002320"/>
-            <a:ext cx="1971000" cy="304560"/>
+            <a:off x="457200" y="1604520"/>
+            <a:ext cx="3926160" cy="1896840"/>
           </a:xfrm>
           <a:prstGeom prst="rect">
             <a:avLst/>
@@ -4361,7 +4403,7 @@
       </p:sp>
       <p:sp>
         <p:nvSpPr>
-          <p:cNvPr id="24" name="PlaceHolder 3"/>
+          <p:cNvPr id="21" name="PlaceHolder 3"/>
           <p:cNvSpPr>
             <a:spLocks noGrp="1"/>
           </p:cNvSpPr>
@@ -4371,8 +4413,8 @@
         </p:nvSpPr>
         <p:spPr>
           <a:xfrm>
-            <a:off x="2518560" y="2002320"/>
-            <a:ext cx="1971000" cy="304560"/>
+            <a:off x="4579920" y="1604520"/>
+            <a:ext cx="3926160" cy="1896840"/>
           </a:xfrm>
           <a:prstGeom prst="rect">
             <a:avLst/>
@@ -4387,7 +4429,7 @@
       </p:sp>
       <p:sp>
         <p:nvSpPr>
-          <p:cNvPr id="25" name="PlaceHolder 4"/>
+          <p:cNvPr id="22" name="PlaceHolder 4"/>
           <p:cNvSpPr>
             <a:spLocks noGrp="1"/>
           </p:cNvSpPr>
@@ -4397,8 +4439,8 @@
         </p:nvSpPr>
         <p:spPr>
           <a:xfrm>
-            <a:off x="448920" y="2336040"/>
-            <a:ext cx="4039200" cy="304560"/>
+            <a:off x="457200" y="3681720"/>
+            <a:ext cx="8045640" cy="1896840"/>
           </a:xfrm>
           <a:prstGeom prst="rect">
             <a:avLst/>
@@ -4452,29 +4494,19 @@
         </p:nvSpPr>
         <p:spPr>
           <a:xfrm>
-            <a:off x="464400" y="4956120"/>
-            <a:ext cx="7772040" cy="996480"/>
-          </a:xfrm>
-          <a:prstGeom prst="rect">
-            <a:avLst/>
-          </a:prstGeom>
-        </p:spPr>
-        <p:txBody>
-          <a:bodyPr anchor="ctr"/>
-          <a:p>
-            <a:pPr algn="ctr">
-              <a:lnSpc>
-                <a:spcPct val="100000"/>
-              </a:lnSpc>
-            </a:pPr>
-            <a:r>
-              <a:rPr lang="en-US" sz="3600">
-                <a:solidFill>
-                  <a:srgbClr val="ffecbd"/>
-                </a:solidFill>
-                <a:latin typeface="Calibri"/>
-              </a:rPr>
-              <a:t>Click to edit the title text formatClick to edit Master title style</a:t>
+            <a:off x="448920" y="833040"/>
+            <a:ext cx="8228880" cy="1142640"/>
+          </a:xfrm>
+          <a:prstGeom prst="rect">
+            <a:avLst/>
+          </a:prstGeom>
+        </p:spPr>
+        <p:txBody>
+          <a:bodyPr anchor="ctr" bIns="0" lIns="0" rIns="0" tIns="0" wrap="none"/>
+          <a:p>
+            <a:r>
+              <a:rPr lang="en-US"/>
+              <a:t>Click to edit the title text format</a:t>
             </a:r>
             <a:endParaRPr/>
           </a:p>
@@ -4483,112 +4515,6 @@
       <p:sp>
         <p:nvSpPr>
           <p:cNvPr id="1" name="PlaceHolder 2"/>
-          <p:cNvSpPr>
-            <a:spLocks noGrp="1"/>
-          </p:cNvSpPr>
-          <p:nvPr>
-            <p:ph type="dt"/>
-          </p:nvPr>
-        </p:nvSpPr>
-        <p:spPr>
-          <a:xfrm>
-            <a:off x="0" y="0"/>
-            <a:ext cx="-11796840" cy="-11796840"/>
-          </a:xfrm>
-          <a:prstGeom prst="rect">
-            <a:avLst/>
-          </a:prstGeom>
-        </p:spPr>
-        <p:txBody>
-          <a:bodyPr bIns="45000" lIns="90000" rIns="90000" tIns="45000"/>
-          <a:p>
-            <a:pPr>
-              <a:lnSpc>
-                <a:spcPct val="100000"/>
-              </a:lnSpc>
-            </a:pPr>
-            <a:r>
-              <a:rPr lang="en-US">
-                <a:solidFill>
-                  <a:srgbClr val="000000"/>
-                </a:solidFill>
-                <a:latin typeface="Calibri"/>
-              </a:rPr>
-              <a:t>7/13/14</a:t>
-            </a:r>
-            <a:endParaRPr/>
-          </a:p>
-        </p:txBody>
-      </p:sp>
-      <p:sp>
-        <p:nvSpPr>
-          <p:cNvPr id="2" name="PlaceHolder 3"/>
-          <p:cNvSpPr>
-            <a:spLocks noGrp="1"/>
-          </p:cNvSpPr>
-          <p:nvPr>
-            <p:ph type="ftr"/>
-          </p:nvPr>
-        </p:nvSpPr>
-        <p:spPr>
-          <a:xfrm>
-            <a:off x="0" y="0"/>
-            <a:ext cx="-11796840" cy="-11796840"/>
-          </a:xfrm>
-          <a:prstGeom prst="rect">
-            <a:avLst/>
-          </a:prstGeom>
-        </p:spPr>
-        <p:txBody>
-          <a:bodyPr bIns="45000" lIns="90000" rIns="90000" tIns="45000"/>
-          <a:p>
-            <a:endParaRPr/>
-          </a:p>
-        </p:txBody>
-      </p:sp>
-      <p:sp>
-        <p:nvSpPr>
-          <p:cNvPr id="3" name="PlaceHolder 4"/>
-          <p:cNvSpPr>
-            <a:spLocks noGrp="1"/>
-          </p:cNvSpPr>
-          <p:nvPr>
-            <p:ph type="sldNum"/>
-          </p:nvPr>
-        </p:nvSpPr>
-        <p:spPr>
-          <a:xfrm>
-            <a:off x="0" y="0"/>
-            <a:ext cx="-11796840" cy="-11796840"/>
-          </a:xfrm>
-          <a:prstGeom prst="rect">
-            <a:avLst/>
-          </a:prstGeom>
-        </p:spPr>
-        <p:txBody>
-          <a:bodyPr bIns="45000" lIns="90000" rIns="90000" tIns="45000"/>
-          <a:p>
-            <a:pPr>
-              <a:lnSpc>
-                <a:spcPct val="100000"/>
-              </a:lnSpc>
-            </a:pPr>
-            <a:fld id="{E111F121-5141-41F1-8121-E1A1D1B15191}" type="slidenum">
-              <a:rPr lang="en-US">
-                <a:solidFill>
-                  <a:srgbClr val="000000"/>
-                </a:solidFill>
-                <a:latin typeface="Calibri"/>
-              </a:rPr>
-              <a:t>&lt;number&gt;</a:t>
-            </a:fld>
-            <a:endParaRPr/>
-          </a:p>
-        </p:txBody>
-      </p:sp>
-      <p:sp>
-        <p:nvSpPr>
-          <p:cNvPr id="4" name="PlaceHolder 5"/>
           <p:cNvSpPr>
             <a:spLocks noGrp="1"/>
           </p:cNvSpPr>
@@ -4739,7 +4665,7 @@
       </p:grpSpPr>
       <p:sp>
         <p:nvSpPr>
-          <p:cNvPr id="37" name="PlaceHolder 1"/>
+          <p:cNvPr id="34" name="PlaceHolder 1"/>
           <p:cNvSpPr>
             <a:spLocks noGrp="1"/>
           </p:cNvSpPr>
@@ -4749,37 +4675,28 @@
         </p:nvSpPr>
         <p:spPr>
           <a:xfrm>
-            <a:off x="457200" y="911520"/>
-            <a:ext cx="8229240" cy="1142640"/>
-          </a:xfrm>
-          <a:prstGeom prst="rect">
-            <a:avLst/>
-          </a:prstGeom>
-        </p:spPr>
-        <p:txBody>
-          <a:bodyPr anchor="ctr"/>
-          <a:p>
-            <a:pPr algn="ctr">
-              <a:lnSpc>
-                <a:spcPct val="100000"/>
-              </a:lnSpc>
-            </a:pPr>
-            <a:r>
-              <a:rPr lang="en-US" sz="3600">
-                <a:solidFill>
-                  <a:srgbClr val="ffecbd"/>
-                </a:solidFill>
-                <a:latin typeface="Calibri"/>
-              </a:rPr>
-              <a:t>Click to edit the title text formatClick to edit Master title style</a:t>
-            </a:r>
-            <a:endParaRPr/>
-          </a:p>
-        </p:txBody>
-      </p:sp>
-      <p:sp>
-        <p:nvSpPr>
-          <p:cNvPr id="38" name="PlaceHolder 2"/>
+            <a:off x="457200" y="273600"/>
+            <a:ext cx="8229240" cy="1144800"/>
+          </a:xfrm>
+          <a:prstGeom prst="rect">
+            <a:avLst/>
+          </a:prstGeom>
+        </p:spPr>
+        <p:txBody>
+          <a:bodyPr anchor="ctr" bIns="0" lIns="0" rIns="0" tIns="0" wrap="none"/>
+          <a:p>
+            <a:pPr algn="ctr"/>
+            <a:r>
+              <a:rPr lang="en-US"/>
+              <a:t>Click to edit the title text format</a:t>
+            </a:r>
+            <a:endParaRPr/>
+          </a:p>
+        </p:txBody>
+      </p:sp>
+      <p:sp>
+        <p:nvSpPr>
+          <p:cNvPr id="35" name="PlaceHolder 2"/>
           <p:cNvSpPr>
             <a:spLocks noGrp="1"/>
           </p:cNvSpPr>
@@ -4789,15 +4706,15 @@
         </p:nvSpPr>
         <p:spPr>
           <a:xfrm>
-            <a:off x="457200" y="2054520"/>
-            <a:ext cx="8229240" cy="3918600"/>
-          </a:xfrm>
-          <a:prstGeom prst="rect">
-            <a:avLst/>
-          </a:prstGeom>
-        </p:spPr>
-        <p:txBody>
-          <a:bodyPr/>
+            <a:off x="457200" y="1604520"/>
+            <a:ext cx="8046360" cy="3977280"/>
+          </a:xfrm>
+          <a:prstGeom prst="rect">
+            <a:avLst/>
+          </a:prstGeom>
+        </p:spPr>
+        <p:txBody>
+          <a:bodyPr bIns="0" lIns="0" rIns="0" tIns="0" wrap="none"/>
           <a:p>
             <a:pPr>
               <a:buSzPct val="45000"/>
@@ -4805,12 +4722,7 @@
               <a:buChar char=""/>
             </a:pPr>
             <a:r>
-              <a:rPr lang="en-US" sz="2800">
-                <a:solidFill>
-                  <a:srgbClr val="ffffff"/>
-                </a:solidFill>
-                <a:latin typeface="Calibri"/>
-              </a:rPr>
+              <a:rPr lang="en-US"/>
               <a:t>Click to edit the outline text format</a:t>
             </a:r>
             <a:endParaRPr/>
@@ -4822,12 +4734,7 @@
               <a:buChar char=""/>
             </a:pPr>
             <a:r>
-              <a:rPr lang="en-US" sz="2800">
-                <a:solidFill>
-                  <a:srgbClr val="ffffff"/>
-                </a:solidFill>
-                <a:latin typeface="Calibri"/>
-              </a:rPr>
+              <a:rPr lang="en-US"/>
               <a:t>Second Outline Level</a:t>
             </a:r>
             <a:endParaRPr/>
@@ -4839,12 +4746,7 @@
               <a:buChar char=""/>
             </a:pPr>
             <a:r>
-              <a:rPr lang="en-US" sz="2800">
-                <a:solidFill>
-                  <a:srgbClr val="ffffff"/>
-                </a:solidFill>
-                <a:latin typeface="Calibri"/>
-              </a:rPr>
+              <a:rPr lang="en-US"/>
               <a:t>Third Outline Level</a:t>
             </a:r>
             <a:endParaRPr/>
@@ -4856,12 +4758,7 @@
               <a:buChar char=""/>
             </a:pPr>
             <a:r>
-              <a:rPr lang="en-US" sz="2800">
-                <a:solidFill>
-                  <a:srgbClr val="ffffff"/>
-                </a:solidFill>
-                <a:latin typeface="Calibri"/>
-              </a:rPr>
+              <a:rPr lang="en-US"/>
               <a:t>Fourth Outline Level</a:t>
             </a:r>
             <a:endParaRPr/>
@@ -4873,12 +4770,7 @@
               <a:buChar char=""/>
             </a:pPr>
             <a:r>
-              <a:rPr lang="en-US" sz="2800">
-                <a:solidFill>
-                  <a:srgbClr val="ffffff"/>
-                </a:solidFill>
-                <a:latin typeface="Calibri"/>
-              </a:rPr>
+              <a:rPr lang="en-US"/>
               <a:t>Fifth Outline Level</a:t>
             </a:r>
             <a:endParaRPr/>
@@ -4890,206 +4782,21 @@
               <a:buChar char=""/>
             </a:pPr>
             <a:r>
-              <a:rPr lang="en-US" sz="2800">
-                <a:solidFill>
-                  <a:srgbClr val="ffffff"/>
-                </a:solidFill>
-                <a:latin typeface="Calibri"/>
-              </a:rPr>
+              <a:rPr lang="en-US"/>
               <a:t>Sixth Outline Level</a:t>
             </a:r>
             <a:endParaRPr/>
           </a:p>
           <a:p>
-            <a:pPr>
-              <a:lnSpc>
-                <a:spcPct val="100000"/>
-              </a:lnSpc>
-              <a:buFont typeface="Arial"/>
-              <a:buChar char="•"/>
-            </a:pPr>
-            <a:r>
-              <a:rPr lang="en-US" sz="2800">
-                <a:solidFill>
-                  <a:srgbClr val="ffffff"/>
-                </a:solidFill>
-                <a:latin typeface="Calibri"/>
-              </a:rPr>
-              <a:t>Seventh Outline LevelClick to edit Master text styles</a:t>
-            </a:r>
-            <a:endParaRPr/>
-          </a:p>
-          <a:p>
-            <a:pPr lvl="1">
-              <a:lnSpc>
-                <a:spcPct val="100000"/>
-              </a:lnSpc>
-              <a:buFont typeface="Arial"/>
-              <a:buChar char="–"/>
-            </a:pPr>
-            <a:r>
-              <a:rPr lang="en-US" sz="2800">
-                <a:solidFill>
-                  <a:srgbClr val="ffffff"/>
-                </a:solidFill>
-                <a:latin typeface="Calibri"/>
-              </a:rPr>
-              <a:t>Second level</a:t>
-            </a:r>
-            <a:endParaRPr/>
-          </a:p>
-          <a:p>
-            <a:pPr lvl="1">
-              <a:buFont typeface="Arial"/>
-              <a:buChar char="–"/>
-            </a:pPr>
-            <a:r>
-              <a:rPr lang="en-US" sz="2400">
-                <a:solidFill>
-                  <a:srgbClr val="ffffff"/>
-                </a:solidFill>
-                <a:latin typeface="Calibri"/>
-              </a:rPr>
-              <a:t>Third level</a:t>
-            </a:r>
-            <a:endParaRPr/>
-          </a:p>
-          <a:p>
-            <a:pPr lvl="2">
-              <a:buFont typeface="Arial"/>
-              <a:buChar char="•"/>
-            </a:pPr>
-            <a:r>
-              <a:rPr lang="en-US" sz="2000">
-                <a:solidFill>
-                  <a:srgbClr val="ffffff"/>
-                </a:solidFill>
-                <a:latin typeface="Calibri"/>
-              </a:rPr>
-              <a:t>Fourth level</a:t>
-            </a:r>
-            <a:endParaRPr/>
-          </a:p>
-          <a:p>
-            <a:pPr lvl="3">
-              <a:buFont typeface="Arial"/>
-              <a:buChar char="–"/>
-            </a:pPr>
-            <a:r>
-              <a:rPr lang="en-US" sz="2000">
-                <a:solidFill>
-                  <a:srgbClr val="ffffff"/>
-                </a:solidFill>
-                <a:latin typeface="Calibri"/>
-              </a:rPr>
-              <a:t>Fifth level</a:t>
-            </a:r>
-            <a:endParaRPr/>
-          </a:p>
-        </p:txBody>
-      </p:sp>
-      <p:sp>
-        <p:nvSpPr>
-          <p:cNvPr id="39" name="PlaceHolder 3"/>
-          <p:cNvSpPr>
-            <a:spLocks noGrp="1"/>
-          </p:cNvSpPr>
-          <p:nvPr>
-            <p:ph type="dt"/>
-          </p:nvPr>
-        </p:nvSpPr>
-        <p:spPr>
-          <a:xfrm>
-            <a:off x="0" y="0"/>
-            <a:ext cx="-11796840" cy="-11796840"/>
-          </a:xfrm>
-          <a:prstGeom prst="rect">
-            <a:avLst/>
-          </a:prstGeom>
-        </p:spPr>
-        <p:txBody>
-          <a:bodyPr bIns="45000" lIns="90000" rIns="90000" tIns="45000"/>
-          <a:p>
-            <a:pPr>
-              <a:lnSpc>
-                <a:spcPct val="100000"/>
-              </a:lnSpc>
-            </a:pPr>
-            <a:r>
-              <a:rPr lang="en-US">
-                <a:solidFill>
-                  <a:srgbClr val="000000"/>
-                </a:solidFill>
-                <a:latin typeface="Calibri"/>
-              </a:rPr>
-              <a:t>7/13/14</a:t>
-            </a:r>
-            <a:endParaRPr/>
-          </a:p>
-        </p:txBody>
-      </p:sp>
-      <p:sp>
-        <p:nvSpPr>
-          <p:cNvPr id="40" name="PlaceHolder 4"/>
-          <p:cNvSpPr>
-            <a:spLocks noGrp="1"/>
-          </p:cNvSpPr>
-          <p:nvPr>
-            <p:ph type="ftr"/>
-          </p:nvPr>
-        </p:nvSpPr>
-        <p:spPr>
-          <a:xfrm>
-            <a:off x="0" y="0"/>
-            <a:ext cx="-11796840" cy="-11796840"/>
-          </a:xfrm>
-          <a:prstGeom prst="rect">
-            <a:avLst/>
-          </a:prstGeom>
-        </p:spPr>
-        <p:txBody>
-          <a:bodyPr bIns="45000" lIns="90000" rIns="90000" tIns="45000"/>
-          <a:p>
-            <a:endParaRPr/>
-          </a:p>
-        </p:txBody>
-      </p:sp>
-      <p:sp>
-        <p:nvSpPr>
-          <p:cNvPr id="41" name="PlaceHolder 5"/>
-          <p:cNvSpPr>
-            <a:spLocks noGrp="1"/>
-          </p:cNvSpPr>
-          <p:nvPr>
-            <p:ph type="sldNum"/>
-          </p:nvPr>
-        </p:nvSpPr>
-        <p:spPr>
-          <a:xfrm>
-            <a:off x="0" y="0"/>
-            <a:ext cx="-11796840" cy="-11796840"/>
-          </a:xfrm>
-          <a:prstGeom prst="rect">
-            <a:avLst/>
-          </a:prstGeom>
-        </p:spPr>
-        <p:txBody>
-          <a:bodyPr bIns="45000" lIns="90000" rIns="90000" tIns="45000"/>
-          <a:p>
-            <a:pPr>
-              <a:lnSpc>
-                <a:spcPct val="100000"/>
-              </a:lnSpc>
-            </a:pPr>
-            <a:fld id="{91E161F1-A1B1-4161-8191-B191F1B15141}" type="slidenum">
-              <a:rPr lang="en-US">
-                <a:solidFill>
-                  <a:srgbClr val="000000"/>
-                </a:solidFill>
-                <a:latin typeface="Calibri"/>
-              </a:rPr>
-              <a:t>&lt;number&gt;</a:t>
-            </a:fld>
+            <a:pPr lvl="6">
+              <a:buSzPct val="45000"/>
+              <a:buFont typeface="StarSymbol"/>
+              <a:buChar char=""/>
+            </a:pPr>
+            <a:r>
+              <a:rPr lang="en-US"/>
+              <a:t>Seventh Outline Level</a:t>
+            </a:r>
             <a:endParaRPr/>
           </a:p>
         </p:txBody>
@@ -5140,7 +4847,7 @@
       </p:grpSpPr>
       <p:sp>
         <p:nvSpPr>
-          <p:cNvPr id="74" name="PlaceHolder 1"/>
+          <p:cNvPr id="68" name="PlaceHolder 1"/>
           <p:cNvSpPr>
             <a:spLocks noGrp="1"/>
           </p:cNvSpPr>
@@ -5150,37 +4857,28 @@
         </p:nvSpPr>
         <p:spPr>
           <a:xfrm>
-            <a:off x="1831680" y="427320"/>
-            <a:ext cx="7015680" cy="1142640"/>
-          </a:xfrm>
-          <a:prstGeom prst="rect">
-            <a:avLst/>
-          </a:prstGeom>
-        </p:spPr>
-        <p:txBody>
-          <a:bodyPr anchor="ctr"/>
-          <a:p>
-            <a:pPr algn="ctr">
-              <a:lnSpc>
-                <a:spcPct val="100000"/>
-              </a:lnSpc>
-            </a:pPr>
-            <a:r>
-              <a:rPr lang="en-US" sz="3600">
-                <a:solidFill>
-                  <a:srgbClr val="ffecbd"/>
-                </a:solidFill>
-                <a:latin typeface="Calibri"/>
-              </a:rPr>
-              <a:t>Click to edit the title text formatClick to edit Master title style</a:t>
-            </a:r>
-            <a:endParaRPr/>
-          </a:p>
-        </p:txBody>
-      </p:sp>
-      <p:sp>
-        <p:nvSpPr>
-          <p:cNvPr id="75" name="PlaceHolder 2"/>
+            <a:off x="457200" y="273600"/>
+            <a:ext cx="8229240" cy="1144800"/>
+          </a:xfrm>
+          <a:prstGeom prst="rect">
+            <a:avLst/>
+          </a:prstGeom>
+        </p:spPr>
+        <p:txBody>
+          <a:bodyPr anchor="ctr" bIns="0" lIns="0" rIns="0" tIns="0" wrap="none"/>
+          <a:p>
+            <a:pPr algn="ctr"/>
+            <a:r>
+              <a:rPr lang="en-US"/>
+              <a:t>Click to edit the title text format</a:t>
+            </a:r>
+            <a:endParaRPr/>
+          </a:p>
+        </p:txBody>
+      </p:sp>
+      <p:sp>
+        <p:nvSpPr>
+          <p:cNvPr id="69" name="PlaceHolder 2"/>
           <p:cNvSpPr>
             <a:spLocks noGrp="1"/>
           </p:cNvSpPr>
@@ -5190,15 +4888,15 @@
         </p:nvSpPr>
         <p:spPr>
           <a:xfrm>
-            <a:off x="1831680" y="1596600"/>
-            <a:ext cx="7015680" cy="4275360"/>
-          </a:xfrm>
-          <a:prstGeom prst="rect">
-            <a:avLst/>
-          </a:prstGeom>
-        </p:spPr>
-        <p:txBody>
-          <a:bodyPr/>
+            <a:off x="457200" y="1604520"/>
+            <a:ext cx="8046360" cy="3977280"/>
+          </a:xfrm>
+          <a:prstGeom prst="rect">
+            <a:avLst/>
+          </a:prstGeom>
+        </p:spPr>
+        <p:txBody>
+          <a:bodyPr bIns="0" lIns="0" rIns="0" tIns="0" wrap="none"/>
           <a:p>
             <a:pPr>
               <a:buSzPct val="45000"/>
@@ -5206,12 +4904,7 @@
               <a:buChar char=""/>
             </a:pPr>
             <a:r>
-              <a:rPr lang="en-US" sz="2800">
-                <a:solidFill>
-                  <a:srgbClr val="ffffff"/>
-                </a:solidFill>
-                <a:latin typeface="Calibri"/>
-              </a:rPr>
+              <a:rPr lang="en-US"/>
               <a:t>Click to edit the outline text format</a:t>
             </a:r>
             <a:endParaRPr/>
@@ -5223,12 +4916,7 @@
               <a:buChar char=""/>
             </a:pPr>
             <a:r>
-              <a:rPr lang="en-US" sz="2800">
-                <a:solidFill>
-                  <a:srgbClr val="ffffff"/>
-                </a:solidFill>
-                <a:latin typeface="Calibri"/>
-              </a:rPr>
+              <a:rPr lang="en-US"/>
               <a:t>Second Outline Level</a:t>
             </a:r>
             <a:endParaRPr/>
@@ -5240,12 +4928,7 @@
               <a:buChar char=""/>
             </a:pPr>
             <a:r>
-              <a:rPr lang="en-US" sz="2800">
-                <a:solidFill>
-                  <a:srgbClr val="ffffff"/>
-                </a:solidFill>
-                <a:latin typeface="Calibri"/>
-              </a:rPr>
+              <a:rPr lang="en-US"/>
               <a:t>Third Outline Level</a:t>
             </a:r>
             <a:endParaRPr/>
@@ -5257,12 +4940,7 @@
               <a:buChar char=""/>
             </a:pPr>
             <a:r>
-              <a:rPr lang="en-US" sz="2800">
-                <a:solidFill>
-                  <a:srgbClr val="ffffff"/>
-                </a:solidFill>
-                <a:latin typeface="Calibri"/>
-              </a:rPr>
+              <a:rPr lang="en-US"/>
               <a:t>Fourth Outline Level</a:t>
             </a:r>
             <a:endParaRPr/>
@@ -5274,12 +4952,7 @@
               <a:buChar char=""/>
             </a:pPr>
             <a:r>
-              <a:rPr lang="en-US" sz="2800">
-                <a:solidFill>
-                  <a:srgbClr val="ffffff"/>
-                </a:solidFill>
-                <a:latin typeface="Calibri"/>
-              </a:rPr>
+              <a:rPr lang="en-US"/>
               <a:t>Fifth Outline Level</a:t>
             </a:r>
             <a:endParaRPr/>
@@ -5291,206 +4964,21 @@
               <a:buChar char=""/>
             </a:pPr>
             <a:r>
-              <a:rPr lang="en-US" sz="2800">
-                <a:solidFill>
-                  <a:srgbClr val="ffffff"/>
-                </a:solidFill>
-                <a:latin typeface="Calibri"/>
-              </a:rPr>
+              <a:rPr lang="en-US"/>
               <a:t>Sixth Outline Level</a:t>
             </a:r>
             <a:endParaRPr/>
           </a:p>
           <a:p>
-            <a:pPr>
-              <a:lnSpc>
-                <a:spcPct val="100000"/>
-              </a:lnSpc>
-              <a:buFont typeface="Arial"/>
-              <a:buChar char="•"/>
-            </a:pPr>
-            <a:r>
-              <a:rPr lang="en-US" sz="2800">
-                <a:solidFill>
-                  <a:srgbClr val="ffffff"/>
-                </a:solidFill>
-                <a:latin typeface="Calibri"/>
-              </a:rPr>
-              <a:t>Seventh Outline LevelClick to edit Master text styles</a:t>
-            </a:r>
-            <a:endParaRPr/>
-          </a:p>
-          <a:p>
-            <a:pPr lvl="1">
-              <a:lnSpc>
-                <a:spcPct val="100000"/>
-              </a:lnSpc>
-              <a:buFont typeface="Arial"/>
-              <a:buChar char="–"/>
-            </a:pPr>
-            <a:r>
-              <a:rPr lang="en-US" sz="2800">
-                <a:solidFill>
-                  <a:srgbClr val="ffffff"/>
-                </a:solidFill>
-                <a:latin typeface="Calibri"/>
-              </a:rPr>
-              <a:t>Second level</a:t>
-            </a:r>
-            <a:endParaRPr/>
-          </a:p>
-          <a:p>
-            <a:pPr lvl="1">
-              <a:buFont typeface="Arial"/>
-              <a:buChar char="–"/>
-            </a:pPr>
-            <a:r>
-              <a:rPr lang="en-US" sz="2400">
-                <a:solidFill>
-                  <a:srgbClr val="ffffff"/>
-                </a:solidFill>
-                <a:latin typeface="Calibri"/>
-              </a:rPr>
-              <a:t>Third level</a:t>
-            </a:r>
-            <a:endParaRPr/>
-          </a:p>
-          <a:p>
-            <a:pPr lvl="2">
-              <a:buFont typeface="Arial"/>
-              <a:buChar char="•"/>
-            </a:pPr>
-            <a:r>
-              <a:rPr lang="en-US" sz="2000">
-                <a:solidFill>
-                  <a:srgbClr val="ffffff"/>
-                </a:solidFill>
-                <a:latin typeface="Calibri"/>
-              </a:rPr>
-              <a:t>Fourth level</a:t>
-            </a:r>
-            <a:endParaRPr/>
-          </a:p>
-          <a:p>
-            <a:pPr lvl="3">
-              <a:buFont typeface="Arial"/>
-              <a:buChar char="–"/>
-            </a:pPr>
-            <a:r>
-              <a:rPr lang="en-US" sz="2000">
-                <a:solidFill>
-                  <a:srgbClr val="ffffff"/>
-                </a:solidFill>
-                <a:latin typeface="Calibri"/>
-              </a:rPr>
-              <a:t>Fifth level</a:t>
-            </a:r>
-            <a:endParaRPr/>
-          </a:p>
-        </p:txBody>
-      </p:sp>
-      <p:sp>
-        <p:nvSpPr>
-          <p:cNvPr id="76" name="PlaceHolder 3"/>
-          <p:cNvSpPr>
-            <a:spLocks noGrp="1"/>
-          </p:cNvSpPr>
-          <p:nvPr>
-            <p:ph type="dt"/>
-          </p:nvPr>
-        </p:nvSpPr>
-        <p:spPr>
-          <a:xfrm>
-            <a:off x="0" y="0"/>
-            <a:ext cx="-11796840" cy="-11796840"/>
-          </a:xfrm>
-          <a:prstGeom prst="rect">
-            <a:avLst/>
-          </a:prstGeom>
-        </p:spPr>
-        <p:txBody>
-          <a:bodyPr bIns="45000" lIns="90000" rIns="90000" tIns="45000"/>
-          <a:p>
-            <a:pPr>
-              <a:lnSpc>
-                <a:spcPct val="100000"/>
-              </a:lnSpc>
-            </a:pPr>
-            <a:r>
-              <a:rPr lang="en-US">
-                <a:solidFill>
-                  <a:srgbClr val="000000"/>
-                </a:solidFill>
-                <a:latin typeface="Calibri"/>
-              </a:rPr>
-              <a:t>7/13/14</a:t>
-            </a:r>
-            <a:endParaRPr/>
-          </a:p>
-        </p:txBody>
-      </p:sp>
-      <p:sp>
-        <p:nvSpPr>
-          <p:cNvPr id="77" name="PlaceHolder 4"/>
-          <p:cNvSpPr>
-            <a:spLocks noGrp="1"/>
-          </p:cNvSpPr>
-          <p:nvPr>
-            <p:ph type="ftr"/>
-          </p:nvPr>
-        </p:nvSpPr>
-        <p:spPr>
-          <a:xfrm>
-            <a:off x="0" y="0"/>
-            <a:ext cx="-11796840" cy="-11796840"/>
-          </a:xfrm>
-          <a:prstGeom prst="rect">
-            <a:avLst/>
-          </a:prstGeom>
-        </p:spPr>
-        <p:txBody>
-          <a:bodyPr bIns="45000" lIns="90000" rIns="90000" tIns="45000"/>
-          <a:p>
-            <a:endParaRPr/>
-          </a:p>
-        </p:txBody>
-      </p:sp>
-      <p:sp>
-        <p:nvSpPr>
-          <p:cNvPr id="78" name="PlaceHolder 5"/>
-          <p:cNvSpPr>
-            <a:spLocks noGrp="1"/>
-          </p:cNvSpPr>
-          <p:nvPr>
-            <p:ph type="sldNum"/>
-          </p:nvPr>
-        </p:nvSpPr>
-        <p:spPr>
-          <a:xfrm>
-            <a:off x="0" y="0"/>
-            <a:ext cx="-11796840" cy="-11796840"/>
-          </a:xfrm>
-          <a:prstGeom prst="rect">
-            <a:avLst/>
-          </a:prstGeom>
-        </p:spPr>
-        <p:txBody>
-          <a:bodyPr bIns="45000" lIns="90000" rIns="90000" tIns="45000"/>
-          <a:p>
-            <a:pPr>
-              <a:lnSpc>
-                <a:spcPct val="100000"/>
-              </a:lnSpc>
-            </a:pPr>
-            <a:fld id="{C1D121C1-71E1-4181-8161-91B1A1712151}" type="slidenum">
-              <a:rPr lang="en-US">
-                <a:solidFill>
-                  <a:srgbClr val="000000"/>
-                </a:solidFill>
-                <a:latin typeface="Calibri"/>
-              </a:rPr>
-              <a:t>&lt;number&gt;</a:t>
-            </a:fld>
+            <a:pPr lvl="6">
+              <a:buSzPct val="45000"/>
+              <a:buFont typeface="StarSymbol"/>
+              <a:buChar char=""/>
+            </a:pPr>
+            <a:r>
+              <a:rPr lang="en-US"/>
+              <a:t>Seventh Outline Level</a:t>
+            </a:r>
             <a:endParaRPr/>
           </a:p>
         </p:txBody>
@@ -5541,7 +5029,7 @@
       </p:grpSpPr>
       <p:sp>
         <p:nvSpPr>
-          <p:cNvPr id="111" name="PlaceHolder 1"/>
+          <p:cNvPr id="102" name="PlaceHolder 1"/>
           <p:cNvSpPr>
             <a:spLocks noGrp="1"/>
           </p:cNvSpPr>
@@ -5551,37 +5039,28 @@
         </p:nvSpPr>
         <p:spPr>
           <a:xfrm>
-            <a:off x="448920" y="833040"/>
-            <a:ext cx="8229240" cy="1142640"/>
-          </a:xfrm>
-          <a:prstGeom prst="rect">
-            <a:avLst/>
-          </a:prstGeom>
-        </p:spPr>
-        <p:txBody>
-          <a:bodyPr anchor="ctr"/>
-          <a:p>
-            <a:pPr algn="ctr">
-              <a:lnSpc>
-                <a:spcPct val="100000"/>
-              </a:lnSpc>
-            </a:pPr>
-            <a:r>
-              <a:rPr lang="en-US" sz="3600">
-                <a:solidFill>
-                  <a:srgbClr val="ffecbd"/>
-                </a:solidFill>
-                <a:latin typeface="Calibri"/>
-              </a:rPr>
-              <a:t>Click to edit the title text formatClick to edit Master title style</a:t>
-            </a:r>
-            <a:endParaRPr/>
-          </a:p>
-        </p:txBody>
-      </p:sp>
-      <p:sp>
-        <p:nvSpPr>
-          <p:cNvPr id="112" name="PlaceHolder 2"/>
+            <a:off x="457200" y="273600"/>
+            <a:ext cx="8229240" cy="1144800"/>
+          </a:xfrm>
+          <a:prstGeom prst="rect">
+            <a:avLst/>
+          </a:prstGeom>
+        </p:spPr>
+        <p:txBody>
+          <a:bodyPr anchor="ctr" bIns="0" lIns="0" rIns="0" tIns="0" wrap="none"/>
+          <a:p>
+            <a:pPr algn="ctr"/>
+            <a:r>
+              <a:rPr lang="en-US"/>
+              <a:t>Click to edit the title text format</a:t>
+            </a:r>
+            <a:endParaRPr/>
+          </a:p>
+        </p:txBody>
+      </p:sp>
+      <p:sp>
+        <p:nvSpPr>
+          <p:cNvPr id="103" name="PlaceHolder 2"/>
           <p:cNvSpPr>
             <a:spLocks noGrp="1"/>
           </p:cNvSpPr>
@@ -5591,15 +5070,15 @@
         </p:nvSpPr>
         <p:spPr>
           <a:xfrm>
-            <a:off x="448920" y="2002320"/>
-            <a:ext cx="4039920" cy="639360"/>
-          </a:xfrm>
-          <a:prstGeom prst="rect">
-            <a:avLst/>
-          </a:prstGeom>
-        </p:spPr>
-        <p:txBody>
-          <a:bodyPr anchor="b"/>
+            <a:off x="457200" y="1604520"/>
+            <a:ext cx="8046360" cy="3977280"/>
+          </a:xfrm>
+          <a:prstGeom prst="rect">
+            <a:avLst/>
+          </a:prstGeom>
+        </p:spPr>
+        <p:txBody>
+          <a:bodyPr bIns="0" lIns="0" rIns="0" tIns="0" wrap="none"/>
           <a:p>
             <a:pPr>
               <a:buSzPct val="45000"/>
@@ -5607,12 +5086,7 @@
               <a:buChar char=""/>
             </a:pPr>
             <a:r>
-              <a:rPr b="1" lang="en-US" sz="2400">
-                <a:solidFill>
-                  <a:srgbClr val="ffffff"/>
-                </a:solidFill>
-                <a:latin typeface="Calibri"/>
-              </a:rPr>
+              <a:rPr lang="en-US"/>
               <a:t>Click to edit the outline text format</a:t>
             </a:r>
             <a:endParaRPr/>
@@ -5624,12 +5098,7 @@
               <a:buChar char=""/>
             </a:pPr>
             <a:r>
-              <a:rPr b="1" lang="en-US" sz="2400">
-                <a:solidFill>
-                  <a:srgbClr val="ffffff"/>
-                </a:solidFill>
-                <a:latin typeface="Calibri"/>
-              </a:rPr>
+              <a:rPr lang="en-US"/>
               <a:t>Second Outline Level</a:t>
             </a:r>
             <a:endParaRPr/>
@@ -5641,12 +5110,7 @@
               <a:buChar char=""/>
             </a:pPr>
             <a:r>
-              <a:rPr b="1" lang="en-US" sz="2400">
-                <a:solidFill>
-                  <a:srgbClr val="ffffff"/>
-                </a:solidFill>
-                <a:latin typeface="Calibri"/>
-              </a:rPr>
+              <a:rPr lang="en-US"/>
               <a:t>Third Outline Level</a:t>
             </a:r>
             <a:endParaRPr/>
@@ -5658,12 +5122,7 @@
               <a:buChar char=""/>
             </a:pPr>
             <a:r>
-              <a:rPr b="1" lang="en-US" sz="2400">
-                <a:solidFill>
-                  <a:srgbClr val="ffffff"/>
-                </a:solidFill>
-                <a:latin typeface="Calibri"/>
-              </a:rPr>
+              <a:rPr lang="en-US"/>
               <a:t>Fourth Outline Level</a:t>
             </a:r>
             <a:endParaRPr/>
@@ -5675,12 +5134,7 @@
               <a:buChar char=""/>
             </a:pPr>
             <a:r>
-              <a:rPr b="1" lang="en-US" sz="2400">
-                <a:solidFill>
-                  <a:srgbClr val="ffffff"/>
-                </a:solidFill>
-                <a:latin typeface="Calibri"/>
-              </a:rPr>
+              <a:rPr lang="en-US"/>
               <a:t>Fifth Outline Level</a:t>
             </a:r>
             <a:endParaRPr/>
@@ -5692,701 +5146,21 @@
               <a:buChar char=""/>
             </a:pPr>
             <a:r>
-              <a:rPr b="1" lang="en-US" sz="2400">
-                <a:solidFill>
-                  <a:srgbClr val="ffffff"/>
-                </a:solidFill>
-                <a:latin typeface="Calibri"/>
-              </a:rPr>
+              <a:rPr lang="en-US"/>
               <a:t>Sixth Outline Level</a:t>
             </a:r>
             <a:endParaRPr/>
           </a:p>
           <a:p>
-            <a:pPr>
-              <a:lnSpc>
-                <a:spcPct val="100000"/>
-              </a:lnSpc>
-            </a:pPr>
-            <a:r>
-              <a:rPr b="1" lang="en-US" sz="2400">
-                <a:solidFill>
-                  <a:srgbClr val="ffffff"/>
-                </a:solidFill>
-                <a:latin typeface="Calibri"/>
-              </a:rPr>
-              <a:t>Seventh Outline LevelClick to edit Master text styles</a:t>
-            </a:r>
-            <a:endParaRPr/>
-          </a:p>
-        </p:txBody>
-      </p:sp>
-      <p:sp>
-        <p:nvSpPr>
-          <p:cNvPr id="113" name="PlaceHolder 3"/>
-          <p:cNvSpPr>
-            <a:spLocks noGrp="1"/>
-          </p:cNvSpPr>
-          <p:nvPr>
-            <p:ph type="body"/>
-          </p:nvPr>
-        </p:nvSpPr>
-        <p:spPr>
-          <a:xfrm>
-            <a:off x="448920" y="2631960"/>
-            <a:ext cx="4039920" cy="3034800"/>
-          </a:xfrm>
-          <a:prstGeom prst="rect">
-            <a:avLst/>
-          </a:prstGeom>
-        </p:spPr>
-        <p:txBody>
-          <a:bodyPr anchor="ctr"/>
-          <a:p>
-            <a:pPr>
+            <a:pPr lvl="6">
               <a:buSzPct val="45000"/>
               <a:buFont typeface="StarSymbol"/>
               <a:buChar char=""/>
             </a:pPr>
             <a:r>
-              <a:rPr lang="en-US" sz="2400">
-                <a:solidFill>
-                  <a:srgbClr val="ffffff"/>
-                </a:solidFill>
-                <a:latin typeface="Calibri"/>
-              </a:rPr>
-              <a:t>Click to edit the outline text format</a:t>
-            </a:r>
-            <a:endParaRPr/>
-          </a:p>
-          <a:p>
-            <a:pPr lvl="1">
-              <a:buSzPct val="75000"/>
-              <a:buFont typeface="StarSymbol"/>
-              <a:buChar char=""/>
-            </a:pPr>
-            <a:r>
-              <a:rPr lang="en-US" sz="2400">
-                <a:solidFill>
-                  <a:srgbClr val="ffffff"/>
-                </a:solidFill>
-                <a:latin typeface="Calibri"/>
-              </a:rPr>
-              <a:t>Second Outline Level</a:t>
-            </a:r>
-            <a:endParaRPr/>
-          </a:p>
-          <a:p>
-            <a:pPr lvl="2">
-              <a:buSzPct val="45000"/>
-              <a:buFont typeface="StarSymbol"/>
-              <a:buChar char=""/>
-            </a:pPr>
-            <a:r>
-              <a:rPr lang="en-US" sz="2400">
-                <a:solidFill>
-                  <a:srgbClr val="ffffff"/>
-                </a:solidFill>
-                <a:latin typeface="Calibri"/>
-              </a:rPr>
-              <a:t>Third Outline Level</a:t>
-            </a:r>
-            <a:endParaRPr/>
-          </a:p>
-          <a:p>
-            <a:pPr lvl="3">
-              <a:buSzPct val="75000"/>
-              <a:buFont typeface="StarSymbol"/>
-              <a:buChar char=""/>
-            </a:pPr>
-            <a:r>
-              <a:rPr lang="en-US" sz="2400">
-                <a:solidFill>
-                  <a:srgbClr val="ffffff"/>
-                </a:solidFill>
-                <a:latin typeface="Calibri"/>
-              </a:rPr>
-              <a:t>Fourth Outline Level</a:t>
-            </a:r>
-            <a:endParaRPr/>
-          </a:p>
-          <a:p>
-            <a:pPr lvl="4">
-              <a:buSzPct val="45000"/>
-              <a:buFont typeface="StarSymbol"/>
-              <a:buChar char=""/>
-            </a:pPr>
-            <a:r>
-              <a:rPr lang="en-US" sz="2400">
-                <a:solidFill>
-                  <a:srgbClr val="ffffff"/>
-                </a:solidFill>
-                <a:latin typeface="Calibri"/>
-              </a:rPr>
-              <a:t>Fifth Outline Level</a:t>
-            </a:r>
-            <a:endParaRPr/>
-          </a:p>
-          <a:p>
-            <a:pPr lvl="5">
-              <a:buSzPct val="45000"/>
-              <a:buFont typeface="StarSymbol"/>
-              <a:buChar char=""/>
-            </a:pPr>
-            <a:r>
-              <a:rPr lang="en-US" sz="2400">
-                <a:solidFill>
-                  <a:srgbClr val="ffffff"/>
-                </a:solidFill>
-                <a:latin typeface="Calibri"/>
-              </a:rPr>
-              <a:t>Sixth Outline Level</a:t>
-            </a:r>
-            <a:endParaRPr/>
-          </a:p>
-          <a:p>
-            <a:pPr>
-              <a:lnSpc>
-                <a:spcPct val="100000"/>
-              </a:lnSpc>
-              <a:buFont typeface="Arial"/>
-              <a:buChar char="•"/>
-            </a:pPr>
-            <a:r>
-              <a:rPr lang="en-US" sz="2400">
-                <a:solidFill>
-                  <a:srgbClr val="ffffff"/>
-                </a:solidFill>
-                <a:latin typeface="Calibri"/>
-              </a:rPr>
-              <a:t>Seventh Outline LevelClick to edit Master text styles</a:t>
-            </a:r>
-            <a:endParaRPr/>
-          </a:p>
-          <a:p>
-            <a:pPr lvl="1">
-              <a:lnSpc>
-                <a:spcPct val="100000"/>
-              </a:lnSpc>
-              <a:buFont typeface="Arial"/>
-              <a:buChar char="–"/>
-            </a:pPr>
-            <a:r>
-              <a:rPr lang="en-US" sz="2000">
-                <a:solidFill>
-                  <a:srgbClr val="ffffff"/>
-                </a:solidFill>
-                <a:latin typeface="Calibri"/>
-              </a:rPr>
-              <a:t>Second level</a:t>
-            </a:r>
-            <a:endParaRPr/>
-          </a:p>
-          <a:p>
-            <a:pPr lvl="1">
-              <a:buFont typeface="Arial"/>
-              <a:buChar char="–"/>
-            </a:pPr>
-            <a:r>
-              <a:rPr lang="en-US">
-                <a:solidFill>
-                  <a:srgbClr val="ffffff"/>
-                </a:solidFill>
-                <a:latin typeface="Calibri"/>
-              </a:rPr>
-              <a:t>Third level</a:t>
-            </a:r>
-            <a:endParaRPr/>
-          </a:p>
-          <a:p>
-            <a:pPr lvl="2">
-              <a:buFont typeface="Arial"/>
-              <a:buChar char="•"/>
-            </a:pPr>
-            <a:r>
-              <a:rPr lang="en-US" sz="1600">
-                <a:solidFill>
-                  <a:srgbClr val="ffffff"/>
-                </a:solidFill>
-                <a:latin typeface="Calibri"/>
-              </a:rPr>
-              <a:t>Fourth level</a:t>
-            </a:r>
-            <a:endParaRPr/>
-          </a:p>
-          <a:p>
-            <a:pPr lvl="3">
-              <a:buFont typeface="Arial"/>
-              <a:buChar char="–"/>
-            </a:pPr>
-            <a:r>
-              <a:rPr lang="en-US" sz="1600">
-                <a:solidFill>
-                  <a:srgbClr val="ffffff"/>
-                </a:solidFill>
-                <a:latin typeface="Calibri"/>
-              </a:rPr>
-              <a:t>Fifth level</a:t>
-            </a:r>
-            <a:endParaRPr/>
-          </a:p>
-        </p:txBody>
-      </p:sp>
-      <p:sp>
-        <p:nvSpPr>
-          <p:cNvPr id="114" name="PlaceHolder 4"/>
-          <p:cNvSpPr>
-            <a:spLocks noGrp="1"/>
-          </p:cNvSpPr>
-          <p:nvPr>
-            <p:ph type="body"/>
-          </p:nvPr>
-        </p:nvSpPr>
-        <p:spPr>
-          <a:xfrm>
-            <a:off x="4636800" y="2002320"/>
-            <a:ext cx="4041360" cy="639360"/>
-          </a:xfrm>
-          <a:prstGeom prst="rect">
-            <a:avLst/>
-          </a:prstGeom>
-        </p:spPr>
-        <p:txBody>
-          <a:bodyPr anchor="b"/>
-          <a:p>
-            <a:pPr>
-              <a:buSzPct val="45000"/>
-              <a:buFont typeface="StarSymbol"/>
-              <a:buChar char=""/>
-            </a:pPr>
-            <a:r>
-              <a:rPr b="1" lang="en-US" sz="2400">
-                <a:solidFill>
-                  <a:srgbClr val="ffffff"/>
-                </a:solidFill>
-                <a:latin typeface="Calibri"/>
-              </a:rPr>
-              <a:t>Click to edit the outline text format</a:t>
-            </a:r>
-            <a:endParaRPr/>
-          </a:p>
-          <a:p>
-            <a:pPr lvl="1">
-              <a:buSzPct val="75000"/>
-              <a:buFont typeface="StarSymbol"/>
-              <a:buChar char=""/>
-            </a:pPr>
-            <a:r>
-              <a:rPr b="1" lang="en-US" sz="2400">
-                <a:solidFill>
-                  <a:srgbClr val="ffffff"/>
-                </a:solidFill>
-                <a:latin typeface="Calibri"/>
-              </a:rPr>
-              <a:t>Second Outline Level</a:t>
-            </a:r>
-            <a:endParaRPr/>
-          </a:p>
-          <a:p>
-            <a:pPr lvl="2">
-              <a:buSzPct val="45000"/>
-              <a:buFont typeface="StarSymbol"/>
-              <a:buChar char=""/>
-            </a:pPr>
-            <a:r>
-              <a:rPr b="1" lang="en-US" sz="2400">
-                <a:solidFill>
-                  <a:srgbClr val="ffffff"/>
-                </a:solidFill>
-                <a:latin typeface="Calibri"/>
-              </a:rPr>
-              <a:t>Third Outline Level</a:t>
-            </a:r>
-            <a:endParaRPr/>
-          </a:p>
-          <a:p>
-            <a:pPr lvl="3">
-              <a:buSzPct val="75000"/>
-              <a:buFont typeface="StarSymbol"/>
-              <a:buChar char=""/>
-            </a:pPr>
-            <a:r>
-              <a:rPr b="1" lang="en-US" sz="2400">
-                <a:solidFill>
-                  <a:srgbClr val="ffffff"/>
-                </a:solidFill>
-                <a:latin typeface="Calibri"/>
-              </a:rPr>
-              <a:t>Fourth Outline Level</a:t>
-            </a:r>
-            <a:endParaRPr/>
-          </a:p>
-          <a:p>
-            <a:pPr lvl="4">
-              <a:buSzPct val="45000"/>
-              <a:buFont typeface="StarSymbol"/>
-              <a:buChar char=""/>
-            </a:pPr>
-            <a:r>
-              <a:rPr b="1" lang="en-US" sz="2400">
-                <a:solidFill>
-                  <a:srgbClr val="ffffff"/>
-                </a:solidFill>
-                <a:latin typeface="Calibri"/>
-              </a:rPr>
-              <a:t>Fifth Outline Level</a:t>
-            </a:r>
-            <a:endParaRPr/>
-          </a:p>
-          <a:p>
-            <a:pPr lvl="5">
-              <a:buSzPct val="45000"/>
-              <a:buFont typeface="StarSymbol"/>
-              <a:buChar char=""/>
-            </a:pPr>
-            <a:r>
-              <a:rPr b="1" lang="en-US" sz="2400">
-                <a:solidFill>
-                  <a:srgbClr val="ffffff"/>
-                </a:solidFill>
-                <a:latin typeface="Calibri"/>
-              </a:rPr>
-              <a:t>Sixth Outline Level</a:t>
-            </a:r>
-            <a:endParaRPr/>
-          </a:p>
-          <a:p>
-            <a:pPr>
-              <a:lnSpc>
-                <a:spcPct val="100000"/>
-              </a:lnSpc>
-            </a:pPr>
-            <a:r>
-              <a:rPr b="1" lang="en-US" sz="2400">
-                <a:solidFill>
-                  <a:srgbClr val="ffffff"/>
-                </a:solidFill>
-                <a:latin typeface="Calibri"/>
-              </a:rPr>
-              <a:t>Seventh Outline LevelClick to edit Master text styles</a:t>
-            </a:r>
-            <a:endParaRPr/>
-          </a:p>
-        </p:txBody>
-      </p:sp>
-      <p:sp>
-        <p:nvSpPr>
-          <p:cNvPr id="115" name="PlaceHolder 5"/>
-          <p:cNvSpPr>
-            <a:spLocks noGrp="1"/>
-          </p:cNvSpPr>
-          <p:nvPr>
-            <p:ph type="body"/>
-          </p:nvPr>
-        </p:nvSpPr>
-        <p:spPr>
-          <a:xfrm>
-            <a:off x="4636800" y="2631960"/>
-            <a:ext cx="4041360" cy="3034800"/>
-          </a:xfrm>
-          <a:prstGeom prst="rect">
-            <a:avLst/>
-          </a:prstGeom>
-        </p:spPr>
-        <p:txBody>
-          <a:bodyPr anchor="ctr"/>
-          <a:p>
-            <a:pPr>
-              <a:buSzPct val="45000"/>
-              <a:buFont typeface="StarSymbol"/>
-              <a:buChar char=""/>
-            </a:pPr>
-            <a:r>
-              <a:rPr lang="en-US" sz="2400">
-                <a:solidFill>
-                  <a:srgbClr val="ffffff"/>
-                </a:solidFill>
-                <a:latin typeface="Calibri"/>
-              </a:rPr>
-              <a:t>Click to edit the outline text format</a:t>
-            </a:r>
-            <a:endParaRPr/>
-          </a:p>
-          <a:p>
-            <a:pPr lvl="1">
-              <a:buSzPct val="75000"/>
-              <a:buFont typeface="StarSymbol"/>
-              <a:buChar char=""/>
-            </a:pPr>
-            <a:r>
-              <a:rPr lang="en-US" sz="2400">
-                <a:solidFill>
-                  <a:srgbClr val="ffffff"/>
-                </a:solidFill>
-                <a:latin typeface="Calibri"/>
-              </a:rPr>
-              <a:t>Second Outline Level</a:t>
-            </a:r>
-            <a:endParaRPr/>
-          </a:p>
-          <a:p>
-            <a:pPr lvl="2">
-              <a:buSzPct val="45000"/>
-              <a:buFont typeface="StarSymbol"/>
-              <a:buChar char=""/>
-            </a:pPr>
-            <a:r>
-              <a:rPr lang="en-US" sz="2400">
-                <a:solidFill>
-                  <a:srgbClr val="ffffff"/>
-                </a:solidFill>
-                <a:latin typeface="Calibri"/>
-              </a:rPr>
-              <a:t>Third Outline Level</a:t>
-            </a:r>
-            <a:endParaRPr/>
-          </a:p>
-          <a:p>
-            <a:pPr lvl="3">
-              <a:buSzPct val="75000"/>
-              <a:buFont typeface="StarSymbol"/>
-              <a:buChar char=""/>
-            </a:pPr>
-            <a:r>
-              <a:rPr lang="en-US" sz="2400">
-                <a:solidFill>
-                  <a:srgbClr val="ffffff"/>
-                </a:solidFill>
-                <a:latin typeface="Calibri"/>
-              </a:rPr>
-              <a:t>Fourth Outline Level</a:t>
-            </a:r>
-            <a:endParaRPr/>
-          </a:p>
-          <a:p>
-            <a:pPr lvl="4">
-              <a:buSzPct val="45000"/>
-              <a:buFont typeface="StarSymbol"/>
-              <a:buChar char=""/>
-            </a:pPr>
-            <a:r>
-              <a:rPr lang="en-US" sz="2400">
-                <a:solidFill>
-                  <a:srgbClr val="ffffff"/>
-                </a:solidFill>
-                <a:latin typeface="Calibri"/>
-              </a:rPr>
-              <a:t>Fifth Outline Level</a:t>
-            </a:r>
-            <a:endParaRPr/>
-          </a:p>
-          <a:p>
-            <a:pPr lvl="5">
-              <a:buSzPct val="45000"/>
-              <a:buFont typeface="StarSymbol"/>
-              <a:buChar char=""/>
-            </a:pPr>
-            <a:r>
-              <a:rPr lang="en-US" sz="2400">
-                <a:solidFill>
-                  <a:srgbClr val="ffffff"/>
-                </a:solidFill>
-                <a:latin typeface="Calibri"/>
-              </a:rPr>
-              <a:t>Sixth Outline Level</a:t>
-            </a:r>
-            <a:endParaRPr/>
-          </a:p>
-          <a:p>
-            <a:pPr>
-              <a:lnSpc>
-                <a:spcPct val="100000"/>
-              </a:lnSpc>
-              <a:buFont typeface="Arial"/>
-              <a:buChar char="•"/>
-            </a:pPr>
-            <a:r>
-              <a:rPr lang="en-US" sz="2400">
-                <a:solidFill>
-                  <a:srgbClr val="ffffff"/>
-                </a:solidFill>
-                <a:latin typeface="Calibri"/>
-              </a:rPr>
-              <a:t>Seventh Outline LevelClick to edit Master text styles</a:t>
-            </a:r>
-            <a:endParaRPr/>
-          </a:p>
-          <a:p>
-            <a:pPr lvl="1">
-              <a:lnSpc>
-                <a:spcPct val="100000"/>
-              </a:lnSpc>
-              <a:buFont typeface="Arial"/>
-              <a:buChar char="–"/>
-            </a:pPr>
-            <a:r>
-              <a:rPr lang="en-US" sz="2000">
-                <a:solidFill>
-                  <a:srgbClr val="ffffff"/>
-                </a:solidFill>
-                <a:latin typeface="Calibri"/>
-              </a:rPr>
-              <a:t>Second level</a:t>
-            </a:r>
-            <a:endParaRPr/>
-          </a:p>
-          <a:p>
-            <a:pPr lvl="1">
-              <a:buFont typeface="Arial"/>
-              <a:buChar char="–"/>
-            </a:pPr>
-            <a:r>
-              <a:rPr lang="en-US">
-                <a:solidFill>
-                  <a:srgbClr val="ffffff"/>
-                </a:solidFill>
-                <a:latin typeface="Calibri"/>
-              </a:rPr>
-              <a:t>Third level</a:t>
-            </a:r>
-            <a:endParaRPr/>
-          </a:p>
-          <a:p>
-            <a:pPr lvl="2">
-              <a:buFont typeface="Arial"/>
-              <a:buChar char="•"/>
-            </a:pPr>
-            <a:r>
-              <a:rPr lang="en-US" sz="1600">
-                <a:solidFill>
-                  <a:srgbClr val="ffffff"/>
-                </a:solidFill>
-                <a:latin typeface="Calibri"/>
-              </a:rPr>
-              <a:t>Fourth level</a:t>
-            </a:r>
-            <a:endParaRPr/>
-          </a:p>
-          <a:p>
-            <a:pPr lvl="3">
-              <a:buFont typeface="Arial"/>
-              <a:buChar char="–"/>
-            </a:pPr>
-            <a:r>
-              <a:rPr lang="en-US" sz="1600">
-                <a:solidFill>
-                  <a:srgbClr val="ffffff"/>
-                </a:solidFill>
-                <a:latin typeface="Calibri"/>
-              </a:rPr>
-              <a:t>Fifth level</a:t>
-            </a:r>
-            <a:endParaRPr/>
-          </a:p>
-        </p:txBody>
-      </p:sp>
-      <p:sp>
-        <p:nvSpPr>
-          <p:cNvPr id="116" name="PlaceHolder 6"/>
-          <p:cNvSpPr>
-            <a:spLocks noGrp="1"/>
-          </p:cNvSpPr>
-          <p:nvPr>
-            <p:ph type="dt"/>
-          </p:nvPr>
-        </p:nvSpPr>
-        <p:spPr>
-          <a:xfrm>
-            <a:off x="0" y="0"/>
-            <a:ext cx="-11796840" cy="-11796840"/>
-          </a:xfrm>
-          <a:prstGeom prst="rect">
-            <a:avLst/>
-          </a:prstGeom>
-        </p:spPr>
-        <p:txBody>
-          <a:bodyPr bIns="45000" lIns="90000" rIns="90000" tIns="45000"/>
-          <a:p>
-            <a:pPr>
-              <a:lnSpc>
-                <a:spcPct val="100000"/>
-              </a:lnSpc>
-            </a:pPr>
-            <a:r>
-              <a:rPr lang="en-US">
-                <a:solidFill>
-                  <a:srgbClr val="000000"/>
-                </a:solidFill>
-                <a:latin typeface="Calibri"/>
-              </a:rPr>
-              <a:t>7/13/14</a:t>
-            </a:r>
-            <a:endParaRPr/>
-          </a:p>
-        </p:txBody>
-      </p:sp>
-      <p:sp>
-        <p:nvSpPr>
-          <p:cNvPr id="117" name="PlaceHolder 7"/>
-          <p:cNvSpPr>
-            <a:spLocks noGrp="1"/>
-          </p:cNvSpPr>
-          <p:nvPr>
-            <p:ph type="ftr"/>
-          </p:nvPr>
-        </p:nvSpPr>
-        <p:spPr>
-          <a:xfrm>
-            <a:off x="0" y="0"/>
-            <a:ext cx="-11796840" cy="-11796840"/>
-          </a:xfrm>
-          <a:prstGeom prst="rect">
-            <a:avLst/>
-          </a:prstGeom>
-        </p:spPr>
-        <p:txBody>
-          <a:bodyPr bIns="45000" lIns="90000" rIns="90000" tIns="45000"/>
-          <a:p>
-            <a:endParaRPr/>
-          </a:p>
-        </p:txBody>
-      </p:sp>
-      <p:sp>
-        <p:nvSpPr>
-          <p:cNvPr id="118" name="PlaceHolder 8"/>
-          <p:cNvSpPr>
-            <a:spLocks noGrp="1"/>
-          </p:cNvSpPr>
-          <p:nvPr>
-            <p:ph type="sldNum"/>
-          </p:nvPr>
-        </p:nvSpPr>
-        <p:spPr>
-          <a:xfrm>
-            <a:off x="0" y="0"/>
-            <a:ext cx="-11796840" cy="-11796840"/>
-          </a:xfrm>
-          <a:prstGeom prst="rect">
-            <a:avLst/>
-          </a:prstGeom>
-        </p:spPr>
-        <p:txBody>
-          <a:bodyPr bIns="45000" lIns="90000" rIns="90000" tIns="45000"/>
-          <a:p>
-            <a:pPr>
-              <a:lnSpc>
-                <a:spcPct val="100000"/>
-              </a:lnSpc>
-            </a:pPr>
-            <a:fld id="{71F17191-D101-41B1-A131-5121212181B1}" type="slidenum">
-              <a:rPr lang="en-US">
-                <a:solidFill>
-                  <a:srgbClr val="000000"/>
-                </a:solidFill>
-                <a:latin typeface="Calibri"/>
-              </a:rPr>
-              <a:t>&lt;number&gt;</a:t>
-            </a:fld>
+              <a:rPr lang="en-US"/>
+              <a:t>Seventh Outline Level</a:t>
+            </a:r>
             <a:endParaRPr/>
           </a:p>
         </p:txBody>
@@ -6437,21 +5211,21 @@
       </p:grpSpPr>
       <p:sp>
         <p:nvSpPr>
-          <p:cNvPr id="151" name="TextShape 1"/>
-          <p:cNvSpPr txBox="1"/>
+          <p:cNvPr id="136" name="CustomShape 1"/>
+          <p:cNvSpPr/>
           <p:nvPr/>
         </p:nvSpPr>
         <p:spPr>
           <a:xfrm>
             <a:off x="464400" y="4956120"/>
-            <a:ext cx="7772040" cy="996480"/>
-          </a:xfrm>
-          <a:prstGeom prst="rect">
-            <a:avLst/>
-          </a:prstGeom>
-        </p:spPr>
-        <p:txBody>
-          <a:bodyPr anchor="ctr"/>
+            <a:ext cx="7771680" cy="996120"/>
+          </a:xfrm>
+          <a:prstGeom prst="rect">
+            <a:avLst/>
+          </a:prstGeom>
+        </p:spPr>
+        <p:txBody>
+          <a:bodyPr anchor="ctr" bIns="45000" lIns="90000" rIns="90000" tIns="45000"/>
           <a:p>
             <a:pPr algn="ctr">
               <a:lnSpc>
@@ -6473,21 +5247,21 @@
       </p:sp>
       <p:sp>
         <p:nvSpPr>
-          <p:cNvPr id="152" name="TextShape 2"/>
-          <p:cNvSpPr txBox="1"/>
+          <p:cNvPr id="137" name="CustomShape 2"/>
+          <p:cNvSpPr/>
           <p:nvPr/>
         </p:nvSpPr>
         <p:spPr>
           <a:xfrm>
             <a:off x="464400" y="5800320"/>
-            <a:ext cx="6400440" cy="835200"/>
-          </a:xfrm>
-          <a:prstGeom prst="rect">
-            <a:avLst/>
-          </a:prstGeom>
-        </p:spPr>
-        <p:txBody>
-          <a:bodyPr/>
+            <a:ext cx="6400080" cy="834840"/>
+          </a:xfrm>
+          <a:prstGeom prst="rect">
+            <a:avLst/>
+          </a:prstGeom>
+        </p:spPr>
+        <p:txBody>
+          <a:bodyPr bIns="45000" lIns="90000" rIns="90000" tIns="45000"/>
           <a:p>
             <a:pPr>
               <a:lnSpc>
@@ -6544,6 +5318,13 @@
 <file path=ppt/slides/slide10.xml><?xml version="1.0" encoding="utf-8"?>
 <p:sld xmlns:a="http://schemas.openxmlformats.org/drawingml/2006/main" xmlns:p="http://schemas.openxmlformats.org/presentationml/2006/main" xmlns:r="http://schemas.openxmlformats.org/officeDocument/2006/relationships">
   <p:cSld>
+    <p:bg>
+      <p:bgPr>
+        <a:blipFill>
+          <a:blip r:embed="rId1"/>
+        </a:blipFill>
+      </p:bgPr>
+    </p:bg>
     <p:spTree>
       <p:nvGrpSpPr>
         <p:cNvPr id="1" name=""/>
@@ -6560,21 +5341,316 @@
       </p:grpSpPr>
       <p:sp>
         <p:nvSpPr>
-          <p:cNvPr id="170" name="TextShape 1"/>
-          <p:cNvSpPr txBox="1"/>
+          <p:cNvPr id="155" name="CustomShape 1"/>
+          <p:cNvSpPr/>
           <p:nvPr/>
         </p:nvSpPr>
         <p:spPr>
           <a:xfrm>
+            <a:off x="1831680" y="427320"/>
+            <a:ext cx="7015320" cy="1142280"/>
+          </a:xfrm>
+          <a:prstGeom prst="rect">
+            <a:avLst/>
+          </a:prstGeom>
+        </p:spPr>
+        <p:txBody>
+          <a:bodyPr anchor="ctr" bIns="45000" lIns="90000" rIns="90000" tIns="45000"/>
+          <a:p>
+            <a:pPr>
+              <a:lnSpc>
+                <a:spcPct val="100000"/>
+              </a:lnSpc>
+            </a:pPr>
+            <a:r>
+              <a:rPr lang="en-US" sz="3600">
+                <a:solidFill>
+                  <a:srgbClr val="ffecbd"/>
+                </a:solidFill>
+                <a:latin typeface="Calibri"/>
+              </a:rPr>
+              <a:t>Learning checkmate</a:t>
+            </a:r>
+            <a:endParaRPr/>
+          </a:p>
+        </p:txBody>
+      </p:sp>
+      <p:sp>
+        <p:nvSpPr>
+          <p:cNvPr id="156" name="CustomShape 2"/>
+          <p:cNvSpPr/>
+          <p:nvPr/>
+        </p:nvSpPr>
+        <p:spPr>
+          <a:xfrm>
+            <a:off x="1831680" y="1596600"/>
+            <a:ext cx="7015320" cy="4275000"/>
+          </a:xfrm>
+          <a:prstGeom prst="rect">
+            <a:avLst/>
+          </a:prstGeom>
+        </p:spPr>
+        <p:txBody>
+          <a:bodyPr bIns="45000" lIns="90000" rIns="90000" tIns="45000"/>
+          <a:p>
+            <a:pPr>
+              <a:lnSpc>
+                <a:spcPct val="100000"/>
+              </a:lnSpc>
+              <a:buFont typeface="Arial"/>
+              <a:buChar char="•"/>
+            </a:pPr>
+            <a:r>
+              <a:rPr lang="en-US" sz="2800">
+                <a:solidFill>
+                  <a:srgbClr val="ffffff"/>
+                </a:solidFill>
+                <a:latin typeface="Calibri"/>
+              </a:rPr>
+              <a:t>Features distribution (highlights):</a:t>
+            </a:r>
+            <a:endParaRPr/>
+          </a:p>
+          <a:p>
+            <a:pPr>
+              <a:lnSpc>
+                <a:spcPct val="100000"/>
+              </a:lnSpc>
+              <a:buFont typeface="Arial"/>
+              <a:buChar char="•"/>
+            </a:pPr>
+            <a:r>
+              <a:rPr lang="en-US" sz="2800">
+                <a:solidFill>
+                  <a:srgbClr val="ffffff"/>
+                </a:solidFill>
+                <a:latin typeface="Calibri"/>
+              </a:rPr>
+              <a:t>ddd</a:t>
+            </a:r>
+            <a:endParaRPr/>
+          </a:p>
+        </p:txBody>
+      </p:sp>
+    </p:spTree>
+  </p:cSld>
+  <p:timing>
+    <p:tnLst>
+      <p:par>
+        <p:cTn dur="indefinite" id="19" nodeType="tmRoot" restart="never">
+          <p:childTnLst>
+            <p:seq>
+              <p:cTn id="20" nodeType="mainSeq">
+                <p:childTnLst/>
+              </p:cTn>
+              <p:prevCondLst>
+                <p:cond delay="0" evt="onPrev">
+                  <p:tgtEl>
+                    <p:sldTgt/>
+                  </p:tgtEl>
+                </p:cond>
+              </p:prevCondLst>
+              <p:nextCondLst>
+                <p:cond delay="0" evt="onNext">
+                  <p:tgtEl>
+                    <p:sldTgt/>
+                  </p:tgtEl>
+                </p:cond>
+              </p:nextCondLst>
+            </p:seq>
+          </p:childTnLst>
+        </p:cTn>
+      </p:par>
+    </p:tnLst>
+  </p:timing>
+</p:sld>
+</file>
+
+<file path=ppt/slides/slide11.xml><?xml version="1.0" encoding="utf-8"?>
+<p:sld xmlns:a="http://schemas.openxmlformats.org/drawingml/2006/main" xmlns:p="http://schemas.openxmlformats.org/presentationml/2006/main" xmlns:r="http://schemas.openxmlformats.org/officeDocument/2006/relationships">
+  <p:cSld>
+    <p:bg>
+      <p:bgPr>
+        <a:blipFill>
+          <a:blip r:embed="rId1"/>
+        </a:blipFill>
+      </p:bgPr>
+    </p:bg>
+    <p:spTree>
+      <p:nvGrpSpPr>
+        <p:cNvPr id="1" name=""/>
+        <p:cNvGrpSpPr/>
+        <p:nvPr/>
+      </p:nvGrpSpPr>
+      <p:grpSpPr>
+        <a:xfrm>
+          <a:off x="0" y="0"/>
+          <a:ext cx="0" cy="0"/>
+          <a:chOff x="0" y="0"/>
+          <a:chExt cx="0" cy="0"/>
+        </a:xfrm>
+      </p:grpSpPr>
+      <p:sp>
+        <p:nvSpPr>
+          <p:cNvPr id="157" name="CustomShape 1"/>
+          <p:cNvSpPr/>
+          <p:nvPr/>
+        </p:nvSpPr>
+        <p:spPr>
+          <a:xfrm>
+            <a:off x="1831680" y="427320"/>
+            <a:ext cx="7015320" cy="1142280"/>
+          </a:xfrm>
+          <a:prstGeom prst="rect">
+            <a:avLst/>
+          </a:prstGeom>
+        </p:spPr>
+        <p:txBody>
+          <a:bodyPr anchor="ctr" bIns="45000" lIns="90000" rIns="90000" tIns="45000"/>
+          <a:p>
+            <a:pPr>
+              <a:lnSpc>
+                <a:spcPct val="100000"/>
+              </a:lnSpc>
+            </a:pPr>
+            <a:r>
+              <a:rPr lang="en-US" sz="3600">
+                <a:solidFill>
+                  <a:srgbClr val="ffecbd"/>
+                </a:solidFill>
+                <a:latin typeface="Calibri"/>
+              </a:rPr>
+              <a:t>Learning checkmate</a:t>
+            </a:r>
+            <a:endParaRPr/>
+          </a:p>
+        </p:txBody>
+      </p:sp>
+      <p:sp>
+        <p:nvSpPr>
+          <p:cNvPr id="158" name="CustomShape 2"/>
+          <p:cNvSpPr/>
+          <p:nvPr/>
+        </p:nvSpPr>
+        <p:spPr>
+          <a:xfrm>
+            <a:off x="1831680" y="1596600"/>
+            <a:ext cx="7015320" cy="4275000"/>
+          </a:xfrm>
+          <a:prstGeom prst="rect">
+            <a:avLst/>
+          </a:prstGeom>
+        </p:spPr>
+        <p:txBody>
+          <a:bodyPr bIns="45000" lIns="90000" rIns="90000" tIns="45000"/>
+          <a:p>
+            <a:pPr>
+              <a:lnSpc>
+                <a:spcPct val="100000"/>
+              </a:lnSpc>
+              <a:buFont typeface="Arial"/>
+              <a:buChar char="•"/>
+            </a:pPr>
+            <a:r>
+              <a:rPr lang="en-US" sz="2800">
+                <a:solidFill>
+                  <a:srgbClr val="ffffff"/>
+                </a:solidFill>
+                <a:latin typeface="Calibri"/>
+              </a:rPr>
+              <a:t>Results:</a:t>
+            </a:r>
+            <a:endParaRPr/>
+          </a:p>
+          <a:p>
+            <a:pPr>
+              <a:lnSpc>
+                <a:spcPct val="100000"/>
+              </a:lnSpc>
+              <a:buFont typeface="Arial"/>
+              <a:buChar char="•"/>
+            </a:pPr>
+            <a:r>
+              <a:rPr lang="en-US" sz="2800">
+                <a:solidFill>
+                  <a:srgbClr val="ffffff"/>
+                </a:solidFill>
+                <a:latin typeface="Calibri"/>
+              </a:rPr>
+              <a:t>90% ...</a:t>
+            </a:r>
+            <a:endParaRPr/>
+          </a:p>
+        </p:txBody>
+      </p:sp>
+    </p:spTree>
+  </p:cSld>
+  <p:timing>
+    <p:tnLst>
+      <p:par>
+        <p:cTn dur="indefinite" id="21" nodeType="tmRoot" restart="never">
+          <p:childTnLst>
+            <p:seq>
+              <p:cTn id="22" nodeType="mainSeq">
+                <p:childTnLst/>
+              </p:cTn>
+              <p:prevCondLst>
+                <p:cond delay="0" evt="onPrev">
+                  <p:tgtEl>
+                    <p:sldTgt/>
+                  </p:tgtEl>
+                </p:cond>
+              </p:prevCondLst>
+              <p:nextCondLst>
+                <p:cond delay="0" evt="onNext">
+                  <p:tgtEl>
+                    <p:sldTgt/>
+                  </p:tgtEl>
+                </p:cond>
+              </p:nextCondLst>
+            </p:seq>
+          </p:childTnLst>
+        </p:cTn>
+      </p:par>
+    </p:tnLst>
+  </p:timing>
+</p:sld>
+</file>
+
+<file path=ppt/slides/slide12.xml><?xml version="1.0" encoding="utf-8"?>
+<p:sld xmlns:a="http://schemas.openxmlformats.org/drawingml/2006/main" xmlns:p="http://schemas.openxmlformats.org/presentationml/2006/main" xmlns:r="http://schemas.openxmlformats.org/officeDocument/2006/relationships">
+  <p:cSld>
+    <p:spTree>
+      <p:nvGrpSpPr>
+        <p:cNvPr id="1" name=""/>
+        <p:cNvGrpSpPr/>
+        <p:nvPr/>
+      </p:nvGrpSpPr>
+      <p:grpSpPr>
+        <a:xfrm>
+          <a:off x="0" y="0"/>
+          <a:ext cx="0" cy="0"/>
+          <a:chOff x="0" y="0"/>
+          <a:chExt cx="0" cy="0"/>
+        </a:xfrm>
+      </p:grpSpPr>
+      <p:sp>
+        <p:nvSpPr>
+          <p:cNvPr id="159" name="CustomShape 1"/>
+          <p:cNvSpPr/>
+          <p:nvPr/>
+        </p:nvSpPr>
+        <p:spPr>
+          <a:xfrm>
             <a:off x="448920" y="833040"/>
-            <a:ext cx="8229240" cy="1142640"/>
-          </a:xfrm>
-          <a:prstGeom prst="rect">
-            <a:avLst/>
-          </a:prstGeom>
-        </p:spPr>
-        <p:txBody>
-          <a:bodyPr anchor="ctr"/>
+            <a:ext cx="8228880" cy="1142280"/>
+          </a:xfrm>
+          <a:prstGeom prst="rect">
+            <a:avLst/>
+          </a:prstGeom>
+        </p:spPr>
+        <p:txBody>
+          <a:bodyPr anchor="ctr" bIns="45000" lIns="90000" rIns="90000" tIns="45000"/>
           <a:p>
             <a:pPr>
               <a:lnSpc>
@@ -6596,21 +5672,21 @@
       </p:sp>
       <p:sp>
         <p:nvSpPr>
-          <p:cNvPr id="171" name="TextShape 2"/>
-          <p:cNvSpPr txBox="1"/>
+          <p:cNvPr id="160" name="CustomShape 2"/>
+          <p:cNvSpPr/>
           <p:nvPr/>
         </p:nvSpPr>
         <p:spPr>
           <a:xfrm>
             <a:off x="448920" y="2002320"/>
-            <a:ext cx="4039920" cy="639360"/>
-          </a:xfrm>
-          <a:prstGeom prst="rect">
-            <a:avLst/>
-          </a:prstGeom>
-        </p:spPr>
-        <p:txBody>
-          <a:bodyPr anchor="b"/>
+            <a:ext cx="4039560" cy="639000"/>
+          </a:xfrm>
+          <a:prstGeom prst="rect">
+            <a:avLst/>
+          </a:prstGeom>
+        </p:spPr>
+        <p:txBody>
+          <a:bodyPr anchor="b" bIns="45000" lIns="90000" rIns="90000" tIns="45000"/>
           <a:p>
             <a:pPr>
               <a:lnSpc>
@@ -6632,21 +5708,21 @@
       </p:sp>
       <p:sp>
         <p:nvSpPr>
-          <p:cNvPr id="172" name="TextShape 3"/>
-          <p:cNvSpPr txBox="1"/>
+          <p:cNvPr id="161" name="CustomShape 3"/>
+          <p:cNvSpPr/>
           <p:nvPr/>
         </p:nvSpPr>
         <p:spPr>
           <a:xfrm>
             <a:off x="448920" y="2631960"/>
-            <a:ext cx="4039920" cy="3034800"/>
-          </a:xfrm>
-          <a:prstGeom prst="rect">
-            <a:avLst/>
-          </a:prstGeom>
-        </p:spPr>
-        <p:txBody>
-          <a:bodyPr anchor="ctr"/>
+            <a:ext cx="4039560" cy="3034440"/>
+          </a:xfrm>
+          <a:prstGeom prst="rect">
+            <a:avLst/>
+          </a:prstGeom>
+        </p:spPr>
+        <p:txBody>
+          <a:bodyPr anchor="ctr" bIns="45000" lIns="90000" rIns="90000" tIns="45000"/>
           <a:p>
             <a:pPr>
               <a:lnSpc>
@@ -6708,21 +5784,21 @@
       </p:sp>
       <p:sp>
         <p:nvSpPr>
-          <p:cNvPr id="173" name="TextShape 4"/>
-          <p:cNvSpPr txBox="1"/>
+          <p:cNvPr id="162" name="CustomShape 4"/>
+          <p:cNvSpPr/>
           <p:nvPr/>
         </p:nvSpPr>
         <p:spPr>
           <a:xfrm>
             <a:off x="4636800" y="2002320"/>
-            <a:ext cx="4041360" cy="639360"/>
-          </a:xfrm>
-          <a:prstGeom prst="rect">
-            <a:avLst/>
-          </a:prstGeom>
-        </p:spPr>
-        <p:txBody>
-          <a:bodyPr anchor="b"/>
+            <a:ext cx="4041000" cy="639000"/>
+          </a:xfrm>
+          <a:prstGeom prst="rect">
+            <a:avLst/>
+          </a:prstGeom>
+        </p:spPr>
+        <p:txBody>
+          <a:bodyPr anchor="b" bIns="45000" lIns="90000" rIns="90000" tIns="45000"/>
           <a:p>
             <a:pPr algn="ctr">
               <a:lnSpc>
@@ -6744,21 +5820,21 @@
       </p:sp>
       <p:sp>
         <p:nvSpPr>
-          <p:cNvPr id="174" name="TextShape 5"/>
-          <p:cNvSpPr txBox="1"/>
+          <p:cNvPr id="163" name="CustomShape 5"/>
+          <p:cNvSpPr/>
           <p:nvPr/>
         </p:nvSpPr>
         <p:spPr>
           <a:xfrm>
             <a:off x="4636800" y="2631960"/>
-            <a:ext cx="4041360" cy="3034800"/>
-          </a:xfrm>
-          <a:prstGeom prst="rect">
-            <a:avLst/>
-          </a:prstGeom>
-        </p:spPr>
-        <p:txBody>
-          <a:bodyPr anchor="ctr"/>
+            <a:ext cx="4041000" cy="3034440"/>
+          </a:xfrm>
+          <a:prstGeom prst="rect">
+            <a:avLst/>
+          </a:prstGeom>
+        </p:spPr>
+        <p:txBody>
+          <a:bodyPr anchor="ctr" bIns="45000" lIns="90000" rIns="90000" tIns="45000"/>
           <a:p>
             <a:pPr algn="r">
               <a:lnSpc>
@@ -6842,21 +5918,21 @@
       </p:grpSpPr>
       <p:sp>
         <p:nvSpPr>
-          <p:cNvPr id="153" name="TextShape 1"/>
-          <p:cNvSpPr txBox="1"/>
+          <p:cNvPr id="138" name="CustomShape 1"/>
+          <p:cNvSpPr/>
           <p:nvPr/>
         </p:nvSpPr>
         <p:spPr>
           <a:xfrm>
             <a:off x="457200" y="911520"/>
-            <a:ext cx="8229240" cy="1142640"/>
-          </a:xfrm>
-          <a:prstGeom prst="rect">
-            <a:avLst/>
-          </a:prstGeom>
-        </p:spPr>
-        <p:txBody>
-          <a:bodyPr anchor="ctr"/>
+            <a:ext cx="8228880" cy="1142280"/>
+          </a:xfrm>
+          <a:prstGeom prst="rect">
+            <a:avLst/>
+          </a:prstGeom>
+        </p:spPr>
+        <p:txBody>
+          <a:bodyPr anchor="ctr" bIns="45000" lIns="90000" rIns="90000" tIns="45000"/>
           <a:p>
             <a:pPr>
               <a:lnSpc>
@@ -6878,21 +5954,21 @@
       </p:sp>
       <p:sp>
         <p:nvSpPr>
-          <p:cNvPr id="154" name="TextShape 2"/>
-          <p:cNvSpPr txBox="1"/>
+          <p:cNvPr id="139" name="CustomShape 2"/>
+          <p:cNvSpPr/>
           <p:nvPr/>
         </p:nvSpPr>
         <p:spPr>
           <a:xfrm>
             <a:off x="457200" y="2054520"/>
-            <a:ext cx="8229240" cy="3918600"/>
-          </a:xfrm>
-          <a:prstGeom prst="rect">
-            <a:avLst/>
-          </a:prstGeom>
-        </p:spPr>
-        <p:txBody>
-          <a:bodyPr/>
+            <a:ext cx="8228880" cy="3918240"/>
+          </a:xfrm>
+          <a:prstGeom prst="rect">
+            <a:avLst/>
+          </a:prstGeom>
+        </p:spPr>
+        <p:txBody>
+          <a:bodyPr bIns="45000" lIns="90000" rIns="90000" tIns="45000"/>
           <a:p>
             <a:pPr>
               <a:lnSpc>
@@ -7075,21 +6151,21 @@
       </p:grpSpPr>
       <p:sp>
         <p:nvSpPr>
-          <p:cNvPr id="155" name="TextShape 1"/>
-          <p:cNvSpPr txBox="1"/>
+          <p:cNvPr id="140" name="CustomShape 1"/>
+          <p:cNvSpPr/>
           <p:nvPr/>
         </p:nvSpPr>
         <p:spPr>
           <a:xfrm>
             <a:off x="457200" y="911520"/>
-            <a:ext cx="8229240" cy="1142640"/>
-          </a:xfrm>
-          <a:prstGeom prst="rect">
-            <a:avLst/>
-          </a:prstGeom>
-        </p:spPr>
-        <p:txBody>
-          <a:bodyPr anchor="ctr"/>
+            <a:ext cx="8228880" cy="1142280"/>
+          </a:xfrm>
+          <a:prstGeom prst="rect">
+            <a:avLst/>
+          </a:prstGeom>
+        </p:spPr>
+        <p:txBody>
+          <a:bodyPr anchor="ctr" bIns="45000" lIns="90000" rIns="90000" tIns="45000"/>
           <a:p>
             <a:pPr>
               <a:lnSpc>
@@ -7111,80 +6187,80 @@
       </p:sp>
       <p:sp>
         <p:nvSpPr>
-          <p:cNvPr id="156" name="TextShape 2"/>
-          <p:cNvSpPr txBox="1"/>
+          <p:cNvPr id="141" name="CustomShape 2"/>
+          <p:cNvSpPr/>
           <p:nvPr/>
         </p:nvSpPr>
         <p:spPr>
           <a:xfrm>
             <a:off x="457200" y="2054520"/>
-            <a:ext cx="8229240" cy="3918600"/>
-          </a:xfrm>
-          <a:prstGeom prst="rect">
-            <a:avLst/>
-          </a:prstGeom>
-        </p:spPr>
-        <p:txBody>
-          <a:bodyPr/>
-          <a:p>
-            <a:pPr>
-              <a:lnSpc>
-                <a:spcPct val="100000"/>
-              </a:lnSpc>
-            </a:pPr>
-            <a:endParaRPr/>
-          </a:p>
-          <a:p>
-            <a:pPr>
-              <a:lnSpc>
-                <a:spcPct val="100000"/>
-              </a:lnSpc>
-            </a:pPr>
-            <a:endParaRPr/>
-          </a:p>
-          <a:p>
-            <a:pPr>
-              <a:lnSpc>
-                <a:spcPct val="100000"/>
-              </a:lnSpc>
-            </a:pPr>
-            <a:endParaRPr/>
-          </a:p>
-          <a:p>
-            <a:pPr>
-              <a:lnSpc>
-                <a:spcPct val="100000"/>
-              </a:lnSpc>
-            </a:pPr>
-            <a:endParaRPr/>
-          </a:p>
-          <a:p>
-            <a:pPr>
-              <a:lnSpc>
-                <a:spcPct val="100000"/>
-              </a:lnSpc>
-            </a:pPr>
-            <a:endParaRPr/>
-          </a:p>
-        </p:txBody>
-      </p:sp>
-      <p:sp>
-        <p:nvSpPr>
-          <p:cNvPr id="157" name="TextShape 3"/>
-          <p:cNvSpPr txBox="1"/>
+            <a:ext cx="8228880" cy="3918240"/>
+          </a:xfrm>
+          <a:prstGeom prst="rect">
+            <a:avLst/>
+          </a:prstGeom>
+        </p:spPr>
+        <p:txBody>
+          <a:bodyPr bIns="45000" lIns="90000" rIns="90000" tIns="45000"/>
+          <a:p>
+            <a:pPr>
+              <a:lnSpc>
+                <a:spcPct val="100000"/>
+              </a:lnSpc>
+            </a:pPr>
+            <a:endParaRPr/>
+          </a:p>
+          <a:p>
+            <a:pPr>
+              <a:lnSpc>
+                <a:spcPct val="100000"/>
+              </a:lnSpc>
+            </a:pPr>
+            <a:endParaRPr/>
+          </a:p>
+          <a:p>
+            <a:pPr>
+              <a:lnSpc>
+                <a:spcPct val="100000"/>
+              </a:lnSpc>
+            </a:pPr>
+            <a:endParaRPr/>
+          </a:p>
+          <a:p>
+            <a:pPr>
+              <a:lnSpc>
+                <a:spcPct val="100000"/>
+              </a:lnSpc>
+            </a:pPr>
+            <a:endParaRPr/>
+          </a:p>
+          <a:p>
+            <a:pPr>
+              <a:lnSpc>
+                <a:spcPct val="100000"/>
+              </a:lnSpc>
+            </a:pPr>
+            <a:endParaRPr/>
+          </a:p>
+        </p:txBody>
+      </p:sp>
+      <p:sp>
+        <p:nvSpPr>
+          <p:cNvPr id="142" name="CustomShape 3"/>
+          <p:cNvSpPr/>
           <p:nvPr/>
         </p:nvSpPr>
         <p:spPr>
           <a:xfrm>
             <a:off x="457560" y="2054880"/>
-            <a:ext cx="8229240" cy="3918600"/>
-          </a:xfrm>
-          <a:prstGeom prst="rect">
-            <a:avLst/>
-          </a:prstGeom>
-        </p:spPr>
-        <p:txBody>
-          <a:bodyPr/>
+            <a:ext cx="8228880" cy="3918240"/>
+          </a:xfrm>
+          <a:prstGeom prst="rect">
+            <a:avLst/>
+          </a:prstGeom>
+        </p:spPr>
+        <p:txBody>
+          <a:bodyPr bIns="45000" lIns="90000" rIns="90000" tIns="45000"/>
           <a:p>
             <a:pPr>
               <a:lnSpc>
@@ -7340,21 +6416,21 @@
       </p:grpSpPr>
       <p:sp>
         <p:nvSpPr>
-          <p:cNvPr id="158" name="TextShape 1"/>
-          <p:cNvSpPr txBox="1"/>
+          <p:cNvPr id="143" name="CustomShape 1"/>
+          <p:cNvSpPr/>
           <p:nvPr/>
         </p:nvSpPr>
         <p:spPr>
           <a:xfrm>
             <a:off x="457200" y="911520"/>
-            <a:ext cx="8229240" cy="1142640"/>
-          </a:xfrm>
-          <a:prstGeom prst="rect">
-            <a:avLst/>
-          </a:prstGeom>
-        </p:spPr>
-        <p:txBody>
-          <a:bodyPr anchor="ctr"/>
+            <a:ext cx="8228880" cy="1142280"/>
+          </a:xfrm>
+          <a:prstGeom prst="rect">
+            <a:avLst/>
+          </a:prstGeom>
+        </p:spPr>
+        <p:txBody>
+          <a:bodyPr anchor="ctr" bIns="45000" lIns="90000" rIns="90000" tIns="45000"/>
           <a:p>
             <a:pPr>
               <a:lnSpc>
@@ -7376,21 +6452,21 @@
       </p:sp>
       <p:sp>
         <p:nvSpPr>
-          <p:cNvPr id="159" name="TextShape 2"/>
-          <p:cNvSpPr txBox="1"/>
+          <p:cNvPr id="144" name="CustomShape 2"/>
+          <p:cNvSpPr/>
           <p:nvPr/>
         </p:nvSpPr>
         <p:spPr>
           <a:xfrm>
             <a:off x="457200" y="2054520"/>
-            <a:ext cx="8229240" cy="3918600"/>
-          </a:xfrm>
-          <a:prstGeom prst="rect">
-            <a:avLst/>
-          </a:prstGeom>
-        </p:spPr>
-        <p:txBody>
-          <a:bodyPr/>
+            <a:ext cx="8228880" cy="3918240"/>
+          </a:xfrm>
+          <a:prstGeom prst="rect">
+            <a:avLst/>
+          </a:prstGeom>
+        </p:spPr>
+        <p:txBody>
+          <a:bodyPr bIns="45000" lIns="90000" rIns="90000" tIns="45000"/>
           <a:p>
             <a:pPr>
               <a:lnSpc>
@@ -7417,7 +6493,7 @@
               <a:t>Data based on </a:t>
             </a:r>
             <a:r>
-              <a:rPr lang="en-US" sz="2800">
+              <a:rPr lang="en-US" sz="2800" u="sng">
                 <a:solidFill>
                   <a:srgbClr val="ffffff"/>
                 </a:solidFill>
@@ -7583,21 +6659,21 @@
       </p:grpSpPr>
       <p:sp>
         <p:nvSpPr>
-          <p:cNvPr id="160" name="TextShape 1"/>
-          <p:cNvSpPr txBox="1"/>
+          <p:cNvPr id="145" name="CustomShape 1"/>
+          <p:cNvSpPr/>
           <p:nvPr/>
         </p:nvSpPr>
         <p:spPr>
           <a:xfrm>
             <a:off x="457200" y="911520"/>
-            <a:ext cx="8229240" cy="1142640"/>
-          </a:xfrm>
-          <a:prstGeom prst="rect">
-            <a:avLst/>
-          </a:prstGeom>
-        </p:spPr>
-        <p:txBody>
-          <a:bodyPr anchor="ctr"/>
+            <a:ext cx="8228880" cy="1142280"/>
+          </a:xfrm>
+          <a:prstGeom prst="rect">
+            <a:avLst/>
+          </a:prstGeom>
+        </p:spPr>
+        <p:txBody>
+          <a:bodyPr anchor="ctr" bIns="45000" lIns="90000" rIns="90000" tIns="45000"/>
           <a:p>
             <a:pPr>
               <a:lnSpc>
@@ -7619,21 +6695,21 @@
       </p:sp>
       <p:sp>
         <p:nvSpPr>
-          <p:cNvPr id="161" name="TextShape 2"/>
-          <p:cNvSpPr txBox="1"/>
+          <p:cNvPr id="146" name="CustomShape 2"/>
+          <p:cNvSpPr/>
           <p:nvPr/>
         </p:nvSpPr>
         <p:spPr>
           <a:xfrm>
             <a:off x="457200" y="2054520"/>
-            <a:ext cx="8229240" cy="3918600"/>
-          </a:xfrm>
-          <a:prstGeom prst="rect">
-            <a:avLst/>
-          </a:prstGeom>
-        </p:spPr>
-        <p:txBody>
-          <a:bodyPr/>
+            <a:ext cx="8228880" cy="3918240"/>
+          </a:xfrm>
+          <a:prstGeom prst="rect">
+            <a:avLst/>
+          </a:prstGeom>
+        </p:spPr>
+        <p:txBody>
+          <a:bodyPr bIns="45000" lIns="90000" rIns="90000" tIns="45000"/>
           <a:p>
             <a:pPr>
               <a:lnSpc>
@@ -7651,7 +6727,7 @@
               <a:buChar char="•"/>
             </a:pPr>
             <a:r>
-              <a:rPr lang="en-US" sz="2800">
+              <a:rPr lang="en-US" sz="2800" u="sng">
                 <a:solidFill>
                   <a:srgbClr val="ffffff"/>
                 </a:solidFill>
@@ -7680,7 +6756,7 @@
               <a:buChar char="•"/>
             </a:pPr>
             <a:r>
-              <a:rPr lang="en-US" sz="2800">
+              <a:rPr lang="en-US" sz="2800" u="sng">
                 <a:solidFill>
                   <a:srgbClr val="ffffff"/>
                 </a:solidFill>
@@ -7779,21 +6855,21 @@
       </p:grpSpPr>
       <p:sp>
         <p:nvSpPr>
-          <p:cNvPr id="162" name="TextShape 1"/>
-          <p:cNvSpPr txBox="1"/>
+          <p:cNvPr id="147" name="CustomShape 1"/>
+          <p:cNvSpPr/>
           <p:nvPr/>
         </p:nvSpPr>
         <p:spPr>
           <a:xfrm>
             <a:off x="457200" y="911520"/>
-            <a:ext cx="8229240" cy="1142640"/>
-          </a:xfrm>
-          <a:prstGeom prst="rect">
-            <a:avLst/>
-          </a:prstGeom>
-        </p:spPr>
-        <p:txBody>
-          <a:bodyPr anchor="ctr"/>
+            <a:ext cx="8228880" cy="1142280"/>
+          </a:xfrm>
+          <a:prstGeom prst="rect">
+            <a:avLst/>
+          </a:prstGeom>
+        </p:spPr>
+        <p:txBody>
+          <a:bodyPr anchor="ctr" bIns="45000" lIns="90000" rIns="90000" tIns="45000"/>
           <a:p>
             <a:pPr>
               <a:lnSpc>
@@ -7815,21 +6891,21 @@
       </p:sp>
       <p:sp>
         <p:nvSpPr>
-          <p:cNvPr id="163" name="TextShape 2"/>
-          <p:cNvSpPr txBox="1"/>
+          <p:cNvPr id="148" name="CustomShape 2"/>
+          <p:cNvSpPr/>
           <p:nvPr/>
         </p:nvSpPr>
         <p:spPr>
           <a:xfrm>
             <a:off x="457200" y="2054520"/>
-            <a:ext cx="8229240" cy="3918600"/>
-          </a:xfrm>
-          <a:prstGeom prst="rect">
-            <a:avLst/>
-          </a:prstGeom>
-        </p:spPr>
-        <p:txBody>
-          <a:bodyPr/>
+            <a:ext cx="8228880" cy="3918240"/>
+          </a:xfrm>
+          <a:prstGeom prst="rect">
+            <a:avLst/>
+          </a:prstGeom>
+        </p:spPr>
+        <p:txBody>
+          <a:bodyPr bIns="45000" lIns="90000" rIns="90000" tIns="45000"/>
           <a:p>
             <a:pPr>
               <a:lnSpc>
@@ -7853,15 +6929,65 @@
                 </a:solidFill>
                 <a:latin typeface="Calibri"/>
               </a:rPr>
-              <a:t>Move histogram for each piece type (TODO: add histograms)</a:t>
-            </a:r>
-            <a:endParaRPr/>
-          </a:p>
-          <a:p>
-            <a:pPr>
-              <a:lnSpc>
-                <a:spcPct val="100000"/>
-              </a:lnSpc>
+              <a:t>Have we seen that move – board status + move before?</a:t>
+            </a:r>
+            <a:endParaRPr/>
+          </a:p>
+          <a:p>
+            <a:pPr>
+              <a:lnSpc>
+                <a:spcPct val="100000"/>
+              </a:lnSpc>
+              <a:buFont typeface="Arial"/>
+              <a:buChar char="•"/>
+            </a:pPr>
+            <a:r>
+              <a:rPr lang="en-US" sz="2800">
+                <a:solidFill>
+                  <a:srgbClr val="ffffff"/>
+                </a:solidFill>
+                <a:latin typeface="Calibri"/>
+              </a:rPr>
+              <a:t>Yes – Good, No – Try again</a:t>
+            </a:r>
+            <a:endParaRPr/>
+          </a:p>
+          <a:p>
+            <a:pPr>
+              <a:lnSpc>
+                <a:spcPct val="100000"/>
+              </a:lnSpc>
+              <a:buFont typeface="Arial"/>
+              <a:buChar char="•"/>
+            </a:pPr>
+            <a:endParaRPr/>
+          </a:p>
+          <a:p>
+            <a:pPr>
+              <a:lnSpc>
+                <a:spcPct val="100000"/>
+              </a:lnSpc>
+              <a:buFont typeface="Arial"/>
+              <a:buChar char="•"/>
+            </a:pPr>
+            <a:r>
+              <a:rPr lang="en-US" sz="2800">
+                <a:solidFill>
+                  <a:srgbClr val="ffffff"/>
+                </a:solidFill>
+                <a:latin typeface="Calibri"/>
+              </a:rPr>
+              <a:t>Consumes a lot of memory and running time – 10^80 estimated chess moves.</a:t>
+            </a:r>
+            <a:endParaRPr/>
+          </a:p>
+          <a:p>
+            <a:pPr>
+              <a:lnSpc>
+                <a:spcPct val="100000"/>
+              </a:lnSpc>
+              <a:buFont typeface="Arial"/>
+              <a:buChar char="•"/>
             </a:pPr>
             <a:endParaRPr/>
           </a:p>
@@ -7920,13 +7046,6 @@
 <file path=ppt/slides/slide7.xml><?xml version="1.0" encoding="utf-8"?>
 <p:sld xmlns:a="http://schemas.openxmlformats.org/drawingml/2006/main" xmlns:p="http://schemas.openxmlformats.org/presentationml/2006/main" xmlns:r="http://schemas.openxmlformats.org/officeDocument/2006/relationships">
   <p:cSld>
-    <p:bg>
-      <p:bgPr>
-        <a:blipFill>
-          <a:blip r:embed="rId1"/>
-        </a:blipFill>
-      </p:bgPr>
-    </p:bg>
     <p:spTree>
       <p:nvGrpSpPr>
         <p:cNvPr id="1" name=""/>
@@ -7943,21 +7062,21 @@
       </p:grpSpPr>
       <p:sp>
         <p:nvSpPr>
-          <p:cNvPr id="164" name="TextShape 1"/>
-          <p:cNvSpPr txBox="1"/>
+          <p:cNvPr id="149" name="CustomShape 1"/>
+          <p:cNvSpPr/>
           <p:nvPr/>
         </p:nvSpPr>
         <p:spPr>
           <a:xfrm>
-            <a:off x="1831680" y="427320"/>
-            <a:ext cx="7015680" cy="1142640"/>
-          </a:xfrm>
-          <a:prstGeom prst="rect">
-            <a:avLst/>
-          </a:prstGeom>
-        </p:spPr>
-        <p:txBody>
-          <a:bodyPr anchor="ctr"/>
+            <a:off x="457200" y="911520"/>
+            <a:ext cx="8228880" cy="1142280"/>
+          </a:xfrm>
+          <a:prstGeom prst="rect">
+            <a:avLst/>
+          </a:prstGeom>
+        </p:spPr>
+        <p:txBody>
+          <a:bodyPr anchor="ctr" bIns="45000" lIns="90000" rIns="90000" tIns="45000"/>
           <a:p>
             <a:pPr>
               <a:lnSpc>
@@ -7971,29 +7090,37 @@
                 </a:solidFill>
                 <a:latin typeface="Calibri"/>
               </a:rPr>
-              <a:t>Learning checkmate</a:t>
-            </a:r>
-            <a:endParaRPr/>
-          </a:p>
-        </p:txBody>
-      </p:sp>
-      <p:sp>
-        <p:nvSpPr>
-          <p:cNvPr id="165" name="TextShape 2"/>
-          <p:cNvSpPr txBox="1"/>
+              <a:t>Simple move 2.0</a:t>
+            </a:r>
+            <a:endParaRPr/>
+          </a:p>
+        </p:txBody>
+      </p:sp>
+      <p:sp>
+        <p:nvSpPr>
+          <p:cNvPr id="150" name="CustomShape 2"/>
+          <p:cNvSpPr/>
           <p:nvPr/>
         </p:nvSpPr>
         <p:spPr>
           <a:xfrm>
-            <a:off x="1831680" y="1596600"/>
-            <a:ext cx="7015680" cy="4275360"/>
-          </a:xfrm>
-          <a:prstGeom prst="rect">
-            <a:avLst/>
-          </a:prstGeom>
-        </p:spPr>
-        <p:txBody>
-          <a:bodyPr/>
+            <a:off x="457200" y="2054520"/>
+            <a:ext cx="8228880" cy="3918240"/>
+          </a:xfrm>
+          <a:prstGeom prst="rect">
+            <a:avLst/>
+          </a:prstGeom>
+        </p:spPr>
+        <p:txBody>
+          <a:bodyPr bIns="45000" lIns="90000" rIns="90000" tIns="45000"/>
+          <a:p>
+            <a:pPr>
+              <a:lnSpc>
+                <a:spcPct val="100000"/>
+              </a:lnSpc>
+            </a:pPr>
+            <a:endParaRPr/>
+          </a:p>
           <a:p>
             <a:pPr>
               <a:lnSpc>
@@ -8009,7 +7136,7 @@
                 </a:solidFill>
                 <a:latin typeface="Calibri"/>
               </a:rPr>
-              <a:t>Features:</a:t>
+              <a:t>Simple Move histogram for each piece type (TODO: add histograms)</a:t>
             </a:r>
             <a:endParaRPr/>
           </a:p>
@@ -8028,7 +7155,7 @@
                 </a:solidFill>
                 <a:latin typeface="Calibri"/>
               </a:rPr>
-              <a:t>Number of pieces on the board</a:t>
+              <a:t>Pros – good for common moves. Getting better as data size grows (diminishing return), consumes very little memory.</a:t>
             </a:r>
             <a:endParaRPr/>
           </a:p>
@@ -8047,7 +7174,7 @@
                 </a:solidFill>
                 <a:latin typeface="Calibri"/>
               </a:rPr>
-              <a:t>Number of pieces in each party</a:t>
+              <a:t>Cons – does not take into account the board status (skip over pieces), not good for rare moves.</a:t>
             </a:r>
             <a:endParaRPr/>
           </a:p>
@@ -8066,65 +7193,32 @@
                 </a:solidFill>
                 <a:latin typeface="Calibri"/>
               </a:rPr>
-              <a:t>Number of pieces of each type</a:t>
-            </a:r>
-            <a:endParaRPr/>
-          </a:p>
-          <a:p>
-            <a:pPr>
-              <a:lnSpc>
-                <a:spcPct val="100000"/>
-              </a:lnSpc>
-              <a:buFont typeface="Arial"/>
-              <a:buChar char="•"/>
-            </a:pPr>
-            <a:r>
-              <a:rPr lang="en-US" sz="2800">
-                <a:solidFill>
-                  <a:srgbClr val="ffffff"/>
-                </a:solidFill>
-                <a:latin typeface="Calibri"/>
-              </a:rPr>
-              <a:t>Is Queen in the board</a:t>
-            </a:r>
-            <a:endParaRPr/>
-          </a:p>
-          <a:p>
-            <a:pPr>
-              <a:lnSpc>
-                <a:spcPct val="100000"/>
-              </a:lnSpc>
-              <a:buFont typeface="Arial"/>
-              <a:buChar char="•"/>
-            </a:pPr>
-            <a:r>
-              <a:rPr lang="en-US" sz="2800">
-                <a:solidFill>
-                  <a:srgbClr val="ffffff"/>
-                </a:solidFill>
-                <a:latin typeface="Calibri"/>
-              </a:rPr>
-              <a:t>Is King on the board</a:t>
-            </a:r>
-            <a:endParaRPr/>
-          </a:p>
-          <a:p>
-            <a:pPr>
-              <a:lnSpc>
-                <a:spcPct val="100000"/>
-              </a:lnSpc>
-              <a:buFont typeface="Arial"/>
-              <a:buChar char="•"/>
-            </a:pPr>
-            <a:r>
-              <a:rPr lang="en-US" sz="2800">
-                <a:solidFill>
-                  <a:srgbClr val="ffffff"/>
-                </a:solidFill>
-                <a:latin typeface="Calibri"/>
-              </a:rPr>
-              <a:t>Number of surrounding pieces by type and distance (1-3)</a:t>
-            </a:r>
+              <a:t>Almost always – necessary condition but not sufficient</a:t>
+            </a:r>
+            <a:endParaRPr/>
+          </a:p>
+          <a:p>
+            <a:pPr>
+              <a:lnSpc>
+                <a:spcPct val="100000"/>
+              </a:lnSpc>
+            </a:pPr>
+            <a:endParaRPr/>
+          </a:p>
+          <a:p>
+            <a:pPr>
+              <a:lnSpc>
+                <a:spcPct val="100000"/>
+              </a:lnSpc>
+            </a:pPr>
+            <a:endParaRPr/>
+          </a:p>
+          <a:p>
+            <a:pPr>
+              <a:lnSpc>
+                <a:spcPct val="100000"/>
+              </a:lnSpc>
+            </a:pPr>
             <a:endParaRPr/>
           </a:p>
         </p:txBody>
@@ -8166,13 +7260,6 @@
 <file path=ppt/slides/slide8.xml><?xml version="1.0" encoding="utf-8"?>
 <p:sld xmlns:a="http://schemas.openxmlformats.org/drawingml/2006/main" xmlns:p="http://schemas.openxmlformats.org/presentationml/2006/main" xmlns:r="http://schemas.openxmlformats.org/officeDocument/2006/relationships">
   <p:cSld>
-    <p:bg>
-      <p:bgPr>
-        <a:blipFill>
-          <a:blip r:embed="rId1"/>
-        </a:blipFill>
-      </p:bgPr>
-    </p:bg>
     <p:spTree>
       <p:nvGrpSpPr>
         <p:cNvPr id="1" name=""/>
@@ -8189,21 +7276,21 @@
       </p:grpSpPr>
       <p:sp>
         <p:nvSpPr>
-          <p:cNvPr id="166" name="TextShape 1"/>
-          <p:cNvSpPr txBox="1"/>
+          <p:cNvPr id="151" name="CustomShape 1"/>
+          <p:cNvSpPr/>
           <p:nvPr/>
         </p:nvSpPr>
         <p:spPr>
           <a:xfrm>
-            <a:off x="1831680" y="427320"/>
-            <a:ext cx="7015680" cy="1142640"/>
-          </a:xfrm>
-          <a:prstGeom prst="rect">
-            <a:avLst/>
-          </a:prstGeom>
-        </p:spPr>
-        <p:txBody>
-          <a:bodyPr anchor="ctr"/>
+            <a:off x="457200" y="911520"/>
+            <a:ext cx="8228880" cy="1142280"/>
+          </a:xfrm>
+          <a:prstGeom prst="rect">
+            <a:avLst/>
+          </a:prstGeom>
+        </p:spPr>
+        <p:txBody>
+          <a:bodyPr anchor="ctr" bIns="45000" lIns="90000" rIns="90000" tIns="45000"/>
           <a:p>
             <a:pPr>
               <a:lnSpc>
@@ -8217,29 +7304,37 @@
                 </a:solidFill>
                 <a:latin typeface="Calibri"/>
               </a:rPr>
-              <a:t>Learning checkmate</a:t>
-            </a:r>
-            <a:endParaRPr/>
-          </a:p>
-        </p:txBody>
-      </p:sp>
-      <p:sp>
-        <p:nvSpPr>
-          <p:cNvPr id="167" name="TextShape 2"/>
-          <p:cNvSpPr txBox="1"/>
+              <a:t>Simple move 2.0</a:t>
+            </a:r>
+            <a:endParaRPr/>
+          </a:p>
+        </p:txBody>
+      </p:sp>
+      <p:sp>
+        <p:nvSpPr>
+          <p:cNvPr id="152" name="CustomShape 2"/>
+          <p:cNvSpPr/>
           <p:nvPr/>
         </p:nvSpPr>
         <p:spPr>
           <a:xfrm>
-            <a:off x="1831680" y="1596600"/>
-            <a:ext cx="7015680" cy="4275360"/>
-          </a:xfrm>
-          <a:prstGeom prst="rect">
-            <a:avLst/>
-          </a:prstGeom>
-        </p:spPr>
-        <p:txBody>
-          <a:bodyPr/>
+            <a:off x="457200" y="2054520"/>
+            <a:ext cx="8228880" cy="3918240"/>
+          </a:xfrm>
+          <a:prstGeom prst="rect">
+            <a:avLst/>
+          </a:prstGeom>
+        </p:spPr>
+        <p:txBody>
+          <a:bodyPr bIns="45000" lIns="90000" rIns="90000" tIns="45000"/>
+          <a:p>
+            <a:pPr>
+              <a:lnSpc>
+                <a:spcPct val="100000"/>
+              </a:lnSpc>
+            </a:pPr>
+            <a:endParaRPr/>
+          </a:p>
           <a:p>
             <a:pPr>
               <a:lnSpc>
@@ -8255,27 +7350,24 @@
                 </a:solidFill>
                 <a:latin typeface="Calibri"/>
               </a:rPr>
-              <a:t>Features distribution (highlights):</a:t>
-            </a:r>
-            <a:endParaRPr/>
-          </a:p>
-          <a:p>
-            <a:pPr>
-              <a:lnSpc>
-                <a:spcPct val="100000"/>
-              </a:lnSpc>
-              <a:buFont typeface="Arial"/>
-              <a:buChar char="•"/>
-            </a:pPr>
-            <a:r>
-              <a:rPr lang="en-US" sz="2800">
-                <a:solidFill>
-                  <a:srgbClr val="ffffff"/>
-                </a:solidFill>
-                <a:latin typeface="Calibri"/>
-              </a:rPr>
-              <a:t>ddd</a:t>
-            </a:r>
+              <a:t>TODO – take a sample of 100k moves. For each piece move check all the moves saw in the histogram. Present results.</a:t>
+            </a:r>
+            <a:endParaRPr/>
+          </a:p>
+          <a:p>
+            <a:pPr>
+              <a:lnSpc>
+                <a:spcPct val="100000"/>
+              </a:lnSpc>
+            </a:pPr>
+            <a:endParaRPr/>
+          </a:p>
+          <a:p>
+            <a:pPr>
+              <a:lnSpc>
+                <a:spcPct val="100000"/>
+              </a:lnSpc>
+            </a:pPr>
             <a:endParaRPr/>
           </a:p>
         </p:txBody>
@@ -8340,21 +7432,21 @@
       </p:grpSpPr>
       <p:sp>
         <p:nvSpPr>
-          <p:cNvPr id="168" name="TextShape 1"/>
-          <p:cNvSpPr txBox="1"/>
+          <p:cNvPr id="153" name="CustomShape 1"/>
+          <p:cNvSpPr/>
           <p:nvPr/>
         </p:nvSpPr>
         <p:spPr>
           <a:xfrm>
             <a:off x="1831680" y="427320"/>
-            <a:ext cx="7015680" cy="1142640"/>
-          </a:xfrm>
-          <a:prstGeom prst="rect">
-            <a:avLst/>
-          </a:prstGeom>
-        </p:spPr>
-        <p:txBody>
-          <a:bodyPr anchor="ctr"/>
+            <a:ext cx="7015320" cy="1142280"/>
+          </a:xfrm>
+          <a:prstGeom prst="rect">
+            <a:avLst/>
+          </a:prstGeom>
+        </p:spPr>
+        <p:txBody>
+          <a:bodyPr anchor="ctr" bIns="45000" lIns="90000" rIns="90000" tIns="45000"/>
           <a:p>
             <a:pPr>
               <a:lnSpc>
@@ -8376,21 +7468,21 @@
       </p:sp>
       <p:sp>
         <p:nvSpPr>
-          <p:cNvPr id="169" name="TextShape 2"/>
-          <p:cNvSpPr txBox="1"/>
+          <p:cNvPr id="154" name="CustomShape 2"/>
+          <p:cNvSpPr/>
           <p:nvPr/>
         </p:nvSpPr>
         <p:spPr>
           <a:xfrm>
             <a:off x="1831680" y="1596600"/>
-            <a:ext cx="7015680" cy="4275360"/>
-          </a:xfrm>
-          <a:prstGeom prst="rect">
-            <a:avLst/>
-          </a:prstGeom>
-        </p:spPr>
-        <p:txBody>
-          <a:bodyPr/>
+            <a:ext cx="7015320" cy="4275000"/>
+          </a:xfrm>
+          <a:prstGeom prst="rect">
+            <a:avLst/>
+          </a:prstGeom>
+        </p:spPr>
+        <p:txBody>
+          <a:bodyPr bIns="45000" lIns="90000" rIns="90000" tIns="45000"/>
           <a:p>
             <a:pPr>
               <a:lnSpc>
@@ -8406,7 +7498,7 @@
                 </a:solidFill>
                 <a:latin typeface="Calibri"/>
               </a:rPr>
-              <a:t>Results:</a:t>
+              <a:t>Features:</a:t>
             </a:r>
             <a:endParaRPr/>
           </a:p>
@@ -8425,7 +7517,102 @@
                 </a:solidFill>
                 <a:latin typeface="Calibri"/>
               </a:rPr>
-              <a:t>90% ...</a:t>
+              <a:t>Number of pieces on the board</a:t>
+            </a:r>
+            <a:endParaRPr/>
+          </a:p>
+          <a:p>
+            <a:pPr>
+              <a:lnSpc>
+                <a:spcPct val="100000"/>
+              </a:lnSpc>
+              <a:buFont typeface="Arial"/>
+              <a:buChar char="•"/>
+            </a:pPr>
+            <a:r>
+              <a:rPr lang="en-US" sz="2800">
+                <a:solidFill>
+                  <a:srgbClr val="ffffff"/>
+                </a:solidFill>
+                <a:latin typeface="Calibri"/>
+              </a:rPr>
+              <a:t>Number of pieces in each party</a:t>
+            </a:r>
+            <a:endParaRPr/>
+          </a:p>
+          <a:p>
+            <a:pPr>
+              <a:lnSpc>
+                <a:spcPct val="100000"/>
+              </a:lnSpc>
+              <a:buFont typeface="Arial"/>
+              <a:buChar char="•"/>
+            </a:pPr>
+            <a:r>
+              <a:rPr lang="en-US" sz="2800">
+                <a:solidFill>
+                  <a:srgbClr val="ffffff"/>
+                </a:solidFill>
+                <a:latin typeface="Calibri"/>
+              </a:rPr>
+              <a:t>Number of pieces of each type</a:t>
+            </a:r>
+            <a:endParaRPr/>
+          </a:p>
+          <a:p>
+            <a:pPr>
+              <a:lnSpc>
+                <a:spcPct val="100000"/>
+              </a:lnSpc>
+              <a:buFont typeface="Arial"/>
+              <a:buChar char="•"/>
+            </a:pPr>
+            <a:r>
+              <a:rPr lang="en-US" sz="2800">
+                <a:solidFill>
+                  <a:srgbClr val="ffffff"/>
+                </a:solidFill>
+                <a:latin typeface="Calibri"/>
+              </a:rPr>
+              <a:t>Is Queen in the board</a:t>
+            </a:r>
+            <a:endParaRPr/>
+          </a:p>
+          <a:p>
+            <a:pPr>
+              <a:lnSpc>
+                <a:spcPct val="100000"/>
+              </a:lnSpc>
+              <a:buFont typeface="Arial"/>
+              <a:buChar char="•"/>
+            </a:pPr>
+            <a:r>
+              <a:rPr lang="en-US" sz="2800">
+                <a:solidFill>
+                  <a:srgbClr val="ffffff"/>
+                </a:solidFill>
+                <a:latin typeface="Calibri"/>
+              </a:rPr>
+              <a:t>Is King on the board</a:t>
+            </a:r>
+            <a:endParaRPr/>
+          </a:p>
+          <a:p>
+            <a:pPr>
+              <a:lnSpc>
+                <a:spcPct val="100000"/>
+              </a:lnSpc>
+              <a:buFont typeface="Arial"/>
+              <a:buChar char="•"/>
+            </a:pPr>
+            <a:r>
+              <a:rPr lang="en-US" sz="2800">
+                <a:solidFill>
+                  <a:srgbClr val="ffffff"/>
+                </a:solidFill>
+                <a:latin typeface="Calibri"/>
+              </a:rPr>
+              <a:t>Number of surrounding pieces by type and distance (1-3)</a:t>
             </a:r>
             <a:endParaRPr/>
           </a:p>

--- a/presentation/chess_presentation.pptx
+++ b/presentation/chess_presentation.pptx
@@ -20,6 +20,17 @@
     <p:sldId id="265" r:id="rId15"/>
     <p:sldId id="266" r:id="rId16"/>
     <p:sldId id="267" r:id="rId17"/>
+    <p:sldId id="268" r:id="rId18"/>
+    <p:sldId id="269" r:id="rId19"/>
+    <p:sldId id="270" r:id="rId20"/>
+    <p:sldId id="271" r:id="rId21"/>
+    <p:sldId id="272" r:id="rId22"/>
+    <p:sldId id="273" r:id="rId23"/>
+    <p:sldId id="274" r:id="rId24"/>
+    <p:sldId id="275" r:id="rId25"/>
+    <p:sldId id="276" r:id="rId26"/>
+    <p:sldId id="277" r:id="rId27"/>
+    <p:sldId id="278" r:id="rId28"/>
   </p:sldIdLst>
   <p:sldSz cx="9144000" cy="6858000"/>
   <p:notesSz cx="7772400" cy="10058400"/>
@@ -4494,8 +4505,8 @@
         </p:nvSpPr>
         <p:spPr>
           <a:xfrm>
-            <a:off x="448920" y="833040"/>
-            <a:ext cx="8228880" cy="1142640"/>
+            <a:off x="457200" y="273600"/>
+            <a:ext cx="8228880" cy="1144800"/>
           </a:xfrm>
           <a:prstGeom prst="rect">
             <a:avLst/>
@@ -4504,6 +4515,11 @@
         <p:txBody>
           <a:bodyPr anchor="ctr" bIns="0" lIns="0" rIns="0" tIns="0" wrap="none"/>
           <a:p>
+            <a:pPr algn="ctr">
+              <a:lnSpc>
+                <a:spcPct val="100000"/>
+              </a:lnSpc>
+            </a:pPr>
             <a:r>
               <a:rPr lang="en-US"/>
               <a:t>Click to edit the title text format</a:t>
@@ -4525,7 +4541,7 @@
         <p:spPr>
           <a:xfrm>
             <a:off x="457200" y="1604520"/>
-            <a:ext cx="8046360" cy="3977280"/>
+            <a:ext cx="8046000" cy="3976920"/>
           </a:xfrm>
           <a:prstGeom prst="rect">
             <a:avLst/>
@@ -4534,11 +4550,6 @@
         <p:txBody>
           <a:bodyPr bIns="0" lIns="0" rIns="0" tIns="0" wrap="none"/>
           <a:p>
-            <a:pPr>
-              <a:buSzPct val="45000"/>
-              <a:buFont typeface="StarSymbol"/>
-              <a:buChar char=""/>
-            </a:pPr>
             <a:r>
               <a:rPr lang="en-US"/>
               <a:t>Click to edit the outline text format</a:t>
@@ -5218,7 +5229,7 @@
         <p:spPr>
           <a:xfrm>
             <a:off x="464400" y="4956120"/>
-            <a:ext cx="7771680" cy="996120"/>
+            <a:ext cx="7771320" cy="995760"/>
           </a:xfrm>
           <a:prstGeom prst="rect">
             <a:avLst/>
@@ -5235,7 +5246,7 @@
             <a:r>
               <a:rPr lang="en-US" sz="3600">
                 <a:solidFill>
-                  <a:srgbClr val="ffecbd"/>
+                  <a:srgbClr val="000000"/>
                 </a:solidFill>
                 <a:latin typeface="Calibri"/>
               </a:rPr>
@@ -5253,8 +5264,8 @@
         </p:nvSpPr>
         <p:spPr>
           <a:xfrm>
-            <a:off x="464400" y="5800320"/>
-            <a:ext cx="6400080" cy="834840"/>
+            <a:off x="91440" y="5932080"/>
+            <a:ext cx="6399720" cy="834480"/>
           </a:xfrm>
           <a:prstGeom prst="rect">
             <a:avLst/>
@@ -5269,13 +5280,30 @@
               </a:lnSpc>
             </a:pPr>
             <a:r>
-              <a:rPr lang="en-US" sz="2800">
+              <a:rPr lang="en-US" sz="2200">
                 <a:solidFill>
-                  <a:srgbClr val="bfbfbf"/>
+                  <a:srgbClr val="000000"/>
                 </a:solidFill>
                 <a:latin typeface="Calibri"/>
               </a:rPr>
-              <a:t>Niv Mizrahi, Tom Ron</a:t>
+              <a:t>Niv Mizrahi, </a:t>
+            </a:r>
+            <a:endParaRPr/>
+          </a:p>
+          <a:p>
+            <a:pPr>
+              <a:lnSpc>
+                <a:spcPct val="100000"/>
+              </a:lnSpc>
+            </a:pPr>
+            <a:r>
+              <a:rPr lang="en-US" sz="2200">
+                <a:solidFill>
+                  <a:srgbClr val="000000"/>
+                </a:solidFill>
+                <a:latin typeface="Calibri"/>
+              </a:rPr>
+              <a:t>Tom Ron</a:t>
             </a:r>
             <a:endParaRPr/>
           </a:p>
@@ -5318,13 +5346,6 @@
 <file path=ppt/slides/slide10.xml><?xml version="1.0" encoding="utf-8"?>
 <p:sld xmlns:a="http://schemas.openxmlformats.org/drawingml/2006/main" xmlns:p="http://schemas.openxmlformats.org/presentationml/2006/main" xmlns:r="http://schemas.openxmlformats.org/officeDocument/2006/relationships">
   <p:cSld>
-    <p:bg>
-      <p:bgPr>
-        <a:blipFill>
-          <a:blip r:embed="rId1"/>
-        </a:blipFill>
-      </p:bgPr>
-    </p:bg>
     <p:spTree>
       <p:nvGrpSpPr>
         <p:cNvPr id="1" name=""/>
@@ -5339,99 +5360,28 @@
           <a:chExt cx="0" cy="0"/>
         </a:xfrm>
       </p:grpSpPr>
-      <p:sp>
-        <p:nvSpPr>
-          <p:cNvPr id="155" name="CustomShape 1"/>
-          <p:cNvSpPr/>
+      <p:pic>
+        <p:nvPicPr>
+          <p:cNvPr descr="" id="153" name=""/>
+          <p:cNvPicPr/>
           <p:nvPr/>
-        </p:nvSpPr>
-        <p:spPr>
-          <a:xfrm>
-            <a:off x="1831680" y="427320"/>
-            <a:ext cx="7015320" cy="1142280"/>
-          </a:xfrm>
-          <a:prstGeom prst="rect">
-            <a:avLst/>
-          </a:prstGeom>
-        </p:spPr>
-        <p:txBody>
-          <a:bodyPr anchor="ctr" bIns="45000" lIns="90000" rIns="90000" tIns="45000"/>
-          <a:p>
-            <a:pPr>
-              <a:lnSpc>
-                <a:spcPct val="100000"/>
-              </a:lnSpc>
-            </a:pPr>
-            <a:r>
-              <a:rPr lang="en-US" sz="3600">
-                <a:solidFill>
-                  <a:srgbClr val="ffecbd"/>
-                </a:solidFill>
-                <a:latin typeface="Calibri"/>
-              </a:rPr>
-              <a:t>Learning checkmate</a:t>
-            </a:r>
-            <a:endParaRPr/>
-          </a:p>
-        </p:txBody>
-      </p:sp>
-      <p:sp>
-        <p:nvSpPr>
-          <p:cNvPr id="156" name="CustomShape 2"/>
-          <p:cNvSpPr/>
-          <p:nvPr/>
-        </p:nvSpPr>
-        <p:spPr>
-          <a:xfrm>
-            <a:off x="1831680" y="1596600"/>
-            <a:ext cx="7015320" cy="4275000"/>
-          </a:xfrm>
-          <a:prstGeom prst="rect">
-            <a:avLst/>
-          </a:prstGeom>
-        </p:spPr>
-        <p:txBody>
-          <a:bodyPr bIns="45000" lIns="90000" rIns="90000" tIns="45000"/>
-          <a:p>
-            <a:pPr>
-              <a:lnSpc>
-                <a:spcPct val="100000"/>
-              </a:lnSpc>
-              <a:buFont typeface="Arial"/>
-              <a:buChar char="•"/>
-            </a:pPr>
-            <a:r>
-              <a:rPr lang="en-US" sz="2800">
-                <a:solidFill>
-                  <a:srgbClr val="ffffff"/>
-                </a:solidFill>
-                <a:latin typeface="Calibri"/>
-              </a:rPr>
-              <a:t>Features distribution (highlights):</a:t>
-            </a:r>
-            <a:endParaRPr/>
-          </a:p>
-          <a:p>
-            <a:pPr>
-              <a:lnSpc>
-                <a:spcPct val="100000"/>
-              </a:lnSpc>
-              <a:buFont typeface="Arial"/>
-              <a:buChar char="•"/>
-            </a:pPr>
-            <a:r>
-              <a:rPr lang="en-US" sz="2800">
-                <a:solidFill>
-                  <a:srgbClr val="ffffff"/>
-                </a:solidFill>
-                <a:latin typeface="Calibri"/>
-              </a:rPr>
-              <a:t>ddd</a:t>
-            </a:r>
-            <a:endParaRPr/>
-          </a:p>
-        </p:txBody>
-      </p:sp>
+        </p:nvPicPr>
+        <p:blipFill>
+          <a:blip r:embed="rId1"/>
+          <a:stretch>
+            <a:fillRect/>
+          </a:stretch>
+        </p:blipFill>
+        <p:spPr>
+          <a:xfrm>
+            <a:off x="879480" y="642600"/>
+            <a:ext cx="7424280" cy="5595480"/>
+          </a:xfrm>
+          <a:prstGeom prst="rect">
+            <a:avLst/>
+          </a:prstGeom>
+        </p:spPr>
+      </p:pic>
     </p:spTree>
   </p:cSld>
   <p:timing>
@@ -5469,13 +5419,6 @@
 <file path=ppt/slides/slide11.xml><?xml version="1.0" encoding="utf-8"?>
 <p:sld xmlns:a="http://schemas.openxmlformats.org/drawingml/2006/main" xmlns:p="http://schemas.openxmlformats.org/presentationml/2006/main" xmlns:r="http://schemas.openxmlformats.org/officeDocument/2006/relationships">
   <p:cSld>
-    <p:bg>
-      <p:bgPr>
-        <a:blipFill>
-          <a:blip r:embed="rId1"/>
-        </a:blipFill>
-      </p:bgPr>
-    </p:bg>
     <p:spTree>
       <p:nvGrpSpPr>
         <p:cNvPr id="1" name=""/>
@@ -5490,99 +5433,28 @@
           <a:chExt cx="0" cy="0"/>
         </a:xfrm>
       </p:grpSpPr>
-      <p:sp>
-        <p:nvSpPr>
-          <p:cNvPr id="157" name="CustomShape 1"/>
-          <p:cNvSpPr/>
+      <p:pic>
+        <p:nvPicPr>
+          <p:cNvPr descr="" id="154" name=""/>
+          <p:cNvPicPr/>
           <p:nvPr/>
-        </p:nvSpPr>
-        <p:spPr>
-          <a:xfrm>
-            <a:off x="1831680" y="427320"/>
-            <a:ext cx="7015320" cy="1142280"/>
-          </a:xfrm>
-          <a:prstGeom prst="rect">
-            <a:avLst/>
-          </a:prstGeom>
-        </p:spPr>
-        <p:txBody>
-          <a:bodyPr anchor="ctr" bIns="45000" lIns="90000" rIns="90000" tIns="45000"/>
-          <a:p>
-            <a:pPr>
-              <a:lnSpc>
-                <a:spcPct val="100000"/>
-              </a:lnSpc>
-            </a:pPr>
-            <a:r>
-              <a:rPr lang="en-US" sz="3600">
-                <a:solidFill>
-                  <a:srgbClr val="ffecbd"/>
-                </a:solidFill>
-                <a:latin typeface="Calibri"/>
-              </a:rPr>
-              <a:t>Learning checkmate</a:t>
-            </a:r>
-            <a:endParaRPr/>
-          </a:p>
-        </p:txBody>
-      </p:sp>
-      <p:sp>
-        <p:nvSpPr>
-          <p:cNvPr id="158" name="CustomShape 2"/>
-          <p:cNvSpPr/>
-          <p:nvPr/>
-        </p:nvSpPr>
-        <p:spPr>
-          <a:xfrm>
-            <a:off x="1831680" y="1596600"/>
-            <a:ext cx="7015320" cy="4275000"/>
-          </a:xfrm>
-          <a:prstGeom prst="rect">
-            <a:avLst/>
-          </a:prstGeom>
-        </p:spPr>
-        <p:txBody>
-          <a:bodyPr bIns="45000" lIns="90000" rIns="90000" tIns="45000"/>
-          <a:p>
-            <a:pPr>
-              <a:lnSpc>
-                <a:spcPct val="100000"/>
-              </a:lnSpc>
-              <a:buFont typeface="Arial"/>
-              <a:buChar char="•"/>
-            </a:pPr>
-            <a:r>
-              <a:rPr lang="en-US" sz="2800">
-                <a:solidFill>
-                  <a:srgbClr val="ffffff"/>
-                </a:solidFill>
-                <a:latin typeface="Calibri"/>
-              </a:rPr>
-              <a:t>Results:</a:t>
-            </a:r>
-            <a:endParaRPr/>
-          </a:p>
-          <a:p>
-            <a:pPr>
-              <a:lnSpc>
-                <a:spcPct val="100000"/>
-              </a:lnSpc>
-              <a:buFont typeface="Arial"/>
-              <a:buChar char="•"/>
-            </a:pPr>
-            <a:r>
-              <a:rPr lang="en-US" sz="2800">
-                <a:solidFill>
-                  <a:srgbClr val="ffffff"/>
-                </a:solidFill>
-                <a:latin typeface="Calibri"/>
-              </a:rPr>
-              <a:t>90% ...</a:t>
-            </a:r>
-            <a:endParaRPr/>
-          </a:p>
-        </p:txBody>
-      </p:sp>
+        </p:nvPicPr>
+        <p:blipFill>
+          <a:blip r:embed="rId1"/>
+          <a:stretch>
+            <a:fillRect/>
+          </a:stretch>
+        </p:blipFill>
+        <p:spPr>
+          <a:xfrm>
+            <a:off x="896760" y="622440"/>
+            <a:ext cx="7424280" cy="5595480"/>
+          </a:xfrm>
+          <a:prstGeom prst="rect">
+            <a:avLst/>
+          </a:prstGeom>
+        </p:spPr>
+      </p:pic>
     </p:spTree>
   </p:cSld>
   <p:timing>
@@ -5634,16 +5506,89 @@
           <a:chExt cx="0" cy="0"/>
         </a:xfrm>
       </p:grpSpPr>
-      <p:sp>
-        <p:nvSpPr>
-          <p:cNvPr id="159" name="CustomShape 1"/>
+      <p:pic>
+        <p:nvPicPr>
+          <p:cNvPr descr="" id="155" name=""/>
+          <p:cNvPicPr/>
+          <p:nvPr/>
+        </p:nvPicPr>
+        <p:blipFill>
+          <a:blip r:embed="rId1"/>
+          <a:stretch>
+            <a:fillRect/>
+          </a:stretch>
+        </p:blipFill>
+        <p:spPr>
+          <a:xfrm>
+            <a:off x="879480" y="642600"/>
+            <a:ext cx="7424280" cy="5595480"/>
+          </a:xfrm>
+          <a:prstGeom prst="rect">
+            <a:avLst/>
+          </a:prstGeom>
+        </p:spPr>
+      </p:pic>
+    </p:spTree>
+  </p:cSld>
+  <p:timing>
+    <p:tnLst>
+      <p:par>
+        <p:cTn dur="indefinite" id="23" nodeType="tmRoot" restart="never">
+          <p:childTnLst>
+            <p:seq>
+              <p:cTn id="24" nodeType="mainSeq">
+                <p:childTnLst/>
+              </p:cTn>
+              <p:prevCondLst>
+                <p:cond delay="0" evt="onPrev">
+                  <p:tgtEl>
+                    <p:sldTgt/>
+                  </p:tgtEl>
+                </p:cond>
+              </p:prevCondLst>
+              <p:nextCondLst>
+                <p:cond delay="0" evt="onNext">
+                  <p:tgtEl>
+                    <p:sldTgt/>
+                  </p:tgtEl>
+                </p:cond>
+              </p:nextCondLst>
+            </p:seq>
+          </p:childTnLst>
+        </p:cTn>
+      </p:par>
+    </p:tnLst>
+  </p:timing>
+</p:sld>
+</file>
+
+<file path=ppt/slides/slide13.xml><?xml version="1.0" encoding="utf-8"?>
+<p:sld xmlns:a="http://schemas.openxmlformats.org/drawingml/2006/main" xmlns:p="http://schemas.openxmlformats.org/presentationml/2006/main" xmlns:r="http://schemas.openxmlformats.org/officeDocument/2006/relationships">
+  <p:cSld>
+    <p:spTree>
+      <p:nvGrpSpPr>
+        <p:cNvPr id="1" name=""/>
+        <p:cNvGrpSpPr/>
+        <p:nvPr/>
+      </p:nvGrpSpPr>
+      <p:grpSpPr>
+        <a:xfrm>
+          <a:off x="0" y="0"/>
+          <a:ext cx="0" cy="0"/>
+          <a:chOff x="0" y="0"/>
+          <a:chExt cx="0" cy="0"/>
+        </a:xfrm>
+      </p:grpSpPr>
+      <p:sp>
+        <p:nvSpPr>
+          <p:cNvPr id="156" name="CustomShape 1"/>
           <p:cNvSpPr/>
           <p:nvPr/>
         </p:nvSpPr>
         <p:spPr>
           <a:xfrm>
-            <a:off x="448920" y="833040"/>
-            <a:ext cx="8228880" cy="1142280"/>
+            <a:off x="457200" y="911520"/>
+            <a:ext cx="8228520" cy="1141920"/>
           </a:xfrm>
           <a:prstGeom prst="rect">
             <a:avLst/>
@@ -5664,7 +5609,7 @@
                 </a:solidFill>
                 <a:latin typeface="Calibri"/>
               </a:rPr>
-              <a:t>Slide Title</a:t>
+              <a:t>Simple move 2.0</a:t>
             </a:r>
             <a:endParaRPr/>
           </a:p>
@@ -5672,57 +5617,29 @@
       </p:sp>
       <p:sp>
         <p:nvSpPr>
-          <p:cNvPr id="160" name="CustomShape 2"/>
+          <p:cNvPr id="157" name="CustomShape 2"/>
           <p:cNvSpPr/>
           <p:nvPr/>
         </p:nvSpPr>
         <p:spPr>
           <a:xfrm>
-            <a:off x="448920" y="2002320"/>
-            <a:ext cx="4039560" cy="639000"/>
-          </a:xfrm>
-          <a:prstGeom prst="rect">
-            <a:avLst/>
-          </a:prstGeom>
-        </p:spPr>
-        <p:txBody>
-          <a:bodyPr anchor="b" bIns="45000" lIns="90000" rIns="90000" tIns="45000"/>
+            <a:off x="457200" y="2054520"/>
+            <a:ext cx="8228520" cy="3917880"/>
+          </a:xfrm>
+          <a:prstGeom prst="rect">
+            <a:avLst/>
+          </a:prstGeom>
+        </p:spPr>
+        <p:txBody>
+          <a:bodyPr bIns="45000" lIns="90000" rIns="90000" tIns="45000"/>
           <a:p>
             <a:pPr>
               <a:lnSpc>
                 <a:spcPct val="100000"/>
               </a:lnSpc>
             </a:pPr>
-            <a:r>
-              <a:rPr b="1" lang="en-US" sz="2400">
-                <a:solidFill>
-                  <a:srgbClr val="ffffff"/>
-                </a:solidFill>
-                <a:latin typeface="Calibri"/>
-              </a:rPr>
-              <a:t>Product A</a:t>
-            </a:r>
-            <a:endParaRPr/>
-          </a:p>
-        </p:txBody>
-      </p:sp>
-      <p:sp>
-        <p:nvSpPr>
-          <p:cNvPr id="161" name="CustomShape 3"/>
-          <p:cNvSpPr/>
-          <p:nvPr/>
-        </p:nvSpPr>
-        <p:spPr>
-          <a:xfrm>
-            <a:off x="448920" y="2631960"/>
-            <a:ext cx="4039560" cy="3034440"/>
-          </a:xfrm>
-          <a:prstGeom prst="rect">
-            <a:avLst/>
-          </a:prstGeom>
-        </p:spPr>
-        <p:txBody>
-          <a:bodyPr anchor="ctr" bIns="45000" lIns="90000" rIns="90000" tIns="45000"/>
+            <a:endParaRPr/>
+          </a:p>
           <a:p>
             <a:pPr>
               <a:lnSpc>
@@ -5732,13 +5649,13 @@
               <a:buChar char="•"/>
             </a:pPr>
             <a:r>
-              <a:rPr lang="en-US" sz="2400">
+              <a:rPr lang="en-US" sz="2800">
                 <a:solidFill>
                   <a:srgbClr val="ffffff"/>
                 </a:solidFill>
                 <a:latin typeface="Calibri"/>
               </a:rPr>
-              <a:t>Feature 1</a:t>
+              <a:t>For each move output move diff + surround histogram of radius 1</a:t>
             </a:r>
             <a:endParaRPr/>
           </a:p>
@@ -5751,13 +5668,13 @@
               <a:buChar char="•"/>
             </a:pPr>
             <a:r>
-              <a:rPr lang="en-US" sz="2400">
+              <a:rPr lang="en-US" sz="2800">
                 <a:solidFill>
                   <a:srgbClr val="ffffff"/>
                 </a:solidFill>
                 <a:latin typeface="Calibri"/>
               </a:rPr>
-              <a:t>Feature 2</a:t>
+              <a:t>Pros – Efficient on both memory and run time. Takes the surrounding into account.</a:t>
             </a:r>
             <a:endParaRPr/>
           </a:p>
@@ -5770,64 +5687,337 @@
               <a:buChar char="•"/>
             </a:pPr>
             <a:r>
-              <a:rPr lang="en-US" sz="2400">
+              <a:rPr lang="en-US" sz="2800">
                 <a:solidFill>
                   <a:srgbClr val="ffffff"/>
                 </a:solidFill>
                 <a:latin typeface="Calibri"/>
               </a:rPr>
-              <a:t>Feature 3</a:t>
+              <a:t>Cons – Assume different moves are independent of one another \ history – good for most cases but not for castling, en passant, etc.</a:t>
             </a:r>
             <a:endParaRPr/>
           </a:p>
-        </p:txBody>
-      </p:sp>
-      <p:sp>
-        <p:nvSpPr>
-          <p:cNvPr id="162" name="CustomShape 4"/>
-          <p:cNvSpPr/>
-          <p:nvPr/>
-        </p:nvSpPr>
-        <p:spPr>
-          <a:xfrm>
-            <a:off x="4636800" y="2002320"/>
-            <a:ext cx="4041000" cy="639000"/>
-          </a:xfrm>
-          <a:prstGeom prst="rect">
-            <a:avLst/>
-          </a:prstGeom>
-        </p:spPr>
-        <p:txBody>
-          <a:bodyPr anchor="b" bIns="45000" lIns="90000" rIns="90000" tIns="45000"/>
-          <a:p>
-            <a:pPr algn="ctr">
+          <a:p>
+            <a:pPr>
               <a:lnSpc>
                 <a:spcPct val="100000"/>
               </a:lnSpc>
             </a:pPr>
+            <a:endParaRPr/>
+          </a:p>
+          <a:p>
+            <a:pPr>
+              <a:lnSpc>
+                <a:spcPct val="100000"/>
+              </a:lnSpc>
+            </a:pPr>
+            <a:endParaRPr/>
+          </a:p>
+        </p:txBody>
+      </p:sp>
+    </p:spTree>
+  </p:cSld>
+  <p:timing>
+    <p:tnLst>
+      <p:par>
+        <p:cTn dur="indefinite" id="25" nodeType="tmRoot" restart="never">
+          <p:childTnLst>
+            <p:seq>
+              <p:cTn id="26" nodeType="mainSeq">
+                <p:childTnLst/>
+              </p:cTn>
+              <p:prevCondLst>
+                <p:cond delay="0" evt="onPrev">
+                  <p:tgtEl>
+                    <p:sldTgt/>
+                  </p:tgtEl>
+                </p:cond>
+              </p:prevCondLst>
+              <p:nextCondLst>
+                <p:cond delay="0" evt="onNext">
+                  <p:tgtEl>
+                    <p:sldTgt/>
+                  </p:tgtEl>
+                </p:cond>
+              </p:nextCondLst>
+            </p:seq>
+          </p:childTnLst>
+        </p:cTn>
+      </p:par>
+    </p:tnLst>
+  </p:timing>
+</p:sld>
+</file>
+
+<file path=ppt/slides/slide14.xml><?xml version="1.0" encoding="utf-8"?>
+<p:sld xmlns:a="http://schemas.openxmlformats.org/drawingml/2006/main" xmlns:p="http://schemas.openxmlformats.org/presentationml/2006/main" xmlns:r="http://schemas.openxmlformats.org/officeDocument/2006/relationships">
+  <p:cSld>
+    <p:spTree>
+      <p:nvGrpSpPr>
+        <p:cNvPr id="1" name=""/>
+        <p:cNvGrpSpPr/>
+        <p:nvPr/>
+      </p:nvGrpSpPr>
+      <p:grpSpPr>
+        <a:xfrm>
+          <a:off x="0" y="0"/>
+          <a:ext cx="0" cy="0"/>
+          <a:chOff x="0" y="0"/>
+          <a:chExt cx="0" cy="0"/>
+        </a:xfrm>
+      </p:grpSpPr>
+      <p:sp>
+        <p:nvSpPr>
+          <p:cNvPr id="158" name="CustomShape 1"/>
+          <p:cNvSpPr/>
+          <p:nvPr/>
+        </p:nvSpPr>
+        <p:spPr>
+          <a:xfrm>
+            <a:off x="457200" y="911520"/>
+            <a:ext cx="8228520" cy="1141920"/>
+          </a:xfrm>
+          <a:prstGeom prst="rect">
+            <a:avLst/>
+          </a:prstGeom>
+        </p:spPr>
+        <p:txBody>
+          <a:bodyPr anchor="ctr" bIns="45000" lIns="90000" rIns="90000" tIns="45000"/>
+          <a:p>
+            <a:pPr>
+              <a:lnSpc>
+                <a:spcPct val="100000"/>
+              </a:lnSpc>
+            </a:pPr>
             <a:r>
-              <a:rPr b="1" lang="en-US" sz="2400">
+              <a:rPr lang="en-US" sz="3600">
                 <a:solidFill>
-                  <a:srgbClr val="ffffff"/>
+                  <a:srgbClr val="ffecbd"/>
                 </a:solidFill>
                 <a:latin typeface="Calibri"/>
               </a:rPr>
-              <a:t>Product B</a:t>
+              <a:t>Simple move 2.0</a:t>
             </a:r>
             <a:endParaRPr/>
           </a:p>
         </p:txBody>
       </p:sp>
-      <p:sp>
-        <p:nvSpPr>
-          <p:cNvPr id="163" name="CustomShape 5"/>
+      <p:graphicFrame>
+        <p:nvGraphicFramePr>
+          <p:cNvPr id="159" name="Table 2"/>
+          <p:cNvGraphicFramePr/>
+          <p:nvPr/>
+        </p:nvGraphicFramePr>
+        <p:xfrm>
+          <a:off x="1936800" y="2989440"/>
+          <a:ext cx="5469840" cy="2496960"/>
+        </p:xfrm>
+        <a:graphic>
+          <a:graphicData uri="http://schemas.openxmlformats.org/drawingml/2006/table">
+            <a:tbl>
+              <a:tblPr/>
+              <a:tblGrid>
+                <a:gridCol w="1822680"/>
+                <a:gridCol w="1822680"/>
+                <a:gridCol w="1824480"/>
+              </a:tblGrid>
+              <a:tr h="832320">
+                <a:tc>
+                  <a:txBody>
+                    <a:bodyPr bIns="46800" lIns="90000" rIns="90000" tIns="46800" wrap="none"/>
+                    <a:p>
+                      <a:pPr algn="ctr"/>
+                      <a:r>
+                        <a:rPr lang="en-US"/>
+                        <a:t>0</a:t>
+                      </a:r>
+                      <a:endParaRPr/>
+                    </a:p>
+                  </a:txBody>
+                  <a:tcPr/>
+                </a:tc>
+                <a:tc>
+                  <a:txBody>
+                    <a:bodyPr bIns="46800" lIns="90000" rIns="90000" tIns="46800" wrap="none"/>
+                    <a:p>
+                      <a:pPr algn="ctr"/>
+                      <a:r>
+                        <a:rPr lang="en-US"/>
+                        <a:t>1</a:t>
+                      </a:r>
+                      <a:endParaRPr/>
+                    </a:p>
+                  </a:txBody>
+                  <a:tcPr/>
+                </a:tc>
+                <a:tc>
+                  <a:txBody>
+                    <a:bodyPr bIns="46800" lIns="90000" rIns="90000" tIns="46800" wrap="none"/>
+                    <a:p>
+                      <a:pPr algn="ctr"/>
+                      <a:r>
+                        <a:rPr lang="en-US"/>
+                        <a:t>2</a:t>
+                      </a:r>
+                      <a:endParaRPr/>
+                    </a:p>
+                  </a:txBody>
+                  <a:tcPr/>
+                </a:tc>
+              </a:tr>
+              <a:tr h="832320">
+                <a:tc>
+                  <a:txBody>
+                    <a:bodyPr bIns="46800" lIns="90000" rIns="90000" tIns="46800" wrap="none"/>
+                    <a:p>
+                      <a:pPr algn="ctr"/>
+                      <a:r>
+                        <a:rPr lang="en-US"/>
+                        <a:t>3</a:t>
+                      </a:r>
+                      <a:endParaRPr/>
+                    </a:p>
+                  </a:txBody>
+                  <a:tcPr/>
+                </a:tc>
+                <a:tc>
+                  <a:txBody>
+                    <a:bodyPr bIns="46800" lIns="90000" rIns="90000" tIns="46800" wrap="none"/>
+                    <a:p>
+                      <a:pPr algn="ctr"/>
+                      <a:r>
+                        <a:rPr lang="en-US"/>
+                        <a:t>B, R, K, N, Q, P</a:t>
+                      </a:r>
+                      <a:endParaRPr/>
+                    </a:p>
+                  </a:txBody>
+                  <a:tcPr/>
+                </a:tc>
+                <a:tc>
+                  <a:txBody>
+                    <a:bodyPr bIns="46800" lIns="90000" rIns="90000" tIns="46800" wrap="none"/>
+                    <a:p>
+                      <a:pPr algn="ctr"/>
+                      <a:r>
+                        <a:rPr lang="en-US"/>
+                        <a:t>5</a:t>
+                      </a:r>
+                      <a:endParaRPr/>
+                    </a:p>
+                  </a:txBody>
+                  <a:tcPr/>
+                </a:tc>
+              </a:tr>
+              <a:tr h="832320">
+                <a:tc>
+                  <a:txBody>
+                    <a:bodyPr bIns="46800" lIns="90000" rIns="90000" tIns="46800" wrap="none"/>
+                    <a:p>
+                      <a:pPr algn="ctr"/>
+                      <a:r>
+                        <a:rPr lang="en-US"/>
+                        <a:t>6</a:t>
+                      </a:r>
+                      <a:endParaRPr/>
+                    </a:p>
+                  </a:txBody>
+                  <a:tcPr/>
+                </a:tc>
+                <a:tc>
+                  <a:txBody>
+                    <a:bodyPr bIns="46800" lIns="90000" rIns="90000" tIns="46800" wrap="none"/>
+                    <a:p>
+                      <a:pPr algn="ctr"/>
+                      <a:r>
+                        <a:rPr lang="en-US"/>
+                        <a:t>7</a:t>
+                      </a:r>
+                      <a:endParaRPr/>
+                    </a:p>
+                  </a:txBody>
+                  <a:tcPr/>
+                </a:tc>
+                <a:tc>
+                  <a:txBody>
+                    <a:bodyPr bIns="46800" lIns="90000" rIns="90000" tIns="46800" wrap="none"/>
+                    <a:p>
+                      <a:pPr algn="ctr"/>
+                      <a:r>
+                        <a:rPr lang="en-US"/>
+                        <a:t>8</a:t>
+                      </a:r>
+                      <a:endParaRPr/>
+                    </a:p>
+                  </a:txBody>
+                  <a:tcPr/>
+                </a:tc>
+              </a:tr>
+            </a:tbl>
+          </a:graphicData>
+        </a:graphic>
+      </p:graphicFrame>
+    </p:spTree>
+  </p:cSld>
+  <p:timing>
+    <p:tnLst>
+      <p:par>
+        <p:cTn dur="indefinite" id="27" nodeType="tmRoot" restart="never">
+          <p:childTnLst>
+            <p:seq>
+              <p:cTn id="28" nodeType="mainSeq">
+                <p:childTnLst/>
+              </p:cTn>
+              <p:prevCondLst>
+                <p:cond delay="0" evt="onPrev">
+                  <p:tgtEl>
+                    <p:sldTgt/>
+                  </p:tgtEl>
+                </p:cond>
+              </p:prevCondLst>
+              <p:nextCondLst>
+                <p:cond delay="0" evt="onNext">
+                  <p:tgtEl>
+                    <p:sldTgt/>
+                  </p:tgtEl>
+                </p:cond>
+              </p:nextCondLst>
+            </p:seq>
+          </p:childTnLst>
+        </p:cTn>
+      </p:par>
+    </p:tnLst>
+  </p:timing>
+</p:sld>
+</file>
+
+<file path=ppt/slides/slide15.xml><?xml version="1.0" encoding="utf-8"?>
+<p:sld xmlns:a="http://schemas.openxmlformats.org/drawingml/2006/main" xmlns:p="http://schemas.openxmlformats.org/presentationml/2006/main" xmlns:r="http://schemas.openxmlformats.org/officeDocument/2006/relationships">
+  <p:cSld>
+    <p:spTree>
+      <p:nvGrpSpPr>
+        <p:cNvPr id="1" name=""/>
+        <p:cNvGrpSpPr/>
+        <p:nvPr/>
+      </p:nvGrpSpPr>
+      <p:grpSpPr>
+        <a:xfrm>
+          <a:off x="0" y="0"/>
+          <a:ext cx="0" cy="0"/>
+          <a:chOff x="0" y="0"/>
+          <a:chExt cx="0" cy="0"/>
+        </a:xfrm>
+      </p:grpSpPr>
+      <p:sp>
+        <p:nvSpPr>
+          <p:cNvPr id="160" name="CustomShape 1"/>
           <p:cNvSpPr/>
           <p:nvPr/>
         </p:nvSpPr>
         <p:spPr>
           <a:xfrm>
-            <a:off x="4636800" y="2631960"/>
-            <a:ext cx="4041000" cy="3034440"/>
+            <a:off x="457200" y="911520"/>
+            <a:ext cx="8228520" cy="1141920"/>
           </a:xfrm>
           <a:prstGeom prst="rect">
             <a:avLst/>
@@ -5836,66 +6026,1861 @@
         <p:txBody>
           <a:bodyPr anchor="ctr" bIns="45000" lIns="90000" rIns="90000" tIns="45000"/>
           <a:p>
-            <a:pPr algn="r">
+            <a:pPr>
               <a:lnSpc>
                 <a:spcPct val="100000"/>
               </a:lnSpc>
-              <a:buFont typeface="Arial"/>
-              <a:buChar char="•"/>
             </a:pPr>
             <a:r>
-              <a:rPr lang="en-US" sz="2400">
+              <a:rPr lang="en-US" sz="3600">
                 <a:solidFill>
-                  <a:srgbClr val="ffffff"/>
+                  <a:srgbClr val="ffecbd"/>
                 </a:solidFill>
                 <a:latin typeface="Calibri"/>
               </a:rPr>
-              <a:t>Feature 1</a:t>
+              <a:t>Simple move 2.0</a:t>
             </a:r>
             <a:endParaRPr/>
           </a:p>
-          <a:p>
-            <a:pPr algn="r">
+        </p:txBody>
+      </p:sp>
+      <p:graphicFrame>
+        <p:nvGraphicFramePr>
+          <p:cNvPr id="161" name="Table 2"/>
+          <p:cNvGraphicFramePr/>
+          <p:nvPr/>
+        </p:nvGraphicFramePr>
+        <p:xfrm>
+          <a:off x="209160" y="2131200"/>
+          <a:ext cx="8709840" cy="731880"/>
+        </p:xfrm>
+        <a:graphic>
+          <a:graphicData uri="http://schemas.openxmlformats.org/drawingml/2006/table">
+            <a:tbl>
+              <a:tblPr/>
+              <a:tblGrid>
+                <a:gridCol w="1594080"/>
+                <a:gridCol w="2575440"/>
+                <a:gridCol w="2089800"/>
+                <a:gridCol w="2450520"/>
+              </a:tblGrid>
+              <a:tr h="598320">
+                <a:tc>
+                  <a:txBody>
+                    <a:bodyPr bIns="46800" lIns="90000" rIns="90000" tIns="46800" wrap="none"/>
+                    <a:p>
+                      <a:pPr algn="ctr"/>
+                      <a:r>
+                        <a:rPr lang="en-US"/>
+                        <a:t>Piece</a:t>
+                      </a:r>
+                      <a:endParaRPr/>
+                    </a:p>
+                  </a:txBody>
+                  <a:tcPr/>
+                </a:tc>
+                <a:tc>
+                  <a:txBody>
+                    <a:bodyPr bIns="46800" lIns="90000" rIns="90000" tIns="46800" wrap="none"/>
+                    <a:p>
+                      <a:pPr algn="ctr"/>
+                      <a:r>
+                        <a:rPr lang="en-US"/>
+                        <a:t>Move diff</a:t>
+                      </a:r>
+                      <a:endParaRPr/>
+                    </a:p>
+                  </a:txBody>
+                  <a:tcPr/>
+                </a:tc>
+                <a:tc>
+                  <a:txBody>
+                    <a:bodyPr bIns="46800" lIns="90000" rIns="90000" tIns="46800" wrap="none"/>
+                    <a:p>
+                      <a:pPr algn="ctr"/>
+                      <a:r>
+                        <a:rPr lang="en-US"/>
+                        <a:t>Relative location</a:t>
+                      </a:r>
+                      <a:endParaRPr/>
+                    </a:p>
+                  </a:txBody>
+                  <a:tcPr/>
+                </a:tc>
+                <a:tc>
+                  <a:txBody>
+                    <a:bodyPr bIns="46800" lIns="90000" rIns="90000" tIns="46800" wrap="none"/>
+                    <a:p>
+                      <a:pPr algn="ctr"/>
+                      <a:r>
+                        <a:rPr lang="en-US"/>
+                        <a:t>Content</a:t>
+                      </a:r>
+                      <a:endParaRPr/>
+                    </a:p>
+                  </a:txBody>
+                  <a:tcPr/>
+                </a:tc>
+              </a:tr>
+              <a:tr h="366120">
+                <a:tc>
+                  <a:txBody>
+                    <a:bodyPr bIns="46800" lIns="90000" rIns="90000" tIns="46800" wrap="none"/>
+                    <a:p>
+                      <a:pPr algn="ctr"/>
+                      <a:r>
+                        <a:rPr lang="en-US"/>
+                        <a:t>Queen</a:t>
+                      </a:r>
+                      <a:endParaRPr/>
+                    </a:p>
+                  </a:txBody>
+                  <a:tcPr/>
+                </a:tc>
+                <a:tc>
+                  <a:txBody>
+                    <a:bodyPr bIns="46800" lIns="90000" rIns="90000" tIns="46800" wrap="none"/>
+                    <a:p>
+                      <a:pPr algn="ctr"/>
+                      <a:r>
+                        <a:rPr lang="en-US"/>
+                        <a:t>(-2, -2), (-3, -3), (-4,-4), (-5, -5), (-6,-6), (-7, -7)</a:t>
+                      </a:r>
+                      <a:endParaRPr/>
+                    </a:p>
+                  </a:txBody>
+                  <a:tcPr/>
+                </a:tc>
+                <a:tc>
+                  <a:txBody>
+                    <a:bodyPr bIns="46800" lIns="90000" rIns="90000" tIns="46800" wrap="none"/>
+                    <a:p>
+                      <a:pPr algn="ctr"/>
+                      <a:r>
+                        <a:rPr lang="en-US"/>
+                        <a:t>0</a:t>
+                      </a:r>
+                      <a:endParaRPr/>
+                    </a:p>
+                  </a:txBody>
+                  <a:tcPr/>
+                </a:tc>
+                <a:tc>
+                  <a:txBody>
+                    <a:bodyPr bIns="46800" lIns="90000" rIns="90000" tIns="46800" wrap="none"/>
+                    <a:p>
+                      <a:pPr algn="ctr"/>
+                      <a:r>
+                        <a:rPr lang="en-US"/>
+                        <a:t>Free</a:t>
+                      </a:r>
+                      <a:endParaRPr/>
+                    </a:p>
+                  </a:txBody>
+                  <a:tcPr/>
+                </a:tc>
+              </a:tr>
+            </a:tbl>
+          </a:graphicData>
+        </a:graphic>
+      </p:graphicFrame>
+      <p:graphicFrame>
+        <p:nvGraphicFramePr>
+          <p:cNvPr id="162" name="Table 3"/>
+          <p:cNvGraphicFramePr/>
+          <p:nvPr/>
+        </p:nvGraphicFramePr>
+        <p:xfrm>
+          <a:off x="1791720" y="3831480"/>
+          <a:ext cx="5469840" cy="2496960"/>
+        </p:xfrm>
+        <a:graphic>
+          <a:graphicData uri="http://schemas.openxmlformats.org/drawingml/2006/table">
+            <a:tbl>
+              <a:tblPr/>
+              <a:tblGrid>
+                <a:gridCol w="1822680"/>
+                <a:gridCol w="1822680"/>
+                <a:gridCol w="1824480"/>
+              </a:tblGrid>
+              <a:tr h="832320">
+                <a:tc>
+                  <a:txBody>
+                    <a:bodyPr bIns="46800" lIns="90000" rIns="90000" tIns="46800" wrap="none"/>
+                    <a:p>
+                      <a:pPr algn="ctr"/>
+                      <a:r>
+                        <a:rPr b="1" lang="en-US"/>
+                        <a:t>Free</a:t>
+                      </a:r>
+                      <a:endParaRPr/>
+                    </a:p>
+                  </a:txBody>
+                  <a:tcPr/>
+                </a:tc>
+                <a:tc>
+                  <a:txBody>
+                    <a:bodyPr bIns="46800" lIns="90000" rIns="90000" tIns="46800" wrap="none"/>
+                    <a:p>
+                      <a:pPr algn="ctr"/>
+                      <a:r>
+                        <a:rPr lang="en-US"/>
+                        <a:t>1</a:t>
+                      </a:r>
+                      <a:endParaRPr/>
+                    </a:p>
+                  </a:txBody>
+                  <a:tcPr/>
+                </a:tc>
+                <a:tc>
+                  <a:txBody>
+                    <a:bodyPr bIns="46800" lIns="90000" rIns="90000" tIns="46800" wrap="none"/>
+                    <a:p>
+                      <a:pPr algn="ctr"/>
+                      <a:r>
+                        <a:rPr lang="en-US"/>
+                        <a:t>2</a:t>
+                      </a:r>
+                      <a:endParaRPr/>
+                    </a:p>
+                  </a:txBody>
+                  <a:tcPr/>
+                </a:tc>
+              </a:tr>
+              <a:tr h="832320">
+                <a:tc>
+                  <a:txBody>
+                    <a:bodyPr bIns="46800" lIns="90000" rIns="90000" tIns="46800" wrap="none"/>
+                    <a:p>
+                      <a:pPr algn="ctr"/>
+                      <a:r>
+                        <a:rPr lang="en-US"/>
+                        <a:t>3</a:t>
+                      </a:r>
+                      <a:endParaRPr/>
+                    </a:p>
+                  </a:txBody>
+                  <a:tcPr/>
+                </a:tc>
+                <a:tc>
+                  <a:txBody>
+                    <a:bodyPr bIns="46800" lIns="90000" rIns="90000" tIns="46800" wrap="none"/>
+                    <a:p>
+                      <a:pPr algn="ctr"/>
+                      <a:r>
+                        <a:rPr lang="en-US"/>
+                        <a:t>Q</a:t>
+                      </a:r>
+                      <a:endParaRPr/>
+                    </a:p>
+                  </a:txBody>
+                  <a:tcPr/>
+                </a:tc>
+                <a:tc>
+                  <a:txBody>
+                    <a:bodyPr bIns="46800" lIns="90000" rIns="90000" tIns="46800" wrap="none"/>
+                    <a:p>
+                      <a:pPr algn="ctr"/>
+                      <a:r>
+                        <a:rPr lang="en-US"/>
+                        <a:t>5</a:t>
+                      </a:r>
+                      <a:endParaRPr/>
+                    </a:p>
+                  </a:txBody>
+                  <a:tcPr/>
+                </a:tc>
+              </a:tr>
+              <a:tr h="832320">
+                <a:tc>
+                  <a:txBody>
+                    <a:bodyPr bIns="46800" lIns="90000" rIns="90000" tIns="46800" wrap="none"/>
+                    <a:p>
+                      <a:pPr algn="ctr"/>
+                      <a:r>
+                        <a:rPr lang="en-US"/>
+                        <a:t>6</a:t>
+                      </a:r>
+                      <a:endParaRPr/>
+                    </a:p>
+                  </a:txBody>
+                  <a:tcPr/>
+                </a:tc>
+                <a:tc>
+                  <a:txBody>
+                    <a:bodyPr bIns="46800" lIns="90000" rIns="90000" tIns="46800" wrap="none"/>
+                    <a:p>
+                      <a:pPr algn="ctr"/>
+                      <a:r>
+                        <a:rPr lang="en-US"/>
+                        <a:t>7</a:t>
+                      </a:r>
+                      <a:endParaRPr/>
+                    </a:p>
+                  </a:txBody>
+                  <a:tcPr/>
+                </a:tc>
+                <a:tc>
+                  <a:txBody>
+                    <a:bodyPr bIns="46800" lIns="90000" rIns="90000" tIns="46800" wrap="none"/>
+                    <a:p>
+                      <a:pPr algn="ctr"/>
+                      <a:r>
+                        <a:rPr lang="en-US"/>
+                        <a:t>8</a:t>
+                      </a:r>
+                      <a:endParaRPr/>
+                    </a:p>
+                  </a:txBody>
+                  <a:tcPr/>
+                </a:tc>
+              </a:tr>
+            </a:tbl>
+          </a:graphicData>
+        </a:graphic>
+      </p:graphicFrame>
+    </p:spTree>
+  </p:cSld>
+  <p:timing>
+    <p:tnLst>
+      <p:par>
+        <p:cTn dur="indefinite" id="29" nodeType="tmRoot" restart="never">
+          <p:childTnLst>
+            <p:seq>
+              <p:cTn id="30" nodeType="mainSeq">
+                <p:childTnLst/>
+              </p:cTn>
+              <p:prevCondLst>
+                <p:cond delay="0" evt="onPrev">
+                  <p:tgtEl>
+                    <p:sldTgt/>
+                  </p:tgtEl>
+                </p:cond>
+              </p:prevCondLst>
+              <p:nextCondLst>
+                <p:cond delay="0" evt="onNext">
+                  <p:tgtEl>
+                    <p:sldTgt/>
+                  </p:tgtEl>
+                </p:cond>
+              </p:nextCondLst>
+            </p:seq>
+          </p:childTnLst>
+        </p:cTn>
+      </p:par>
+    </p:tnLst>
+  </p:timing>
+</p:sld>
+</file>
+
+<file path=ppt/slides/slide16.xml><?xml version="1.0" encoding="utf-8"?>
+<p:sld xmlns:a="http://schemas.openxmlformats.org/drawingml/2006/main" xmlns:p="http://schemas.openxmlformats.org/presentationml/2006/main" xmlns:r="http://schemas.openxmlformats.org/officeDocument/2006/relationships">
+  <p:cSld>
+    <p:spTree>
+      <p:nvGrpSpPr>
+        <p:cNvPr id="1" name=""/>
+        <p:cNvGrpSpPr/>
+        <p:nvPr/>
+      </p:nvGrpSpPr>
+      <p:grpSpPr>
+        <a:xfrm>
+          <a:off x="0" y="0"/>
+          <a:ext cx="0" cy="0"/>
+          <a:chOff x="0" y="0"/>
+          <a:chExt cx="0" cy="0"/>
+        </a:xfrm>
+      </p:grpSpPr>
+      <p:sp>
+        <p:nvSpPr>
+          <p:cNvPr id="163" name="CustomShape 1"/>
+          <p:cNvSpPr/>
+          <p:nvPr/>
+        </p:nvSpPr>
+        <p:spPr>
+          <a:xfrm>
+            <a:off x="457200" y="911520"/>
+            <a:ext cx="8228520" cy="1141920"/>
+          </a:xfrm>
+          <a:prstGeom prst="rect">
+            <a:avLst/>
+          </a:prstGeom>
+        </p:spPr>
+        <p:txBody>
+          <a:bodyPr anchor="ctr" bIns="45000" lIns="90000" rIns="90000" tIns="45000"/>
+          <a:p>
+            <a:pPr>
               <a:lnSpc>
                 <a:spcPct val="100000"/>
               </a:lnSpc>
-              <a:buFont typeface="Arial"/>
-              <a:buChar char="•"/>
             </a:pPr>
             <a:r>
-              <a:rPr lang="en-US" sz="2400">
+              <a:rPr lang="en-US" sz="3600">
                 <a:solidFill>
-                  <a:srgbClr val="ffffff"/>
+                  <a:srgbClr val="ffecbd"/>
                 </a:solidFill>
                 <a:latin typeface="Calibri"/>
               </a:rPr>
-              <a:t>Feature 2</a:t>
+              <a:t>Simple move 2.0</a:t>
             </a:r>
             <a:endParaRPr/>
           </a:p>
-          <a:p>
-            <a:pPr algn="r">
+        </p:txBody>
+      </p:sp>
+      <p:graphicFrame>
+        <p:nvGraphicFramePr>
+          <p:cNvPr id="164" name="Table 2"/>
+          <p:cNvGraphicFramePr/>
+          <p:nvPr/>
+        </p:nvGraphicFramePr>
+        <p:xfrm>
+          <a:off x="209160" y="2131200"/>
+          <a:ext cx="8709840" cy="731880"/>
+        </p:xfrm>
+        <a:graphic>
+          <a:graphicData uri="http://schemas.openxmlformats.org/drawingml/2006/table">
+            <a:tbl>
+              <a:tblPr/>
+              <a:tblGrid>
+                <a:gridCol w="1594080"/>
+                <a:gridCol w="2575440"/>
+                <a:gridCol w="2089800"/>
+                <a:gridCol w="2450520"/>
+              </a:tblGrid>
+              <a:tr h="598320">
+                <a:tc>
+                  <a:txBody>
+                    <a:bodyPr bIns="46800" lIns="90000" rIns="90000" tIns="46800" wrap="none"/>
+                    <a:p>
+                      <a:pPr algn="ctr"/>
+                      <a:r>
+                        <a:rPr lang="en-US"/>
+                        <a:t>Piece</a:t>
+                      </a:r>
+                      <a:endParaRPr/>
+                    </a:p>
+                  </a:txBody>
+                  <a:tcPr/>
+                </a:tc>
+                <a:tc>
+                  <a:txBody>
+                    <a:bodyPr bIns="46800" lIns="90000" rIns="90000" tIns="46800" wrap="none"/>
+                    <a:p>
+                      <a:pPr algn="ctr"/>
+                      <a:r>
+                        <a:rPr lang="en-US"/>
+                        <a:t>Move diff</a:t>
+                      </a:r>
+                      <a:endParaRPr/>
+                    </a:p>
+                  </a:txBody>
+                  <a:tcPr/>
+                </a:tc>
+                <a:tc>
+                  <a:txBody>
+                    <a:bodyPr bIns="46800" lIns="90000" rIns="90000" tIns="46800" wrap="none"/>
+                    <a:p>
+                      <a:pPr algn="ctr"/>
+                      <a:r>
+                        <a:rPr lang="en-US"/>
+                        <a:t>Relative location</a:t>
+                      </a:r>
+                      <a:endParaRPr/>
+                    </a:p>
+                  </a:txBody>
+                  <a:tcPr/>
+                </a:tc>
+                <a:tc>
+                  <a:txBody>
+                    <a:bodyPr bIns="46800" lIns="90000" rIns="90000" tIns="46800" wrap="none"/>
+                    <a:p>
+                      <a:pPr algn="ctr"/>
+                      <a:r>
+                        <a:rPr lang="en-US"/>
+                        <a:t>Content</a:t>
+                      </a:r>
+                      <a:endParaRPr/>
+                    </a:p>
+                  </a:txBody>
+                  <a:tcPr/>
+                </a:tc>
+              </a:tr>
+              <a:tr h="867240">
+                <a:tc>
+                  <a:txBody>
+                    <a:bodyPr bIns="46800" lIns="90000" rIns="90000" tIns="46800" wrap="none"/>
+                    <a:p>
+                      <a:pPr algn="ctr"/>
+                      <a:r>
+                        <a:rPr lang="en-US"/>
+                        <a:t>Queen</a:t>
+                      </a:r>
+                      <a:endParaRPr/>
+                    </a:p>
+                  </a:txBody>
+                  <a:tcPr/>
+                </a:tc>
+                <a:tc>
+                  <a:txBody>
+                    <a:bodyPr bIns="46800" lIns="90000" rIns="90000" tIns="46800" wrap="none"/>
+                    <a:p>
+                      <a:pPr algn="ctr"/>
+                      <a:r>
+                        <a:rPr lang="en-US"/>
+                        <a:t>(-7, 7)</a:t>
+                      </a:r>
+                      <a:endParaRPr/>
+                    </a:p>
+                  </a:txBody>
+                  <a:tcPr/>
+                </a:tc>
+                <a:tc>
+                  <a:txBody>
+                    <a:bodyPr bIns="46800" lIns="90000" rIns="90000" tIns="46800" wrap="none"/>
+                    <a:p>
+                      <a:pPr algn="ctr"/>
+                      <a:r>
+                        <a:rPr lang="en-US"/>
+                        <a:t>2</a:t>
+                      </a:r>
+                      <a:endParaRPr/>
+                    </a:p>
+                    <a:p>
+                      <a:pPr algn="ctr"/>
+                      <a:r>
+                        <a:rPr lang="en-US"/>
+                        <a:t>6</a:t>
+                      </a:r>
+                      <a:endParaRPr/>
+                    </a:p>
+                  </a:txBody>
+                  <a:tcPr/>
+                </a:tc>
+                <a:tc>
+                  <a:txBody>
+                    <a:bodyPr bIns="46800" lIns="90000" rIns="90000" tIns="46800" wrap="none"/>
+                    <a:p>
+                      <a:pPr algn="ctr"/>
+                      <a:r>
+                        <a:rPr lang="en-US"/>
+                        <a:t>Out of the board</a:t>
+                      </a:r>
+                      <a:endParaRPr/>
+                    </a:p>
+                    <a:p>
+                      <a:pPr algn="ctr"/>
+                      <a:r>
+                        <a:rPr lang="en-US"/>
+                        <a:t>Free</a:t>
+                      </a:r>
+                      <a:endParaRPr/>
+                    </a:p>
+                  </a:txBody>
+                  <a:tcPr/>
+                </a:tc>
+              </a:tr>
+            </a:tbl>
+          </a:graphicData>
+        </a:graphic>
+      </p:graphicFrame>
+      <p:graphicFrame>
+        <p:nvGraphicFramePr>
+          <p:cNvPr id="165" name="Table 3"/>
+          <p:cNvGraphicFramePr/>
+          <p:nvPr/>
+        </p:nvGraphicFramePr>
+        <p:xfrm>
+          <a:off x="1791720" y="3831480"/>
+          <a:ext cx="5469840" cy="2496960"/>
+        </p:xfrm>
+        <a:graphic>
+          <a:graphicData uri="http://schemas.openxmlformats.org/drawingml/2006/table">
+            <a:tbl>
+              <a:tblPr/>
+              <a:tblGrid>
+                <a:gridCol w="1822680"/>
+                <a:gridCol w="1822680"/>
+                <a:gridCol w="1824480"/>
+              </a:tblGrid>
+              <a:tr h="832320">
+                <a:tc>
+                  <a:txBody>
+                    <a:bodyPr bIns="46800" lIns="90000" rIns="90000" tIns="46800" wrap="none"/>
+                    <a:p>
+                      <a:pPr algn="ctr"/>
+                      <a:r>
+                        <a:rPr lang="en-US"/>
+                        <a:t>0</a:t>
+                      </a:r>
+                      <a:endParaRPr/>
+                    </a:p>
+                  </a:txBody>
+                  <a:tcPr/>
+                </a:tc>
+                <a:tc>
+                  <a:txBody>
+                    <a:bodyPr bIns="46800" lIns="90000" rIns="90000" tIns="46800" wrap="none"/>
+                    <a:p>
+                      <a:pPr algn="ctr"/>
+                      <a:r>
+                        <a:rPr lang="en-US"/>
+                        <a:t>1</a:t>
+                      </a:r>
+                      <a:endParaRPr/>
+                    </a:p>
+                  </a:txBody>
+                  <a:tcPr/>
+                </a:tc>
+                <a:tc>
+                  <a:txBody>
+                    <a:bodyPr bIns="46800" lIns="90000" rIns="90000" tIns="46800" wrap="none"/>
+                    <a:p>
+                      <a:pPr algn="ctr"/>
+                      <a:r>
+                        <a:rPr b="1" lang="en-US"/>
+                        <a:t>Out of the Board</a:t>
+                      </a:r>
+                      <a:endParaRPr/>
+                    </a:p>
+                  </a:txBody>
+                  <a:tcPr/>
+                </a:tc>
+              </a:tr>
+              <a:tr h="832320">
+                <a:tc>
+                  <a:txBody>
+                    <a:bodyPr bIns="46800" lIns="90000" rIns="90000" tIns="46800" wrap="none"/>
+                    <a:p>
+                      <a:pPr algn="ctr"/>
+                      <a:r>
+                        <a:rPr lang="en-US"/>
+                        <a:t>3</a:t>
+                      </a:r>
+                      <a:endParaRPr/>
+                    </a:p>
+                  </a:txBody>
+                  <a:tcPr/>
+                </a:tc>
+                <a:tc>
+                  <a:txBody>
+                    <a:bodyPr bIns="46800" lIns="90000" rIns="90000" tIns="46800" wrap="none"/>
+                    <a:p>
+                      <a:pPr algn="ctr"/>
+                      <a:r>
+                        <a:rPr lang="en-US"/>
+                        <a:t>Q</a:t>
+                      </a:r>
+                      <a:endParaRPr/>
+                    </a:p>
+                  </a:txBody>
+                  <a:tcPr/>
+                </a:tc>
+                <a:tc>
+                  <a:txBody>
+                    <a:bodyPr bIns="46800" lIns="90000" rIns="90000" tIns="46800" wrap="none"/>
+                    <a:p>
+                      <a:pPr algn="ctr"/>
+                      <a:r>
+                        <a:rPr lang="en-US"/>
+                        <a:t>5</a:t>
+                      </a:r>
+                      <a:endParaRPr/>
+                    </a:p>
+                  </a:txBody>
+                  <a:tcPr/>
+                </a:tc>
+              </a:tr>
+              <a:tr h="832320">
+                <a:tc>
+                  <a:txBody>
+                    <a:bodyPr bIns="46800" lIns="90000" rIns="90000" tIns="46800" wrap="none"/>
+                    <a:p>
+                      <a:pPr algn="ctr"/>
+                      <a:r>
+                        <a:rPr b="1" lang="en-US"/>
+                        <a:t>Free</a:t>
+                      </a:r>
+                      <a:endParaRPr/>
+                    </a:p>
+                  </a:txBody>
+                  <a:tcPr/>
+                </a:tc>
+                <a:tc>
+                  <a:txBody>
+                    <a:bodyPr bIns="46800" lIns="90000" rIns="90000" tIns="46800" wrap="none"/>
+                    <a:p>
+                      <a:pPr algn="ctr"/>
+                      <a:r>
+                        <a:rPr lang="en-US"/>
+                        <a:t>7</a:t>
+                      </a:r>
+                      <a:endParaRPr/>
+                    </a:p>
+                  </a:txBody>
+                  <a:tcPr/>
+                </a:tc>
+                <a:tc>
+                  <a:txBody>
+                    <a:bodyPr bIns="46800" lIns="90000" rIns="90000" tIns="46800" wrap="none"/>
+                    <a:p>
+                      <a:pPr algn="ctr"/>
+                      <a:r>
+                        <a:rPr lang="en-US"/>
+                        <a:t>8</a:t>
+                      </a:r>
+                      <a:endParaRPr/>
+                    </a:p>
+                  </a:txBody>
+                  <a:tcPr/>
+                </a:tc>
+              </a:tr>
+            </a:tbl>
+          </a:graphicData>
+        </a:graphic>
+      </p:graphicFrame>
+    </p:spTree>
+  </p:cSld>
+  <p:timing>
+    <p:tnLst>
+      <p:par>
+        <p:cTn dur="indefinite" id="31" nodeType="tmRoot" restart="never">
+          <p:childTnLst>
+            <p:seq>
+              <p:cTn id="32" nodeType="mainSeq">
+                <p:childTnLst/>
+              </p:cTn>
+              <p:prevCondLst>
+                <p:cond delay="0" evt="onPrev">
+                  <p:tgtEl>
+                    <p:sldTgt/>
+                  </p:tgtEl>
+                </p:cond>
+              </p:prevCondLst>
+              <p:nextCondLst>
+                <p:cond delay="0" evt="onNext">
+                  <p:tgtEl>
+                    <p:sldTgt/>
+                  </p:tgtEl>
+                </p:cond>
+              </p:nextCondLst>
+            </p:seq>
+          </p:childTnLst>
+        </p:cTn>
+      </p:par>
+    </p:tnLst>
+  </p:timing>
+</p:sld>
+</file>
+
+<file path=ppt/slides/slide17.xml><?xml version="1.0" encoding="utf-8"?>
+<p:sld xmlns:a="http://schemas.openxmlformats.org/drawingml/2006/main" xmlns:p="http://schemas.openxmlformats.org/presentationml/2006/main" xmlns:r="http://schemas.openxmlformats.org/officeDocument/2006/relationships">
+  <p:cSld>
+    <p:spTree>
+      <p:nvGrpSpPr>
+        <p:cNvPr id="1" name=""/>
+        <p:cNvGrpSpPr/>
+        <p:nvPr/>
+      </p:nvGrpSpPr>
+      <p:grpSpPr>
+        <a:xfrm>
+          <a:off x="0" y="0"/>
+          <a:ext cx="0" cy="0"/>
+          <a:chOff x="0" y="0"/>
+          <a:chExt cx="0" cy="0"/>
+        </a:xfrm>
+      </p:grpSpPr>
+      <p:sp>
+        <p:nvSpPr>
+          <p:cNvPr id="166" name="CustomShape 1"/>
+          <p:cNvSpPr/>
+          <p:nvPr/>
+        </p:nvSpPr>
+        <p:spPr>
+          <a:xfrm>
+            <a:off x="457200" y="911520"/>
+            <a:ext cx="8228520" cy="1141920"/>
+          </a:xfrm>
+          <a:prstGeom prst="rect">
+            <a:avLst/>
+          </a:prstGeom>
+        </p:spPr>
+        <p:txBody>
+          <a:bodyPr anchor="ctr" bIns="45000" lIns="90000" rIns="90000" tIns="45000"/>
+          <a:p>
+            <a:pPr>
               <a:lnSpc>
                 <a:spcPct val="100000"/>
               </a:lnSpc>
-              <a:buFont typeface="Arial"/>
-              <a:buChar char="•"/>
             </a:pPr>
             <a:r>
-              <a:rPr lang="en-US" sz="2400">
+              <a:rPr lang="en-US" sz="3600">
                 <a:solidFill>
-                  <a:srgbClr val="ffffff"/>
+                  <a:srgbClr val="ffecbd"/>
                 </a:solidFill>
                 <a:latin typeface="Calibri"/>
               </a:rPr>
-              <a:t>Feature 3</a:t>
+              <a:t>Simple move 2.0</a:t>
             </a:r>
             <a:endParaRPr/>
           </a:p>
         </p:txBody>
       </p:sp>
+      <p:graphicFrame>
+        <p:nvGraphicFramePr>
+          <p:cNvPr id="167" name="Table 2"/>
+          <p:cNvGraphicFramePr/>
+          <p:nvPr/>
+        </p:nvGraphicFramePr>
+        <p:xfrm>
+          <a:off x="209160" y="2131200"/>
+          <a:ext cx="8709840" cy="731880"/>
+        </p:xfrm>
+        <a:graphic>
+          <a:graphicData uri="http://schemas.openxmlformats.org/drawingml/2006/table">
+            <a:tbl>
+              <a:tblPr/>
+              <a:tblGrid>
+                <a:gridCol w="1594080"/>
+                <a:gridCol w="2575440"/>
+                <a:gridCol w="2089800"/>
+                <a:gridCol w="2450520"/>
+              </a:tblGrid>
+              <a:tr h="598320">
+                <a:tc>
+                  <a:txBody>
+                    <a:bodyPr bIns="46800" lIns="90000" rIns="90000" tIns="46800" wrap="none"/>
+                    <a:p>
+                      <a:pPr algn="ctr"/>
+                      <a:r>
+                        <a:rPr lang="en-US"/>
+                        <a:t>Piece</a:t>
+                      </a:r>
+                      <a:endParaRPr/>
+                    </a:p>
+                  </a:txBody>
+                  <a:tcPr/>
+                </a:tc>
+                <a:tc>
+                  <a:txBody>
+                    <a:bodyPr bIns="46800" lIns="90000" rIns="90000" tIns="46800" wrap="none"/>
+                    <a:p>
+                      <a:pPr algn="ctr"/>
+                      <a:r>
+                        <a:rPr lang="en-US"/>
+                        <a:t>Move diff</a:t>
+                      </a:r>
+                      <a:endParaRPr/>
+                    </a:p>
+                  </a:txBody>
+                  <a:tcPr/>
+                </a:tc>
+                <a:tc>
+                  <a:txBody>
+                    <a:bodyPr bIns="46800" lIns="90000" rIns="90000" tIns="46800" wrap="none"/>
+                    <a:p>
+                      <a:pPr algn="ctr"/>
+                      <a:r>
+                        <a:rPr lang="en-US"/>
+                        <a:t>Relative location</a:t>
+                      </a:r>
+                      <a:endParaRPr/>
+                    </a:p>
+                  </a:txBody>
+                  <a:tcPr/>
+                </a:tc>
+                <a:tc>
+                  <a:txBody>
+                    <a:bodyPr bIns="46800" lIns="90000" rIns="90000" tIns="46800" wrap="none"/>
+                    <a:p>
+                      <a:pPr algn="ctr"/>
+                      <a:r>
+                        <a:rPr lang="en-US"/>
+                        <a:t>Content</a:t>
+                      </a:r>
+                      <a:endParaRPr/>
+                    </a:p>
+                  </a:txBody>
+                  <a:tcPr/>
+                </a:tc>
+              </a:tr>
+              <a:tr h="526320">
+                <a:tc>
+                  <a:txBody>
+                    <a:bodyPr bIns="46800" lIns="90000" rIns="90000" tIns="46800" wrap="none"/>
+                    <a:p>
+                      <a:pPr algn="ctr"/>
+                      <a:r>
+                        <a:rPr lang="en-US"/>
+                        <a:t>King</a:t>
+                      </a:r>
+                      <a:endParaRPr/>
+                    </a:p>
+                  </a:txBody>
+                  <a:tcPr/>
+                </a:tc>
+                <a:tc>
+                  <a:txBody>
+                    <a:bodyPr bIns="46800" lIns="90000" rIns="90000" tIns="46800" wrap="none"/>
+                    <a:p>
+                      <a:pPr algn="ctr"/>
+                      <a:r>
+                        <a:rPr lang="en-US"/>
+                        <a:t>(2,0)</a:t>
+                      </a:r>
+                      <a:endParaRPr/>
+                    </a:p>
+                  </a:txBody>
+                  <a:tcPr/>
+                </a:tc>
+                <a:tc>
+                  <a:txBody>
+                    <a:bodyPr bIns="46800" lIns="90000" rIns="90000" tIns="46800" wrap="none"/>
+                    <a:p>
+                      <a:pPr algn="ctr"/>
+                      <a:r>
+                        <a:rPr lang="en-US"/>
+                        <a:t>5</a:t>
+                      </a:r>
+                      <a:endParaRPr/>
+                    </a:p>
+                  </a:txBody>
+                  <a:tcPr/>
+                </a:tc>
+                <a:tc>
+                  <a:txBody>
+                    <a:bodyPr bIns="46800" lIns="90000" rIns="90000" tIns="46800" wrap="none"/>
+                    <a:p>
+                      <a:pPr algn="ctr"/>
+                      <a:r>
+                        <a:rPr lang="en-US"/>
+                        <a:t>Free</a:t>
+                      </a:r>
+                      <a:endParaRPr/>
+                    </a:p>
+                  </a:txBody>
+                  <a:tcPr/>
+                </a:tc>
+              </a:tr>
+            </a:tbl>
+          </a:graphicData>
+        </a:graphic>
+      </p:graphicFrame>
+      <p:graphicFrame>
+        <p:nvGraphicFramePr>
+          <p:cNvPr id="168" name="Table 3"/>
+          <p:cNvGraphicFramePr/>
+          <p:nvPr/>
+        </p:nvGraphicFramePr>
+        <p:xfrm>
+          <a:off x="1791720" y="3831480"/>
+          <a:ext cx="5469840" cy="2496960"/>
+        </p:xfrm>
+        <a:graphic>
+          <a:graphicData uri="http://schemas.openxmlformats.org/drawingml/2006/table">
+            <a:tbl>
+              <a:tblPr/>
+              <a:tblGrid>
+                <a:gridCol w="1822680"/>
+                <a:gridCol w="1822680"/>
+                <a:gridCol w="1824480"/>
+              </a:tblGrid>
+              <a:tr h="832320">
+                <a:tc>
+                  <a:txBody>
+                    <a:bodyPr bIns="46800" lIns="90000" rIns="90000" tIns="46800" wrap="none"/>
+                    <a:p>
+                      <a:pPr algn="ctr"/>
+                      <a:r>
+                        <a:rPr lang="en-US"/>
+                        <a:t>0</a:t>
+                      </a:r>
+                      <a:endParaRPr/>
+                    </a:p>
+                  </a:txBody>
+                  <a:tcPr/>
+                </a:tc>
+                <a:tc>
+                  <a:txBody>
+                    <a:bodyPr bIns="46800" lIns="90000" rIns="90000" tIns="46800" wrap="none"/>
+                    <a:p>
+                      <a:pPr algn="ctr"/>
+                      <a:r>
+                        <a:rPr lang="en-US"/>
+                        <a:t>1</a:t>
+                      </a:r>
+                      <a:endParaRPr/>
+                    </a:p>
+                  </a:txBody>
+                  <a:tcPr/>
+                </a:tc>
+                <a:tc>
+                  <a:txBody>
+                    <a:bodyPr bIns="46800" lIns="90000" rIns="90000" tIns="46800" wrap="none"/>
+                    <a:p>
+                      <a:pPr algn="ctr"/>
+                      <a:r>
+                        <a:rPr lang="en-US"/>
+                        <a:t>2</a:t>
+                      </a:r>
+                      <a:endParaRPr/>
+                    </a:p>
+                  </a:txBody>
+                  <a:tcPr/>
+                </a:tc>
+              </a:tr>
+              <a:tr h="832320">
+                <a:tc>
+                  <a:txBody>
+                    <a:bodyPr bIns="46800" lIns="90000" rIns="90000" tIns="46800" wrap="none"/>
+                    <a:p>
+                      <a:pPr algn="ctr"/>
+                      <a:r>
+                        <a:rPr lang="en-US"/>
+                        <a:t>3</a:t>
+                      </a:r>
+                      <a:endParaRPr/>
+                    </a:p>
+                  </a:txBody>
+                  <a:tcPr/>
+                </a:tc>
+                <a:tc>
+                  <a:txBody>
+                    <a:bodyPr bIns="46800" lIns="90000" rIns="90000" tIns="46800" wrap="none"/>
+                    <a:p>
+                      <a:pPr algn="ctr"/>
+                      <a:r>
+                        <a:rPr lang="en-US"/>
+                        <a:t>K</a:t>
+                      </a:r>
+                      <a:endParaRPr/>
+                    </a:p>
+                  </a:txBody>
+                  <a:tcPr/>
+                </a:tc>
+                <a:tc>
+                  <a:txBody>
+                    <a:bodyPr bIns="46800" lIns="90000" rIns="90000" tIns="46800" wrap="none"/>
+                    <a:p>
+                      <a:pPr algn="ctr"/>
+                      <a:r>
+                        <a:rPr b="1" lang="en-US"/>
+                        <a:t>Free</a:t>
+                      </a:r>
+                      <a:endParaRPr/>
+                    </a:p>
+                  </a:txBody>
+                  <a:tcPr/>
+                </a:tc>
+              </a:tr>
+              <a:tr h="832320">
+                <a:tc>
+                  <a:txBody>
+                    <a:bodyPr bIns="46800" lIns="90000" rIns="90000" tIns="46800" wrap="none"/>
+                    <a:p>
+                      <a:pPr algn="ctr"/>
+                      <a:r>
+                        <a:rPr lang="en-US"/>
+                        <a:t>6</a:t>
+                      </a:r>
+                      <a:endParaRPr/>
+                    </a:p>
+                  </a:txBody>
+                  <a:tcPr/>
+                </a:tc>
+                <a:tc>
+                  <a:txBody>
+                    <a:bodyPr bIns="46800" lIns="90000" rIns="90000" tIns="46800" wrap="none"/>
+                    <a:p>
+                      <a:pPr algn="ctr"/>
+                      <a:r>
+                        <a:rPr lang="en-US"/>
+                        <a:t>7</a:t>
+                      </a:r>
+                      <a:endParaRPr/>
+                    </a:p>
+                  </a:txBody>
+                  <a:tcPr/>
+                </a:tc>
+                <a:tc>
+                  <a:txBody>
+                    <a:bodyPr bIns="46800" lIns="90000" rIns="90000" tIns="46800" wrap="none"/>
+                    <a:p>
+                      <a:pPr algn="ctr"/>
+                      <a:r>
+                        <a:rPr lang="en-US"/>
+                        <a:t>8</a:t>
+                      </a:r>
+                      <a:endParaRPr/>
+                    </a:p>
+                  </a:txBody>
+                  <a:tcPr/>
+                </a:tc>
+              </a:tr>
+            </a:tbl>
+          </a:graphicData>
+        </a:graphic>
+      </p:graphicFrame>
     </p:spTree>
   </p:cSld>
+  <p:timing>
+    <p:tnLst>
+      <p:par>
+        <p:cTn dur="indefinite" id="33" nodeType="tmRoot" restart="never">
+          <p:childTnLst>
+            <p:seq>
+              <p:cTn id="34" nodeType="mainSeq">
+                <p:childTnLst/>
+              </p:cTn>
+              <p:prevCondLst>
+                <p:cond delay="0" evt="onPrev">
+                  <p:tgtEl>
+                    <p:sldTgt/>
+                  </p:tgtEl>
+                </p:cond>
+              </p:prevCondLst>
+              <p:nextCondLst>
+                <p:cond delay="0" evt="onNext">
+                  <p:tgtEl>
+                    <p:sldTgt/>
+                  </p:tgtEl>
+                </p:cond>
+              </p:nextCondLst>
+            </p:seq>
+          </p:childTnLst>
+        </p:cTn>
+      </p:par>
+    </p:tnLst>
+  </p:timing>
+</p:sld>
+</file>
+
+<file path=ppt/slides/slide18.xml><?xml version="1.0" encoding="utf-8"?>
+<p:sld xmlns:a="http://schemas.openxmlformats.org/drawingml/2006/main" xmlns:p="http://schemas.openxmlformats.org/presentationml/2006/main" xmlns:r="http://schemas.openxmlformats.org/officeDocument/2006/relationships">
+  <p:cSld>
+    <p:spTree>
+      <p:nvGrpSpPr>
+        <p:cNvPr id="1" name=""/>
+        <p:cNvGrpSpPr/>
+        <p:nvPr/>
+      </p:nvGrpSpPr>
+      <p:grpSpPr>
+        <a:xfrm>
+          <a:off x="0" y="0"/>
+          <a:ext cx="0" cy="0"/>
+          <a:chOff x="0" y="0"/>
+          <a:chExt cx="0" cy="0"/>
+        </a:xfrm>
+      </p:grpSpPr>
+      <p:sp>
+        <p:nvSpPr>
+          <p:cNvPr id="169" name="CustomShape 1"/>
+          <p:cNvSpPr/>
+          <p:nvPr/>
+        </p:nvSpPr>
+        <p:spPr>
+          <a:xfrm>
+            <a:off x="457200" y="911520"/>
+            <a:ext cx="8228520" cy="1141920"/>
+          </a:xfrm>
+          <a:prstGeom prst="rect">
+            <a:avLst/>
+          </a:prstGeom>
+        </p:spPr>
+        <p:txBody>
+          <a:bodyPr anchor="ctr" bIns="45000" lIns="90000" rIns="90000" tIns="45000"/>
+          <a:p>
+            <a:pPr>
+              <a:lnSpc>
+                <a:spcPct val="100000"/>
+              </a:lnSpc>
+            </a:pPr>
+            <a:r>
+              <a:rPr lang="en-US" sz="3600">
+                <a:solidFill>
+                  <a:srgbClr val="ffecbd"/>
+                </a:solidFill>
+                <a:latin typeface="Calibri"/>
+              </a:rPr>
+              <a:t>Simple move 2.0</a:t>
+            </a:r>
+            <a:endParaRPr/>
+          </a:p>
+        </p:txBody>
+      </p:sp>
+      <p:graphicFrame>
+        <p:nvGraphicFramePr>
+          <p:cNvPr id="170" name="Table 2"/>
+          <p:cNvGraphicFramePr/>
+          <p:nvPr/>
+        </p:nvGraphicFramePr>
+        <p:xfrm>
+          <a:off x="209160" y="2131200"/>
+          <a:ext cx="8709840" cy="731880"/>
+        </p:xfrm>
+        <a:graphic>
+          <a:graphicData uri="http://schemas.openxmlformats.org/drawingml/2006/table">
+            <a:tbl>
+              <a:tblPr/>
+              <a:tblGrid>
+                <a:gridCol w="1594080"/>
+                <a:gridCol w="2575440"/>
+                <a:gridCol w="2089800"/>
+                <a:gridCol w="2450520"/>
+              </a:tblGrid>
+              <a:tr h="598320">
+                <a:tc>
+                  <a:txBody>
+                    <a:bodyPr bIns="46800" lIns="90000" rIns="90000" tIns="46800" wrap="none"/>
+                    <a:p>
+                      <a:pPr algn="ctr"/>
+                      <a:r>
+                        <a:rPr lang="en-US"/>
+                        <a:t>Piece</a:t>
+                      </a:r>
+                      <a:endParaRPr/>
+                    </a:p>
+                  </a:txBody>
+                  <a:tcPr/>
+                </a:tc>
+                <a:tc>
+                  <a:txBody>
+                    <a:bodyPr bIns="46800" lIns="90000" rIns="90000" tIns="46800" wrap="none"/>
+                    <a:p>
+                      <a:pPr algn="ctr"/>
+                      <a:r>
+                        <a:rPr lang="en-US"/>
+                        <a:t>Move diff</a:t>
+                      </a:r>
+                      <a:endParaRPr/>
+                    </a:p>
+                  </a:txBody>
+                  <a:tcPr/>
+                </a:tc>
+                <a:tc>
+                  <a:txBody>
+                    <a:bodyPr bIns="46800" lIns="90000" rIns="90000" tIns="46800" wrap="none"/>
+                    <a:p>
+                      <a:pPr algn="ctr"/>
+                      <a:r>
+                        <a:rPr lang="en-US"/>
+                        <a:t>Relative location</a:t>
+                      </a:r>
+                      <a:endParaRPr/>
+                    </a:p>
+                  </a:txBody>
+                  <a:tcPr/>
+                </a:tc>
+                <a:tc>
+                  <a:txBody>
+                    <a:bodyPr bIns="46800" lIns="90000" rIns="90000" tIns="46800" wrap="none"/>
+                    <a:p>
+                      <a:pPr algn="ctr"/>
+                      <a:r>
+                        <a:rPr lang="en-US"/>
+                        <a:t>Content</a:t>
+                      </a:r>
+                      <a:endParaRPr/>
+                    </a:p>
+                  </a:txBody>
+                  <a:tcPr/>
+                </a:tc>
+              </a:tr>
+              <a:tr h="526320">
+                <a:tc>
+                  <a:txBody>
+                    <a:bodyPr bIns="46800" lIns="90000" rIns="90000" tIns="46800" wrap="none"/>
+                    <a:p>
+                      <a:pPr algn="ctr"/>
+                      <a:r>
+                        <a:rPr lang="en-US"/>
+                        <a:t>Pawn</a:t>
+                      </a:r>
+                      <a:endParaRPr/>
+                    </a:p>
+                  </a:txBody>
+                  <a:tcPr/>
+                </a:tc>
+                <a:tc>
+                  <a:txBody>
+                    <a:bodyPr bIns="46800" lIns="90000" rIns="90000" tIns="46800" wrap="none"/>
+                    <a:p>
+                      <a:pPr algn="ctr"/>
+                      <a:r>
+                        <a:rPr lang="en-US"/>
+                        <a:t>(0,2), (0,1)</a:t>
+                      </a:r>
+                      <a:endParaRPr/>
+                    </a:p>
+                  </a:txBody>
+                  <a:tcPr/>
+                </a:tc>
+                <a:tc>
+                  <a:txBody>
+                    <a:bodyPr bIns="46800" lIns="90000" rIns="90000" tIns="46800" wrap="none"/>
+                    <a:p>
+                      <a:pPr algn="ctr"/>
+                      <a:r>
+                        <a:rPr lang="en-US"/>
+                        <a:t>7</a:t>
+                      </a:r>
+                      <a:endParaRPr/>
+                    </a:p>
+                  </a:txBody>
+                  <a:tcPr/>
+                </a:tc>
+                <a:tc>
+                  <a:txBody>
+                    <a:bodyPr bIns="46800" lIns="90000" rIns="90000" tIns="46800" wrap="none"/>
+                    <a:p>
+                      <a:pPr algn="ctr"/>
+                      <a:r>
+                        <a:rPr lang="en-US"/>
+                        <a:t>Free</a:t>
+                      </a:r>
+                      <a:endParaRPr/>
+                    </a:p>
+                  </a:txBody>
+                  <a:tcPr/>
+                </a:tc>
+              </a:tr>
+            </a:tbl>
+          </a:graphicData>
+        </a:graphic>
+      </p:graphicFrame>
+      <p:graphicFrame>
+        <p:nvGraphicFramePr>
+          <p:cNvPr id="171" name="Table 3"/>
+          <p:cNvGraphicFramePr/>
+          <p:nvPr/>
+        </p:nvGraphicFramePr>
+        <p:xfrm>
+          <a:off x="1791720" y="3831480"/>
+          <a:ext cx="5469840" cy="2496960"/>
+        </p:xfrm>
+        <a:graphic>
+          <a:graphicData uri="http://schemas.openxmlformats.org/drawingml/2006/table">
+            <a:tbl>
+              <a:tblPr/>
+              <a:tblGrid>
+                <a:gridCol w="1822680"/>
+                <a:gridCol w="1822680"/>
+                <a:gridCol w="1824480"/>
+              </a:tblGrid>
+              <a:tr h="832320">
+                <a:tc>
+                  <a:txBody>
+                    <a:bodyPr bIns="46800" lIns="90000" rIns="90000" tIns="46800" wrap="none"/>
+                    <a:p>
+                      <a:pPr algn="ctr"/>
+                      <a:r>
+                        <a:rPr lang="en-US"/>
+                        <a:t>0</a:t>
+                      </a:r>
+                      <a:endParaRPr/>
+                    </a:p>
+                  </a:txBody>
+                  <a:tcPr/>
+                </a:tc>
+                <a:tc>
+                  <a:txBody>
+                    <a:bodyPr bIns="46800" lIns="90000" rIns="90000" tIns="46800" wrap="none"/>
+                    <a:p>
+                      <a:pPr algn="ctr"/>
+                      <a:r>
+                        <a:rPr lang="en-US"/>
+                        <a:t>1</a:t>
+                      </a:r>
+                      <a:endParaRPr/>
+                    </a:p>
+                  </a:txBody>
+                  <a:tcPr/>
+                </a:tc>
+                <a:tc>
+                  <a:txBody>
+                    <a:bodyPr bIns="46800" lIns="90000" rIns="90000" tIns="46800" wrap="none"/>
+                    <a:p>
+                      <a:pPr algn="ctr"/>
+                      <a:r>
+                        <a:rPr lang="en-US"/>
+                        <a:t>2</a:t>
+                      </a:r>
+                      <a:endParaRPr/>
+                    </a:p>
+                  </a:txBody>
+                  <a:tcPr/>
+                </a:tc>
+              </a:tr>
+              <a:tr h="832320">
+                <a:tc>
+                  <a:txBody>
+                    <a:bodyPr bIns="46800" lIns="90000" rIns="90000" tIns="46800" wrap="none"/>
+                    <a:p>
+                      <a:pPr algn="ctr"/>
+                      <a:r>
+                        <a:rPr lang="en-US"/>
+                        <a:t>3</a:t>
+                      </a:r>
+                      <a:endParaRPr/>
+                    </a:p>
+                  </a:txBody>
+                  <a:tcPr/>
+                </a:tc>
+                <a:tc>
+                  <a:txBody>
+                    <a:bodyPr bIns="46800" lIns="90000" rIns="90000" tIns="46800" wrap="none"/>
+                    <a:p>
+                      <a:pPr algn="ctr"/>
+                      <a:r>
+                        <a:rPr lang="en-US"/>
+                        <a:t>P</a:t>
+                      </a:r>
+                      <a:endParaRPr/>
+                    </a:p>
+                  </a:txBody>
+                  <a:tcPr/>
+                </a:tc>
+                <a:tc>
+                  <a:txBody>
+                    <a:bodyPr bIns="46800" lIns="90000" rIns="90000" tIns="46800" wrap="none"/>
+                    <a:p>
+                      <a:pPr algn="ctr"/>
+                      <a:r>
+                        <a:rPr lang="en-US"/>
+                        <a:t>4</a:t>
+                      </a:r>
+                      <a:endParaRPr/>
+                    </a:p>
+                  </a:txBody>
+                  <a:tcPr/>
+                </a:tc>
+              </a:tr>
+              <a:tr h="832320">
+                <a:tc>
+                  <a:txBody>
+                    <a:bodyPr bIns="46800" lIns="90000" rIns="90000" tIns="46800" wrap="none"/>
+                    <a:p>
+                      <a:pPr algn="ctr"/>
+                      <a:r>
+                        <a:rPr lang="en-US"/>
+                        <a:t>6</a:t>
+                      </a:r>
+                      <a:endParaRPr/>
+                    </a:p>
+                  </a:txBody>
+                  <a:tcPr/>
+                </a:tc>
+                <a:tc>
+                  <a:txBody>
+                    <a:bodyPr bIns="46800" lIns="90000" rIns="90000" tIns="46800" wrap="none"/>
+                    <a:p>
+                      <a:pPr algn="ctr"/>
+                      <a:r>
+                        <a:rPr b="1" lang="en-US"/>
+                        <a:t>Free</a:t>
+                      </a:r>
+                      <a:endParaRPr/>
+                    </a:p>
+                  </a:txBody>
+                  <a:tcPr/>
+                </a:tc>
+                <a:tc>
+                  <a:txBody>
+                    <a:bodyPr bIns="46800" lIns="90000" rIns="90000" tIns="46800" wrap="none"/>
+                    <a:p>
+                      <a:pPr algn="ctr"/>
+                      <a:r>
+                        <a:rPr lang="en-US"/>
+                        <a:t>8</a:t>
+                      </a:r>
+                      <a:endParaRPr/>
+                    </a:p>
+                  </a:txBody>
+                  <a:tcPr/>
+                </a:tc>
+              </a:tr>
+            </a:tbl>
+          </a:graphicData>
+        </a:graphic>
+      </p:graphicFrame>
+    </p:spTree>
+  </p:cSld>
+  <p:timing>
+    <p:tnLst>
+      <p:par>
+        <p:cTn dur="indefinite" id="35" nodeType="tmRoot" restart="never">
+          <p:childTnLst>
+            <p:seq>
+              <p:cTn id="36" nodeType="mainSeq">
+                <p:childTnLst/>
+              </p:cTn>
+              <p:prevCondLst>
+                <p:cond delay="0" evt="onPrev">
+                  <p:tgtEl>
+                    <p:sldTgt/>
+                  </p:tgtEl>
+                </p:cond>
+              </p:prevCondLst>
+              <p:nextCondLst>
+                <p:cond delay="0" evt="onNext">
+                  <p:tgtEl>
+                    <p:sldTgt/>
+                  </p:tgtEl>
+                </p:cond>
+              </p:nextCondLst>
+            </p:seq>
+          </p:childTnLst>
+        </p:cTn>
+      </p:par>
+    </p:tnLst>
+  </p:timing>
+</p:sld>
+</file>
+
+<file path=ppt/slides/slide19.xml><?xml version="1.0" encoding="utf-8"?>
+<p:sld xmlns:a="http://schemas.openxmlformats.org/drawingml/2006/main" xmlns:p="http://schemas.openxmlformats.org/presentationml/2006/main" xmlns:r="http://schemas.openxmlformats.org/officeDocument/2006/relationships">
+  <p:cSld>
+    <p:spTree>
+      <p:nvGrpSpPr>
+        <p:cNvPr id="1" name=""/>
+        <p:cNvGrpSpPr/>
+        <p:nvPr/>
+      </p:nvGrpSpPr>
+      <p:grpSpPr>
+        <a:xfrm>
+          <a:off x="0" y="0"/>
+          <a:ext cx="0" cy="0"/>
+          <a:chOff x="0" y="0"/>
+          <a:chExt cx="0" cy="0"/>
+        </a:xfrm>
+      </p:grpSpPr>
+      <p:sp>
+        <p:nvSpPr>
+          <p:cNvPr id="172" name="CustomShape 1"/>
+          <p:cNvSpPr/>
+          <p:nvPr/>
+        </p:nvSpPr>
+        <p:spPr>
+          <a:xfrm>
+            <a:off x="457200" y="911520"/>
+            <a:ext cx="8228520" cy="1141920"/>
+          </a:xfrm>
+          <a:prstGeom prst="rect">
+            <a:avLst/>
+          </a:prstGeom>
+        </p:spPr>
+        <p:txBody>
+          <a:bodyPr anchor="ctr" bIns="45000" lIns="90000" rIns="90000" tIns="45000"/>
+          <a:p>
+            <a:pPr>
+              <a:lnSpc>
+                <a:spcPct val="100000"/>
+              </a:lnSpc>
+            </a:pPr>
+            <a:r>
+              <a:rPr lang="en-US" sz="3600">
+                <a:solidFill>
+                  <a:srgbClr val="ffecbd"/>
+                </a:solidFill>
+                <a:latin typeface="Calibri"/>
+              </a:rPr>
+              <a:t>Simple move 2.0</a:t>
+            </a:r>
+            <a:endParaRPr/>
+          </a:p>
+        </p:txBody>
+      </p:sp>
+      <p:graphicFrame>
+        <p:nvGraphicFramePr>
+          <p:cNvPr id="173" name="Table 2"/>
+          <p:cNvGraphicFramePr/>
+          <p:nvPr/>
+        </p:nvGraphicFramePr>
+        <p:xfrm>
+          <a:off x="209160" y="2131200"/>
+          <a:ext cx="8709840" cy="731880"/>
+        </p:xfrm>
+        <a:graphic>
+          <a:graphicData uri="http://schemas.openxmlformats.org/drawingml/2006/table">
+            <a:tbl>
+              <a:tblPr/>
+              <a:tblGrid>
+                <a:gridCol w="1594080"/>
+                <a:gridCol w="2575440"/>
+                <a:gridCol w="2089800"/>
+                <a:gridCol w="2450520"/>
+              </a:tblGrid>
+              <a:tr h="598320">
+                <a:tc>
+                  <a:txBody>
+                    <a:bodyPr bIns="46800" lIns="90000" rIns="90000" tIns="46800" wrap="none"/>
+                    <a:p>
+                      <a:pPr algn="ctr"/>
+                      <a:r>
+                        <a:rPr lang="en-US"/>
+                        <a:t>Piece</a:t>
+                      </a:r>
+                      <a:endParaRPr/>
+                    </a:p>
+                  </a:txBody>
+                  <a:tcPr/>
+                </a:tc>
+                <a:tc>
+                  <a:txBody>
+                    <a:bodyPr bIns="46800" lIns="90000" rIns="90000" tIns="46800" wrap="none"/>
+                    <a:p>
+                      <a:pPr algn="ctr"/>
+                      <a:r>
+                        <a:rPr lang="en-US"/>
+                        <a:t>Move diff</a:t>
+                      </a:r>
+                      <a:endParaRPr/>
+                    </a:p>
+                  </a:txBody>
+                  <a:tcPr/>
+                </a:tc>
+                <a:tc>
+                  <a:txBody>
+                    <a:bodyPr bIns="46800" lIns="90000" rIns="90000" tIns="46800" wrap="none"/>
+                    <a:p>
+                      <a:pPr algn="ctr"/>
+                      <a:r>
+                        <a:rPr lang="en-US"/>
+                        <a:t>Relative location</a:t>
+                      </a:r>
+                      <a:endParaRPr/>
+                    </a:p>
+                  </a:txBody>
+                  <a:tcPr/>
+                </a:tc>
+                <a:tc>
+                  <a:txBody>
+                    <a:bodyPr bIns="46800" lIns="90000" rIns="90000" tIns="46800" wrap="none"/>
+                    <a:p>
+                      <a:pPr algn="ctr"/>
+                      <a:r>
+                        <a:rPr lang="en-US"/>
+                        <a:t>Content</a:t>
+                      </a:r>
+                      <a:endParaRPr/>
+                    </a:p>
+                  </a:txBody>
+                  <a:tcPr/>
+                </a:tc>
+              </a:tr>
+              <a:tr h="526320">
+                <a:tc>
+                  <a:txBody>
+                    <a:bodyPr bIns="46800" lIns="90000" rIns="90000" tIns="46800" wrap="none"/>
+                    <a:p>
+                      <a:pPr algn="ctr"/>
+                      <a:r>
+                        <a:rPr lang="en-US"/>
+                        <a:t>Knight</a:t>
+                      </a:r>
+                      <a:endParaRPr/>
+                    </a:p>
+                  </a:txBody>
+                  <a:tcPr/>
+                </a:tc>
+                <a:tc>
+                  <a:tcPr/>
+                </a:tc>
+                <a:tc>
+                  <a:tcPr/>
+                </a:tc>
+                <a:tc>
+                  <a:tcPr/>
+                </a:tc>
+              </a:tr>
+            </a:tbl>
+          </a:graphicData>
+        </a:graphic>
+      </p:graphicFrame>
+      <p:graphicFrame>
+        <p:nvGraphicFramePr>
+          <p:cNvPr id="174" name="Table 3"/>
+          <p:cNvGraphicFramePr/>
+          <p:nvPr/>
+        </p:nvGraphicFramePr>
+        <p:xfrm>
+          <a:off x="1791720" y="3831480"/>
+          <a:ext cx="5469840" cy="2496960"/>
+        </p:xfrm>
+        <a:graphic>
+          <a:graphicData uri="http://schemas.openxmlformats.org/drawingml/2006/table">
+            <a:tbl>
+              <a:tblPr/>
+              <a:tblGrid>
+                <a:gridCol w="1822680"/>
+                <a:gridCol w="1822680"/>
+                <a:gridCol w="1824480"/>
+              </a:tblGrid>
+              <a:tr h="832320">
+                <a:tc>
+                  <a:txBody>
+                    <a:bodyPr bIns="46800" lIns="90000" rIns="90000" tIns="46800" wrap="none"/>
+                    <a:p>
+                      <a:pPr algn="ctr"/>
+                      <a:r>
+                        <a:rPr lang="en-US"/>
+                        <a:t>0</a:t>
+                      </a:r>
+                      <a:endParaRPr/>
+                    </a:p>
+                  </a:txBody>
+                  <a:tcPr/>
+                </a:tc>
+                <a:tc>
+                  <a:txBody>
+                    <a:bodyPr bIns="46800" lIns="90000" rIns="90000" tIns="46800" wrap="none"/>
+                    <a:p>
+                      <a:pPr algn="ctr"/>
+                      <a:r>
+                        <a:rPr lang="en-US"/>
+                        <a:t>1</a:t>
+                      </a:r>
+                      <a:endParaRPr/>
+                    </a:p>
+                  </a:txBody>
+                  <a:tcPr/>
+                </a:tc>
+                <a:tc>
+                  <a:txBody>
+                    <a:bodyPr bIns="46800" lIns="90000" rIns="90000" tIns="46800" wrap="none"/>
+                    <a:p>
+                      <a:pPr algn="ctr"/>
+                      <a:r>
+                        <a:rPr lang="en-US"/>
+                        <a:t>2</a:t>
+                      </a:r>
+                      <a:endParaRPr/>
+                    </a:p>
+                  </a:txBody>
+                  <a:tcPr/>
+                </a:tc>
+              </a:tr>
+              <a:tr h="832320">
+                <a:tc>
+                  <a:txBody>
+                    <a:bodyPr bIns="46800" lIns="90000" rIns="90000" tIns="46800" wrap="none"/>
+                    <a:p>
+                      <a:pPr algn="ctr"/>
+                      <a:r>
+                        <a:rPr lang="en-US"/>
+                        <a:t>3</a:t>
+                      </a:r>
+                      <a:endParaRPr/>
+                    </a:p>
+                  </a:txBody>
+                  <a:tcPr/>
+                </a:tc>
+                <a:tc>
+                  <a:txBody>
+                    <a:bodyPr bIns="46800" lIns="90000" rIns="90000" tIns="46800" wrap="none"/>
+                    <a:p>
+                      <a:pPr algn="ctr"/>
+                      <a:r>
+                        <a:rPr lang="en-US"/>
+                        <a:t>N</a:t>
+                      </a:r>
+                      <a:endParaRPr/>
+                    </a:p>
+                  </a:txBody>
+                  <a:tcPr/>
+                </a:tc>
+                <a:tc>
+                  <a:txBody>
+                    <a:bodyPr bIns="46800" lIns="90000" rIns="90000" tIns="46800" wrap="none"/>
+                    <a:p>
+                      <a:pPr algn="ctr"/>
+                      <a:r>
+                        <a:rPr lang="en-US"/>
+                        <a:t>4</a:t>
+                      </a:r>
+                      <a:endParaRPr/>
+                    </a:p>
+                  </a:txBody>
+                  <a:tcPr/>
+                </a:tc>
+              </a:tr>
+              <a:tr h="832320">
+                <a:tc>
+                  <a:txBody>
+                    <a:bodyPr bIns="46800" lIns="90000" rIns="90000" tIns="46800" wrap="none"/>
+                    <a:p>
+                      <a:pPr algn="ctr"/>
+                      <a:r>
+                        <a:rPr lang="en-US"/>
+                        <a:t>6</a:t>
+                      </a:r>
+                      <a:endParaRPr/>
+                    </a:p>
+                  </a:txBody>
+                  <a:tcPr/>
+                </a:tc>
+                <a:tc>
+                  <a:txBody>
+                    <a:bodyPr bIns="46800" lIns="90000" rIns="90000" tIns="46800" wrap="none"/>
+                    <a:p>
+                      <a:pPr algn="ctr"/>
+                      <a:r>
+                        <a:rPr lang="en-US"/>
+                        <a:t>7</a:t>
+                      </a:r>
+                      <a:endParaRPr/>
+                    </a:p>
+                  </a:txBody>
+                  <a:tcPr/>
+                </a:tc>
+                <a:tc>
+                  <a:txBody>
+                    <a:bodyPr bIns="46800" lIns="90000" rIns="90000" tIns="46800" wrap="none"/>
+                    <a:p>
+                      <a:pPr algn="ctr"/>
+                      <a:r>
+                        <a:rPr lang="en-US"/>
+                        <a:t>8</a:t>
+                      </a:r>
+                      <a:endParaRPr/>
+                    </a:p>
+                  </a:txBody>
+                  <a:tcPr/>
+                </a:tc>
+              </a:tr>
+            </a:tbl>
+          </a:graphicData>
+        </a:graphic>
+      </p:graphicFrame>
+    </p:spTree>
+  </p:cSld>
+  <p:timing>
+    <p:tnLst>
+      <p:par>
+        <p:cTn dur="indefinite" id="37" nodeType="tmRoot" restart="never">
+          <p:childTnLst>
+            <p:seq>
+              <p:cTn id="38" nodeType="mainSeq">
+                <p:childTnLst/>
+              </p:cTn>
+              <p:prevCondLst>
+                <p:cond delay="0" evt="onPrev">
+                  <p:tgtEl>
+                    <p:sldTgt/>
+                  </p:tgtEl>
+                </p:cond>
+              </p:prevCondLst>
+              <p:nextCondLst>
+                <p:cond delay="0" evt="onNext">
+                  <p:tgtEl>
+                    <p:sldTgt/>
+                  </p:tgtEl>
+                </p:cond>
+              </p:nextCondLst>
+            </p:seq>
+          </p:childTnLst>
+        </p:cTn>
+      </p:par>
+    </p:tnLst>
+  </p:timing>
 </p:sld>
 </file>
 
@@ -5925,7 +7910,7 @@
         <p:spPr>
           <a:xfrm>
             <a:off x="457200" y="911520"/>
-            <a:ext cx="8228880" cy="1142280"/>
+            <a:ext cx="8228520" cy="1141920"/>
           </a:xfrm>
           <a:prstGeom prst="rect">
             <a:avLst/>
@@ -5961,7 +7946,7 @@
         <p:spPr>
           <a:xfrm>
             <a:off x="457200" y="2054520"/>
-            <a:ext cx="8228880" cy="3918240"/>
+            <a:ext cx="8228520" cy="3917880"/>
           </a:xfrm>
           <a:prstGeom prst="rect">
             <a:avLst/>
@@ -6132,6 +8117,836 @@
 </p:sld>
 </file>
 
+<file path=ppt/slides/slide20.xml><?xml version="1.0" encoding="utf-8"?>
+<p:sld xmlns:a="http://schemas.openxmlformats.org/drawingml/2006/main" xmlns:p="http://schemas.openxmlformats.org/presentationml/2006/main" xmlns:r="http://schemas.openxmlformats.org/officeDocument/2006/relationships">
+  <p:cSld>
+    <p:bg>
+      <p:bgPr>
+        <a:blipFill>
+          <a:blip r:embed="rId1"/>
+        </a:blipFill>
+      </p:bgPr>
+    </p:bg>
+    <p:spTree>
+      <p:nvGrpSpPr>
+        <p:cNvPr id="1" name=""/>
+        <p:cNvGrpSpPr/>
+        <p:nvPr/>
+      </p:nvGrpSpPr>
+      <p:grpSpPr>
+        <a:xfrm>
+          <a:off x="0" y="0"/>
+          <a:ext cx="0" cy="0"/>
+          <a:chOff x="0" y="0"/>
+          <a:chExt cx="0" cy="0"/>
+        </a:xfrm>
+      </p:grpSpPr>
+      <p:sp>
+        <p:nvSpPr>
+          <p:cNvPr id="175" name="CustomShape 1"/>
+          <p:cNvSpPr/>
+          <p:nvPr/>
+        </p:nvSpPr>
+        <p:spPr>
+          <a:xfrm>
+            <a:off x="1831680" y="427320"/>
+            <a:ext cx="7014960" cy="1141920"/>
+          </a:xfrm>
+          <a:prstGeom prst="rect">
+            <a:avLst/>
+          </a:prstGeom>
+        </p:spPr>
+        <p:txBody>
+          <a:bodyPr anchor="ctr" bIns="45000" lIns="90000" rIns="90000" tIns="45000"/>
+          <a:p>
+            <a:pPr>
+              <a:lnSpc>
+                <a:spcPct val="100000"/>
+              </a:lnSpc>
+            </a:pPr>
+            <a:r>
+              <a:rPr lang="en-US" sz="3600">
+                <a:solidFill>
+                  <a:srgbClr val="ffecbd"/>
+                </a:solidFill>
+                <a:latin typeface="Calibri"/>
+              </a:rPr>
+              <a:t>Learning checkmate</a:t>
+            </a:r>
+            <a:endParaRPr/>
+          </a:p>
+        </p:txBody>
+      </p:sp>
+      <p:sp>
+        <p:nvSpPr>
+          <p:cNvPr id="176" name="CustomShape 2"/>
+          <p:cNvSpPr/>
+          <p:nvPr/>
+        </p:nvSpPr>
+        <p:spPr>
+          <a:xfrm>
+            <a:off x="1831680" y="1596600"/>
+            <a:ext cx="7014960" cy="4274640"/>
+          </a:xfrm>
+          <a:prstGeom prst="rect">
+            <a:avLst/>
+          </a:prstGeom>
+        </p:spPr>
+        <p:txBody>
+          <a:bodyPr bIns="45000" lIns="90000" rIns="90000" tIns="45000"/>
+          <a:p>
+            <a:pPr>
+              <a:lnSpc>
+                <a:spcPct val="100000"/>
+              </a:lnSpc>
+              <a:buFont typeface="Arial"/>
+              <a:buChar char="•"/>
+            </a:pPr>
+            <a:r>
+              <a:rPr lang="en-US" sz="2800">
+                <a:solidFill>
+                  <a:srgbClr val="ffffff"/>
+                </a:solidFill>
+                <a:latin typeface="Calibri"/>
+              </a:rPr>
+              <a:t>Features:</a:t>
+            </a:r>
+            <a:endParaRPr/>
+          </a:p>
+          <a:p>
+            <a:pPr>
+              <a:lnSpc>
+                <a:spcPct val="100000"/>
+              </a:lnSpc>
+              <a:buFont typeface="Arial"/>
+              <a:buChar char="•"/>
+            </a:pPr>
+            <a:r>
+              <a:rPr lang="en-US" sz="2800">
+                <a:solidFill>
+                  <a:srgbClr val="ffffff"/>
+                </a:solidFill>
+                <a:latin typeface="Calibri"/>
+              </a:rPr>
+              <a:t>Number of pieces on the board</a:t>
+            </a:r>
+            <a:endParaRPr/>
+          </a:p>
+          <a:p>
+            <a:pPr>
+              <a:lnSpc>
+                <a:spcPct val="100000"/>
+              </a:lnSpc>
+              <a:buFont typeface="Arial"/>
+              <a:buChar char="•"/>
+            </a:pPr>
+            <a:r>
+              <a:rPr lang="en-US" sz="2800">
+                <a:solidFill>
+                  <a:srgbClr val="ffffff"/>
+                </a:solidFill>
+                <a:latin typeface="Calibri"/>
+              </a:rPr>
+              <a:t>Number of pieces in each party</a:t>
+            </a:r>
+            <a:endParaRPr/>
+          </a:p>
+          <a:p>
+            <a:pPr>
+              <a:lnSpc>
+                <a:spcPct val="100000"/>
+              </a:lnSpc>
+              <a:buFont typeface="Arial"/>
+              <a:buChar char="•"/>
+            </a:pPr>
+            <a:r>
+              <a:rPr lang="en-US" sz="2800">
+                <a:solidFill>
+                  <a:srgbClr val="ffffff"/>
+                </a:solidFill>
+                <a:latin typeface="Calibri"/>
+              </a:rPr>
+              <a:t>Number of pieces of each type</a:t>
+            </a:r>
+            <a:endParaRPr/>
+          </a:p>
+          <a:p>
+            <a:pPr>
+              <a:lnSpc>
+                <a:spcPct val="100000"/>
+              </a:lnSpc>
+              <a:buFont typeface="Arial"/>
+              <a:buChar char="•"/>
+            </a:pPr>
+            <a:r>
+              <a:rPr lang="en-US" sz="2800">
+                <a:solidFill>
+                  <a:srgbClr val="ffffff"/>
+                </a:solidFill>
+                <a:latin typeface="Calibri"/>
+              </a:rPr>
+              <a:t>Is Queen in the board</a:t>
+            </a:r>
+            <a:endParaRPr/>
+          </a:p>
+          <a:p>
+            <a:pPr>
+              <a:lnSpc>
+                <a:spcPct val="100000"/>
+              </a:lnSpc>
+              <a:buFont typeface="Arial"/>
+              <a:buChar char="•"/>
+            </a:pPr>
+            <a:r>
+              <a:rPr lang="en-US" sz="2800">
+                <a:solidFill>
+                  <a:srgbClr val="ffffff"/>
+                </a:solidFill>
+                <a:latin typeface="Calibri"/>
+              </a:rPr>
+              <a:t>Is King on the board</a:t>
+            </a:r>
+            <a:endParaRPr/>
+          </a:p>
+          <a:p>
+            <a:pPr>
+              <a:lnSpc>
+                <a:spcPct val="100000"/>
+              </a:lnSpc>
+              <a:buFont typeface="Arial"/>
+              <a:buChar char="•"/>
+            </a:pPr>
+            <a:r>
+              <a:rPr lang="en-US" sz="2800">
+                <a:solidFill>
+                  <a:srgbClr val="ffffff"/>
+                </a:solidFill>
+                <a:latin typeface="Calibri"/>
+              </a:rPr>
+              <a:t>Number of surrounding pieces by type and distance (1-3)</a:t>
+            </a:r>
+            <a:endParaRPr/>
+          </a:p>
+        </p:txBody>
+      </p:sp>
+    </p:spTree>
+  </p:cSld>
+  <p:timing>
+    <p:tnLst>
+      <p:par>
+        <p:cTn dur="indefinite" id="39" nodeType="tmRoot" restart="never">
+          <p:childTnLst>
+            <p:seq>
+              <p:cTn id="40" nodeType="mainSeq">
+                <p:childTnLst/>
+              </p:cTn>
+              <p:prevCondLst>
+                <p:cond delay="0" evt="onPrev">
+                  <p:tgtEl>
+                    <p:sldTgt/>
+                  </p:tgtEl>
+                </p:cond>
+              </p:prevCondLst>
+              <p:nextCondLst>
+                <p:cond delay="0" evt="onNext">
+                  <p:tgtEl>
+                    <p:sldTgt/>
+                  </p:tgtEl>
+                </p:cond>
+              </p:nextCondLst>
+            </p:seq>
+          </p:childTnLst>
+        </p:cTn>
+      </p:par>
+    </p:tnLst>
+  </p:timing>
+</p:sld>
+</file>
+
+<file path=ppt/slides/slide21.xml><?xml version="1.0" encoding="utf-8"?>
+<p:sld xmlns:a="http://schemas.openxmlformats.org/drawingml/2006/main" xmlns:p="http://schemas.openxmlformats.org/presentationml/2006/main" xmlns:r="http://schemas.openxmlformats.org/officeDocument/2006/relationships">
+  <p:cSld>
+    <p:bg>
+      <p:bgPr>
+        <a:blipFill>
+          <a:blip r:embed="rId1"/>
+        </a:blipFill>
+      </p:bgPr>
+    </p:bg>
+    <p:spTree>
+      <p:nvGrpSpPr>
+        <p:cNvPr id="1" name=""/>
+        <p:cNvGrpSpPr/>
+        <p:nvPr/>
+      </p:nvGrpSpPr>
+      <p:grpSpPr>
+        <a:xfrm>
+          <a:off x="0" y="0"/>
+          <a:ext cx="0" cy="0"/>
+          <a:chOff x="0" y="0"/>
+          <a:chExt cx="0" cy="0"/>
+        </a:xfrm>
+      </p:grpSpPr>
+      <p:sp>
+        <p:nvSpPr>
+          <p:cNvPr id="177" name="CustomShape 1"/>
+          <p:cNvSpPr/>
+          <p:nvPr/>
+        </p:nvSpPr>
+        <p:spPr>
+          <a:xfrm>
+            <a:off x="1831680" y="427320"/>
+            <a:ext cx="7014960" cy="1141920"/>
+          </a:xfrm>
+          <a:prstGeom prst="rect">
+            <a:avLst/>
+          </a:prstGeom>
+        </p:spPr>
+        <p:txBody>
+          <a:bodyPr anchor="ctr" bIns="45000" lIns="90000" rIns="90000" tIns="45000"/>
+          <a:p>
+            <a:pPr>
+              <a:lnSpc>
+                <a:spcPct val="100000"/>
+              </a:lnSpc>
+            </a:pPr>
+            <a:r>
+              <a:rPr lang="en-US" sz="3600">
+                <a:solidFill>
+                  <a:srgbClr val="ffecbd"/>
+                </a:solidFill>
+                <a:latin typeface="Calibri"/>
+              </a:rPr>
+              <a:t>Learning checkmate</a:t>
+            </a:r>
+            <a:endParaRPr/>
+          </a:p>
+        </p:txBody>
+      </p:sp>
+      <p:sp>
+        <p:nvSpPr>
+          <p:cNvPr id="178" name="CustomShape 2"/>
+          <p:cNvSpPr/>
+          <p:nvPr/>
+        </p:nvSpPr>
+        <p:spPr>
+          <a:xfrm>
+            <a:off x="1831680" y="1596600"/>
+            <a:ext cx="7014960" cy="4274640"/>
+          </a:xfrm>
+          <a:prstGeom prst="rect">
+            <a:avLst/>
+          </a:prstGeom>
+        </p:spPr>
+        <p:txBody>
+          <a:bodyPr bIns="45000" lIns="90000" rIns="90000" tIns="45000"/>
+          <a:p>
+            <a:pPr>
+              <a:lnSpc>
+                <a:spcPct val="100000"/>
+              </a:lnSpc>
+              <a:buFont typeface="Arial"/>
+              <a:buChar char="•"/>
+            </a:pPr>
+            <a:r>
+              <a:rPr lang="en-US" sz="2800">
+                <a:solidFill>
+                  <a:srgbClr val="ffffff"/>
+                </a:solidFill>
+                <a:latin typeface="Calibri"/>
+              </a:rPr>
+              <a:t>Features distribution (highlights):</a:t>
+            </a:r>
+            <a:endParaRPr/>
+          </a:p>
+          <a:p>
+            <a:pPr>
+              <a:lnSpc>
+                <a:spcPct val="100000"/>
+              </a:lnSpc>
+              <a:buFont typeface="Arial"/>
+              <a:buChar char="•"/>
+            </a:pPr>
+            <a:r>
+              <a:rPr lang="en-US" sz="2800">
+                <a:solidFill>
+                  <a:srgbClr val="ffffff"/>
+                </a:solidFill>
+                <a:latin typeface="Calibri"/>
+              </a:rPr>
+              <a:t>ddd</a:t>
+            </a:r>
+            <a:endParaRPr/>
+          </a:p>
+        </p:txBody>
+      </p:sp>
+    </p:spTree>
+  </p:cSld>
+  <p:timing>
+    <p:tnLst>
+      <p:par>
+        <p:cTn dur="indefinite" id="41" nodeType="tmRoot" restart="never">
+          <p:childTnLst>
+            <p:seq>
+              <p:cTn id="42" nodeType="mainSeq">
+                <p:childTnLst/>
+              </p:cTn>
+              <p:prevCondLst>
+                <p:cond delay="0" evt="onPrev">
+                  <p:tgtEl>
+                    <p:sldTgt/>
+                  </p:tgtEl>
+                </p:cond>
+              </p:prevCondLst>
+              <p:nextCondLst>
+                <p:cond delay="0" evt="onNext">
+                  <p:tgtEl>
+                    <p:sldTgt/>
+                  </p:tgtEl>
+                </p:cond>
+              </p:nextCondLst>
+            </p:seq>
+          </p:childTnLst>
+        </p:cTn>
+      </p:par>
+    </p:tnLst>
+  </p:timing>
+</p:sld>
+</file>
+
+<file path=ppt/slides/slide22.xml><?xml version="1.0" encoding="utf-8"?>
+<p:sld xmlns:a="http://schemas.openxmlformats.org/drawingml/2006/main" xmlns:p="http://schemas.openxmlformats.org/presentationml/2006/main" xmlns:r="http://schemas.openxmlformats.org/officeDocument/2006/relationships">
+  <p:cSld>
+    <p:bg>
+      <p:bgPr>
+        <a:blipFill>
+          <a:blip r:embed="rId1"/>
+        </a:blipFill>
+      </p:bgPr>
+    </p:bg>
+    <p:spTree>
+      <p:nvGrpSpPr>
+        <p:cNvPr id="1" name=""/>
+        <p:cNvGrpSpPr/>
+        <p:nvPr/>
+      </p:nvGrpSpPr>
+      <p:grpSpPr>
+        <a:xfrm>
+          <a:off x="0" y="0"/>
+          <a:ext cx="0" cy="0"/>
+          <a:chOff x="0" y="0"/>
+          <a:chExt cx="0" cy="0"/>
+        </a:xfrm>
+      </p:grpSpPr>
+      <p:sp>
+        <p:nvSpPr>
+          <p:cNvPr id="179" name="CustomShape 1"/>
+          <p:cNvSpPr/>
+          <p:nvPr/>
+        </p:nvSpPr>
+        <p:spPr>
+          <a:xfrm>
+            <a:off x="1831680" y="427320"/>
+            <a:ext cx="7014960" cy="1141920"/>
+          </a:xfrm>
+          <a:prstGeom prst="rect">
+            <a:avLst/>
+          </a:prstGeom>
+        </p:spPr>
+        <p:txBody>
+          <a:bodyPr anchor="ctr" bIns="45000" lIns="90000" rIns="90000" tIns="45000"/>
+          <a:p>
+            <a:pPr>
+              <a:lnSpc>
+                <a:spcPct val="100000"/>
+              </a:lnSpc>
+            </a:pPr>
+            <a:r>
+              <a:rPr lang="en-US" sz="3600">
+                <a:solidFill>
+                  <a:srgbClr val="ffecbd"/>
+                </a:solidFill>
+                <a:latin typeface="Calibri"/>
+              </a:rPr>
+              <a:t>Learning checkmate</a:t>
+            </a:r>
+            <a:endParaRPr/>
+          </a:p>
+        </p:txBody>
+      </p:sp>
+      <p:sp>
+        <p:nvSpPr>
+          <p:cNvPr id="180" name="CustomShape 2"/>
+          <p:cNvSpPr/>
+          <p:nvPr/>
+        </p:nvSpPr>
+        <p:spPr>
+          <a:xfrm>
+            <a:off x="1831680" y="1596600"/>
+            <a:ext cx="7014960" cy="4274640"/>
+          </a:xfrm>
+          <a:prstGeom prst="rect">
+            <a:avLst/>
+          </a:prstGeom>
+        </p:spPr>
+        <p:txBody>
+          <a:bodyPr bIns="45000" lIns="90000" rIns="90000" tIns="45000"/>
+          <a:p>
+            <a:pPr>
+              <a:lnSpc>
+                <a:spcPct val="100000"/>
+              </a:lnSpc>
+              <a:buFont typeface="Arial"/>
+              <a:buChar char="•"/>
+            </a:pPr>
+            <a:r>
+              <a:rPr lang="en-US" sz="2800">
+                <a:solidFill>
+                  <a:srgbClr val="ffffff"/>
+                </a:solidFill>
+                <a:latin typeface="Calibri"/>
+              </a:rPr>
+              <a:t>Results:</a:t>
+            </a:r>
+            <a:endParaRPr/>
+          </a:p>
+          <a:p>
+            <a:pPr>
+              <a:lnSpc>
+                <a:spcPct val="100000"/>
+              </a:lnSpc>
+              <a:buFont typeface="Arial"/>
+              <a:buChar char="•"/>
+            </a:pPr>
+            <a:r>
+              <a:rPr lang="en-US" sz="2800">
+                <a:solidFill>
+                  <a:srgbClr val="ffffff"/>
+                </a:solidFill>
+                <a:latin typeface="Calibri"/>
+              </a:rPr>
+              <a:t>90% ...</a:t>
+            </a:r>
+            <a:endParaRPr/>
+          </a:p>
+        </p:txBody>
+      </p:sp>
+    </p:spTree>
+  </p:cSld>
+  <p:timing>
+    <p:tnLst>
+      <p:par>
+        <p:cTn dur="indefinite" id="43" nodeType="tmRoot" restart="never">
+          <p:childTnLst>
+            <p:seq>
+              <p:cTn id="44" nodeType="mainSeq">
+                <p:childTnLst/>
+              </p:cTn>
+              <p:prevCondLst>
+                <p:cond delay="0" evt="onPrev">
+                  <p:tgtEl>
+                    <p:sldTgt/>
+                  </p:tgtEl>
+                </p:cond>
+              </p:prevCondLst>
+              <p:nextCondLst>
+                <p:cond delay="0" evt="onNext">
+                  <p:tgtEl>
+                    <p:sldTgt/>
+                  </p:tgtEl>
+                </p:cond>
+              </p:nextCondLst>
+            </p:seq>
+          </p:childTnLst>
+        </p:cTn>
+      </p:par>
+    </p:tnLst>
+  </p:timing>
+</p:sld>
+</file>
+
+<file path=ppt/slides/slide23.xml><?xml version="1.0" encoding="utf-8"?>
+<p:sld xmlns:a="http://schemas.openxmlformats.org/drawingml/2006/main" xmlns:p="http://schemas.openxmlformats.org/presentationml/2006/main" xmlns:r="http://schemas.openxmlformats.org/officeDocument/2006/relationships">
+  <p:cSld>
+    <p:spTree>
+      <p:nvGrpSpPr>
+        <p:cNvPr id="1" name=""/>
+        <p:cNvGrpSpPr/>
+        <p:nvPr/>
+      </p:nvGrpSpPr>
+      <p:grpSpPr>
+        <a:xfrm>
+          <a:off x="0" y="0"/>
+          <a:ext cx="0" cy="0"/>
+          <a:chOff x="0" y="0"/>
+          <a:chExt cx="0" cy="0"/>
+        </a:xfrm>
+      </p:grpSpPr>
+      <p:sp>
+        <p:nvSpPr>
+          <p:cNvPr id="181" name="CustomShape 1"/>
+          <p:cNvSpPr/>
+          <p:nvPr/>
+        </p:nvSpPr>
+        <p:spPr>
+          <a:xfrm>
+            <a:off x="448920" y="833040"/>
+            <a:ext cx="8228520" cy="1141920"/>
+          </a:xfrm>
+          <a:prstGeom prst="rect">
+            <a:avLst/>
+          </a:prstGeom>
+        </p:spPr>
+        <p:txBody>
+          <a:bodyPr anchor="ctr" bIns="45000" lIns="90000" rIns="90000" tIns="45000"/>
+          <a:p>
+            <a:pPr>
+              <a:lnSpc>
+                <a:spcPct val="100000"/>
+              </a:lnSpc>
+            </a:pPr>
+            <a:r>
+              <a:rPr lang="en-US" sz="3600">
+                <a:solidFill>
+                  <a:srgbClr val="ffecbd"/>
+                </a:solidFill>
+                <a:latin typeface="Calibri"/>
+              </a:rPr>
+              <a:t>Slide Title</a:t>
+            </a:r>
+            <a:endParaRPr/>
+          </a:p>
+        </p:txBody>
+      </p:sp>
+      <p:sp>
+        <p:nvSpPr>
+          <p:cNvPr id="182" name="CustomShape 2"/>
+          <p:cNvSpPr/>
+          <p:nvPr/>
+        </p:nvSpPr>
+        <p:spPr>
+          <a:xfrm>
+            <a:off x="448920" y="2002320"/>
+            <a:ext cx="4039200" cy="638640"/>
+          </a:xfrm>
+          <a:prstGeom prst="rect">
+            <a:avLst/>
+          </a:prstGeom>
+        </p:spPr>
+        <p:txBody>
+          <a:bodyPr anchor="b" bIns="45000" lIns="90000" rIns="90000" tIns="45000"/>
+          <a:p>
+            <a:pPr>
+              <a:lnSpc>
+                <a:spcPct val="100000"/>
+              </a:lnSpc>
+            </a:pPr>
+            <a:r>
+              <a:rPr b="1" lang="en-US" sz="2400">
+                <a:solidFill>
+                  <a:srgbClr val="ffffff"/>
+                </a:solidFill>
+                <a:latin typeface="Calibri"/>
+              </a:rPr>
+              <a:t>Product A</a:t>
+            </a:r>
+            <a:endParaRPr/>
+          </a:p>
+        </p:txBody>
+      </p:sp>
+      <p:sp>
+        <p:nvSpPr>
+          <p:cNvPr id="183" name="CustomShape 3"/>
+          <p:cNvSpPr/>
+          <p:nvPr/>
+        </p:nvSpPr>
+        <p:spPr>
+          <a:xfrm>
+            <a:off x="448920" y="2631960"/>
+            <a:ext cx="4039200" cy="3034080"/>
+          </a:xfrm>
+          <a:prstGeom prst="rect">
+            <a:avLst/>
+          </a:prstGeom>
+        </p:spPr>
+        <p:txBody>
+          <a:bodyPr anchor="ctr" bIns="45000" lIns="90000" rIns="90000" tIns="45000"/>
+          <a:p>
+            <a:pPr>
+              <a:lnSpc>
+                <a:spcPct val="100000"/>
+              </a:lnSpc>
+              <a:buFont typeface="Arial"/>
+              <a:buChar char="•"/>
+            </a:pPr>
+            <a:r>
+              <a:rPr lang="en-US" sz="2400">
+                <a:solidFill>
+                  <a:srgbClr val="ffffff"/>
+                </a:solidFill>
+                <a:latin typeface="Calibri"/>
+              </a:rPr>
+              <a:t>Feature 1</a:t>
+            </a:r>
+            <a:endParaRPr/>
+          </a:p>
+          <a:p>
+            <a:pPr>
+              <a:lnSpc>
+                <a:spcPct val="100000"/>
+              </a:lnSpc>
+              <a:buFont typeface="Arial"/>
+              <a:buChar char="•"/>
+            </a:pPr>
+            <a:r>
+              <a:rPr lang="en-US" sz="2400">
+                <a:solidFill>
+                  <a:srgbClr val="ffffff"/>
+                </a:solidFill>
+                <a:latin typeface="Calibri"/>
+              </a:rPr>
+              <a:t>Feature 2</a:t>
+            </a:r>
+            <a:endParaRPr/>
+          </a:p>
+          <a:p>
+            <a:pPr>
+              <a:lnSpc>
+                <a:spcPct val="100000"/>
+              </a:lnSpc>
+              <a:buFont typeface="Arial"/>
+              <a:buChar char="•"/>
+            </a:pPr>
+            <a:r>
+              <a:rPr lang="en-US" sz="2400">
+                <a:solidFill>
+                  <a:srgbClr val="ffffff"/>
+                </a:solidFill>
+                <a:latin typeface="Calibri"/>
+              </a:rPr>
+              <a:t>Feature 3</a:t>
+            </a:r>
+            <a:endParaRPr/>
+          </a:p>
+        </p:txBody>
+      </p:sp>
+      <p:sp>
+        <p:nvSpPr>
+          <p:cNvPr id="184" name="CustomShape 4"/>
+          <p:cNvSpPr/>
+          <p:nvPr/>
+        </p:nvSpPr>
+        <p:spPr>
+          <a:xfrm>
+            <a:off x="4636800" y="2002320"/>
+            <a:ext cx="4040640" cy="638640"/>
+          </a:xfrm>
+          <a:prstGeom prst="rect">
+            <a:avLst/>
+          </a:prstGeom>
+        </p:spPr>
+        <p:txBody>
+          <a:bodyPr anchor="b" bIns="45000" lIns="90000" rIns="90000" tIns="45000"/>
+          <a:p>
+            <a:pPr algn="ctr">
+              <a:lnSpc>
+                <a:spcPct val="100000"/>
+              </a:lnSpc>
+            </a:pPr>
+            <a:r>
+              <a:rPr b="1" lang="en-US" sz="2400">
+                <a:solidFill>
+                  <a:srgbClr val="ffffff"/>
+                </a:solidFill>
+                <a:latin typeface="Calibri"/>
+              </a:rPr>
+              <a:t>Product B</a:t>
+            </a:r>
+            <a:endParaRPr/>
+          </a:p>
+        </p:txBody>
+      </p:sp>
+      <p:sp>
+        <p:nvSpPr>
+          <p:cNvPr id="185" name="CustomShape 5"/>
+          <p:cNvSpPr/>
+          <p:nvPr/>
+        </p:nvSpPr>
+        <p:spPr>
+          <a:xfrm>
+            <a:off x="4636800" y="2631960"/>
+            <a:ext cx="4040640" cy="3034080"/>
+          </a:xfrm>
+          <a:prstGeom prst="rect">
+            <a:avLst/>
+          </a:prstGeom>
+        </p:spPr>
+        <p:txBody>
+          <a:bodyPr anchor="ctr" bIns="45000" lIns="90000" rIns="90000" tIns="45000"/>
+          <a:p>
+            <a:pPr algn="r">
+              <a:lnSpc>
+                <a:spcPct val="100000"/>
+              </a:lnSpc>
+              <a:buFont typeface="Arial"/>
+              <a:buChar char="•"/>
+            </a:pPr>
+            <a:r>
+              <a:rPr lang="en-US" sz="2400">
+                <a:solidFill>
+                  <a:srgbClr val="ffffff"/>
+                </a:solidFill>
+                <a:latin typeface="Calibri"/>
+              </a:rPr>
+              <a:t>Feature 1</a:t>
+            </a:r>
+            <a:endParaRPr/>
+          </a:p>
+          <a:p>
+            <a:pPr algn="r">
+              <a:lnSpc>
+                <a:spcPct val="100000"/>
+              </a:lnSpc>
+              <a:buFont typeface="Arial"/>
+              <a:buChar char="•"/>
+            </a:pPr>
+            <a:r>
+              <a:rPr lang="en-US" sz="2400">
+                <a:solidFill>
+                  <a:srgbClr val="ffffff"/>
+                </a:solidFill>
+                <a:latin typeface="Calibri"/>
+              </a:rPr>
+              <a:t>Feature 2</a:t>
+            </a:r>
+            <a:endParaRPr/>
+          </a:p>
+          <a:p>
+            <a:pPr algn="r">
+              <a:lnSpc>
+                <a:spcPct val="100000"/>
+              </a:lnSpc>
+              <a:buFont typeface="Arial"/>
+              <a:buChar char="•"/>
+            </a:pPr>
+            <a:r>
+              <a:rPr lang="en-US" sz="2400">
+                <a:solidFill>
+                  <a:srgbClr val="ffffff"/>
+                </a:solidFill>
+                <a:latin typeface="Calibri"/>
+              </a:rPr>
+              <a:t>Feature 3</a:t>
+            </a:r>
+            <a:endParaRPr/>
+          </a:p>
+        </p:txBody>
+      </p:sp>
+    </p:spTree>
+  </p:cSld>
+</p:sld>
+</file>
+
 <file path=ppt/slides/slide3.xml><?xml version="1.0" encoding="utf-8"?>
 <p:sld xmlns:a="http://schemas.openxmlformats.org/drawingml/2006/main" xmlns:p="http://schemas.openxmlformats.org/presentationml/2006/main" xmlns:r="http://schemas.openxmlformats.org/officeDocument/2006/relationships">
   <p:cSld>
@@ -6158,7 +8973,7 @@
         <p:spPr>
           <a:xfrm>
             <a:off x="457200" y="911520"/>
-            <a:ext cx="8228880" cy="1142280"/>
+            <a:ext cx="8228520" cy="1141920"/>
           </a:xfrm>
           <a:prstGeom prst="rect">
             <a:avLst/>
@@ -6194,7 +9009,7 @@
         <p:spPr>
           <a:xfrm>
             <a:off x="457200" y="2054520"/>
-            <a:ext cx="8228880" cy="3918240"/>
+            <a:ext cx="8228520" cy="3917880"/>
           </a:xfrm>
           <a:prstGeom prst="rect">
             <a:avLst/>
@@ -6253,7 +9068,7 @@
         <p:spPr>
           <a:xfrm>
             <a:off x="457560" y="2054880"/>
-            <a:ext cx="8228880" cy="3918240"/>
+            <a:ext cx="8228520" cy="3917880"/>
           </a:xfrm>
           <a:prstGeom prst="rect">
             <a:avLst/>
@@ -6423,7 +9238,7 @@
         <p:spPr>
           <a:xfrm>
             <a:off x="457200" y="911520"/>
-            <a:ext cx="8228880" cy="1142280"/>
+            <a:ext cx="8228520" cy="1141920"/>
           </a:xfrm>
           <a:prstGeom prst="rect">
             <a:avLst/>
@@ -6459,7 +9274,7 @@
         <p:spPr>
           <a:xfrm>
             <a:off x="457200" y="2054520"/>
-            <a:ext cx="8228880" cy="3918240"/>
+            <a:ext cx="8228520" cy="3917880"/>
           </a:xfrm>
           <a:prstGeom prst="rect">
             <a:avLst/>
@@ -6666,7 +9481,7 @@
         <p:spPr>
           <a:xfrm>
             <a:off x="457200" y="911520"/>
-            <a:ext cx="8228880" cy="1142280"/>
+            <a:ext cx="8228520" cy="1141920"/>
           </a:xfrm>
           <a:prstGeom prst="rect">
             <a:avLst/>
@@ -6702,7 +9517,7 @@
         <p:spPr>
           <a:xfrm>
             <a:off x="457200" y="2054520"/>
-            <a:ext cx="8228880" cy="3918240"/>
+            <a:ext cx="8228520" cy="3917880"/>
           </a:xfrm>
           <a:prstGeom prst="rect">
             <a:avLst/>
@@ -6773,6 +9588,35 @@
                 <a:latin typeface="Calibri"/>
               </a:rPr>
               <a:t> – Numpy, Scipy, Matplotlib</a:t>
+            </a:r>
+            <a:endParaRPr/>
+          </a:p>
+          <a:p>
+            <a:pPr>
+              <a:lnSpc>
+                <a:spcPct val="100000"/>
+              </a:lnSpc>
+              <a:buFont typeface="Arial"/>
+              <a:buChar char="•"/>
+            </a:pPr>
+            <a:endParaRPr/>
+          </a:p>
+          <a:p>
+            <a:pPr>
+              <a:lnSpc>
+                <a:spcPct val="100000"/>
+              </a:lnSpc>
+              <a:buFont typeface="Arial"/>
+              <a:buChar char="•"/>
+            </a:pPr>
+            <a:r>
+              <a:rPr lang="en-US" sz="2800">
+                <a:solidFill>
+                  <a:srgbClr val="ffffff"/>
+                </a:solidFill>
+                <a:latin typeface="Calibri"/>
+              </a:rPr>
+              <a:t>Used Map-Reduce architecture but the data is small enough to process all on single machine</a:t>
             </a:r>
             <a:endParaRPr/>
           </a:p>
@@ -6862,7 +9706,7 @@
         <p:spPr>
           <a:xfrm>
             <a:off x="457200" y="911520"/>
-            <a:ext cx="8228880" cy="1142280"/>
+            <a:ext cx="8228520" cy="1141920"/>
           </a:xfrm>
           <a:prstGeom prst="rect">
             <a:avLst/>
@@ -6898,7 +9742,7 @@
         <p:spPr>
           <a:xfrm>
             <a:off x="457200" y="2054520"/>
-            <a:ext cx="8228880" cy="3918240"/>
+            <a:ext cx="8228520" cy="3917880"/>
           </a:xfrm>
           <a:prstGeom prst="rect">
             <a:avLst/>
@@ -6957,8 +9801,6 @@
               <a:lnSpc>
                 <a:spcPct val="100000"/>
               </a:lnSpc>
-              <a:buFont typeface="Arial"/>
-              <a:buChar char="•"/>
             </a:pPr>
             <a:endParaRPr/>
           </a:p>
@@ -6986,8 +9828,6 @@
               <a:lnSpc>
                 <a:spcPct val="100000"/>
               </a:lnSpc>
-              <a:buFont typeface="Arial"/>
-              <a:buChar char="•"/>
             </a:pPr>
             <a:endParaRPr/>
           </a:p>
@@ -7069,7 +9909,7 @@
         <p:spPr>
           <a:xfrm>
             <a:off x="457200" y="911520"/>
-            <a:ext cx="8228880" cy="1142280"/>
+            <a:ext cx="8228520" cy="1141920"/>
           </a:xfrm>
           <a:prstGeom prst="rect">
             <a:avLst/>
@@ -7090,7 +9930,7 @@
                 </a:solidFill>
                 <a:latin typeface="Calibri"/>
               </a:rPr>
-              <a:t>Simple move 2.0</a:t>
+              <a:t>Simple move 1.0</a:t>
             </a:r>
             <a:endParaRPr/>
           </a:p>
@@ -7105,7 +9945,7 @@
         <p:spPr>
           <a:xfrm>
             <a:off x="457200" y="2054520"/>
-            <a:ext cx="8228880" cy="3918240"/>
+            <a:ext cx="8228520" cy="3917880"/>
           </a:xfrm>
           <a:prstGeom prst="rect">
             <a:avLst/>
@@ -7136,7 +9976,7 @@
                 </a:solidFill>
                 <a:latin typeface="Calibri"/>
               </a:rPr>
-              <a:t>Simple Move histogram for each piece type (TODO: add histograms)</a:t>
+              <a:t>For each move output move diff – x, y difference. </a:t>
             </a:r>
             <a:endParaRPr/>
           </a:p>
@@ -7274,104 +10114,28 @@
           <a:chExt cx="0" cy="0"/>
         </a:xfrm>
       </p:grpSpPr>
-      <p:sp>
-        <p:nvSpPr>
-          <p:cNvPr id="151" name="CustomShape 1"/>
-          <p:cNvSpPr/>
+      <p:pic>
+        <p:nvPicPr>
+          <p:cNvPr descr="" id="151" name=""/>
+          <p:cNvPicPr/>
           <p:nvPr/>
-        </p:nvSpPr>
-        <p:spPr>
-          <a:xfrm>
-            <a:off x="457200" y="911520"/>
-            <a:ext cx="8228880" cy="1142280"/>
-          </a:xfrm>
-          <a:prstGeom prst="rect">
-            <a:avLst/>
-          </a:prstGeom>
-        </p:spPr>
-        <p:txBody>
-          <a:bodyPr anchor="ctr" bIns="45000" lIns="90000" rIns="90000" tIns="45000"/>
-          <a:p>
-            <a:pPr>
-              <a:lnSpc>
-                <a:spcPct val="100000"/>
-              </a:lnSpc>
-            </a:pPr>
-            <a:r>
-              <a:rPr lang="en-US" sz="3600">
-                <a:solidFill>
-                  <a:srgbClr val="ffecbd"/>
-                </a:solidFill>
-                <a:latin typeface="Calibri"/>
-              </a:rPr>
-              <a:t>Simple move 2.0</a:t>
-            </a:r>
-            <a:endParaRPr/>
-          </a:p>
-        </p:txBody>
-      </p:sp>
-      <p:sp>
-        <p:nvSpPr>
-          <p:cNvPr id="152" name="CustomShape 2"/>
-          <p:cNvSpPr/>
-          <p:nvPr/>
-        </p:nvSpPr>
-        <p:spPr>
-          <a:xfrm>
-            <a:off x="457200" y="2054520"/>
-            <a:ext cx="8228880" cy="3918240"/>
-          </a:xfrm>
-          <a:prstGeom prst="rect">
-            <a:avLst/>
-          </a:prstGeom>
-        </p:spPr>
-        <p:txBody>
-          <a:bodyPr bIns="45000" lIns="90000" rIns="90000" tIns="45000"/>
-          <a:p>
-            <a:pPr>
-              <a:lnSpc>
-                <a:spcPct val="100000"/>
-              </a:lnSpc>
-            </a:pPr>
-            <a:endParaRPr/>
-          </a:p>
-          <a:p>
-            <a:pPr>
-              <a:lnSpc>
-                <a:spcPct val="100000"/>
-              </a:lnSpc>
-              <a:buFont typeface="Arial"/>
-              <a:buChar char="•"/>
-            </a:pPr>
-            <a:r>
-              <a:rPr lang="en-US" sz="2800">
-                <a:solidFill>
-                  <a:srgbClr val="ffffff"/>
-                </a:solidFill>
-                <a:latin typeface="Calibri"/>
-              </a:rPr>
-              <a:t>TODO – take a sample of 100k moves. For each piece move check all the moves saw in the histogram. Present results.</a:t>
-            </a:r>
-            <a:endParaRPr/>
-          </a:p>
-          <a:p>
-            <a:pPr>
-              <a:lnSpc>
-                <a:spcPct val="100000"/>
-              </a:lnSpc>
-            </a:pPr>
-            <a:endParaRPr/>
-          </a:p>
-          <a:p>
-            <a:pPr>
-              <a:lnSpc>
-                <a:spcPct val="100000"/>
-              </a:lnSpc>
-            </a:pPr>
-            <a:endParaRPr/>
-          </a:p>
-        </p:txBody>
-      </p:sp>
+        </p:nvPicPr>
+        <p:blipFill>
+          <a:blip r:embed="rId1"/>
+          <a:stretch>
+            <a:fillRect/>
+          </a:stretch>
+        </p:blipFill>
+        <p:spPr>
+          <a:xfrm>
+            <a:off x="879480" y="642600"/>
+            <a:ext cx="7424280" cy="5595480"/>
+          </a:xfrm>
+          <a:prstGeom prst="rect">
+            <a:avLst/>
+          </a:prstGeom>
+        </p:spPr>
+      </p:pic>
     </p:spTree>
   </p:cSld>
   <p:timing>
@@ -7409,13 +10173,6 @@
 <file path=ppt/slides/slide9.xml><?xml version="1.0" encoding="utf-8"?>
 <p:sld xmlns:a="http://schemas.openxmlformats.org/drawingml/2006/main" xmlns:p="http://schemas.openxmlformats.org/presentationml/2006/main" xmlns:r="http://schemas.openxmlformats.org/officeDocument/2006/relationships">
   <p:cSld>
-    <p:bg>
-      <p:bgPr>
-        <a:blipFill>
-          <a:blip r:embed="rId1"/>
-        </a:blipFill>
-      </p:bgPr>
-    </p:bg>
     <p:spTree>
       <p:nvGrpSpPr>
         <p:cNvPr id="1" name=""/>
@@ -7430,194 +10187,28 @@
           <a:chExt cx="0" cy="0"/>
         </a:xfrm>
       </p:grpSpPr>
-      <p:sp>
-        <p:nvSpPr>
-          <p:cNvPr id="153" name="CustomShape 1"/>
-          <p:cNvSpPr/>
+      <p:pic>
+        <p:nvPicPr>
+          <p:cNvPr descr="" id="152" name=""/>
+          <p:cNvPicPr/>
           <p:nvPr/>
-        </p:nvSpPr>
-        <p:spPr>
-          <a:xfrm>
-            <a:off x="1831680" y="427320"/>
-            <a:ext cx="7015320" cy="1142280"/>
-          </a:xfrm>
-          <a:prstGeom prst="rect">
-            <a:avLst/>
-          </a:prstGeom>
-        </p:spPr>
-        <p:txBody>
-          <a:bodyPr anchor="ctr" bIns="45000" lIns="90000" rIns="90000" tIns="45000"/>
-          <a:p>
-            <a:pPr>
-              <a:lnSpc>
-                <a:spcPct val="100000"/>
-              </a:lnSpc>
-            </a:pPr>
-            <a:r>
-              <a:rPr lang="en-US" sz="3600">
-                <a:solidFill>
-                  <a:srgbClr val="ffecbd"/>
-                </a:solidFill>
-                <a:latin typeface="Calibri"/>
-              </a:rPr>
-              <a:t>Learning checkmate</a:t>
-            </a:r>
-            <a:endParaRPr/>
-          </a:p>
-        </p:txBody>
-      </p:sp>
-      <p:sp>
-        <p:nvSpPr>
-          <p:cNvPr id="154" name="CustomShape 2"/>
-          <p:cNvSpPr/>
-          <p:nvPr/>
-        </p:nvSpPr>
-        <p:spPr>
-          <a:xfrm>
-            <a:off x="1831680" y="1596600"/>
-            <a:ext cx="7015320" cy="4275000"/>
-          </a:xfrm>
-          <a:prstGeom prst="rect">
-            <a:avLst/>
-          </a:prstGeom>
-        </p:spPr>
-        <p:txBody>
-          <a:bodyPr bIns="45000" lIns="90000" rIns="90000" tIns="45000"/>
-          <a:p>
-            <a:pPr>
-              <a:lnSpc>
-                <a:spcPct val="100000"/>
-              </a:lnSpc>
-              <a:buFont typeface="Arial"/>
-              <a:buChar char="•"/>
-            </a:pPr>
-            <a:r>
-              <a:rPr lang="en-US" sz="2800">
-                <a:solidFill>
-                  <a:srgbClr val="ffffff"/>
-                </a:solidFill>
-                <a:latin typeface="Calibri"/>
-              </a:rPr>
-              <a:t>Features:</a:t>
-            </a:r>
-            <a:endParaRPr/>
-          </a:p>
-          <a:p>
-            <a:pPr>
-              <a:lnSpc>
-                <a:spcPct val="100000"/>
-              </a:lnSpc>
-              <a:buFont typeface="Arial"/>
-              <a:buChar char="•"/>
-            </a:pPr>
-            <a:r>
-              <a:rPr lang="en-US" sz="2800">
-                <a:solidFill>
-                  <a:srgbClr val="ffffff"/>
-                </a:solidFill>
-                <a:latin typeface="Calibri"/>
-              </a:rPr>
-              <a:t>Number of pieces on the board</a:t>
-            </a:r>
-            <a:endParaRPr/>
-          </a:p>
-          <a:p>
-            <a:pPr>
-              <a:lnSpc>
-                <a:spcPct val="100000"/>
-              </a:lnSpc>
-              <a:buFont typeface="Arial"/>
-              <a:buChar char="•"/>
-            </a:pPr>
-            <a:r>
-              <a:rPr lang="en-US" sz="2800">
-                <a:solidFill>
-                  <a:srgbClr val="ffffff"/>
-                </a:solidFill>
-                <a:latin typeface="Calibri"/>
-              </a:rPr>
-              <a:t>Number of pieces in each party</a:t>
-            </a:r>
-            <a:endParaRPr/>
-          </a:p>
-          <a:p>
-            <a:pPr>
-              <a:lnSpc>
-                <a:spcPct val="100000"/>
-              </a:lnSpc>
-              <a:buFont typeface="Arial"/>
-              <a:buChar char="•"/>
-            </a:pPr>
-            <a:r>
-              <a:rPr lang="en-US" sz="2800">
-                <a:solidFill>
-                  <a:srgbClr val="ffffff"/>
-                </a:solidFill>
-                <a:latin typeface="Calibri"/>
-              </a:rPr>
-              <a:t>Number of pieces of each type</a:t>
-            </a:r>
-            <a:endParaRPr/>
-          </a:p>
-          <a:p>
-            <a:pPr>
-              <a:lnSpc>
-                <a:spcPct val="100000"/>
-              </a:lnSpc>
-              <a:buFont typeface="Arial"/>
-              <a:buChar char="•"/>
-            </a:pPr>
-            <a:r>
-              <a:rPr lang="en-US" sz="2800">
-                <a:solidFill>
-                  <a:srgbClr val="ffffff"/>
-                </a:solidFill>
-                <a:latin typeface="Calibri"/>
-              </a:rPr>
-              <a:t>Is Queen in the board</a:t>
-            </a:r>
-            <a:endParaRPr/>
-          </a:p>
-          <a:p>
-            <a:pPr>
-              <a:lnSpc>
-                <a:spcPct val="100000"/>
-              </a:lnSpc>
-              <a:buFont typeface="Arial"/>
-              <a:buChar char="•"/>
-            </a:pPr>
-            <a:r>
-              <a:rPr lang="en-US" sz="2800">
-                <a:solidFill>
-                  <a:srgbClr val="ffffff"/>
-                </a:solidFill>
-                <a:latin typeface="Calibri"/>
-              </a:rPr>
-              <a:t>Is King on the board</a:t>
-            </a:r>
-            <a:endParaRPr/>
-          </a:p>
-          <a:p>
-            <a:pPr>
-              <a:lnSpc>
-                <a:spcPct val="100000"/>
-              </a:lnSpc>
-              <a:buFont typeface="Arial"/>
-              <a:buChar char="•"/>
-            </a:pPr>
-            <a:r>
-              <a:rPr lang="en-US" sz="2800">
-                <a:solidFill>
-                  <a:srgbClr val="ffffff"/>
-                </a:solidFill>
-                <a:latin typeface="Calibri"/>
-              </a:rPr>
-              <a:t>Number of surrounding pieces by type and distance (1-3)</a:t>
-            </a:r>
-            <a:endParaRPr/>
-          </a:p>
-        </p:txBody>
-      </p:sp>
+        </p:nvPicPr>
+        <p:blipFill>
+          <a:blip r:embed="rId1"/>
+          <a:stretch>
+            <a:fillRect/>
+          </a:stretch>
+        </p:blipFill>
+        <p:spPr>
+          <a:xfrm>
+            <a:off x="822960" y="805320"/>
+            <a:ext cx="7424280" cy="5595480"/>
+          </a:xfrm>
+          <a:prstGeom prst="rect">
+            <a:avLst/>
+          </a:prstGeom>
+        </p:spPr>
+      </p:pic>
     </p:spTree>
   </p:cSld>
   <p:timing>

--- a/presentation/chess_presentation.pptx
+++ b/presentation/chess_presentation.pptx
@@ -31,6 +31,9 @@
     <p:sldId id="276" r:id="rId26"/>
     <p:sldId id="277" r:id="rId27"/>
     <p:sldId id="278" r:id="rId28"/>
+    <p:sldId id="279" r:id="rId29"/>
+    <p:sldId id="280" r:id="rId30"/>
+    <p:sldId id="281" r:id="rId31"/>
   </p:sldIdLst>
   <p:sldSz cx="9144000" cy="6858000"/>
   <p:notesSz cx="7772400" cy="10058400"/>
@@ -4506,7 +4509,7 @@
         <p:spPr>
           <a:xfrm>
             <a:off x="457200" y="273600"/>
-            <a:ext cx="8228880" cy="1144800"/>
+            <a:ext cx="8229240" cy="1144800"/>
           </a:xfrm>
           <a:prstGeom prst="rect">
             <a:avLst/>
@@ -4515,11 +4518,7 @@
         <p:txBody>
           <a:bodyPr anchor="ctr" bIns="0" lIns="0" rIns="0" tIns="0" wrap="none"/>
           <a:p>
-            <a:pPr algn="ctr">
-              <a:lnSpc>
-                <a:spcPct val="100000"/>
-              </a:lnSpc>
-            </a:pPr>
+            <a:pPr algn="ctr"/>
             <a:r>
               <a:rPr lang="en-US"/>
               <a:t>Click to edit the title text format</a:t>
@@ -4541,7 +4540,7 @@
         <p:spPr>
           <a:xfrm>
             <a:off x="457200" y="1604520"/>
-            <a:ext cx="8046000" cy="3976920"/>
+            <a:ext cx="8046360" cy="3977280"/>
           </a:xfrm>
           <a:prstGeom prst="rect">
             <a:avLst/>
@@ -4550,6 +4549,11 @@
         <p:txBody>
           <a:bodyPr bIns="0" lIns="0" rIns="0" tIns="0" wrap="none"/>
           <a:p>
+            <a:pPr>
+              <a:buSzPct val="45000"/>
+              <a:buFont typeface="StarSymbol"/>
+              <a:buChar char=""/>
+            </a:pPr>
             <a:r>
               <a:rPr lang="en-US"/>
               <a:t>Click to edit the outline text format</a:t>
@@ -5229,7 +5233,7 @@
         <p:spPr>
           <a:xfrm>
             <a:off x="464400" y="4956120"/>
-            <a:ext cx="7771320" cy="995760"/>
+            <a:ext cx="7770960" cy="995400"/>
           </a:xfrm>
           <a:prstGeom prst="rect">
             <a:avLst/>
@@ -5265,7 +5269,7 @@
         <p:spPr>
           <a:xfrm>
             <a:off x="91440" y="5932080"/>
-            <a:ext cx="6399720" cy="834480"/>
+            <a:ext cx="6399360" cy="834120"/>
           </a:xfrm>
           <a:prstGeom prst="rect">
             <a:avLst/>
@@ -5362,7 +5366,7 @@
       </p:grpSpPr>
       <p:pic>
         <p:nvPicPr>
-          <p:cNvPr descr="" id="153" name=""/>
+          <p:cNvPr descr="" id="154" name=""/>
           <p:cNvPicPr/>
           <p:nvPr/>
         </p:nvPicPr>
@@ -5374,8 +5378,8 @@
         </p:blipFill>
         <p:spPr>
           <a:xfrm>
-            <a:off x="879480" y="642600"/>
-            <a:ext cx="7424280" cy="5595480"/>
+            <a:off x="822960" y="805320"/>
+            <a:ext cx="7423920" cy="5595120"/>
           </a:xfrm>
           <a:prstGeom prst="rect">
             <a:avLst/>
@@ -5387,10 +5391,10 @@
   <p:timing>
     <p:tnLst>
       <p:par>
-        <p:cTn dur="indefinite" id="19" nodeType="tmRoot" restart="never">
+        <p:cTn dur="indefinite" id="83" nodeType="tmRoot" restart="never">
           <p:childTnLst>
             <p:seq>
-              <p:cTn id="20" nodeType="mainSeq">
+              <p:cTn id="84" nodeType="mainSeq">
                 <p:childTnLst/>
               </p:cTn>
               <p:prevCondLst>
@@ -5435,7 +5439,7 @@
       </p:grpSpPr>
       <p:pic>
         <p:nvPicPr>
-          <p:cNvPr descr="" id="154" name=""/>
+          <p:cNvPr descr="" id="155" name=""/>
           <p:cNvPicPr/>
           <p:nvPr/>
         </p:nvPicPr>
@@ -5447,8 +5451,8 @@
         </p:blipFill>
         <p:spPr>
           <a:xfrm>
-            <a:off x="896760" y="622440"/>
-            <a:ext cx="7424280" cy="5595480"/>
+            <a:off x="879480" y="642600"/>
+            <a:ext cx="7423920" cy="5595120"/>
           </a:xfrm>
           <a:prstGeom prst="rect">
             <a:avLst/>
@@ -5460,10 +5464,10 @@
   <p:timing>
     <p:tnLst>
       <p:par>
-        <p:cTn dur="indefinite" id="21" nodeType="tmRoot" restart="never">
+        <p:cTn dur="indefinite" id="85" nodeType="tmRoot" restart="never">
           <p:childTnLst>
             <p:seq>
-              <p:cTn id="22" nodeType="mainSeq">
+              <p:cTn id="86" nodeType="mainSeq">
                 <p:childTnLst/>
               </p:cTn>
               <p:prevCondLst>
@@ -5508,7 +5512,7 @@
       </p:grpSpPr>
       <p:pic>
         <p:nvPicPr>
-          <p:cNvPr descr="" id="155" name=""/>
+          <p:cNvPr descr="" id="156" name=""/>
           <p:cNvPicPr/>
           <p:nvPr/>
         </p:nvPicPr>
@@ -5520,8 +5524,8 @@
         </p:blipFill>
         <p:spPr>
           <a:xfrm>
-            <a:off x="879480" y="642600"/>
-            <a:ext cx="7424280" cy="5595480"/>
+            <a:off x="896760" y="622440"/>
+            <a:ext cx="7423920" cy="5595120"/>
           </a:xfrm>
           <a:prstGeom prst="rect">
             <a:avLst/>
@@ -5533,10 +5537,10 @@
   <p:timing>
     <p:tnLst>
       <p:par>
-        <p:cTn dur="indefinite" id="23" nodeType="tmRoot" restart="never">
+        <p:cTn dur="indefinite" id="87" nodeType="tmRoot" restart="never">
           <p:childTnLst>
             <p:seq>
-              <p:cTn id="24" nodeType="mainSeq">
+              <p:cTn id="88" nodeType="mainSeq">
                 <p:childTnLst/>
               </p:cTn>
               <p:prevCondLst>
@@ -5579,151 +5583,37 @@
           <a:chExt cx="0" cy="0"/>
         </a:xfrm>
       </p:grpSpPr>
-      <p:sp>
-        <p:nvSpPr>
-          <p:cNvPr id="156" name="CustomShape 1"/>
-          <p:cNvSpPr/>
+      <p:pic>
+        <p:nvPicPr>
+          <p:cNvPr descr="" id="157" name=""/>
+          <p:cNvPicPr/>
           <p:nvPr/>
-        </p:nvSpPr>
-        <p:spPr>
-          <a:xfrm>
-            <a:off x="457200" y="911520"/>
-            <a:ext cx="8228520" cy="1141920"/>
-          </a:xfrm>
-          <a:prstGeom prst="rect">
-            <a:avLst/>
-          </a:prstGeom>
-        </p:spPr>
-        <p:txBody>
-          <a:bodyPr anchor="ctr" bIns="45000" lIns="90000" rIns="90000" tIns="45000"/>
-          <a:p>
-            <a:pPr>
-              <a:lnSpc>
-                <a:spcPct val="100000"/>
-              </a:lnSpc>
-            </a:pPr>
-            <a:r>
-              <a:rPr lang="en-US" sz="3600">
-                <a:solidFill>
-                  <a:srgbClr val="ffecbd"/>
-                </a:solidFill>
-                <a:latin typeface="Calibri"/>
-              </a:rPr>
-              <a:t>Simple move 2.0</a:t>
-            </a:r>
-            <a:endParaRPr/>
-          </a:p>
-        </p:txBody>
-      </p:sp>
-      <p:sp>
-        <p:nvSpPr>
-          <p:cNvPr id="157" name="CustomShape 2"/>
-          <p:cNvSpPr/>
-          <p:nvPr/>
-        </p:nvSpPr>
-        <p:spPr>
-          <a:xfrm>
-            <a:off x="457200" y="2054520"/>
-            <a:ext cx="8228520" cy="3917880"/>
-          </a:xfrm>
-          <a:prstGeom prst="rect">
-            <a:avLst/>
-          </a:prstGeom>
-        </p:spPr>
-        <p:txBody>
-          <a:bodyPr bIns="45000" lIns="90000" rIns="90000" tIns="45000"/>
-          <a:p>
-            <a:pPr>
-              <a:lnSpc>
-                <a:spcPct val="100000"/>
-              </a:lnSpc>
-            </a:pPr>
-            <a:endParaRPr/>
-          </a:p>
-          <a:p>
-            <a:pPr>
-              <a:lnSpc>
-                <a:spcPct val="100000"/>
-              </a:lnSpc>
-              <a:buFont typeface="Arial"/>
-              <a:buChar char="•"/>
-            </a:pPr>
-            <a:r>
-              <a:rPr lang="en-US" sz="2800">
-                <a:solidFill>
-                  <a:srgbClr val="ffffff"/>
-                </a:solidFill>
-                <a:latin typeface="Calibri"/>
-              </a:rPr>
-              <a:t>For each move output move diff + surround histogram of radius 1</a:t>
-            </a:r>
-            <a:endParaRPr/>
-          </a:p>
-          <a:p>
-            <a:pPr>
-              <a:lnSpc>
-                <a:spcPct val="100000"/>
-              </a:lnSpc>
-              <a:buFont typeface="Arial"/>
-              <a:buChar char="•"/>
-            </a:pPr>
-            <a:r>
-              <a:rPr lang="en-US" sz="2800">
-                <a:solidFill>
-                  <a:srgbClr val="ffffff"/>
-                </a:solidFill>
-                <a:latin typeface="Calibri"/>
-              </a:rPr>
-              <a:t>Pros – Efficient on both memory and run time. Takes the surrounding into account.</a:t>
-            </a:r>
-            <a:endParaRPr/>
-          </a:p>
-          <a:p>
-            <a:pPr>
-              <a:lnSpc>
-                <a:spcPct val="100000"/>
-              </a:lnSpc>
-              <a:buFont typeface="Arial"/>
-              <a:buChar char="•"/>
-            </a:pPr>
-            <a:r>
-              <a:rPr lang="en-US" sz="2800">
-                <a:solidFill>
-                  <a:srgbClr val="ffffff"/>
-                </a:solidFill>
-                <a:latin typeface="Calibri"/>
-              </a:rPr>
-              <a:t>Cons – Assume different moves are independent of one another \ history – good for most cases but not for castling, en passant, etc.</a:t>
-            </a:r>
-            <a:endParaRPr/>
-          </a:p>
-          <a:p>
-            <a:pPr>
-              <a:lnSpc>
-                <a:spcPct val="100000"/>
-              </a:lnSpc>
-            </a:pPr>
-            <a:endParaRPr/>
-          </a:p>
-          <a:p>
-            <a:pPr>
-              <a:lnSpc>
-                <a:spcPct val="100000"/>
-              </a:lnSpc>
-            </a:pPr>
-            <a:endParaRPr/>
-          </a:p>
-        </p:txBody>
-      </p:sp>
+        </p:nvPicPr>
+        <p:blipFill>
+          <a:blip r:embed="rId1"/>
+          <a:stretch>
+            <a:fillRect/>
+          </a:stretch>
+        </p:blipFill>
+        <p:spPr>
+          <a:xfrm>
+            <a:off x="879480" y="642600"/>
+            <a:ext cx="7423920" cy="5595120"/>
+          </a:xfrm>
+          <a:prstGeom prst="rect">
+            <a:avLst/>
+          </a:prstGeom>
+        </p:spPr>
+      </p:pic>
     </p:spTree>
   </p:cSld>
   <p:timing>
     <p:tnLst>
       <p:par>
-        <p:cTn dur="indefinite" id="25" nodeType="tmRoot" restart="never">
+        <p:cTn dur="indefinite" id="89" nodeType="tmRoot" restart="never">
           <p:childTnLst>
             <p:seq>
-              <p:cTn id="26" nodeType="mainSeq">
+              <p:cTn id="90" nodeType="mainSeq">
                 <p:childTnLst/>
               </p:cTn>
               <p:prevCondLst>
@@ -5775,7 +5665,845 @@
         <p:spPr>
           <a:xfrm>
             <a:off x="457200" y="911520"/>
-            <a:ext cx="8228520" cy="1141920"/>
+            <a:ext cx="8228160" cy="1141560"/>
+          </a:xfrm>
+          <a:prstGeom prst="rect">
+            <a:avLst/>
+          </a:prstGeom>
+        </p:spPr>
+        <p:txBody>
+          <a:bodyPr anchor="ctr" bIns="45000" lIns="90000" rIns="90000" tIns="45000"/>
+          <a:p>
+            <a:pPr>
+              <a:lnSpc>
+                <a:spcPct val="100000"/>
+              </a:lnSpc>
+            </a:pPr>
+            <a:r>
+              <a:rPr lang="en-US" sz="3600">
+                <a:solidFill>
+                  <a:srgbClr val="ffecbd"/>
+                </a:solidFill>
+                <a:latin typeface="Calibri"/>
+              </a:rPr>
+              <a:t>Simple move 1.0</a:t>
+            </a:r>
+            <a:endParaRPr/>
+          </a:p>
+        </p:txBody>
+      </p:sp>
+      <p:sp>
+        <p:nvSpPr>
+          <p:cNvPr id="159" name="CustomShape 2"/>
+          <p:cNvSpPr/>
+          <p:nvPr/>
+        </p:nvSpPr>
+        <p:spPr>
+          <a:xfrm>
+            <a:off x="457200" y="2054520"/>
+            <a:ext cx="8228160" cy="3917520"/>
+          </a:xfrm>
+          <a:prstGeom prst="rect">
+            <a:avLst/>
+          </a:prstGeom>
+        </p:spPr>
+        <p:txBody>
+          <a:bodyPr bIns="45000" lIns="90000" rIns="90000" tIns="45000"/>
+          <a:p>
+            <a:pPr>
+              <a:lnSpc>
+                <a:spcPct val="100000"/>
+              </a:lnSpc>
+            </a:pPr>
+            <a:endParaRPr/>
+          </a:p>
+          <a:p>
+            <a:pPr>
+              <a:lnSpc>
+                <a:spcPct val="100000"/>
+              </a:lnSpc>
+              <a:buFont typeface="Arial"/>
+              <a:buChar char="•"/>
+            </a:pPr>
+            <a:r>
+              <a:rPr lang="en-US" sz="2800">
+                <a:solidFill>
+                  <a:srgbClr val="ffffff"/>
+                </a:solidFill>
+                <a:latin typeface="Calibri"/>
+              </a:rPr>
+              <a:t>Pros – </a:t>
+            </a:r>
+            <a:endParaRPr/>
+          </a:p>
+          <a:p>
+            <a:pPr>
+              <a:lnSpc>
+                <a:spcPct val="100000"/>
+              </a:lnSpc>
+              <a:buFont typeface="Arial"/>
+              <a:buChar char="•"/>
+            </a:pPr>
+            <a:r>
+              <a:rPr lang="en-US" sz="2800">
+                <a:solidFill>
+                  <a:srgbClr val="ffffff"/>
+                </a:solidFill>
+                <a:latin typeface="Calibri"/>
+              </a:rPr>
+              <a:t>Good for common moves. </a:t>
+            </a:r>
+            <a:endParaRPr/>
+          </a:p>
+          <a:p>
+            <a:pPr>
+              <a:lnSpc>
+                <a:spcPct val="100000"/>
+              </a:lnSpc>
+              <a:buFont typeface="Arial"/>
+              <a:buChar char="•"/>
+            </a:pPr>
+            <a:r>
+              <a:rPr lang="en-US" sz="2800">
+                <a:solidFill>
+                  <a:srgbClr val="ffffff"/>
+                </a:solidFill>
+                <a:latin typeface="Calibri"/>
+              </a:rPr>
+              <a:t>Getting better as data size grows (diminishing return)</a:t>
+            </a:r>
+            <a:endParaRPr/>
+          </a:p>
+          <a:p>
+            <a:pPr>
+              <a:lnSpc>
+                <a:spcPct val="100000"/>
+              </a:lnSpc>
+              <a:buFont typeface="Arial"/>
+              <a:buChar char="•"/>
+            </a:pPr>
+            <a:r>
+              <a:rPr lang="en-US" sz="2800">
+                <a:solidFill>
+                  <a:srgbClr val="ffffff"/>
+                </a:solidFill>
+                <a:latin typeface="Calibri"/>
+              </a:rPr>
+              <a:t>Time and memory efficiency</a:t>
+            </a:r>
+            <a:endParaRPr/>
+          </a:p>
+          <a:p>
+            <a:pPr>
+              <a:lnSpc>
+                <a:spcPct val="100000"/>
+              </a:lnSpc>
+            </a:pPr>
+            <a:endParaRPr/>
+          </a:p>
+          <a:p>
+            <a:pPr>
+              <a:lnSpc>
+                <a:spcPct val="100000"/>
+              </a:lnSpc>
+            </a:pPr>
+            <a:endParaRPr/>
+          </a:p>
+          <a:p>
+            <a:pPr>
+              <a:lnSpc>
+                <a:spcPct val="100000"/>
+              </a:lnSpc>
+            </a:pPr>
+            <a:endParaRPr/>
+          </a:p>
+          <a:p>
+            <a:pPr>
+              <a:lnSpc>
+                <a:spcPct val="100000"/>
+              </a:lnSpc>
+            </a:pPr>
+            <a:endParaRPr/>
+          </a:p>
+        </p:txBody>
+      </p:sp>
+    </p:spTree>
+  </p:cSld>
+  <p:timing>
+    <p:tnLst>
+      <p:par>
+        <p:cTn dur="indefinite" id="91" nodeType="tmRoot" restart="never">
+          <p:childTnLst>
+            <p:seq>
+              <p:cTn id="92" nodeType="mainSeq">
+                <p:childTnLst>
+                  <p:par>
+                    <p:cTn fill="freeze" id="93">
+                      <p:stCondLst>
+                        <p:cond delay="indefinite"/>
+                      </p:stCondLst>
+                      <p:childTnLst>
+                        <p:par>
+                          <p:cTn fill="freeze" id="94">
+                            <p:stCondLst>
+                              <p:cond delay="0"/>
+                            </p:stCondLst>
+                            <p:childTnLst>
+                              <p:par>
+                                <p:cTn fill="hold" id="95" nodeType="clickEffect" presetClass="entr" presetID="1">
+                                  <p:stCondLst>
+                                    <p:cond delay="0"/>
+                                  </p:stCondLst>
+                                  <p:childTnLst>
+                                    <p:set>
+                                      <p:cBhvr>
+                                        <p:cTn dur="1" fill="hold" id="96">
+                                          <p:stCondLst>
+                                            <p:cond delay="0"/>
+                                          </p:stCondLst>
+                                        </p:cTn>
+                                        <p:tgtEl>
+                                          <p:spTgt spid="159">
+                                            <p:txEl>
+                                              <p:pRg end="9" st="1"/>
+                                            </p:txEl>
+                                          </p:spTgt>
+                                        </p:tgtEl>
+                                        <p:attrNameLst>
+                                          <p:attrName>style.visibility</p:attrName>
+                                        </p:attrNameLst>
+                                      </p:cBhvr>
+                                      <p:to>
+                                        <p:strVal val="visible"/>
+                                      </p:to>
+                                    </p:set>
+                                  </p:childTnLst>
+                                </p:cTn>
+                              </p:par>
+                            </p:childTnLst>
+                          </p:cTn>
+                        </p:par>
+                      </p:childTnLst>
+                    </p:cTn>
+                  </p:par>
+                  <p:par>
+                    <p:cTn fill="freeze" id="97">
+                      <p:stCondLst>
+                        <p:cond delay="indefinite"/>
+                      </p:stCondLst>
+                      <p:childTnLst>
+                        <p:par>
+                          <p:cTn fill="freeze" id="98">
+                            <p:stCondLst>
+                              <p:cond delay="0"/>
+                            </p:stCondLst>
+                            <p:childTnLst>
+                              <p:par>
+                                <p:cTn fill="hold" id="99" nodeType="clickEffect" presetClass="entr" presetID="1">
+                                  <p:stCondLst>
+                                    <p:cond delay="0"/>
+                                  </p:stCondLst>
+                                  <p:childTnLst>
+                                    <p:set>
+                                      <p:cBhvr>
+                                        <p:cTn dur="1" fill="hold" id="100">
+                                          <p:stCondLst>
+                                            <p:cond delay="0"/>
+                                          </p:stCondLst>
+                                        </p:cTn>
+                                        <p:tgtEl>
+                                          <p:spTgt spid="159">
+                                            <p:txEl>
+                                              <p:pRg end="33" st="9"/>
+                                            </p:txEl>
+                                          </p:spTgt>
+                                        </p:tgtEl>
+                                        <p:attrNameLst>
+                                          <p:attrName>style.visibility</p:attrName>
+                                        </p:attrNameLst>
+                                      </p:cBhvr>
+                                      <p:to>
+                                        <p:strVal val="visible"/>
+                                      </p:to>
+                                    </p:set>
+                                  </p:childTnLst>
+                                </p:cTn>
+                              </p:par>
+                            </p:childTnLst>
+                          </p:cTn>
+                        </p:par>
+                      </p:childTnLst>
+                    </p:cTn>
+                  </p:par>
+                  <p:par>
+                    <p:cTn fill="freeze" id="101">
+                      <p:stCondLst>
+                        <p:cond delay="indefinite"/>
+                      </p:stCondLst>
+                      <p:childTnLst>
+                        <p:par>
+                          <p:cTn fill="freeze" id="102">
+                            <p:stCondLst>
+                              <p:cond delay="0"/>
+                            </p:stCondLst>
+                            <p:childTnLst>
+                              <p:par>
+                                <p:cTn fill="hold" id="103" nodeType="clickEffect" presetClass="entr" presetID="1">
+                                  <p:stCondLst>
+                                    <p:cond delay="0"/>
+                                  </p:stCondLst>
+                                  <p:childTnLst>
+                                    <p:set>
+                                      <p:cBhvr>
+                                        <p:cTn dur="1" fill="hold" id="104">
+                                          <p:stCondLst>
+                                            <p:cond delay="0"/>
+                                          </p:stCondLst>
+                                        </p:cTn>
+                                        <p:tgtEl>
+                                          <p:spTgt spid="159">
+                                            <p:txEl>
+                                              <p:pRg end="88" st="33"/>
+                                            </p:txEl>
+                                          </p:spTgt>
+                                        </p:tgtEl>
+                                        <p:attrNameLst>
+                                          <p:attrName>style.visibility</p:attrName>
+                                        </p:attrNameLst>
+                                      </p:cBhvr>
+                                      <p:to>
+                                        <p:strVal val="visible"/>
+                                      </p:to>
+                                    </p:set>
+                                  </p:childTnLst>
+                                </p:cTn>
+                              </p:par>
+                            </p:childTnLst>
+                          </p:cTn>
+                        </p:par>
+                      </p:childTnLst>
+                    </p:cTn>
+                  </p:par>
+                  <p:par>
+                    <p:cTn fill="freeze" id="105">
+                      <p:stCondLst>
+                        <p:cond delay="indefinite"/>
+                      </p:stCondLst>
+                      <p:childTnLst>
+                        <p:par>
+                          <p:cTn fill="freeze" id="106">
+                            <p:stCondLst>
+                              <p:cond delay="0"/>
+                            </p:stCondLst>
+                            <p:childTnLst>
+                              <p:par>
+                                <p:cTn fill="hold" id="107" nodeType="clickEffect" presetClass="entr" presetID="1">
+                                  <p:stCondLst>
+                                    <p:cond delay="0"/>
+                                  </p:stCondLst>
+                                  <p:childTnLst>
+                                    <p:set>
+                                      <p:cBhvr>
+                                        <p:cTn dur="1" fill="hold" id="108">
+                                          <p:stCondLst>
+                                            <p:cond delay="0"/>
+                                          </p:stCondLst>
+                                        </p:cTn>
+                                        <p:tgtEl>
+                                          <p:spTgt spid="159">
+                                            <p:txEl>
+                                              <p:pRg end="115" st="88"/>
+                                            </p:txEl>
+                                          </p:spTgt>
+                                        </p:tgtEl>
+                                        <p:attrNameLst>
+                                          <p:attrName>style.visibility</p:attrName>
+                                        </p:attrNameLst>
+                                      </p:cBhvr>
+                                      <p:to>
+                                        <p:strVal val="visible"/>
+                                      </p:to>
+                                    </p:set>
+                                  </p:childTnLst>
+                                </p:cTn>
+                              </p:par>
+                            </p:childTnLst>
+                          </p:cTn>
+                        </p:par>
+                      </p:childTnLst>
+                    </p:cTn>
+                  </p:par>
+                </p:childTnLst>
+              </p:cTn>
+              <p:prevCondLst>
+                <p:cond delay="0" evt="onPrev">
+                  <p:tgtEl>
+                    <p:sldTgt/>
+                  </p:tgtEl>
+                </p:cond>
+              </p:prevCondLst>
+              <p:nextCondLst>
+                <p:cond delay="0" evt="onNext">
+                  <p:tgtEl>
+                    <p:sldTgt/>
+                  </p:tgtEl>
+                </p:cond>
+              </p:nextCondLst>
+            </p:seq>
+          </p:childTnLst>
+        </p:cTn>
+      </p:par>
+    </p:tnLst>
+  </p:timing>
+</p:sld>
+</file>
+
+<file path=ppt/slides/slide15.xml><?xml version="1.0" encoding="utf-8"?>
+<p:sld xmlns:a="http://schemas.openxmlformats.org/drawingml/2006/main" xmlns:p="http://schemas.openxmlformats.org/presentationml/2006/main" xmlns:r="http://schemas.openxmlformats.org/officeDocument/2006/relationships">
+  <p:cSld>
+    <p:spTree>
+      <p:nvGrpSpPr>
+        <p:cNvPr id="1" name=""/>
+        <p:cNvGrpSpPr/>
+        <p:nvPr/>
+      </p:nvGrpSpPr>
+      <p:grpSpPr>
+        <a:xfrm>
+          <a:off x="0" y="0"/>
+          <a:ext cx="0" cy="0"/>
+          <a:chOff x="0" y="0"/>
+          <a:chExt cx="0" cy="0"/>
+        </a:xfrm>
+      </p:grpSpPr>
+      <p:sp>
+        <p:nvSpPr>
+          <p:cNvPr id="160" name="CustomShape 1"/>
+          <p:cNvSpPr/>
+          <p:nvPr/>
+        </p:nvSpPr>
+        <p:spPr>
+          <a:xfrm>
+            <a:off x="457200" y="911520"/>
+            <a:ext cx="8228160" cy="1141560"/>
+          </a:xfrm>
+          <a:prstGeom prst="rect">
+            <a:avLst/>
+          </a:prstGeom>
+        </p:spPr>
+        <p:txBody>
+          <a:bodyPr anchor="ctr" bIns="45000" lIns="90000" rIns="90000" tIns="45000"/>
+          <a:p>
+            <a:pPr>
+              <a:lnSpc>
+                <a:spcPct val="100000"/>
+              </a:lnSpc>
+            </a:pPr>
+            <a:r>
+              <a:rPr lang="en-US" sz="3600">
+                <a:solidFill>
+                  <a:srgbClr val="ffecbd"/>
+                </a:solidFill>
+                <a:latin typeface="Calibri"/>
+              </a:rPr>
+              <a:t>Simple move 1.0</a:t>
+            </a:r>
+            <a:endParaRPr/>
+          </a:p>
+        </p:txBody>
+      </p:sp>
+      <p:sp>
+        <p:nvSpPr>
+          <p:cNvPr id="161" name="CustomShape 2"/>
+          <p:cNvSpPr/>
+          <p:nvPr/>
+        </p:nvSpPr>
+        <p:spPr>
+          <a:xfrm>
+            <a:off x="457200" y="2054520"/>
+            <a:ext cx="8228160" cy="3917520"/>
+          </a:xfrm>
+          <a:prstGeom prst="rect">
+            <a:avLst/>
+          </a:prstGeom>
+        </p:spPr>
+        <p:txBody>
+          <a:bodyPr bIns="45000" lIns="90000" rIns="90000" tIns="45000"/>
+          <a:p>
+            <a:pPr>
+              <a:lnSpc>
+                <a:spcPct val="100000"/>
+              </a:lnSpc>
+            </a:pPr>
+            <a:endParaRPr/>
+          </a:p>
+          <a:p>
+            <a:pPr>
+              <a:lnSpc>
+                <a:spcPct val="100000"/>
+              </a:lnSpc>
+              <a:buFont typeface="Arial"/>
+              <a:buChar char="•"/>
+            </a:pPr>
+            <a:r>
+              <a:rPr lang="en-US" sz="2800">
+                <a:solidFill>
+                  <a:srgbClr val="ffffff"/>
+                </a:solidFill>
+                <a:latin typeface="Calibri"/>
+              </a:rPr>
+              <a:t>Cons – </a:t>
+            </a:r>
+            <a:endParaRPr/>
+          </a:p>
+          <a:p>
+            <a:pPr>
+              <a:lnSpc>
+                <a:spcPct val="100000"/>
+              </a:lnSpc>
+              <a:buFont typeface="Arial"/>
+              <a:buChar char="•"/>
+            </a:pPr>
+            <a:r>
+              <a:rPr lang="en-US" sz="2800">
+                <a:solidFill>
+                  <a:srgbClr val="ffffff"/>
+                </a:solidFill>
+                <a:latin typeface="Calibri"/>
+              </a:rPr>
+              <a:t>Does not take into account board status.</a:t>
+            </a:r>
+            <a:endParaRPr/>
+          </a:p>
+          <a:p>
+            <a:pPr>
+              <a:lnSpc>
+                <a:spcPct val="100000"/>
+              </a:lnSpc>
+              <a:buFont typeface="Arial"/>
+              <a:buChar char="•"/>
+            </a:pPr>
+            <a:r>
+              <a:rPr lang="en-US" sz="2800">
+                <a:solidFill>
+                  <a:srgbClr val="ffffff"/>
+                </a:solidFill>
+                <a:latin typeface="Calibri"/>
+              </a:rPr>
+              <a:t>Not good for rare move</a:t>
+            </a:r>
+            <a:endParaRPr/>
+          </a:p>
+          <a:p>
+            <a:pPr>
+              <a:lnSpc>
+                <a:spcPct val="100000"/>
+              </a:lnSpc>
+            </a:pPr>
+            <a:endParaRPr/>
+          </a:p>
+          <a:p>
+            <a:pPr>
+              <a:lnSpc>
+                <a:spcPct val="100000"/>
+              </a:lnSpc>
+              <a:buFont typeface="Arial"/>
+              <a:buChar char="•"/>
+            </a:pPr>
+            <a:r>
+              <a:rPr lang="en-US" sz="2800">
+                <a:solidFill>
+                  <a:srgbClr val="ffffff"/>
+                </a:solidFill>
+                <a:latin typeface="Calibri"/>
+              </a:rPr>
+              <a:t>Conclusion - almost always necessary condition but not sufficient</a:t>
+            </a:r>
+            <a:endParaRPr/>
+          </a:p>
+          <a:p>
+            <a:pPr>
+              <a:lnSpc>
+                <a:spcPct val="100000"/>
+              </a:lnSpc>
+            </a:pPr>
+            <a:endParaRPr/>
+          </a:p>
+          <a:p>
+            <a:pPr>
+              <a:lnSpc>
+                <a:spcPct val="100000"/>
+              </a:lnSpc>
+            </a:pPr>
+            <a:endParaRPr/>
+          </a:p>
+          <a:p>
+            <a:pPr>
+              <a:lnSpc>
+                <a:spcPct val="100000"/>
+              </a:lnSpc>
+            </a:pPr>
+            <a:endParaRPr/>
+          </a:p>
+        </p:txBody>
+      </p:sp>
+    </p:spTree>
+  </p:cSld>
+  <p:timing>
+    <p:tnLst>
+      <p:par>
+        <p:cTn dur="indefinite" id="109" nodeType="tmRoot" restart="never">
+          <p:childTnLst>
+            <p:seq>
+              <p:cTn id="110" nodeType="mainSeq">
+                <p:childTnLst>
+                  <p:par>
+                    <p:cTn fill="freeze" id="111">
+                      <p:stCondLst>
+                        <p:cond delay="indefinite"/>
+                      </p:stCondLst>
+                      <p:childTnLst>
+                        <p:par>
+                          <p:cTn fill="freeze" id="112">
+                            <p:stCondLst>
+                              <p:cond delay="0"/>
+                            </p:stCondLst>
+                            <p:childTnLst>
+                              <p:par>
+                                <p:cTn fill="hold" id="113" nodeType="clickEffect" presetClass="entr" presetID="1">
+                                  <p:stCondLst>
+                                    <p:cond delay="0"/>
+                                  </p:stCondLst>
+                                  <p:childTnLst>
+                                    <p:set>
+                                      <p:cBhvr>
+                                        <p:cTn dur="1" fill="hold" id="114">
+                                          <p:stCondLst>
+                                            <p:cond delay="0"/>
+                                          </p:stCondLst>
+                                        </p:cTn>
+                                        <p:tgtEl>
+                                          <p:spTgt spid="161">
+                                            <p:txEl>
+                                              <p:pRg end="9" st="1"/>
+                                            </p:txEl>
+                                          </p:spTgt>
+                                        </p:tgtEl>
+                                        <p:attrNameLst>
+                                          <p:attrName>style.visibility</p:attrName>
+                                        </p:attrNameLst>
+                                      </p:cBhvr>
+                                      <p:to>
+                                        <p:strVal val="visible"/>
+                                      </p:to>
+                                    </p:set>
+                                  </p:childTnLst>
+                                </p:cTn>
+                              </p:par>
+                            </p:childTnLst>
+                          </p:cTn>
+                        </p:par>
+                      </p:childTnLst>
+                    </p:cTn>
+                  </p:par>
+                  <p:par>
+                    <p:cTn fill="freeze" id="115">
+                      <p:stCondLst>
+                        <p:cond delay="indefinite"/>
+                      </p:stCondLst>
+                      <p:childTnLst>
+                        <p:par>
+                          <p:cTn fill="freeze" id="116">
+                            <p:stCondLst>
+                              <p:cond delay="0"/>
+                            </p:stCondLst>
+                            <p:childTnLst>
+                              <p:par>
+                                <p:cTn fill="hold" id="117" nodeType="clickEffect" presetClass="entr" presetID="1">
+                                  <p:stCondLst>
+                                    <p:cond delay="0"/>
+                                  </p:stCondLst>
+                                  <p:childTnLst>
+                                    <p:set>
+                                      <p:cBhvr>
+                                        <p:cTn dur="1" fill="hold" id="118">
+                                          <p:stCondLst>
+                                            <p:cond delay="0"/>
+                                          </p:stCondLst>
+                                        </p:cTn>
+                                        <p:tgtEl>
+                                          <p:spTgt spid="161">
+                                            <p:txEl>
+                                              <p:pRg end="50" st="9"/>
+                                            </p:txEl>
+                                          </p:spTgt>
+                                        </p:tgtEl>
+                                        <p:attrNameLst>
+                                          <p:attrName>style.visibility</p:attrName>
+                                        </p:attrNameLst>
+                                      </p:cBhvr>
+                                      <p:to>
+                                        <p:strVal val="visible"/>
+                                      </p:to>
+                                    </p:set>
+                                  </p:childTnLst>
+                                </p:cTn>
+                              </p:par>
+                            </p:childTnLst>
+                          </p:cTn>
+                        </p:par>
+                      </p:childTnLst>
+                    </p:cTn>
+                  </p:par>
+                  <p:par>
+                    <p:cTn fill="freeze" id="119">
+                      <p:stCondLst>
+                        <p:cond delay="indefinite"/>
+                      </p:stCondLst>
+                      <p:childTnLst>
+                        <p:par>
+                          <p:cTn fill="freeze" id="120">
+                            <p:stCondLst>
+                              <p:cond delay="0"/>
+                            </p:stCondLst>
+                            <p:childTnLst>
+                              <p:par>
+                                <p:cTn fill="hold" id="121" nodeType="clickEffect" presetClass="entr" presetID="1">
+                                  <p:stCondLst>
+                                    <p:cond delay="0"/>
+                                  </p:stCondLst>
+                                  <p:childTnLst>
+                                    <p:set>
+                                      <p:cBhvr>
+                                        <p:cTn dur="1" fill="hold" id="122">
+                                          <p:stCondLst>
+                                            <p:cond delay="0"/>
+                                          </p:stCondLst>
+                                        </p:cTn>
+                                        <p:tgtEl>
+                                          <p:spTgt spid="161">
+                                            <p:txEl>
+                                              <p:pRg end="73" st="50"/>
+                                            </p:txEl>
+                                          </p:spTgt>
+                                        </p:tgtEl>
+                                        <p:attrNameLst>
+                                          <p:attrName>style.visibility</p:attrName>
+                                        </p:attrNameLst>
+                                      </p:cBhvr>
+                                      <p:to>
+                                        <p:strVal val="visible"/>
+                                      </p:to>
+                                    </p:set>
+                                  </p:childTnLst>
+                                </p:cTn>
+                              </p:par>
+                            </p:childTnLst>
+                          </p:cTn>
+                        </p:par>
+                      </p:childTnLst>
+                    </p:cTn>
+                  </p:par>
+                  <p:par>
+                    <p:cTn fill="freeze" id="123">
+                      <p:stCondLst>
+                        <p:cond delay="indefinite"/>
+                      </p:stCondLst>
+                      <p:childTnLst>
+                        <p:par>
+                          <p:cTn fill="freeze" id="124">
+                            <p:stCondLst>
+                              <p:cond delay="0"/>
+                            </p:stCondLst>
+                            <p:childTnLst>
+                              <p:par>
+                                <p:cTn fill="hold" id="125" nodeType="clickEffect" presetClass="entr" presetID="1">
+                                  <p:stCondLst>
+                                    <p:cond delay="0"/>
+                                  </p:stCondLst>
+                                  <p:childTnLst>
+                                    <p:set>
+                                      <p:cBhvr>
+                                        <p:cTn dur="1" fill="hold" id="126">
+                                          <p:stCondLst>
+                                            <p:cond delay="0"/>
+                                          </p:stCondLst>
+                                        </p:cTn>
+                                        <p:tgtEl>
+                                          <p:spTgt spid="161">
+                                            <p:txEl>
+                                              <p:pRg end="140" st="74"/>
+                                            </p:txEl>
+                                          </p:spTgt>
+                                        </p:tgtEl>
+                                        <p:attrNameLst>
+                                          <p:attrName>style.visibility</p:attrName>
+                                        </p:attrNameLst>
+                                      </p:cBhvr>
+                                      <p:to>
+                                        <p:strVal val="visible"/>
+                                      </p:to>
+                                    </p:set>
+                                  </p:childTnLst>
+                                </p:cTn>
+                              </p:par>
+                            </p:childTnLst>
+                          </p:cTn>
+                        </p:par>
+                      </p:childTnLst>
+                    </p:cTn>
+                  </p:par>
+                </p:childTnLst>
+              </p:cTn>
+              <p:prevCondLst>
+                <p:cond delay="0" evt="onPrev">
+                  <p:tgtEl>
+                    <p:sldTgt/>
+                  </p:tgtEl>
+                </p:cond>
+              </p:prevCondLst>
+              <p:nextCondLst>
+                <p:cond delay="0" evt="onNext">
+                  <p:tgtEl>
+                    <p:sldTgt/>
+                  </p:tgtEl>
+                </p:cond>
+              </p:nextCondLst>
+            </p:seq>
+          </p:childTnLst>
+        </p:cTn>
+      </p:par>
+    </p:tnLst>
+  </p:timing>
+</p:sld>
+</file>
+
+<file path=ppt/slides/slide16.xml><?xml version="1.0" encoding="utf-8"?>
+<p:sld xmlns:a="http://schemas.openxmlformats.org/drawingml/2006/main" xmlns:p="http://schemas.openxmlformats.org/presentationml/2006/main" xmlns:r="http://schemas.openxmlformats.org/officeDocument/2006/relationships">
+  <p:cSld>
+    <p:spTree>
+      <p:nvGrpSpPr>
+        <p:cNvPr id="1" name=""/>
+        <p:cNvGrpSpPr/>
+        <p:nvPr/>
+      </p:nvGrpSpPr>
+      <p:grpSpPr>
+        <a:xfrm>
+          <a:off x="0" y="0"/>
+          <a:ext cx="0" cy="0"/>
+          <a:chOff x="0" y="0"/>
+          <a:chExt cx="0" cy="0"/>
+        </a:xfrm>
+      </p:grpSpPr>
+      <p:sp>
+        <p:nvSpPr>
+          <p:cNvPr id="162" name="CustomShape 1"/>
+          <p:cNvSpPr/>
+          <p:nvPr/>
+        </p:nvSpPr>
+        <p:spPr>
+          <a:xfrm>
+            <a:off x="457200" y="911520"/>
+            <a:ext cx="8228160" cy="1141560"/>
           </a:xfrm>
           <a:prstGeom prst="rect">
             <a:avLst/>
@@ -5802,26 +6530,86 @@
           </a:p>
         </p:txBody>
       </p:sp>
+      <p:sp>
+        <p:nvSpPr>
+          <p:cNvPr id="163" name="CustomShape 2"/>
+          <p:cNvSpPr/>
+          <p:nvPr/>
+        </p:nvSpPr>
+        <p:spPr>
+          <a:xfrm>
+            <a:off x="457200" y="2054520"/>
+            <a:ext cx="8228160" cy="3917520"/>
+          </a:xfrm>
+          <a:prstGeom prst="rect">
+            <a:avLst/>
+          </a:prstGeom>
+        </p:spPr>
+        <p:txBody>
+          <a:bodyPr bIns="45000" lIns="90000" rIns="90000" tIns="45000"/>
+          <a:p>
+            <a:pPr>
+              <a:lnSpc>
+                <a:spcPct val="100000"/>
+              </a:lnSpc>
+            </a:pPr>
+            <a:r>
+              <a:rPr lang="en-US" sz="2800">
+                <a:solidFill>
+                  <a:srgbClr val="ffffff"/>
+                </a:solidFill>
+                <a:latin typeface="Calibri"/>
+              </a:rPr>
+              <a:t>For each move output move diff + surround histogram of radius 1</a:t>
+            </a:r>
+            <a:endParaRPr/>
+          </a:p>
+          <a:p>
+            <a:pPr>
+              <a:lnSpc>
+                <a:spcPct val="100000"/>
+              </a:lnSpc>
+            </a:pPr>
+            <a:endParaRPr/>
+          </a:p>
+          <a:p>
+            <a:pPr>
+              <a:lnSpc>
+                <a:spcPct val="100000"/>
+              </a:lnSpc>
+            </a:pPr>
+            <a:endParaRPr/>
+          </a:p>
+          <a:p>
+            <a:pPr>
+              <a:lnSpc>
+                <a:spcPct val="100000"/>
+              </a:lnSpc>
+            </a:pPr>
+            <a:endParaRPr/>
+          </a:p>
+        </p:txBody>
+      </p:sp>
       <p:graphicFrame>
         <p:nvGraphicFramePr>
-          <p:cNvPr id="159" name="Table 2"/>
+          <p:cNvPr id="164" name="Table 3"/>
           <p:cNvGraphicFramePr/>
           <p:nvPr/>
         </p:nvGraphicFramePr>
         <p:xfrm>
-          <a:off x="1936800" y="2989440"/>
-          <a:ext cx="5469840" cy="2496960"/>
+          <a:off x="1712880" y="3444480"/>
+          <a:ext cx="5775480" cy="2641680"/>
         </p:xfrm>
         <a:graphic>
           <a:graphicData uri="http://schemas.openxmlformats.org/drawingml/2006/table">
             <a:tbl>
               <a:tblPr/>
               <a:tblGrid>
-                <a:gridCol w="1822680"/>
-                <a:gridCol w="1822680"/>
-                <a:gridCol w="1824480"/>
+                <a:gridCol w="1924560"/>
+                <a:gridCol w="1924560"/>
+                <a:gridCol w="1926360"/>
               </a:tblGrid>
-              <a:tr h="832320">
+              <a:tr h="880560">
                 <a:tc>
                   <a:txBody>
                     <a:bodyPr bIns="46800" lIns="90000" rIns="90000" tIns="46800" wrap="none"/>
@@ -5865,7 +6653,7 @@
                   <a:tcPr/>
                 </a:tc>
               </a:tr>
-              <a:tr h="832320">
+              <a:tr h="880560">
                 <a:tc>
                   <a:txBody>
                     <a:bodyPr bIns="46800" lIns="90000" rIns="90000" tIns="46800" wrap="none"/>
@@ -5887,7 +6675,7 @@
                       <a:pPr algn="ctr"/>
                       <a:r>
                         <a:rPr lang="en-US"/>
-                        <a:t>B, R, K, N, Q, P</a:t>
+                        <a:t>B,R,K,N,Q,P</a:t>
                       </a:r>
                       <a:endParaRPr/>
                     </a:p>
@@ -5909,7 +6697,7 @@
                   <a:tcPr/>
                 </a:tc>
               </a:tr>
-              <a:tr h="832320">
+              <a:tr h="880560">
                 <a:tc>
                   <a:txBody>
                     <a:bodyPr bIns="46800" lIns="90000" rIns="90000" tIns="46800" wrap="none"/>
@@ -5962,791 +6750,155 @@
   <p:timing>
     <p:tnLst>
       <p:par>
-        <p:cTn dur="indefinite" id="27" nodeType="tmRoot" restart="never">
+        <p:cTn dur="indefinite" id="127" nodeType="tmRoot" restart="never">
           <p:childTnLst>
             <p:seq>
-              <p:cTn id="28" nodeType="mainSeq">
-                <p:childTnLst/>
-              </p:cTn>
-              <p:prevCondLst>
-                <p:cond delay="0" evt="onPrev">
-                  <p:tgtEl>
-                    <p:sldTgt/>
-                  </p:tgtEl>
-                </p:cond>
-              </p:prevCondLst>
-              <p:nextCondLst>
-                <p:cond delay="0" evt="onNext">
-                  <p:tgtEl>
-                    <p:sldTgt/>
-                  </p:tgtEl>
-                </p:cond>
-              </p:nextCondLst>
-            </p:seq>
-          </p:childTnLst>
-        </p:cTn>
-      </p:par>
-    </p:tnLst>
-  </p:timing>
-</p:sld>
-</file>
-
-<file path=ppt/slides/slide15.xml><?xml version="1.0" encoding="utf-8"?>
-<p:sld xmlns:a="http://schemas.openxmlformats.org/drawingml/2006/main" xmlns:p="http://schemas.openxmlformats.org/presentationml/2006/main" xmlns:r="http://schemas.openxmlformats.org/officeDocument/2006/relationships">
-  <p:cSld>
-    <p:spTree>
-      <p:nvGrpSpPr>
-        <p:cNvPr id="1" name=""/>
-        <p:cNvGrpSpPr/>
-        <p:nvPr/>
-      </p:nvGrpSpPr>
-      <p:grpSpPr>
-        <a:xfrm>
-          <a:off x="0" y="0"/>
-          <a:ext cx="0" cy="0"/>
-          <a:chOff x="0" y="0"/>
-          <a:chExt cx="0" cy="0"/>
-        </a:xfrm>
-      </p:grpSpPr>
-      <p:sp>
-        <p:nvSpPr>
-          <p:cNvPr id="160" name="CustomShape 1"/>
-          <p:cNvSpPr/>
-          <p:nvPr/>
-        </p:nvSpPr>
-        <p:spPr>
-          <a:xfrm>
-            <a:off x="457200" y="911520"/>
-            <a:ext cx="8228520" cy="1141920"/>
-          </a:xfrm>
-          <a:prstGeom prst="rect">
-            <a:avLst/>
-          </a:prstGeom>
-        </p:spPr>
-        <p:txBody>
-          <a:bodyPr anchor="ctr" bIns="45000" lIns="90000" rIns="90000" tIns="45000"/>
-          <a:p>
-            <a:pPr>
-              <a:lnSpc>
-                <a:spcPct val="100000"/>
-              </a:lnSpc>
-            </a:pPr>
-            <a:r>
-              <a:rPr lang="en-US" sz="3600">
-                <a:solidFill>
-                  <a:srgbClr val="ffecbd"/>
-                </a:solidFill>
-                <a:latin typeface="Calibri"/>
-              </a:rPr>
-              <a:t>Simple move 2.0</a:t>
-            </a:r>
-            <a:endParaRPr/>
-          </a:p>
-        </p:txBody>
-      </p:sp>
-      <p:graphicFrame>
-        <p:nvGraphicFramePr>
-          <p:cNvPr id="161" name="Table 2"/>
-          <p:cNvGraphicFramePr/>
-          <p:nvPr/>
-        </p:nvGraphicFramePr>
-        <p:xfrm>
-          <a:off x="209160" y="2131200"/>
-          <a:ext cx="8709840" cy="731880"/>
-        </p:xfrm>
-        <a:graphic>
-          <a:graphicData uri="http://schemas.openxmlformats.org/drawingml/2006/table">
-            <a:tbl>
-              <a:tblPr/>
-              <a:tblGrid>
-                <a:gridCol w="1594080"/>
-                <a:gridCol w="2575440"/>
-                <a:gridCol w="2089800"/>
-                <a:gridCol w="2450520"/>
-              </a:tblGrid>
-              <a:tr h="598320">
-                <a:tc>
-                  <a:txBody>
-                    <a:bodyPr bIns="46800" lIns="90000" rIns="90000" tIns="46800" wrap="none"/>
-                    <a:p>
-                      <a:pPr algn="ctr"/>
-                      <a:r>
-                        <a:rPr lang="en-US"/>
-                        <a:t>Piece</a:t>
-                      </a:r>
-                      <a:endParaRPr/>
-                    </a:p>
-                  </a:txBody>
-                  <a:tcPr/>
-                </a:tc>
-                <a:tc>
-                  <a:txBody>
-                    <a:bodyPr bIns="46800" lIns="90000" rIns="90000" tIns="46800" wrap="none"/>
-                    <a:p>
-                      <a:pPr algn="ctr"/>
-                      <a:r>
-                        <a:rPr lang="en-US"/>
-                        <a:t>Move diff</a:t>
-                      </a:r>
-                      <a:endParaRPr/>
-                    </a:p>
-                  </a:txBody>
-                  <a:tcPr/>
-                </a:tc>
-                <a:tc>
-                  <a:txBody>
-                    <a:bodyPr bIns="46800" lIns="90000" rIns="90000" tIns="46800" wrap="none"/>
-                    <a:p>
-                      <a:pPr algn="ctr"/>
-                      <a:r>
-                        <a:rPr lang="en-US"/>
-                        <a:t>Relative location</a:t>
-                      </a:r>
-                      <a:endParaRPr/>
-                    </a:p>
-                  </a:txBody>
-                  <a:tcPr/>
-                </a:tc>
-                <a:tc>
-                  <a:txBody>
-                    <a:bodyPr bIns="46800" lIns="90000" rIns="90000" tIns="46800" wrap="none"/>
-                    <a:p>
-                      <a:pPr algn="ctr"/>
-                      <a:r>
-                        <a:rPr lang="en-US"/>
-                        <a:t>Content</a:t>
-                      </a:r>
-                      <a:endParaRPr/>
-                    </a:p>
-                  </a:txBody>
-                  <a:tcPr/>
-                </a:tc>
-              </a:tr>
-              <a:tr h="366120">
-                <a:tc>
-                  <a:txBody>
-                    <a:bodyPr bIns="46800" lIns="90000" rIns="90000" tIns="46800" wrap="none"/>
-                    <a:p>
-                      <a:pPr algn="ctr"/>
-                      <a:r>
-                        <a:rPr lang="en-US"/>
-                        <a:t>Queen</a:t>
-                      </a:r>
-                      <a:endParaRPr/>
-                    </a:p>
-                  </a:txBody>
-                  <a:tcPr/>
-                </a:tc>
-                <a:tc>
-                  <a:txBody>
-                    <a:bodyPr bIns="46800" lIns="90000" rIns="90000" tIns="46800" wrap="none"/>
-                    <a:p>
-                      <a:pPr algn="ctr"/>
-                      <a:r>
-                        <a:rPr lang="en-US"/>
-                        <a:t>(-2, -2), (-3, -3), (-4,-4), (-5, -5), (-6,-6), (-7, -7)</a:t>
-                      </a:r>
-                      <a:endParaRPr/>
-                    </a:p>
-                  </a:txBody>
-                  <a:tcPr/>
-                </a:tc>
-                <a:tc>
-                  <a:txBody>
-                    <a:bodyPr bIns="46800" lIns="90000" rIns="90000" tIns="46800" wrap="none"/>
-                    <a:p>
-                      <a:pPr algn="ctr"/>
-                      <a:r>
-                        <a:rPr lang="en-US"/>
-                        <a:t>0</a:t>
-                      </a:r>
-                      <a:endParaRPr/>
-                    </a:p>
-                  </a:txBody>
-                  <a:tcPr/>
-                </a:tc>
-                <a:tc>
-                  <a:txBody>
-                    <a:bodyPr bIns="46800" lIns="90000" rIns="90000" tIns="46800" wrap="none"/>
-                    <a:p>
-                      <a:pPr algn="ctr"/>
-                      <a:r>
-                        <a:rPr lang="en-US"/>
-                        <a:t>Free</a:t>
-                      </a:r>
-                      <a:endParaRPr/>
-                    </a:p>
-                  </a:txBody>
-                  <a:tcPr/>
-                </a:tc>
-              </a:tr>
-            </a:tbl>
-          </a:graphicData>
-        </a:graphic>
-      </p:graphicFrame>
-      <p:graphicFrame>
-        <p:nvGraphicFramePr>
-          <p:cNvPr id="162" name="Table 3"/>
-          <p:cNvGraphicFramePr/>
-          <p:nvPr/>
-        </p:nvGraphicFramePr>
-        <p:xfrm>
-          <a:off x="1791720" y="3831480"/>
-          <a:ext cx="5469840" cy="2496960"/>
-        </p:xfrm>
-        <a:graphic>
-          <a:graphicData uri="http://schemas.openxmlformats.org/drawingml/2006/table">
-            <a:tbl>
-              <a:tblPr/>
-              <a:tblGrid>
-                <a:gridCol w="1822680"/>
-                <a:gridCol w="1822680"/>
-                <a:gridCol w="1824480"/>
-              </a:tblGrid>
-              <a:tr h="832320">
-                <a:tc>
-                  <a:txBody>
-                    <a:bodyPr bIns="46800" lIns="90000" rIns="90000" tIns="46800" wrap="none"/>
-                    <a:p>
-                      <a:pPr algn="ctr"/>
-                      <a:r>
-                        <a:rPr b="1" lang="en-US"/>
-                        <a:t>Free</a:t>
-                      </a:r>
-                      <a:endParaRPr/>
-                    </a:p>
-                  </a:txBody>
-                  <a:tcPr/>
-                </a:tc>
-                <a:tc>
-                  <a:txBody>
-                    <a:bodyPr bIns="46800" lIns="90000" rIns="90000" tIns="46800" wrap="none"/>
-                    <a:p>
-                      <a:pPr algn="ctr"/>
-                      <a:r>
-                        <a:rPr lang="en-US"/>
-                        <a:t>1</a:t>
-                      </a:r>
-                      <a:endParaRPr/>
-                    </a:p>
-                  </a:txBody>
-                  <a:tcPr/>
-                </a:tc>
-                <a:tc>
-                  <a:txBody>
-                    <a:bodyPr bIns="46800" lIns="90000" rIns="90000" tIns="46800" wrap="none"/>
-                    <a:p>
-                      <a:pPr algn="ctr"/>
-                      <a:r>
-                        <a:rPr lang="en-US"/>
-                        <a:t>2</a:t>
-                      </a:r>
-                      <a:endParaRPr/>
-                    </a:p>
-                  </a:txBody>
-                  <a:tcPr/>
-                </a:tc>
-              </a:tr>
-              <a:tr h="832320">
-                <a:tc>
-                  <a:txBody>
-                    <a:bodyPr bIns="46800" lIns="90000" rIns="90000" tIns="46800" wrap="none"/>
-                    <a:p>
-                      <a:pPr algn="ctr"/>
-                      <a:r>
-                        <a:rPr lang="en-US"/>
-                        <a:t>3</a:t>
-                      </a:r>
-                      <a:endParaRPr/>
-                    </a:p>
-                  </a:txBody>
-                  <a:tcPr/>
-                </a:tc>
-                <a:tc>
-                  <a:txBody>
-                    <a:bodyPr bIns="46800" lIns="90000" rIns="90000" tIns="46800" wrap="none"/>
-                    <a:p>
-                      <a:pPr algn="ctr"/>
-                      <a:r>
-                        <a:rPr lang="en-US"/>
-                        <a:t>Q</a:t>
-                      </a:r>
-                      <a:endParaRPr/>
-                    </a:p>
-                  </a:txBody>
-                  <a:tcPr/>
-                </a:tc>
-                <a:tc>
-                  <a:txBody>
-                    <a:bodyPr bIns="46800" lIns="90000" rIns="90000" tIns="46800" wrap="none"/>
-                    <a:p>
-                      <a:pPr algn="ctr"/>
-                      <a:r>
-                        <a:rPr lang="en-US"/>
-                        <a:t>5</a:t>
-                      </a:r>
-                      <a:endParaRPr/>
-                    </a:p>
-                  </a:txBody>
-                  <a:tcPr/>
-                </a:tc>
-              </a:tr>
-              <a:tr h="832320">
-                <a:tc>
-                  <a:txBody>
-                    <a:bodyPr bIns="46800" lIns="90000" rIns="90000" tIns="46800" wrap="none"/>
-                    <a:p>
-                      <a:pPr algn="ctr"/>
-                      <a:r>
-                        <a:rPr lang="en-US"/>
-                        <a:t>6</a:t>
-                      </a:r>
-                      <a:endParaRPr/>
-                    </a:p>
-                  </a:txBody>
-                  <a:tcPr/>
-                </a:tc>
-                <a:tc>
-                  <a:txBody>
-                    <a:bodyPr bIns="46800" lIns="90000" rIns="90000" tIns="46800" wrap="none"/>
-                    <a:p>
-                      <a:pPr algn="ctr"/>
-                      <a:r>
-                        <a:rPr lang="en-US"/>
-                        <a:t>7</a:t>
-                      </a:r>
-                      <a:endParaRPr/>
-                    </a:p>
-                  </a:txBody>
-                  <a:tcPr/>
-                </a:tc>
-                <a:tc>
-                  <a:txBody>
-                    <a:bodyPr bIns="46800" lIns="90000" rIns="90000" tIns="46800" wrap="none"/>
-                    <a:p>
-                      <a:pPr algn="ctr"/>
-                      <a:r>
-                        <a:rPr lang="en-US"/>
-                        <a:t>8</a:t>
-                      </a:r>
-                      <a:endParaRPr/>
-                    </a:p>
-                  </a:txBody>
-                  <a:tcPr/>
-                </a:tc>
-              </a:tr>
-            </a:tbl>
-          </a:graphicData>
-        </a:graphic>
-      </p:graphicFrame>
-    </p:spTree>
-  </p:cSld>
-  <p:timing>
-    <p:tnLst>
-      <p:par>
-        <p:cTn dur="indefinite" id="29" nodeType="tmRoot" restart="never">
-          <p:childTnLst>
-            <p:seq>
-              <p:cTn id="30" nodeType="mainSeq">
-                <p:childTnLst/>
-              </p:cTn>
-              <p:prevCondLst>
-                <p:cond delay="0" evt="onPrev">
-                  <p:tgtEl>
-                    <p:sldTgt/>
-                  </p:tgtEl>
-                </p:cond>
-              </p:prevCondLst>
-              <p:nextCondLst>
-                <p:cond delay="0" evt="onNext">
-                  <p:tgtEl>
-                    <p:sldTgt/>
-                  </p:tgtEl>
-                </p:cond>
-              </p:nextCondLst>
-            </p:seq>
-          </p:childTnLst>
-        </p:cTn>
-      </p:par>
-    </p:tnLst>
-  </p:timing>
-</p:sld>
-</file>
-
-<file path=ppt/slides/slide16.xml><?xml version="1.0" encoding="utf-8"?>
-<p:sld xmlns:a="http://schemas.openxmlformats.org/drawingml/2006/main" xmlns:p="http://schemas.openxmlformats.org/presentationml/2006/main" xmlns:r="http://schemas.openxmlformats.org/officeDocument/2006/relationships">
-  <p:cSld>
-    <p:spTree>
-      <p:nvGrpSpPr>
-        <p:cNvPr id="1" name=""/>
-        <p:cNvGrpSpPr/>
-        <p:nvPr/>
-      </p:nvGrpSpPr>
-      <p:grpSpPr>
-        <a:xfrm>
-          <a:off x="0" y="0"/>
-          <a:ext cx="0" cy="0"/>
-          <a:chOff x="0" y="0"/>
-          <a:chExt cx="0" cy="0"/>
-        </a:xfrm>
-      </p:grpSpPr>
-      <p:sp>
-        <p:nvSpPr>
-          <p:cNvPr id="163" name="CustomShape 1"/>
-          <p:cNvSpPr/>
-          <p:nvPr/>
-        </p:nvSpPr>
-        <p:spPr>
-          <a:xfrm>
-            <a:off x="457200" y="911520"/>
-            <a:ext cx="8228520" cy="1141920"/>
-          </a:xfrm>
-          <a:prstGeom prst="rect">
-            <a:avLst/>
-          </a:prstGeom>
-        </p:spPr>
-        <p:txBody>
-          <a:bodyPr anchor="ctr" bIns="45000" lIns="90000" rIns="90000" tIns="45000"/>
-          <a:p>
-            <a:pPr>
-              <a:lnSpc>
-                <a:spcPct val="100000"/>
-              </a:lnSpc>
-            </a:pPr>
-            <a:r>
-              <a:rPr lang="en-US" sz="3600">
-                <a:solidFill>
-                  <a:srgbClr val="ffecbd"/>
-                </a:solidFill>
-                <a:latin typeface="Calibri"/>
-              </a:rPr>
-              <a:t>Simple move 2.0</a:t>
-            </a:r>
-            <a:endParaRPr/>
-          </a:p>
-        </p:txBody>
-      </p:sp>
-      <p:graphicFrame>
-        <p:nvGraphicFramePr>
-          <p:cNvPr id="164" name="Table 2"/>
-          <p:cNvGraphicFramePr/>
-          <p:nvPr/>
-        </p:nvGraphicFramePr>
-        <p:xfrm>
-          <a:off x="209160" y="2131200"/>
-          <a:ext cx="8709840" cy="731880"/>
-        </p:xfrm>
-        <a:graphic>
-          <a:graphicData uri="http://schemas.openxmlformats.org/drawingml/2006/table">
-            <a:tbl>
-              <a:tblPr/>
-              <a:tblGrid>
-                <a:gridCol w="1594080"/>
-                <a:gridCol w="2575440"/>
-                <a:gridCol w="2089800"/>
-                <a:gridCol w="2450520"/>
-              </a:tblGrid>
-              <a:tr h="598320">
-                <a:tc>
-                  <a:txBody>
-                    <a:bodyPr bIns="46800" lIns="90000" rIns="90000" tIns="46800" wrap="none"/>
-                    <a:p>
-                      <a:pPr algn="ctr"/>
-                      <a:r>
-                        <a:rPr lang="en-US"/>
-                        <a:t>Piece</a:t>
-                      </a:r>
-                      <a:endParaRPr/>
-                    </a:p>
-                  </a:txBody>
-                  <a:tcPr/>
-                </a:tc>
-                <a:tc>
-                  <a:txBody>
-                    <a:bodyPr bIns="46800" lIns="90000" rIns="90000" tIns="46800" wrap="none"/>
-                    <a:p>
-                      <a:pPr algn="ctr"/>
-                      <a:r>
-                        <a:rPr lang="en-US"/>
-                        <a:t>Move diff</a:t>
-                      </a:r>
-                      <a:endParaRPr/>
-                    </a:p>
-                  </a:txBody>
-                  <a:tcPr/>
-                </a:tc>
-                <a:tc>
-                  <a:txBody>
-                    <a:bodyPr bIns="46800" lIns="90000" rIns="90000" tIns="46800" wrap="none"/>
-                    <a:p>
-                      <a:pPr algn="ctr"/>
-                      <a:r>
-                        <a:rPr lang="en-US"/>
-                        <a:t>Relative location</a:t>
-                      </a:r>
-                      <a:endParaRPr/>
-                    </a:p>
-                  </a:txBody>
-                  <a:tcPr/>
-                </a:tc>
-                <a:tc>
-                  <a:txBody>
-                    <a:bodyPr bIns="46800" lIns="90000" rIns="90000" tIns="46800" wrap="none"/>
-                    <a:p>
-                      <a:pPr algn="ctr"/>
-                      <a:r>
-                        <a:rPr lang="en-US"/>
-                        <a:t>Content</a:t>
-                      </a:r>
-                      <a:endParaRPr/>
-                    </a:p>
-                  </a:txBody>
-                  <a:tcPr/>
-                </a:tc>
-              </a:tr>
-              <a:tr h="867240">
-                <a:tc>
-                  <a:txBody>
-                    <a:bodyPr bIns="46800" lIns="90000" rIns="90000" tIns="46800" wrap="none"/>
-                    <a:p>
-                      <a:pPr algn="ctr"/>
-                      <a:r>
-                        <a:rPr lang="en-US"/>
-                        <a:t>Queen</a:t>
-                      </a:r>
-                      <a:endParaRPr/>
-                    </a:p>
-                  </a:txBody>
-                  <a:tcPr/>
-                </a:tc>
-                <a:tc>
-                  <a:txBody>
-                    <a:bodyPr bIns="46800" lIns="90000" rIns="90000" tIns="46800" wrap="none"/>
-                    <a:p>
-                      <a:pPr algn="ctr"/>
-                      <a:r>
-                        <a:rPr lang="en-US"/>
-                        <a:t>(-7, 7)</a:t>
-                      </a:r>
-                      <a:endParaRPr/>
-                    </a:p>
-                  </a:txBody>
-                  <a:tcPr/>
-                </a:tc>
-                <a:tc>
-                  <a:txBody>
-                    <a:bodyPr bIns="46800" lIns="90000" rIns="90000" tIns="46800" wrap="none"/>
-                    <a:p>
-                      <a:pPr algn="ctr"/>
-                      <a:r>
-                        <a:rPr lang="en-US"/>
-                        <a:t>2</a:t>
-                      </a:r>
-                      <a:endParaRPr/>
-                    </a:p>
-                    <a:p>
-                      <a:pPr algn="ctr"/>
-                      <a:r>
-                        <a:rPr lang="en-US"/>
-                        <a:t>6</a:t>
-                      </a:r>
-                      <a:endParaRPr/>
-                    </a:p>
-                  </a:txBody>
-                  <a:tcPr/>
-                </a:tc>
-                <a:tc>
-                  <a:txBody>
-                    <a:bodyPr bIns="46800" lIns="90000" rIns="90000" tIns="46800" wrap="none"/>
-                    <a:p>
-                      <a:pPr algn="ctr"/>
-                      <a:r>
-                        <a:rPr lang="en-US"/>
-                        <a:t>Out of the board</a:t>
-                      </a:r>
-                      <a:endParaRPr/>
-                    </a:p>
-                    <a:p>
-                      <a:pPr algn="ctr"/>
-                      <a:r>
-                        <a:rPr lang="en-US"/>
-                        <a:t>Free</a:t>
-                      </a:r>
-                      <a:endParaRPr/>
-                    </a:p>
-                  </a:txBody>
-                  <a:tcPr/>
-                </a:tc>
-              </a:tr>
-            </a:tbl>
-          </a:graphicData>
-        </a:graphic>
-      </p:graphicFrame>
-      <p:graphicFrame>
-        <p:nvGraphicFramePr>
-          <p:cNvPr id="165" name="Table 3"/>
-          <p:cNvGraphicFramePr/>
-          <p:nvPr/>
-        </p:nvGraphicFramePr>
-        <p:xfrm>
-          <a:off x="1791720" y="3831480"/>
-          <a:ext cx="5469840" cy="2496960"/>
-        </p:xfrm>
-        <a:graphic>
-          <a:graphicData uri="http://schemas.openxmlformats.org/drawingml/2006/table">
-            <a:tbl>
-              <a:tblPr/>
-              <a:tblGrid>
-                <a:gridCol w="1822680"/>
-                <a:gridCol w="1822680"/>
-                <a:gridCol w="1824480"/>
-              </a:tblGrid>
-              <a:tr h="832320">
-                <a:tc>
-                  <a:txBody>
-                    <a:bodyPr bIns="46800" lIns="90000" rIns="90000" tIns="46800" wrap="none"/>
-                    <a:p>
-                      <a:pPr algn="ctr"/>
-                      <a:r>
-                        <a:rPr lang="en-US"/>
-                        <a:t>0</a:t>
-                      </a:r>
-                      <a:endParaRPr/>
-                    </a:p>
-                  </a:txBody>
-                  <a:tcPr/>
-                </a:tc>
-                <a:tc>
-                  <a:txBody>
-                    <a:bodyPr bIns="46800" lIns="90000" rIns="90000" tIns="46800" wrap="none"/>
-                    <a:p>
-                      <a:pPr algn="ctr"/>
-                      <a:r>
-                        <a:rPr lang="en-US"/>
-                        <a:t>1</a:t>
-                      </a:r>
-                      <a:endParaRPr/>
-                    </a:p>
-                  </a:txBody>
-                  <a:tcPr/>
-                </a:tc>
-                <a:tc>
-                  <a:txBody>
-                    <a:bodyPr bIns="46800" lIns="90000" rIns="90000" tIns="46800" wrap="none"/>
-                    <a:p>
-                      <a:pPr algn="ctr"/>
-                      <a:r>
-                        <a:rPr b="1" lang="en-US"/>
-                        <a:t>Out of the Board</a:t>
-                      </a:r>
-                      <a:endParaRPr/>
-                    </a:p>
-                  </a:txBody>
-                  <a:tcPr/>
-                </a:tc>
-              </a:tr>
-              <a:tr h="832320">
-                <a:tc>
-                  <a:txBody>
-                    <a:bodyPr bIns="46800" lIns="90000" rIns="90000" tIns="46800" wrap="none"/>
-                    <a:p>
-                      <a:pPr algn="ctr"/>
-                      <a:r>
-                        <a:rPr lang="en-US"/>
-                        <a:t>3</a:t>
-                      </a:r>
-                      <a:endParaRPr/>
-                    </a:p>
-                  </a:txBody>
-                  <a:tcPr/>
-                </a:tc>
-                <a:tc>
-                  <a:txBody>
-                    <a:bodyPr bIns="46800" lIns="90000" rIns="90000" tIns="46800" wrap="none"/>
-                    <a:p>
-                      <a:pPr algn="ctr"/>
-                      <a:r>
-                        <a:rPr lang="en-US"/>
-                        <a:t>Q</a:t>
-                      </a:r>
-                      <a:endParaRPr/>
-                    </a:p>
-                  </a:txBody>
-                  <a:tcPr/>
-                </a:tc>
-                <a:tc>
-                  <a:txBody>
-                    <a:bodyPr bIns="46800" lIns="90000" rIns="90000" tIns="46800" wrap="none"/>
-                    <a:p>
-                      <a:pPr algn="ctr"/>
-                      <a:r>
-                        <a:rPr lang="en-US"/>
-                        <a:t>5</a:t>
-                      </a:r>
-                      <a:endParaRPr/>
-                    </a:p>
-                  </a:txBody>
-                  <a:tcPr/>
-                </a:tc>
-              </a:tr>
-              <a:tr h="832320">
-                <a:tc>
-                  <a:txBody>
-                    <a:bodyPr bIns="46800" lIns="90000" rIns="90000" tIns="46800" wrap="none"/>
-                    <a:p>
-                      <a:pPr algn="ctr"/>
-                      <a:r>
-                        <a:rPr b="1" lang="en-US"/>
-                        <a:t>Free</a:t>
-                      </a:r>
-                      <a:endParaRPr/>
-                    </a:p>
-                  </a:txBody>
-                  <a:tcPr/>
-                </a:tc>
-                <a:tc>
-                  <a:txBody>
-                    <a:bodyPr bIns="46800" lIns="90000" rIns="90000" tIns="46800" wrap="none"/>
-                    <a:p>
-                      <a:pPr algn="ctr"/>
-                      <a:r>
-                        <a:rPr lang="en-US"/>
-                        <a:t>7</a:t>
-                      </a:r>
-                      <a:endParaRPr/>
-                    </a:p>
-                  </a:txBody>
-                  <a:tcPr/>
-                </a:tc>
-                <a:tc>
-                  <a:txBody>
-                    <a:bodyPr bIns="46800" lIns="90000" rIns="90000" tIns="46800" wrap="none"/>
-                    <a:p>
-                      <a:pPr algn="ctr"/>
-                      <a:r>
-                        <a:rPr lang="en-US"/>
-                        <a:t>8</a:t>
-                      </a:r>
-                      <a:endParaRPr/>
-                    </a:p>
-                  </a:txBody>
-                  <a:tcPr/>
-                </a:tc>
-              </a:tr>
-            </a:tbl>
-          </a:graphicData>
-        </a:graphic>
-      </p:graphicFrame>
-    </p:spTree>
-  </p:cSld>
-  <p:timing>
-    <p:tnLst>
-      <p:par>
-        <p:cTn dur="indefinite" id="31" nodeType="tmRoot" restart="never">
-          <p:childTnLst>
-            <p:seq>
-              <p:cTn id="32" nodeType="mainSeq">
-                <p:childTnLst/>
+              <p:cTn id="128" nodeType="mainSeq">
+                <p:childTnLst>
+                  <p:par>
+                    <p:cTn fill="freeze" id="129">
+                      <p:stCondLst>
+                        <p:cond delay="indefinite"/>
+                      </p:stCondLst>
+                      <p:childTnLst>
+                        <p:par>
+                          <p:cTn fill="freeze" id="130">
+                            <p:stCondLst>
+                              <p:cond delay="0"/>
+                            </p:stCondLst>
+                            <p:childTnLst>
+                              <p:par>
+                                <p:cTn fill="hold" id="131" nodeType="clickEffect" presetClass="entr" presetID="1">
+                                  <p:stCondLst>
+                                    <p:cond delay="0"/>
+                                  </p:stCondLst>
+                                  <p:childTnLst>
+                                    <p:set>
+                                      <p:cBhvr>
+                                        <p:cTn dur="1" fill="hold" id="132">
+                                          <p:stCondLst>
+                                            <p:cond delay="0"/>
+                                          </p:stCondLst>
+                                        </p:cTn>
+                                        <p:tgtEl>
+                                          <p:spTgt spid="163">
+                                            <p:txEl>
+                                              <p:pRg end="64" st="0"/>
+                                            </p:txEl>
+                                          </p:spTgt>
+                                        </p:tgtEl>
+                                        <p:attrNameLst>
+                                          <p:attrName>style.visibility</p:attrName>
+                                        </p:attrNameLst>
+                                      </p:cBhvr>
+                                      <p:to>
+                                        <p:strVal val="visible"/>
+                                      </p:to>
+                                    </p:set>
+                                  </p:childTnLst>
+                                </p:cTn>
+                              </p:par>
+                            </p:childTnLst>
+                          </p:cTn>
+                        </p:par>
+                      </p:childTnLst>
+                    </p:cTn>
+                  </p:par>
+                  <p:par>
+                    <p:cTn fill="freeze" id="133">
+                      <p:stCondLst>
+                        <p:cond delay="indefinite"/>
+                      </p:stCondLst>
+                      <p:childTnLst>
+                        <p:par>
+                          <p:cTn fill="freeze" id="134">
+                            <p:stCondLst>
+                              <p:cond delay="0"/>
+                            </p:stCondLst>
+                            <p:childTnLst>
+                              <p:par>
+                                <p:cTn fill="hold" id="135" nodeType="clickEffect" presetClass="entr" presetID="1">
+                                  <p:stCondLst>
+                                    <p:cond delay="0"/>
+                                  </p:stCondLst>
+                                  <p:childTnLst>
+                                    <p:set>
+                                      <p:cBhvr>
+                                        <p:cTn dur="1" fill="hold" id="136">
+                                          <p:stCondLst>
+                                            <p:cond delay="0"/>
+                                          </p:stCondLst>
+                                        </p:cTn>
+                                        <p:tgtEl>
+                                          <p:spTgt spid="163">
+                                            <p:txEl>
+                                              <p:pRg end="65" st="64"/>
+                                            </p:txEl>
+                                          </p:spTgt>
+                                        </p:tgtEl>
+                                        <p:attrNameLst>
+                                          <p:attrName>style.visibility</p:attrName>
+                                        </p:attrNameLst>
+                                      </p:cBhvr>
+                                      <p:to>
+                                        <p:strVal val="visible"/>
+                                      </p:to>
+                                    </p:set>
+                                  </p:childTnLst>
+                                </p:cTn>
+                              </p:par>
+                            </p:childTnLst>
+                          </p:cTn>
+                        </p:par>
+                      </p:childTnLst>
+                    </p:cTn>
+                  </p:par>
+                  <p:par>
+                    <p:cTn fill="freeze" id="137">
+                      <p:stCondLst>
+                        <p:cond delay="indefinite"/>
+                      </p:stCondLst>
+                      <p:childTnLst>
+                        <p:par>
+                          <p:cTn fill="freeze" id="138">
+                            <p:stCondLst>
+                              <p:cond delay="0"/>
+                            </p:stCondLst>
+                            <p:childTnLst>
+                              <p:par>
+                                <p:cTn fill="hold" id="139" nodeType="clickEffect" presetClass="entr" presetID="1">
+                                  <p:stCondLst>
+                                    <p:cond delay="0"/>
+                                  </p:stCondLst>
+                                  <p:childTnLst>
+                                    <p:set>
+                                      <p:cBhvr>
+                                        <p:cTn dur="1" fill="hold" id="140">
+                                          <p:stCondLst>
+                                            <p:cond delay="0"/>
+                                          </p:stCondLst>
+                                        </p:cTn>
+                                        <p:tgtEl>
+                                          <p:spTgt spid="164"/>
+                                        </p:tgtEl>
+                                        <p:attrNameLst>
+                                          <p:attrName>style.visibility</p:attrName>
+                                        </p:attrNameLst>
+                                      </p:cBhvr>
+                                      <p:to>
+                                        <p:strVal val="visible"/>
+                                      </p:to>
+                                    </p:set>
+                                  </p:childTnLst>
+                                </p:cTn>
+                              </p:par>
+                            </p:childTnLst>
+                          </p:cTn>
+                        </p:par>
+                      </p:childTnLst>
+                    </p:cTn>
+                  </p:par>
+                </p:childTnLst>
               </p:cTn>
               <p:prevCondLst>
                 <p:cond delay="0" evt="onPrev">
@@ -6790,14 +6942,14 @@
       </p:grpSpPr>
       <p:sp>
         <p:nvSpPr>
-          <p:cNvPr id="166" name="CustomShape 1"/>
+          <p:cNvPr id="165" name="CustomShape 1"/>
           <p:cNvSpPr/>
           <p:nvPr/>
         </p:nvSpPr>
         <p:spPr>
           <a:xfrm>
             <a:off x="457200" y="911520"/>
-            <a:ext cx="8228520" cy="1141920"/>
+            <a:ext cx="8228160" cy="1141560"/>
           </a:xfrm>
           <a:prstGeom prst="rect">
             <a:avLst/>
@@ -6824,311 +6976,517 @@
           </a:p>
         </p:txBody>
       </p:sp>
-      <p:graphicFrame>
-        <p:nvGraphicFramePr>
-          <p:cNvPr id="167" name="Table 2"/>
-          <p:cNvGraphicFramePr/>
+      <p:sp>
+        <p:nvSpPr>
+          <p:cNvPr id="166" name="CustomShape 2"/>
+          <p:cNvSpPr/>
           <p:nvPr/>
-        </p:nvGraphicFramePr>
-        <p:xfrm>
-          <a:off x="209160" y="2131200"/>
-          <a:ext cx="8709840" cy="731880"/>
-        </p:xfrm>
-        <a:graphic>
-          <a:graphicData uri="http://schemas.openxmlformats.org/drawingml/2006/table">
-            <a:tbl>
-              <a:tblPr/>
-              <a:tblGrid>
-                <a:gridCol w="1594080"/>
-                <a:gridCol w="2575440"/>
-                <a:gridCol w="2089800"/>
-                <a:gridCol w="2450520"/>
-              </a:tblGrid>
-              <a:tr h="598320">
-                <a:tc>
-                  <a:txBody>
-                    <a:bodyPr bIns="46800" lIns="90000" rIns="90000" tIns="46800" wrap="none"/>
-                    <a:p>
-                      <a:pPr algn="ctr"/>
-                      <a:r>
-                        <a:rPr lang="en-US"/>
-                        <a:t>Piece</a:t>
-                      </a:r>
-                      <a:endParaRPr/>
-                    </a:p>
-                  </a:txBody>
-                  <a:tcPr/>
-                </a:tc>
-                <a:tc>
-                  <a:txBody>
-                    <a:bodyPr bIns="46800" lIns="90000" rIns="90000" tIns="46800" wrap="none"/>
-                    <a:p>
-                      <a:pPr algn="ctr"/>
-                      <a:r>
-                        <a:rPr lang="en-US"/>
-                        <a:t>Move diff</a:t>
-                      </a:r>
-                      <a:endParaRPr/>
-                    </a:p>
-                  </a:txBody>
-                  <a:tcPr/>
-                </a:tc>
-                <a:tc>
-                  <a:txBody>
-                    <a:bodyPr bIns="46800" lIns="90000" rIns="90000" tIns="46800" wrap="none"/>
-                    <a:p>
-                      <a:pPr algn="ctr"/>
-                      <a:r>
-                        <a:rPr lang="en-US"/>
-                        <a:t>Relative location</a:t>
-                      </a:r>
-                      <a:endParaRPr/>
-                    </a:p>
-                  </a:txBody>
-                  <a:tcPr/>
-                </a:tc>
-                <a:tc>
-                  <a:txBody>
-                    <a:bodyPr bIns="46800" lIns="90000" rIns="90000" tIns="46800" wrap="none"/>
-                    <a:p>
-                      <a:pPr algn="ctr"/>
-                      <a:r>
-                        <a:rPr lang="en-US"/>
-                        <a:t>Content</a:t>
-                      </a:r>
-                      <a:endParaRPr/>
-                    </a:p>
-                  </a:txBody>
-                  <a:tcPr/>
-                </a:tc>
-              </a:tr>
-              <a:tr h="526320">
-                <a:tc>
-                  <a:txBody>
-                    <a:bodyPr bIns="46800" lIns="90000" rIns="90000" tIns="46800" wrap="none"/>
-                    <a:p>
-                      <a:pPr algn="ctr"/>
-                      <a:r>
-                        <a:rPr lang="en-US"/>
-                        <a:t>King</a:t>
-                      </a:r>
-                      <a:endParaRPr/>
-                    </a:p>
-                  </a:txBody>
-                  <a:tcPr/>
-                </a:tc>
-                <a:tc>
-                  <a:txBody>
-                    <a:bodyPr bIns="46800" lIns="90000" rIns="90000" tIns="46800" wrap="none"/>
-                    <a:p>
-                      <a:pPr algn="ctr"/>
-                      <a:r>
-                        <a:rPr lang="en-US"/>
-                        <a:t>(2,0)</a:t>
-                      </a:r>
-                      <a:endParaRPr/>
-                    </a:p>
-                  </a:txBody>
-                  <a:tcPr/>
-                </a:tc>
-                <a:tc>
-                  <a:txBody>
-                    <a:bodyPr bIns="46800" lIns="90000" rIns="90000" tIns="46800" wrap="none"/>
-                    <a:p>
-                      <a:pPr algn="ctr"/>
-                      <a:r>
-                        <a:rPr lang="en-US"/>
-                        <a:t>5</a:t>
-                      </a:r>
-                      <a:endParaRPr/>
-                    </a:p>
-                  </a:txBody>
-                  <a:tcPr/>
-                </a:tc>
-                <a:tc>
-                  <a:txBody>
-                    <a:bodyPr bIns="46800" lIns="90000" rIns="90000" tIns="46800" wrap="none"/>
-                    <a:p>
-                      <a:pPr algn="ctr"/>
-                      <a:r>
-                        <a:rPr lang="en-US"/>
-                        <a:t>Free</a:t>
-                      </a:r>
-                      <a:endParaRPr/>
-                    </a:p>
-                  </a:txBody>
-                  <a:tcPr/>
-                </a:tc>
-              </a:tr>
-            </a:tbl>
-          </a:graphicData>
-        </a:graphic>
-      </p:graphicFrame>
-      <p:graphicFrame>
-        <p:nvGraphicFramePr>
-          <p:cNvPr id="168" name="Table 3"/>
-          <p:cNvGraphicFramePr/>
-          <p:nvPr/>
-        </p:nvGraphicFramePr>
-        <p:xfrm>
-          <a:off x="1791720" y="3831480"/>
-          <a:ext cx="5469840" cy="2496960"/>
-        </p:xfrm>
-        <a:graphic>
-          <a:graphicData uri="http://schemas.openxmlformats.org/drawingml/2006/table">
-            <a:tbl>
-              <a:tblPr/>
-              <a:tblGrid>
-                <a:gridCol w="1822680"/>
-                <a:gridCol w="1822680"/>
-                <a:gridCol w="1824480"/>
-              </a:tblGrid>
-              <a:tr h="832320">
-                <a:tc>
-                  <a:txBody>
-                    <a:bodyPr bIns="46800" lIns="90000" rIns="90000" tIns="46800" wrap="none"/>
-                    <a:p>
-                      <a:pPr algn="ctr"/>
-                      <a:r>
-                        <a:rPr lang="en-US"/>
-                        <a:t>0</a:t>
-                      </a:r>
-                      <a:endParaRPr/>
-                    </a:p>
-                  </a:txBody>
-                  <a:tcPr/>
-                </a:tc>
-                <a:tc>
-                  <a:txBody>
-                    <a:bodyPr bIns="46800" lIns="90000" rIns="90000" tIns="46800" wrap="none"/>
-                    <a:p>
-                      <a:pPr algn="ctr"/>
-                      <a:r>
-                        <a:rPr lang="en-US"/>
-                        <a:t>1</a:t>
-                      </a:r>
-                      <a:endParaRPr/>
-                    </a:p>
-                  </a:txBody>
-                  <a:tcPr/>
-                </a:tc>
-                <a:tc>
-                  <a:txBody>
-                    <a:bodyPr bIns="46800" lIns="90000" rIns="90000" tIns="46800" wrap="none"/>
-                    <a:p>
-                      <a:pPr algn="ctr"/>
-                      <a:r>
-                        <a:rPr lang="en-US"/>
-                        <a:t>2</a:t>
-                      </a:r>
-                      <a:endParaRPr/>
-                    </a:p>
-                  </a:txBody>
-                  <a:tcPr/>
-                </a:tc>
-              </a:tr>
-              <a:tr h="832320">
-                <a:tc>
-                  <a:txBody>
-                    <a:bodyPr bIns="46800" lIns="90000" rIns="90000" tIns="46800" wrap="none"/>
-                    <a:p>
-                      <a:pPr algn="ctr"/>
-                      <a:r>
-                        <a:rPr lang="en-US"/>
-                        <a:t>3</a:t>
-                      </a:r>
-                      <a:endParaRPr/>
-                    </a:p>
-                  </a:txBody>
-                  <a:tcPr/>
-                </a:tc>
-                <a:tc>
-                  <a:txBody>
-                    <a:bodyPr bIns="46800" lIns="90000" rIns="90000" tIns="46800" wrap="none"/>
-                    <a:p>
-                      <a:pPr algn="ctr"/>
-                      <a:r>
-                        <a:rPr lang="en-US"/>
-                        <a:t>K</a:t>
-                      </a:r>
-                      <a:endParaRPr/>
-                    </a:p>
-                  </a:txBody>
-                  <a:tcPr/>
-                </a:tc>
-                <a:tc>
-                  <a:txBody>
-                    <a:bodyPr bIns="46800" lIns="90000" rIns="90000" tIns="46800" wrap="none"/>
-                    <a:p>
-                      <a:pPr algn="ctr"/>
-                      <a:r>
-                        <a:rPr b="1" lang="en-US"/>
-                        <a:t>Free</a:t>
-                      </a:r>
-                      <a:endParaRPr/>
-                    </a:p>
-                  </a:txBody>
-                  <a:tcPr/>
-                </a:tc>
-              </a:tr>
-              <a:tr h="832320">
-                <a:tc>
-                  <a:txBody>
-                    <a:bodyPr bIns="46800" lIns="90000" rIns="90000" tIns="46800" wrap="none"/>
-                    <a:p>
-                      <a:pPr algn="ctr"/>
-                      <a:r>
-                        <a:rPr lang="en-US"/>
-                        <a:t>6</a:t>
-                      </a:r>
-                      <a:endParaRPr/>
-                    </a:p>
-                  </a:txBody>
-                  <a:tcPr/>
-                </a:tc>
-                <a:tc>
-                  <a:txBody>
-                    <a:bodyPr bIns="46800" lIns="90000" rIns="90000" tIns="46800" wrap="none"/>
-                    <a:p>
-                      <a:pPr algn="ctr"/>
-                      <a:r>
-                        <a:rPr lang="en-US"/>
-                        <a:t>7</a:t>
-                      </a:r>
-                      <a:endParaRPr/>
-                    </a:p>
-                  </a:txBody>
-                  <a:tcPr/>
-                </a:tc>
-                <a:tc>
-                  <a:txBody>
-                    <a:bodyPr bIns="46800" lIns="90000" rIns="90000" tIns="46800" wrap="none"/>
-                    <a:p>
-                      <a:pPr algn="ctr"/>
-                      <a:r>
-                        <a:rPr lang="en-US"/>
-                        <a:t>8</a:t>
-                      </a:r>
-                      <a:endParaRPr/>
-                    </a:p>
-                  </a:txBody>
-                  <a:tcPr/>
-                </a:tc>
-              </a:tr>
-            </a:tbl>
-          </a:graphicData>
-        </a:graphic>
-      </p:graphicFrame>
+        </p:nvSpPr>
+        <p:spPr>
+          <a:xfrm>
+            <a:off x="457200" y="2054520"/>
+            <a:ext cx="8228160" cy="3917520"/>
+          </a:xfrm>
+          <a:prstGeom prst="rect">
+            <a:avLst/>
+          </a:prstGeom>
+        </p:spPr>
+        <p:txBody>
+          <a:bodyPr bIns="45000" lIns="90000" rIns="90000" tIns="45000"/>
+          <a:p>
+            <a:pPr>
+              <a:lnSpc>
+                <a:spcPct val="100000"/>
+              </a:lnSpc>
+            </a:pPr>
+            <a:endParaRPr/>
+          </a:p>
+          <a:p>
+            <a:pPr>
+              <a:lnSpc>
+                <a:spcPct val="100000"/>
+              </a:lnSpc>
+              <a:buFont typeface="Arial"/>
+              <a:buChar char="•"/>
+            </a:pPr>
+            <a:r>
+              <a:rPr lang="en-US" sz="2800">
+                <a:solidFill>
+                  <a:srgbClr val="ffffff"/>
+                </a:solidFill>
+                <a:latin typeface="Calibri"/>
+              </a:rPr>
+              <a:t>Pros -</a:t>
+            </a:r>
+            <a:endParaRPr/>
+          </a:p>
+          <a:p>
+            <a:pPr>
+              <a:lnSpc>
+                <a:spcPct val="100000"/>
+              </a:lnSpc>
+              <a:buFont typeface="Arial"/>
+              <a:buChar char="•"/>
+            </a:pPr>
+            <a:r>
+              <a:rPr lang="en-US" sz="2800">
+                <a:solidFill>
+                  <a:srgbClr val="ffffff"/>
+                </a:solidFill>
+                <a:latin typeface="Calibri"/>
+              </a:rPr>
+              <a:t>Efficiency</a:t>
+            </a:r>
+            <a:endParaRPr/>
+          </a:p>
+          <a:p>
+            <a:pPr>
+              <a:lnSpc>
+                <a:spcPct val="100000"/>
+              </a:lnSpc>
+              <a:buFont typeface="Arial"/>
+              <a:buChar char="•"/>
+            </a:pPr>
+            <a:r>
+              <a:rPr lang="en-US" sz="2800">
+                <a:solidFill>
+                  <a:srgbClr val="ffffff"/>
+                </a:solidFill>
+                <a:latin typeface="Calibri"/>
+              </a:rPr>
+              <a:t>Takes surrounding into account</a:t>
+            </a:r>
+            <a:endParaRPr/>
+          </a:p>
+          <a:p>
+            <a:pPr>
+              <a:lnSpc>
+                <a:spcPct val="100000"/>
+              </a:lnSpc>
+              <a:buFont typeface="Arial"/>
+              <a:buChar char="•"/>
+            </a:pPr>
+            <a:r>
+              <a:rPr lang="en-US" sz="2800">
+                <a:solidFill>
+                  <a:srgbClr val="ffffff"/>
+                </a:solidFill>
+                <a:latin typeface="Calibri"/>
+              </a:rPr>
+              <a:t>Cons – </a:t>
+            </a:r>
+            <a:endParaRPr/>
+          </a:p>
+          <a:p>
+            <a:pPr>
+              <a:lnSpc>
+                <a:spcPct val="100000"/>
+              </a:lnSpc>
+              <a:buFont typeface="Arial"/>
+              <a:buChar char="•"/>
+            </a:pPr>
+            <a:r>
+              <a:rPr lang="en-US" sz="2800">
+                <a:solidFill>
+                  <a:srgbClr val="ffffff"/>
+                </a:solidFill>
+                <a:latin typeface="Calibri"/>
+              </a:rPr>
+              <a:t>Assume different moves are independent of one another \ history.</a:t>
+            </a:r>
+            <a:endParaRPr/>
+          </a:p>
+          <a:p>
+            <a:pPr>
+              <a:lnSpc>
+                <a:spcPct val="100000"/>
+              </a:lnSpc>
+              <a:buFont typeface="Arial"/>
+              <a:buChar char="•"/>
+            </a:pPr>
+            <a:r>
+              <a:rPr lang="en-US" sz="2800">
+                <a:solidFill>
+                  <a:srgbClr val="ffffff"/>
+                </a:solidFill>
+                <a:latin typeface="Calibri"/>
+              </a:rPr>
+              <a:t>Less generalized.</a:t>
+            </a:r>
+            <a:endParaRPr/>
+          </a:p>
+          <a:p>
+            <a:pPr>
+              <a:lnSpc>
+                <a:spcPct val="100000"/>
+              </a:lnSpc>
+            </a:pPr>
+            <a:endParaRPr/>
+          </a:p>
+          <a:p>
+            <a:pPr>
+              <a:lnSpc>
+                <a:spcPct val="100000"/>
+              </a:lnSpc>
+            </a:pPr>
+            <a:endParaRPr/>
+          </a:p>
+        </p:txBody>
+      </p:sp>
     </p:spTree>
   </p:cSld>
   <p:timing>
     <p:tnLst>
       <p:par>
-        <p:cTn dur="indefinite" id="33" nodeType="tmRoot" restart="never">
+        <p:cTn dur="indefinite" id="141" nodeType="tmRoot" restart="never">
           <p:childTnLst>
             <p:seq>
-              <p:cTn id="34" nodeType="mainSeq">
-                <p:childTnLst/>
+              <p:cTn id="142" nodeType="mainSeq">
+                <p:childTnLst>
+                  <p:par>
+                    <p:cTn fill="freeze" id="143">
+                      <p:stCondLst>
+                        <p:cond delay="indefinite"/>
+                      </p:stCondLst>
+                      <p:childTnLst>
+                        <p:par>
+                          <p:cTn fill="freeze" id="144">
+                            <p:stCondLst>
+                              <p:cond delay="0"/>
+                            </p:stCondLst>
+                            <p:childTnLst>
+                              <p:par>
+                                <p:cTn fill="hold" id="145" nodeType="clickEffect" presetClass="entr" presetID="1">
+                                  <p:stCondLst>
+                                    <p:cond delay="0"/>
+                                  </p:stCondLst>
+                                  <p:childTnLst>
+                                    <p:set>
+                                      <p:cBhvr>
+                                        <p:cTn dur="1" fill="hold" id="146">
+                                          <p:stCondLst>
+                                            <p:cond delay="0"/>
+                                          </p:stCondLst>
+                                        </p:cTn>
+                                        <p:tgtEl>
+                                          <p:spTgt spid="166">
+                                            <p:txEl>
+                                              <p:pRg end="1" st="0"/>
+                                            </p:txEl>
+                                          </p:spTgt>
+                                        </p:tgtEl>
+                                        <p:attrNameLst>
+                                          <p:attrName>style.visibility</p:attrName>
+                                        </p:attrNameLst>
+                                      </p:cBhvr>
+                                      <p:to>
+                                        <p:strVal val="visible"/>
+                                      </p:to>
+                                    </p:set>
+                                  </p:childTnLst>
+                                </p:cTn>
+                              </p:par>
+                            </p:childTnLst>
+                          </p:cTn>
+                        </p:par>
+                      </p:childTnLst>
+                    </p:cTn>
+                  </p:par>
+                  <p:par>
+                    <p:cTn fill="freeze" id="147">
+                      <p:stCondLst>
+                        <p:cond delay="indefinite"/>
+                      </p:stCondLst>
+                      <p:childTnLst>
+                        <p:par>
+                          <p:cTn fill="freeze" id="148">
+                            <p:stCondLst>
+                              <p:cond delay="0"/>
+                            </p:stCondLst>
+                            <p:childTnLst>
+                              <p:par>
+                                <p:cTn fill="hold" id="149" nodeType="clickEffect" presetClass="entr" presetID="1">
+                                  <p:stCondLst>
+                                    <p:cond delay="0"/>
+                                  </p:stCondLst>
+                                  <p:childTnLst>
+                                    <p:set>
+                                      <p:cBhvr>
+                                        <p:cTn dur="1" fill="hold" id="150">
+                                          <p:stCondLst>
+                                            <p:cond delay="0"/>
+                                          </p:stCondLst>
+                                        </p:cTn>
+                                        <p:tgtEl>
+                                          <p:spTgt spid="166">
+                                            <p:txEl>
+                                              <p:pRg end="8" st="1"/>
+                                            </p:txEl>
+                                          </p:spTgt>
+                                        </p:tgtEl>
+                                        <p:attrNameLst>
+                                          <p:attrName>style.visibility</p:attrName>
+                                        </p:attrNameLst>
+                                      </p:cBhvr>
+                                      <p:to>
+                                        <p:strVal val="visible"/>
+                                      </p:to>
+                                    </p:set>
+                                  </p:childTnLst>
+                                </p:cTn>
+                              </p:par>
+                            </p:childTnLst>
+                          </p:cTn>
+                        </p:par>
+                      </p:childTnLst>
+                    </p:cTn>
+                  </p:par>
+                  <p:par>
+                    <p:cTn fill="freeze" id="151">
+                      <p:stCondLst>
+                        <p:cond delay="indefinite"/>
+                      </p:stCondLst>
+                      <p:childTnLst>
+                        <p:par>
+                          <p:cTn fill="freeze" id="152">
+                            <p:stCondLst>
+                              <p:cond delay="0"/>
+                            </p:stCondLst>
+                            <p:childTnLst>
+                              <p:par>
+                                <p:cTn fill="hold" id="153" nodeType="clickEffect" presetClass="entr" presetID="1">
+                                  <p:stCondLst>
+                                    <p:cond delay="0"/>
+                                  </p:stCondLst>
+                                  <p:childTnLst>
+                                    <p:set>
+                                      <p:cBhvr>
+                                        <p:cTn dur="1" fill="hold" id="154">
+                                          <p:stCondLst>
+                                            <p:cond delay="0"/>
+                                          </p:stCondLst>
+                                        </p:cTn>
+                                        <p:tgtEl>
+                                          <p:spTgt spid="166">
+                                            <p:txEl>
+                                              <p:pRg end="19" st="8"/>
+                                            </p:txEl>
+                                          </p:spTgt>
+                                        </p:tgtEl>
+                                        <p:attrNameLst>
+                                          <p:attrName>style.visibility</p:attrName>
+                                        </p:attrNameLst>
+                                      </p:cBhvr>
+                                      <p:to>
+                                        <p:strVal val="visible"/>
+                                      </p:to>
+                                    </p:set>
+                                  </p:childTnLst>
+                                </p:cTn>
+                              </p:par>
+                            </p:childTnLst>
+                          </p:cTn>
+                        </p:par>
+                      </p:childTnLst>
+                    </p:cTn>
+                  </p:par>
+                  <p:par>
+                    <p:cTn fill="freeze" id="155">
+                      <p:stCondLst>
+                        <p:cond delay="indefinite"/>
+                      </p:stCondLst>
+                      <p:childTnLst>
+                        <p:par>
+                          <p:cTn fill="freeze" id="156">
+                            <p:stCondLst>
+                              <p:cond delay="0"/>
+                            </p:stCondLst>
+                            <p:childTnLst>
+                              <p:par>
+                                <p:cTn fill="hold" id="157" nodeType="clickEffect" presetClass="entr" presetID="1">
+                                  <p:stCondLst>
+                                    <p:cond delay="0"/>
+                                  </p:stCondLst>
+                                  <p:childTnLst>
+                                    <p:set>
+                                      <p:cBhvr>
+                                        <p:cTn dur="1" fill="hold" id="158">
+                                          <p:stCondLst>
+                                            <p:cond delay="0"/>
+                                          </p:stCondLst>
+                                        </p:cTn>
+                                        <p:tgtEl>
+                                          <p:spTgt spid="166">
+                                            <p:txEl>
+                                              <p:pRg end="50" st="19"/>
+                                            </p:txEl>
+                                          </p:spTgt>
+                                        </p:tgtEl>
+                                        <p:attrNameLst>
+                                          <p:attrName>style.visibility</p:attrName>
+                                        </p:attrNameLst>
+                                      </p:cBhvr>
+                                      <p:to>
+                                        <p:strVal val="visible"/>
+                                      </p:to>
+                                    </p:set>
+                                  </p:childTnLst>
+                                </p:cTn>
+                              </p:par>
+                            </p:childTnLst>
+                          </p:cTn>
+                        </p:par>
+                      </p:childTnLst>
+                    </p:cTn>
+                  </p:par>
+                  <p:par>
+                    <p:cTn fill="freeze" id="159">
+                      <p:stCondLst>
+                        <p:cond delay="indefinite"/>
+                      </p:stCondLst>
+                      <p:childTnLst>
+                        <p:par>
+                          <p:cTn fill="freeze" id="160">
+                            <p:stCondLst>
+                              <p:cond delay="0"/>
+                            </p:stCondLst>
+                            <p:childTnLst>
+                              <p:par>
+                                <p:cTn fill="hold" id="161" nodeType="clickEffect" presetClass="entr" presetID="1">
+                                  <p:stCondLst>
+                                    <p:cond delay="0"/>
+                                  </p:stCondLst>
+                                  <p:childTnLst>
+                                    <p:set>
+                                      <p:cBhvr>
+                                        <p:cTn dur="1" fill="hold" id="162">
+                                          <p:stCondLst>
+                                            <p:cond delay="0"/>
+                                          </p:stCondLst>
+                                        </p:cTn>
+                                        <p:tgtEl>
+                                          <p:spTgt spid="166">
+                                            <p:txEl>
+                                              <p:pRg end="58" st="50"/>
+                                            </p:txEl>
+                                          </p:spTgt>
+                                        </p:tgtEl>
+                                        <p:attrNameLst>
+                                          <p:attrName>style.visibility</p:attrName>
+                                        </p:attrNameLst>
+                                      </p:cBhvr>
+                                      <p:to>
+                                        <p:strVal val="visible"/>
+                                      </p:to>
+                                    </p:set>
+                                  </p:childTnLst>
+                                </p:cTn>
+                              </p:par>
+                            </p:childTnLst>
+                          </p:cTn>
+                        </p:par>
+                      </p:childTnLst>
+                    </p:cTn>
+                  </p:par>
+                  <p:par>
+                    <p:cTn fill="freeze" id="163">
+                      <p:stCondLst>
+                        <p:cond delay="indefinite"/>
+                      </p:stCondLst>
+                      <p:childTnLst>
+                        <p:par>
+                          <p:cTn fill="freeze" id="164">
+                            <p:stCondLst>
+                              <p:cond delay="0"/>
+                            </p:stCondLst>
+                            <p:childTnLst>
+                              <p:par>
+                                <p:cTn fill="hold" id="165" nodeType="clickEffect" presetClass="entr" presetID="1">
+                                  <p:stCondLst>
+                                    <p:cond delay="0"/>
+                                  </p:stCondLst>
+                                  <p:childTnLst>
+                                    <p:set>
+                                      <p:cBhvr>
+                                        <p:cTn dur="1" fill="hold" id="166">
+                                          <p:stCondLst>
+                                            <p:cond delay="0"/>
+                                          </p:stCondLst>
+                                        </p:cTn>
+                                        <p:tgtEl>
+                                          <p:spTgt spid="166">
+                                            <p:txEl>
+                                              <p:pRg end="123" st="58"/>
+                                            </p:txEl>
+                                          </p:spTgt>
+                                        </p:tgtEl>
+                                        <p:attrNameLst>
+                                          <p:attrName>style.visibility</p:attrName>
+                                        </p:attrNameLst>
+                                      </p:cBhvr>
+                                      <p:to>
+                                        <p:strVal val="visible"/>
+                                      </p:to>
+                                    </p:set>
+                                  </p:childTnLst>
+                                </p:cTn>
+                              </p:par>
+                            </p:childTnLst>
+                          </p:cTn>
+                        </p:par>
+                      </p:childTnLst>
+                    </p:cTn>
+                  </p:par>
+                  <p:par>
+                    <p:cTn fill="freeze" id="167">
+                      <p:stCondLst>
+                        <p:cond delay="indefinite"/>
+                      </p:stCondLst>
+                      <p:childTnLst>
+                        <p:par>
+                          <p:cTn fill="freeze" id="168">
+                            <p:stCondLst>
+                              <p:cond delay="0"/>
+                            </p:stCondLst>
+                            <p:childTnLst>
+                              <p:par>
+                                <p:cTn fill="hold" id="169" nodeType="clickEffect" presetClass="entr" presetID="1">
+                                  <p:stCondLst>
+                                    <p:cond delay="0"/>
+                                  </p:stCondLst>
+                                  <p:childTnLst>
+                                    <p:set>
+                                      <p:cBhvr>
+                                        <p:cTn dur="1" fill="hold" id="170">
+                                          <p:stCondLst>
+                                            <p:cond delay="0"/>
+                                          </p:stCondLst>
+                                        </p:cTn>
+                                        <p:tgtEl>
+                                          <p:spTgt spid="166">
+                                            <p:txEl>
+                                              <p:pRg end="141" st="123"/>
+                                            </p:txEl>
+                                          </p:spTgt>
+                                        </p:tgtEl>
+                                        <p:attrNameLst>
+                                          <p:attrName>style.visibility</p:attrName>
+                                        </p:attrNameLst>
+                                      </p:cBhvr>
+                                      <p:to>
+                                        <p:strVal val="visible"/>
+                                      </p:to>
+                                    </p:set>
+                                  </p:childTnLst>
+                                </p:cTn>
+                              </p:par>
+                            </p:childTnLst>
+                          </p:cTn>
+                        </p:par>
+                      </p:childTnLst>
+                    </p:cTn>
+                  </p:par>
+                </p:childTnLst>
               </p:cTn>
               <p:prevCondLst>
                 <p:cond delay="0" evt="onPrev">
@@ -7172,14 +7530,14 @@
       </p:grpSpPr>
       <p:sp>
         <p:nvSpPr>
-          <p:cNvPr id="169" name="CustomShape 1"/>
+          <p:cNvPr id="167" name="CustomShape 1"/>
           <p:cNvSpPr/>
           <p:nvPr/>
         </p:nvSpPr>
         <p:spPr>
           <a:xfrm>
             <a:off x="457200" y="911520"/>
-            <a:ext cx="8228520" cy="1141920"/>
+            <a:ext cx="8228160" cy="1141560"/>
           </a:xfrm>
           <a:prstGeom prst="rect">
             <a:avLst/>
@@ -7208,13 +7566,13 @@
       </p:sp>
       <p:graphicFrame>
         <p:nvGraphicFramePr>
-          <p:cNvPr id="170" name="Table 2"/>
+          <p:cNvPr id="168" name="Table 2"/>
           <p:cNvGraphicFramePr/>
           <p:nvPr/>
         </p:nvGraphicFramePr>
         <p:xfrm>
           <a:off x="209160" y="2131200"/>
-          <a:ext cx="8709840" cy="731880"/>
+          <a:ext cx="8709480" cy="731520"/>
         </p:xfrm>
         <a:graphic>
           <a:graphicData uri="http://schemas.openxmlformats.org/drawingml/2006/table">
@@ -7224,14 +7582,18 @@
                 <a:gridCol w="1594080"/>
                 <a:gridCol w="2575440"/>
                 <a:gridCol w="2089800"/>
-                <a:gridCol w="2450520"/>
+                <a:gridCol w="2450160"/>
               </a:tblGrid>
-              <a:tr h="598320">
+              <a:tr h="347760">
                 <a:tc>
                   <a:txBody>
-                    <a:bodyPr bIns="46800" lIns="90000" rIns="90000" tIns="46800" wrap="none"/>
+                    <a:bodyPr bIns="36000" lIns="36000" rIns="36000" tIns="36000" wrap="none"/>
                     <a:p>
-                      <a:pPr algn="ctr"/>
+                      <a:pPr algn="ctr">
+                        <a:lnSpc>
+                          <a:spcPct val="100000"/>
+                        </a:lnSpc>
+                      </a:pPr>
                       <a:r>
                         <a:rPr lang="en-US"/>
                         <a:t>Piece</a:t>
@@ -7243,9 +7605,13 @@
                 </a:tc>
                 <a:tc>
                   <a:txBody>
-                    <a:bodyPr bIns="46800" lIns="90000" rIns="90000" tIns="46800" wrap="none"/>
+                    <a:bodyPr bIns="36000" lIns="36000" rIns="36000" tIns="36000" wrap="none"/>
                     <a:p>
-                      <a:pPr algn="ctr"/>
+                      <a:pPr algn="ctr">
+                        <a:lnSpc>
+                          <a:spcPct val="100000"/>
+                        </a:lnSpc>
+                      </a:pPr>
                       <a:r>
                         <a:rPr lang="en-US"/>
                         <a:t>Move diff</a:t>
@@ -7257,9 +7623,13 @@
                 </a:tc>
                 <a:tc>
                   <a:txBody>
-                    <a:bodyPr bIns="46800" lIns="90000" rIns="90000" tIns="46800" wrap="none"/>
+                    <a:bodyPr bIns="36000" lIns="36000" rIns="36000" tIns="36000" wrap="none"/>
                     <a:p>
-                      <a:pPr algn="ctr"/>
+                      <a:pPr algn="ctr">
+                        <a:lnSpc>
+                          <a:spcPct val="100000"/>
+                        </a:lnSpc>
+                      </a:pPr>
                       <a:r>
                         <a:rPr lang="en-US"/>
                         <a:t>Relative location</a:t>
@@ -7271,9 +7641,13 @@
                 </a:tc>
                 <a:tc>
                   <a:txBody>
-                    <a:bodyPr bIns="46800" lIns="90000" rIns="90000" tIns="46800" wrap="none"/>
+                    <a:bodyPr bIns="36000" lIns="36000" rIns="36000" tIns="36000" wrap="none"/>
                     <a:p>
-                      <a:pPr algn="ctr"/>
+                      <a:pPr algn="ctr">
+                        <a:lnSpc>
+                          <a:spcPct val="100000"/>
+                        </a:lnSpc>
+                      </a:pPr>
                       <a:r>
                         <a:rPr lang="en-US"/>
                         <a:t>Content</a:t>
@@ -7284,15 +7658,19 @@
                   <a:tcPr/>
                 </a:tc>
               </a:tr>
-              <a:tr h="526320">
+              <a:tr h="603720">
                 <a:tc>
                   <a:txBody>
-                    <a:bodyPr bIns="46800" lIns="90000" rIns="90000" tIns="46800" wrap="none"/>
+                    <a:bodyPr bIns="36000" lIns="36000" rIns="36000" tIns="36000" wrap="none"/>
                     <a:p>
-                      <a:pPr algn="ctr"/>
+                      <a:pPr algn="ctr">
+                        <a:lnSpc>
+                          <a:spcPct val="100000"/>
+                        </a:lnSpc>
+                      </a:pPr>
                       <a:r>
                         <a:rPr lang="en-US"/>
-                        <a:t>Pawn</a:t>
+                        <a:t>Queen</a:t>
                       </a:r>
                       <a:endParaRPr/>
                     </a:p>
@@ -7301,12 +7679,16 @@
                 </a:tc>
                 <a:tc>
                   <a:txBody>
-                    <a:bodyPr bIns="46800" lIns="90000" rIns="90000" tIns="46800" wrap="none"/>
+                    <a:bodyPr bIns="36000" lIns="36000" rIns="36000" tIns="36000" wrap="none"/>
                     <a:p>
-                      <a:pPr algn="ctr"/>
+                      <a:pPr algn="ctr">
+                        <a:lnSpc>
+                          <a:spcPct val="100000"/>
+                        </a:lnSpc>
+                      </a:pPr>
                       <a:r>
                         <a:rPr lang="en-US"/>
-                        <a:t>(0,2), (0,1)</a:t>
+                        <a:t>(-2, -2), (-3, -3), (-4,-4), (-5, -5), (-6,-6), (-7, -7)</a:t>
                       </a:r>
                       <a:endParaRPr/>
                     </a:p>
@@ -7315,12 +7697,16 @@
                 </a:tc>
                 <a:tc>
                   <a:txBody>
-                    <a:bodyPr bIns="46800" lIns="90000" rIns="90000" tIns="46800" wrap="none"/>
+                    <a:bodyPr bIns="36000" lIns="36000" rIns="36000" tIns="36000" wrap="none"/>
                     <a:p>
-                      <a:pPr algn="ctr"/>
+                      <a:pPr algn="ctr">
+                        <a:lnSpc>
+                          <a:spcPct val="100000"/>
+                        </a:lnSpc>
+                      </a:pPr>
                       <a:r>
                         <a:rPr lang="en-US"/>
-                        <a:t>7</a:t>
+                        <a:t>0</a:t>
                       </a:r>
                       <a:endParaRPr/>
                     </a:p>
@@ -7329,9 +7715,13 @@
                 </a:tc>
                 <a:tc>
                   <a:txBody>
-                    <a:bodyPr bIns="46800" lIns="90000" rIns="90000" tIns="46800" wrap="none"/>
+                    <a:bodyPr bIns="36000" lIns="36000" rIns="36000" tIns="36000" wrap="none"/>
                     <a:p>
-                      <a:pPr algn="ctr"/>
+                      <a:pPr algn="ctr">
+                        <a:lnSpc>
+                          <a:spcPct val="100000"/>
+                        </a:lnSpc>
+                      </a:pPr>
                       <a:r>
                         <a:rPr lang="en-US"/>
                         <a:t>Free</a:t>
@@ -7348,13 +7738,13 @@
       </p:graphicFrame>
       <p:graphicFrame>
         <p:nvGraphicFramePr>
-          <p:cNvPr id="171" name="Table 3"/>
+          <p:cNvPr id="169" name="Table 3"/>
           <p:cNvGraphicFramePr/>
           <p:nvPr/>
         </p:nvGraphicFramePr>
         <p:xfrm>
           <a:off x="1791720" y="3831480"/>
-          <a:ext cx="5469840" cy="2496960"/>
+          <a:ext cx="5469480" cy="2496600"/>
         </p:xfrm>
         <a:graphic>
           <a:graphicData uri="http://schemas.openxmlformats.org/drawingml/2006/table">
@@ -7363,17 +7753,21 @@
               <a:tblGrid>
                 <a:gridCol w="1822680"/>
                 <a:gridCol w="1822680"/>
-                <a:gridCol w="1824480"/>
+                <a:gridCol w="1824120"/>
               </a:tblGrid>
               <a:tr h="832320">
                 <a:tc>
                   <a:txBody>
-                    <a:bodyPr bIns="46800" lIns="90000" rIns="90000" tIns="46800" wrap="none"/>
+                    <a:bodyPr bIns="36000" lIns="36000" rIns="36000" tIns="36000" wrap="none"/>
                     <a:p>
-                      <a:pPr algn="ctr"/>
+                      <a:pPr algn="ctr">
+                        <a:lnSpc>
+                          <a:spcPct val="100000"/>
+                        </a:lnSpc>
+                      </a:pPr>
                       <a:r>
-                        <a:rPr lang="en-US"/>
-                        <a:t>0</a:t>
+                        <a:rPr b="1" lang="en-US"/>
+                        <a:t>Free</a:t>
                       </a:r>
                       <a:endParaRPr/>
                     </a:p>
@@ -7382,9 +7776,13 @@
                 </a:tc>
                 <a:tc>
                   <a:txBody>
-                    <a:bodyPr bIns="46800" lIns="90000" rIns="90000" tIns="46800" wrap="none"/>
+                    <a:bodyPr bIns="36000" lIns="36000" rIns="36000" tIns="36000" wrap="none"/>
                     <a:p>
-                      <a:pPr algn="ctr"/>
+                      <a:pPr algn="ctr">
+                        <a:lnSpc>
+                          <a:spcPct val="100000"/>
+                        </a:lnSpc>
+                      </a:pPr>
                       <a:r>
                         <a:rPr lang="en-US"/>
                         <a:t>1</a:t>
@@ -7396,9 +7794,13 @@
                 </a:tc>
                 <a:tc>
                   <a:txBody>
-                    <a:bodyPr bIns="46800" lIns="90000" rIns="90000" tIns="46800" wrap="none"/>
+                    <a:bodyPr bIns="36000" lIns="36000" rIns="36000" tIns="36000" wrap="none"/>
                     <a:p>
-                      <a:pPr algn="ctr"/>
+                      <a:pPr algn="ctr">
+                        <a:lnSpc>
+                          <a:spcPct val="100000"/>
+                        </a:lnSpc>
+                      </a:pPr>
                       <a:r>
                         <a:rPr lang="en-US"/>
                         <a:t>2</a:t>
@@ -7412,9 +7814,13 @@
               <a:tr h="832320">
                 <a:tc>
                   <a:txBody>
-                    <a:bodyPr bIns="46800" lIns="90000" rIns="90000" tIns="46800" wrap="none"/>
+                    <a:bodyPr bIns="36000" lIns="36000" rIns="36000" tIns="36000" wrap="none"/>
                     <a:p>
-                      <a:pPr algn="ctr"/>
+                      <a:pPr algn="ctr">
+                        <a:lnSpc>
+                          <a:spcPct val="100000"/>
+                        </a:lnSpc>
+                      </a:pPr>
                       <a:r>
                         <a:rPr lang="en-US"/>
                         <a:t>3</a:t>
@@ -7426,12 +7832,16 @@
                 </a:tc>
                 <a:tc>
                   <a:txBody>
-                    <a:bodyPr bIns="46800" lIns="90000" rIns="90000" tIns="46800" wrap="none"/>
+                    <a:bodyPr bIns="36000" lIns="36000" rIns="36000" tIns="36000" wrap="none"/>
                     <a:p>
-                      <a:pPr algn="ctr"/>
+                      <a:pPr algn="ctr">
+                        <a:lnSpc>
+                          <a:spcPct val="100000"/>
+                        </a:lnSpc>
+                      </a:pPr>
                       <a:r>
-                        <a:rPr lang="en-US"/>
-                        <a:t>P</a:t>
+                        <a:rPr b="1" lang="en-US"/>
+                        <a:t>Q</a:t>
                       </a:r>
                       <a:endParaRPr/>
                     </a:p>
@@ -7440,12 +7850,16 @@
                 </a:tc>
                 <a:tc>
                   <a:txBody>
-                    <a:bodyPr bIns="46800" lIns="90000" rIns="90000" tIns="46800" wrap="none"/>
+                    <a:bodyPr bIns="36000" lIns="36000" rIns="36000" tIns="36000" wrap="none"/>
                     <a:p>
-                      <a:pPr algn="ctr"/>
+                      <a:pPr algn="ctr">
+                        <a:lnSpc>
+                          <a:spcPct val="100000"/>
+                        </a:lnSpc>
+                      </a:pPr>
                       <a:r>
                         <a:rPr lang="en-US"/>
-                        <a:t>4</a:t>
+                        <a:t>5</a:t>
                       </a:r>
                       <a:endParaRPr/>
                     </a:p>
@@ -7453,12 +7867,16 @@
                   <a:tcPr/>
                 </a:tc>
               </a:tr>
-              <a:tr h="832320">
+              <a:tr h="831960">
                 <a:tc>
                   <a:txBody>
-                    <a:bodyPr bIns="46800" lIns="90000" rIns="90000" tIns="46800" wrap="none"/>
+                    <a:bodyPr bIns="36000" lIns="36000" rIns="36000" tIns="36000" wrap="none"/>
                     <a:p>
-                      <a:pPr algn="ctr"/>
+                      <a:pPr algn="ctr">
+                        <a:lnSpc>
+                          <a:spcPct val="100000"/>
+                        </a:lnSpc>
+                      </a:pPr>
                       <a:r>
                         <a:rPr lang="en-US"/>
                         <a:t>6</a:t>
@@ -7470,12 +7888,16 @@
                 </a:tc>
                 <a:tc>
                   <a:txBody>
-                    <a:bodyPr bIns="46800" lIns="90000" rIns="90000" tIns="46800" wrap="none"/>
+                    <a:bodyPr bIns="36000" lIns="36000" rIns="36000" tIns="36000" wrap="none"/>
                     <a:p>
-                      <a:pPr algn="ctr"/>
+                      <a:pPr algn="ctr">
+                        <a:lnSpc>
+                          <a:spcPct val="100000"/>
+                        </a:lnSpc>
+                      </a:pPr>
                       <a:r>
-                        <a:rPr b="1" lang="en-US"/>
-                        <a:t>Free</a:t>
+                        <a:rPr lang="en-US"/>
+                        <a:t>7</a:t>
                       </a:r>
                       <a:endParaRPr/>
                     </a:p>
@@ -7484,9 +7906,13 @@
                 </a:tc>
                 <a:tc>
                   <a:txBody>
-                    <a:bodyPr bIns="46800" lIns="90000" rIns="90000" tIns="46800" wrap="none"/>
+                    <a:bodyPr bIns="36000" lIns="36000" rIns="36000" tIns="36000" wrap="none"/>
                     <a:p>
-                      <a:pPr algn="ctr"/>
+                      <a:pPr algn="ctr">
+                        <a:lnSpc>
+                          <a:spcPct val="100000"/>
+                        </a:lnSpc>
+                      </a:pPr>
                       <a:r>
                         <a:rPr lang="en-US"/>
                         <a:t>8</a:t>
@@ -7506,10 +7932,10 @@
   <p:timing>
     <p:tnLst>
       <p:par>
-        <p:cTn dur="indefinite" id="35" nodeType="tmRoot" restart="never">
+        <p:cTn dur="indefinite" id="171" nodeType="tmRoot" restart="never">
           <p:childTnLst>
             <p:seq>
-              <p:cTn id="36" nodeType="mainSeq">
+              <p:cTn id="172" nodeType="mainSeq">
                 <p:childTnLst/>
               </p:cTn>
               <p:prevCondLst>
@@ -7554,14 +7980,14 @@
       </p:grpSpPr>
       <p:sp>
         <p:nvSpPr>
-          <p:cNvPr id="172" name="CustomShape 1"/>
+          <p:cNvPr id="170" name="CustomShape 1"/>
           <p:cNvSpPr/>
           <p:nvPr/>
         </p:nvSpPr>
         <p:spPr>
           <a:xfrm>
             <a:off x="457200" y="911520"/>
-            <a:ext cx="8228520" cy="1141920"/>
+            <a:ext cx="8228160" cy="1141560"/>
           </a:xfrm>
           <a:prstGeom prst="rect">
             <a:avLst/>
@@ -7590,13 +8016,13 @@
       </p:sp>
       <p:graphicFrame>
         <p:nvGraphicFramePr>
-          <p:cNvPr id="173" name="Table 2"/>
+          <p:cNvPr id="171" name="Table 2"/>
           <p:cNvGraphicFramePr/>
           <p:nvPr/>
         </p:nvGraphicFramePr>
         <p:xfrm>
           <a:off x="209160" y="2131200"/>
-          <a:ext cx="8709840" cy="731880"/>
+          <a:ext cx="8709480" cy="731520"/>
         </p:xfrm>
         <a:graphic>
           <a:graphicData uri="http://schemas.openxmlformats.org/drawingml/2006/table">
@@ -7606,14 +8032,18 @@
                 <a:gridCol w="1594080"/>
                 <a:gridCol w="2575440"/>
                 <a:gridCol w="2089800"/>
-                <a:gridCol w="2450520"/>
+                <a:gridCol w="2450160"/>
               </a:tblGrid>
-              <a:tr h="598320">
+              <a:tr h="347760">
                 <a:tc>
                   <a:txBody>
-                    <a:bodyPr bIns="46800" lIns="90000" rIns="90000" tIns="46800" wrap="none"/>
+                    <a:bodyPr bIns="36000" lIns="36000" rIns="36000" tIns="36000" wrap="none"/>
                     <a:p>
-                      <a:pPr algn="ctr"/>
+                      <a:pPr algn="ctr">
+                        <a:lnSpc>
+                          <a:spcPct val="100000"/>
+                        </a:lnSpc>
+                      </a:pPr>
                       <a:r>
                         <a:rPr lang="en-US"/>
                         <a:t>Piece</a:t>
@@ -7625,9 +8055,13 @@
                 </a:tc>
                 <a:tc>
                   <a:txBody>
-                    <a:bodyPr bIns="46800" lIns="90000" rIns="90000" tIns="46800" wrap="none"/>
+                    <a:bodyPr bIns="36000" lIns="36000" rIns="36000" tIns="36000" wrap="none"/>
                     <a:p>
-                      <a:pPr algn="ctr"/>
+                      <a:pPr algn="ctr">
+                        <a:lnSpc>
+                          <a:spcPct val="100000"/>
+                        </a:lnSpc>
+                      </a:pPr>
                       <a:r>
                         <a:rPr lang="en-US"/>
                         <a:t>Move diff</a:t>
@@ -7639,9 +8073,13 @@
                 </a:tc>
                 <a:tc>
                   <a:txBody>
-                    <a:bodyPr bIns="46800" lIns="90000" rIns="90000" tIns="46800" wrap="none"/>
+                    <a:bodyPr bIns="36000" lIns="36000" rIns="36000" tIns="36000" wrap="none"/>
                     <a:p>
-                      <a:pPr algn="ctr"/>
+                      <a:pPr algn="ctr">
+                        <a:lnSpc>
+                          <a:spcPct val="100000"/>
+                        </a:lnSpc>
+                      </a:pPr>
                       <a:r>
                         <a:rPr lang="en-US"/>
                         <a:t>Relative location</a:t>
@@ -7653,9 +8091,13 @@
                 </a:tc>
                 <a:tc>
                   <a:txBody>
-                    <a:bodyPr bIns="46800" lIns="90000" rIns="90000" tIns="46800" wrap="none"/>
+                    <a:bodyPr bIns="36000" lIns="36000" rIns="36000" tIns="36000" wrap="none"/>
                     <a:p>
-                      <a:pPr algn="ctr"/>
+                      <a:pPr algn="ctr">
+                        <a:lnSpc>
+                          <a:spcPct val="100000"/>
+                        </a:lnSpc>
+                      </a:pPr>
                       <a:r>
                         <a:rPr lang="en-US"/>
                         <a:t>Content</a:t>
@@ -7666,15 +8108,19 @@
                   <a:tcPr/>
                 </a:tc>
               </a:tr>
-              <a:tr h="526320">
+              <a:tr h="603720">
                 <a:tc>
                   <a:txBody>
-                    <a:bodyPr bIns="46800" lIns="90000" rIns="90000" tIns="46800" wrap="none"/>
+                    <a:bodyPr bIns="36000" lIns="36000" rIns="36000" tIns="36000" wrap="none"/>
                     <a:p>
-                      <a:pPr algn="ctr"/>
+                      <a:pPr algn="ctr">
+                        <a:lnSpc>
+                          <a:spcPct val="100000"/>
+                        </a:lnSpc>
+                      </a:pPr>
                       <a:r>
                         <a:rPr lang="en-US"/>
-                        <a:t>Knight</a:t>
+                        <a:t>Queen</a:t>
                       </a:r>
                       <a:endParaRPr/>
                     </a:p>
@@ -7682,12 +8128,81 @@
                   <a:tcPr/>
                 </a:tc>
                 <a:tc>
+                  <a:txBody>
+                    <a:bodyPr bIns="36000" lIns="36000" rIns="36000" tIns="36000" wrap="none"/>
+                    <a:p>
+                      <a:pPr algn="ctr">
+                        <a:lnSpc>
+                          <a:spcPct val="100000"/>
+                        </a:lnSpc>
+                      </a:pPr>
+                      <a:r>
+                        <a:rPr lang="en-US"/>
+                        <a:t>(-7,7)</a:t>
+                      </a:r>
+                      <a:endParaRPr/>
+                    </a:p>
+                  </a:txBody>
                   <a:tcPr/>
                 </a:tc>
                 <a:tc>
+                  <a:txBody>
+                    <a:bodyPr bIns="36000" lIns="36000" rIns="36000" tIns="36000" wrap="none"/>
+                    <a:p>
+                      <a:pPr algn="ctr">
+                        <a:lnSpc>
+                          <a:spcPct val="100000"/>
+                        </a:lnSpc>
+                      </a:pPr>
+                      <a:r>
+                        <a:rPr lang="en-US"/>
+                        <a:t>2</a:t>
+                      </a:r>
+                      <a:endParaRPr/>
+                    </a:p>
+                    <a:p>
+                      <a:pPr algn="ctr">
+                        <a:lnSpc>
+                          <a:spcPct val="100000"/>
+                        </a:lnSpc>
+                      </a:pPr>
+                      <a:r>
+                        <a:rPr lang="en-US"/>
+                        <a:t>6</a:t>
+                      </a:r>
+                      <a:endParaRPr/>
+                    </a:p>
+                  </a:txBody>
                   <a:tcPr/>
                 </a:tc>
                 <a:tc>
+                  <a:txBody>
+                    <a:bodyPr bIns="36000" lIns="36000" rIns="36000" tIns="36000" wrap="none"/>
+                    <a:p>
+                      <a:pPr algn="ctr">
+                        <a:lnSpc>
+                          <a:spcPct val="100000"/>
+                        </a:lnSpc>
+                      </a:pPr>
+                      <a:r>
+                        <a:rPr lang="en-US"/>
+                        <a:t>Out of the board</a:t>
+                      </a:r>
+                      <a:endParaRPr/>
+                    </a:p>
+                    <a:p>
+                      <a:pPr algn="ctr">
+                        <a:lnSpc>
+                          <a:spcPct val="100000"/>
+                        </a:lnSpc>
+                      </a:pPr>
+                      <a:r>
+                        <a:rPr lang="en-US"/>
+                        <a:t>Free</a:t>
+                      </a:r>
+                      <a:endParaRPr/>
+                    </a:p>
+                  </a:txBody>
                   <a:tcPr/>
                 </a:tc>
               </a:tr>
@@ -7697,13 +8212,13 @@
       </p:graphicFrame>
       <p:graphicFrame>
         <p:nvGraphicFramePr>
-          <p:cNvPr id="174" name="Table 3"/>
+          <p:cNvPr id="172" name="Table 3"/>
           <p:cNvGraphicFramePr/>
           <p:nvPr/>
         </p:nvGraphicFramePr>
         <p:xfrm>
           <a:off x="1791720" y="3831480"/>
-          <a:ext cx="5469840" cy="2496960"/>
+          <a:ext cx="5469480" cy="2496600"/>
         </p:xfrm>
         <a:graphic>
           <a:graphicData uri="http://schemas.openxmlformats.org/drawingml/2006/table">
@@ -7712,14 +8227,18 @@
               <a:tblGrid>
                 <a:gridCol w="1822680"/>
                 <a:gridCol w="1822680"/>
-                <a:gridCol w="1824480"/>
+                <a:gridCol w="1824120"/>
               </a:tblGrid>
               <a:tr h="832320">
                 <a:tc>
                   <a:txBody>
-                    <a:bodyPr bIns="46800" lIns="90000" rIns="90000" tIns="46800" wrap="none"/>
+                    <a:bodyPr bIns="36000" lIns="36000" rIns="36000" tIns="36000" wrap="none"/>
                     <a:p>
-                      <a:pPr algn="ctr"/>
+                      <a:pPr algn="ctr">
+                        <a:lnSpc>
+                          <a:spcPct val="100000"/>
+                        </a:lnSpc>
+                      </a:pPr>
                       <a:r>
                         <a:rPr lang="en-US"/>
                         <a:t>0</a:t>
@@ -7731,9 +8250,13 @@
                 </a:tc>
                 <a:tc>
                   <a:txBody>
-                    <a:bodyPr bIns="46800" lIns="90000" rIns="90000" tIns="46800" wrap="none"/>
+                    <a:bodyPr bIns="36000" lIns="36000" rIns="36000" tIns="36000" wrap="none"/>
                     <a:p>
-                      <a:pPr algn="ctr"/>
+                      <a:pPr algn="ctr">
+                        <a:lnSpc>
+                          <a:spcPct val="100000"/>
+                        </a:lnSpc>
+                      </a:pPr>
                       <a:r>
                         <a:rPr lang="en-US"/>
                         <a:t>1</a:t>
@@ -7745,12 +8268,16 @@
                 </a:tc>
                 <a:tc>
                   <a:txBody>
-                    <a:bodyPr bIns="46800" lIns="90000" rIns="90000" tIns="46800" wrap="none"/>
+                    <a:bodyPr bIns="36000" lIns="36000" rIns="36000" tIns="36000" wrap="none"/>
                     <a:p>
-                      <a:pPr algn="ctr"/>
+                      <a:pPr algn="ctr">
+                        <a:lnSpc>
+                          <a:spcPct val="100000"/>
+                        </a:lnSpc>
+                      </a:pPr>
                       <a:r>
-                        <a:rPr lang="en-US"/>
-                        <a:t>2</a:t>
+                        <a:rPr b="1" lang="en-US"/>
+                        <a:t>Out of the board</a:t>
                       </a:r>
                       <a:endParaRPr/>
                     </a:p>
@@ -7761,9 +8288,13 @@
               <a:tr h="832320">
                 <a:tc>
                   <a:txBody>
-                    <a:bodyPr bIns="46800" lIns="90000" rIns="90000" tIns="46800" wrap="none"/>
+                    <a:bodyPr bIns="36000" lIns="36000" rIns="36000" tIns="36000" wrap="none"/>
                     <a:p>
-                      <a:pPr algn="ctr"/>
+                      <a:pPr algn="ctr">
+                        <a:lnSpc>
+                          <a:spcPct val="100000"/>
+                        </a:lnSpc>
+                      </a:pPr>
                       <a:r>
                         <a:rPr lang="en-US"/>
                         <a:t>3</a:t>
@@ -7775,12 +8306,16 @@
                 </a:tc>
                 <a:tc>
                   <a:txBody>
-                    <a:bodyPr bIns="46800" lIns="90000" rIns="90000" tIns="46800" wrap="none"/>
+                    <a:bodyPr bIns="36000" lIns="36000" rIns="36000" tIns="36000" wrap="none"/>
                     <a:p>
-                      <a:pPr algn="ctr"/>
+                      <a:pPr algn="ctr">
+                        <a:lnSpc>
+                          <a:spcPct val="100000"/>
+                        </a:lnSpc>
+                      </a:pPr>
                       <a:r>
-                        <a:rPr lang="en-US"/>
-                        <a:t>N</a:t>
+                        <a:rPr b="1" lang="en-US"/>
+                        <a:t>Q</a:t>
                       </a:r>
                       <a:endParaRPr/>
                     </a:p>
@@ -7789,12 +8324,16 @@
                 </a:tc>
                 <a:tc>
                   <a:txBody>
-                    <a:bodyPr bIns="46800" lIns="90000" rIns="90000" tIns="46800" wrap="none"/>
+                    <a:bodyPr bIns="36000" lIns="36000" rIns="36000" tIns="36000" wrap="none"/>
                     <a:p>
-                      <a:pPr algn="ctr"/>
+                      <a:pPr algn="ctr">
+                        <a:lnSpc>
+                          <a:spcPct val="100000"/>
+                        </a:lnSpc>
+                      </a:pPr>
                       <a:r>
                         <a:rPr lang="en-US"/>
-                        <a:t>4</a:t>
+                        <a:t>5</a:t>
                       </a:r>
                       <a:endParaRPr/>
                     </a:p>
@@ -7802,15 +8341,19 @@
                   <a:tcPr/>
                 </a:tc>
               </a:tr>
-              <a:tr h="832320">
+              <a:tr h="831960">
                 <a:tc>
                   <a:txBody>
-                    <a:bodyPr bIns="46800" lIns="90000" rIns="90000" tIns="46800" wrap="none"/>
+                    <a:bodyPr bIns="36000" lIns="36000" rIns="36000" tIns="36000" wrap="none"/>
                     <a:p>
-                      <a:pPr algn="ctr"/>
+                      <a:pPr algn="ctr">
+                        <a:lnSpc>
+                          <a:spcPct val="100000"/>
+                        </a:lnSpc>
+                      </a:pPr>
                       <a:r>
-                        <a:rPr lang="en-US"/>
-                        <a:t>6</a:t>
+                        <a:rPr b="1" lang="en-US"/>
+                        <a:t>Free</a:t>
                       </a:r>
                       <a:endParaRPr/>
                     </a:p>
@@ -7819,9 +8362,13 @@
                 </a:tc>
                 <a:tc>
                   <a:txBody>
-                    <a:bodyPr bIns="46800" lIns="90000" rIns="90000" tIns="46800" wrap="none"/>
+                    <a:bodyPr bIns="36000" lIns="36000" rIns="36000" tIns="36000" wrap="none"/>
                     <a:p>
-                      <a:pPr algn="ctr"/>
+                      <a:pPr algn="ctr">
+                        <a:lnSpc>
+                          <a:spcPct val="100000"/>
+                        </a:lnSpc>
+                      </a:pPr>
                       <a:r>
                         <a:rPr lang="en-US"/>
                         <a:t>7</a:t>
@@ -7833,9 +8380,13 @@
                 </a:tc>
                 <a:tc>
                   <a:txBody>
-                    <a:bodyPr bIns="46800" lIns="90000" rIns="90000" tIns="46800" wrap="none"/>
+                    <a:bodyPr bIns="36000" lIns="36000" rIns="36000" tIns="36000" wrap="none"/>
                     <a:p>
-                      <a:pPr algn="ctr"/>
+                      <a:pPr algn="ctr">
+                        <a:lnSpc>
+                          <a:spcPct val="100000"/>
+                        </a:lnSpc>
+                      </a:pPr>
                       <a:r>
                         <a:rPr lang="en-US"/>
                         <a:t>8</a:t>
@@ -7855,10 +8406,10 @@
   <p:timing>
     <p:tnLst>
       <p:par>
-        <p:cTn dur="indefinite" id="37" nodeType="tmRoot" restart="never">
+        <p:cTn dur="indefinite" id="173" nodeType="tmRoot" restart="never">
           <p:childTnLst>
             <p:seq>
-              <p:cTn id="38" nodeType="mainSeq">
+              <p:cTn id="174" nodeType="mainSeq">
                 <p:childTnLst/>
               </p:cTn>
               <p:prevCondLst>
@@ -7909,8 +8460,8 @@
         </p:nvSpPr>
         <p:spPr>
           <a:xfrm>
-            <a:off x="457200" y="911520"/>
-            <a:ext cx="8228520" cy="1141920"/>
+            <a:off x="640080" y="2743200"/>
+            <a:ext cx="8228160" cy="1141560"/>
           </a:xfrm>
           <a:prstGeom prst="rect">
             <a:avLst/>
@@ -7931,29 +8482,10 @@
                 </a:solidFill>
                 <a:latin typeface="Calibri"/>
               </a:rPr>
-              <a:t>Abstracting chess</a:t>
+              <a:t>Everyone wants to make computer play Chess smarter..</a:t>
             </a:r>
             <a:endParaRPr/>
           </a:p>
-        </p:txBody>
-      </p:sp>
-      <p:sp>
-        <p:nvSpPr>
-          <p:cNvPr id="139" name="CustomShape 2"/>
-          <p:cNvSpPr/>
-          <p:nvPr/>
-        </p:nvSpPr>
-        <p:spPr>
-          <a:xfrm>
-            <a:off x="457200" y="2054520"/>
-            <a:ext cx="8228520" cy="3917880"/>
-          </a:xfrm>
-          <a:prstGeom prst="rect">
-            <a:avLst/>
-          </a:prstGeom>
-        </p:spPr>
-        <p:txBody>
-          <a:bodyPr bIns="45000" lIns="90000" rIns="90000" tIns="45000"/>
           <a:p>
             <a:pPr>
               <a:lnSpc>
@@ -7967,118 +8499,16 @@
               <a:lnSpc>
                 <a:spcPct val="100000"/>
               </a:lnSpc>
-              <a:buFont typeface="Arial"/>
-              <a:buChar char="•"/>
             </a:pPr>
             <a:r>
-              <a:rPr lang="en-US" sz="2800">
+              <a:rPr lang="en-US" sz="3600">
                 <a:solidFill>
-                  <a:srgbClr val="ffffff"/>
+                  <a:srgbClr val="ffecbd"/>
                 </a:solidFill>
                 <a:latin typeface="Calibri"/>
               </a:rPr>
-              <a:t>2  parties</a:t>
+              <a:t>We just want to make computer play chess</a:t>
             </a:r>
-            <a:endParaRPr/>
-          </a:p>
-          <a:p>
-            <a:pPr>
-              <a:lnSpc>
-                <a:spcPct val="100000"/>
-              </a:lnSpc>
-              <a:buFont typeface="Arial"/>
-              <a:buChar char="•"/>
-            </a:pPr>
-            <a:r>
-              <a:rPr lang="en-US" sz="2800">
-                <a:solidFill>
-                  <a:srgbClr val="ffffff"/>
-                </a:solidFill>
-                <a:latin typeface="Calibri"/>
-              </a:rPr>
-              <a:t>Each games end with one winner or tie (several conditions can lead to tie)</a:t>
-            </a:r>
-            <a:endParaRPr/>
-          </a:p>
-          <a:p>
-            <a:pPr>
-              <a:lnSpc>
-                <a:spcPct val="100000"/>
-              </a:lnSpc>
-              <a:buFont typeface="Arial"/>
-              <a:buChar char="•"/>
-            </a:pPr>
-            <a:r>
-              <a:rPr lang="en-US" sz="2800">
-                <a:solidFill>
-                  <a:srgbClr val="ffffff"/>
-                </a:solidFill>
-                <a:latin typeface="Calibri"/>
-              </a:rPr>
-              <a:t>8 X 8 board</a:t>
-            </a:r>
-            <a:endParaRPr/>
-          </a:p>
-          <a:p>
-            <a:pPr>
-              <a:lnSpc>
-                <a:spcPct val="100000"/>
-              </a:lnSpc>
-              <a:buFont typeface="Arial"/>
-              <a:buChar char="•"/>
-            </a:pPr>
-            <a:r>
-              <a:rPr lang="en-US" sz="2800">
-                <a:solidFill>
-                  <a:srgbClr val="ffffff"/>
-                </a:solidFill>
-                <a:latin typeface="Calibri"/>
-              </a:rPr>
-              <a:t>Given set of pieces, </a:t>
-            </a:r>
-            <a:endParaRPr/>
-          </a:p>
-          <a:p>
-            <a:pPr>
-              <a:lnSpc>
-                <a:spcPct val="100000"/>
-              </a:lnSpc>
-              <a:buFont typeface="Arial"/>
-              <a:buChar char="•"/>
-            </a:pPr>
-            <a:r>
-              <a:rPr lang="en-US" sz="2800">
-                <a:solidFill>
-                  <a:srgbClr val="ffffff"/>
-                </a:solidFill>
-                <a:latin typeface="Calibri"/>
-              </a:rPr>
-              <a:t>Pieces may have different unknown properties</a:t>
-            </a:r>
-            <a:endParaRPr/>
-          </a:p>
-          <a:p>
-            <a:pPr>
-              <a:lnSpc>
-                <a:spcPct val="100000"/>
-              </a:lnSpc>
-            </a:pPr>
-            <a:endParaRPr/>
-          </a:p>
-          <a:p>
-            <a:pPr>
-              <a:lnSpc>
-                <a:spcPct val="100000"/>
-              </a:lnSpc>
-            </a:pPr>
-            <a:endParaRPr/>
-          </a:p>
-          <a:p>
-            <a:pPr>
-              <a:lnSpc>
-                <a:spcPct val="100000"/>
-              </a:lnSpc>
-            </a:pPr>
             <a:endParaRPr/>
           </a:p>
         </p:txBody>
@@ -8092,7 +8522,57 @@
           <p:childTnLst>
             <p:seq>
               <p:cTn id="4" nodeType="mainSeq">
-                <p:childTnLst/>
+                <p:childTnLst>
+                  <p:par>
+                    <p:cTn fill="freeze" id="5">
+                      <p:stCondLst>
+                        <p:cond delay="indefinite"/>
+                      </p:stCondLst>
+                      <p:childTnLst>
+                        <p:par>
+                          <p:cTn fill="freeze" id="6">
+                            <p:stCondLst>
+                              <p:cond delay="0"/>
+                            </p:stCondLst>
+                            <p:childTnLst>
+                              <p:par>
+                                <p:cTn fill="hold" id="7" nodeType="clickEffect" presetClass="entr" presetID="1">
+                                  <p:stCondLst>
+                                    <p:cond delay="0"/>
+                                  </p:stCondLst>
+                                  <p:childTnLst>
+                                    <p:set>
+                                      <p:cBhvr>
+                                        <p:cTn dur="1" fill="hold" id="8">
+                                          <p:stCondLst>
+                                            <p:cond delay="0"/>
+                                          </p:stCondLst>
+                                        </p:cTn>
+                                        <p:tgtEl>
+                                          <p:spTgt spid="138">
+                                            <p:txEl>
+                                              <p:pRg end="95" st="54"/>
+                                            </p:txEl>
+                                          </p:spTgt>
+                                        </p:tgtEl>
+                                        <p:attrNameLst>
+                                          <p:attrName>style.visibility</p:attrName>
+                                        </p:attrNameLst>
+                                      </p:cBhvr>
+                                      <p:to>
+                                        <p:strVal val="visible"/>
+                                      </p:to>
+                                    </p:set>
+                                  </p:childTnLst>
+                                </p:cTn>
+                              </p:par>
+                            </p:childTnLst>
+                          </p:cTn>
+                        </p:par>
+                      </p:childTnLst>
+                    </p:cTn>
+                  </p:par>
+                </p:childTnLst>
               </p:cTn>
               <p:prevCondLst>
                 <p:cond delay="0" evt="onPrev">
@@ -8120,13 +8600,6 @@
 <file path=ppt/slides/slide20.xml><?xml version="1.0" encoding="utf-8"?>
 <p:sld xmlns:a="http://schemas.openxmlformats.org/drawingml/2006/main" xmlns:p="http://schemas.openxmlformats.org/presentationml/2006/main" xmlns:r="http://schemas.openxmlformats.org/officeDocument/2006/relationships">
   <p:cSld>
-    <p:bg>
-      <p:bgPr>
-        <a:blipFill>
-          <a:blip r:embed="rId1"/>
-        </a:blipFill>
-      </p:bgPr>
-    </p:bg>
     <p:spTree>
       <p:nvGrpSpPr>
         <p:cNvPr id="1" name=""/>
@@ -8143,14 +8616,14 @@
       </p:grpSpPr>
       <p:sp>
         <p:nvSpPr>
-          <p:cNvPr id="175" name="CustomShape 1"/>
+          <p:cNvPr id="173" name="CustomShape 1"/>
           <p:cNvSpPr/>
           <p:nvPr/>
         </p:nvSpPr>
         <p:spPr>
           <a:xfrm>
-            <a:off x="1831680" y="427320"/>
-            <a:ext cx="7014960" cy="1141920"/>
+            <a:off x="457200" y="911520"/>
+            <a:ext cx="8228160" cy="1141560"/>
           </a:xfrm>
           <a:prstGeom prst="rect">
             <a:avLst/>
@@ -8171,173 +8644,384 @@
                 </a:solidFill>
                 <a:latin typeface="Calibri"/>
               </a:rPr>
-              <a:t>Learning checkmate</a:t>
+              <a:t>Simple move 2.0</a:t>
             </a:r>
             <a:endParaRPr/>
           </a:p>
         </p:txBody>
       </p:sp>
-      <p:sp>
-        <p:nvSpPr>
-          <p:cNvPr id="176" name="CustomShape 2"/>
-          <p:cNvSpPr/>
+      <p:graphicFrame>
+        <p:nvGraphicFramePr>
+          <p:cNvPr id="174" name="Table 2"/>
+          <p:cNvGraphicFramePr/>
           <p:nvPr/>
-        </p:nvSpPr>
-        <p:spPr>
-          <a:xfrm>
-            <a:off x="1831680" y="1596600"/>
-            <a:ext cx="7014960" cy="4274640"/>
-          </a:xfrm>
-          <a:prstGeom prst="rect">
-            <a:avLst/>
-          </a:prstGeom>
-        </p:spPr>
-        <p:txBody>
-          <a:bodyPr bIns="45000" lIns="90000" rIns="90000" tIns="45000"/>
-          <a:p>
-            <a:pPr>
-              <a:lnSpc>
-                <a:spcPct val="100000"/>
-              </a:lnSpc>
-              <a:buFont typeface="Arial"/>
-              <a:buChar char="•"/>
-            </a:pPr>
-            <a:r>
-              <a:rPr lang="en-US" sz="2800">
-                <a:solidFill>
-                  <a:srgbClr val="ffffff"/>
-                </a:solidFill>
-                <a:latin typeface="Calibri"/>
-              </a:rPr>
-              <a:t>Features:</a:t>
-            </a:r>
-            <a:endParaRPr/>
-          </a:p>
-          <a:p>
-            <a:pPr>
-              <a:lnSpc>
-                <a:spcPct val="100000"/>
-              </a:lnSpc>
-              <a:buFont typeface="Arial"/>
-              <a:buChar char="•"/>
-            </a:pPr>
-            <a:r>
-              <a:rPr lang="en-US" sz="2800">
-                <a:solidFill>
-                  <a:srgbClr val="ffffff"/>
-                </a:solidFill>
-                <a:latin typeface="Calibri"/>
-              </a:rPr>
-              <a:t>Number of pieces on the board</a:t>
-            </a:r>
-            <a:endParaRPr/>
-          </a:p>
-          <a:p>
-            <a:pPr>
-              <a:lnSpc>
-                <a:spcPct val="100000"/>
-              </a:lnSpc>
-              <a:buFont typeface="Arial"/>
-              <a:buChar char="•"/>
-            </a:pPr>
-            <a:r>
-              <a:rPr lang="en-US" sz="2800">
-                <a:solidFill>
-                  <a:srgbClr val="ffffff"/>
-                </a:solidFill>
-                <a:latin typeface="Calibri"/>
-              </a:rPr>
-              <a:t>Number of pieces in each party</a:t>
-            </a:r>
-            <a:endParaRPr/>
-          </a:p>
-          <a:p>
-            <a:pPr>
-              <a:lnSpc>
-                <a:spcPct val="100000"/>
-              </a:lnSpc>
-              <a:buFont typeface="Arial"/>
-              <a:buChar char="•"/>
-            </a:pPr>
-            <a:r>
-              <a:rPr lang="en-US" sz="2800">
-                <a:solidFill>
-                  <a:srgbClr val="ffffff"/>
-                </a:solidFill>
-                <a:latin typeface="Calibri"/>
-              </a:rPr>
-              <a:t>Number of pieces of each type</a:t>
-            </a:r>
-            <a:endParaRPr/>
-          </a:p>
-          <a:p>
-            <a:pPr>
-              <a:lnSpc>
-                <a:spcPct val="100000"/>
-              </a:lnSpc>
-              <a:buFont typeface="Arial"/>
-              <a:buChar char="•"/>
-            </a:pPr>
-            <a:r>
-              <a:rPr lang="en-US" sz="2800">
-                <a:solidFill>
-                  <a:srgbClr val="ffffff"/>
-                </a:solidFill>
-                <a:latin typeface="Calibri"/>
-              </a:rPr>
-              <a:t>Is Queen in the board</a:t>
-            </a:r>
-            <a:endParaRPr/>
-          </a:p>
-          <a:p>
-            <a:pPr>
-              <a:lnSpc>
-                <a:spcPct val="100000"/>
-              </a:lnSpc>
-              <a:buFont typeface="Arial"/>
-              <a:buChar char="•"/>
-            </a:pPr>
-            <a:r>
-              <a:rPr lang="en-US" sz="2800">
-                <a:solidFill>
-                  <a:srgbClr val="ffffff"/>
-                </a:solidFill>
-                <a:latin typeface="Calibri"/>
-              </a:rPr>
-              <a:t>Is King on the board</a:t>
-            </a:r>
-            <a:endParaRPr/>
-          </a:p>
-          <a:p>
-            <a:pPr>
-              <a:lnSpc>
-                <a:spcPct val="100000"/>
-              </a:lnSpc>
-              <a:buFont typeface="Arial"/>
-              <a:buChar char="•"/>
-            </a:pPr>
-            <a:r>
-              <a:rPr lang="en-US" sz="2800">
-                <a:solidFill>
-                  <a:srgbClr val="ffffff"/>
-                </a:solidFill>
-                <a:latin typeface="Calibri"/>
-              </a:rPr>
-              <a:t>Number of surrounding pieces by type and distance (1-3)</a:t>
-            </a:r>
-            <a:endParaRPr/>
-          </a:p>
-        </p:txBody>
-      </p:sp>
+        </p:nvGraphicFramePr>
+        <p:xfrm>
+          <a:off x="209160" y="2131200"/>
+          <a:ext cx="8709480" cy="731520"/>
+        </p:xfrm>
+        <a:graphic>
+          <a:graphicData uri="http://schemas.openxmlformats.org/drawingml/2006/table">
+            <a:tbl>
+              <a:tblPr/>
+              <a:tblGrid>
+                <a:gridCol w="1594080"/>
+                <a:gridCol w="2575440"/>
+                <a:gridCol w="2089800"/>
+                <a:gridCol w="2450160"/>
+              </a:tblGrid>
+              <a:tr h="347760">
+                <a:tc>
+                  <a:txBody>
+                    <a:bodyPr bIns="36000" lIns="36000" rIns="36000" tIns="36000" wrap="none"/>
+                    <a:p>
+                      <a:pPr algn="ctr">
+                        <a:lnSpc>
+                          <a:spcPct val="100000"/>
+                        </a:lnSpc>
+                      </a:pPr>
+                      <a:r>
+                        <a:rPr lang="en-US"/>
+                        <a:t>Piece</a:t>
+                      </a:r>
+                      <a:endParaRPr/>
+                    </a:p>
+                  </a:txBody>
+                  <a:tcPr/>
+                </a:tc>
+                <a:tc>
+                  <a:txBody>
+                    <a:bodyPr bIns="36000" lIns="36000" rIns="36000" tIns="36000" wrap="none"/>
+                    <a:p>
+                      <a:pPr algn="ctr">
+                        <a:lnSpc>
+                          <a:spcPct val="100000"/>
+                        </a:lnSpc>
+                      </a:pPr>
+                      <a:r>
+                        <a:rPr lang="en-US"/>
+                        <a:t>Move diff</a:t>
+                      </a:r>
+                      <a:endParaRPr/>
+                    </a:p>
+                  </a:txBody>
+                  <a:tcPr/>
+                </a:tc>
+                <a:tc>
+                  <a:txBody>
+                    <a:bodyPr bIns="36000" lIns="36000" rIns="36000" tIns="36000" wrap="none"/>
+                    <a:p>
+                      <a:pPr algn="ctr">
+                        <a:lnSpc>
+                          <a:spcPct val="100000"/>
+                        </a:lnSpc>
+                      </a:pPr>
+                      <a:r>
+                        <a:rPr lang="en-US"/>
+                        <a:t>Relative location</a:t>
+                      </a:r>
+                      <a:endParaRPr/>
+                    </a:p>
+                  </a:txBody>
+                  <a:tcPr/>
+                </a:tc>
+                <a:tc>
+                  <a:txBody>
+                    <a:bodyPr bIns="36000" lIns="36000" rIns="36000" tIns="36000" wrap="none"/>
+                    <a:p>
+                      <a:pPr algn="ctr">
+                        <a:lnSpc>
+                          <a:spcPct val="100000"/>
+                        </a:lnSpc>
+                      </a:pPr>
+                      <a:r>
+                        <a:rPr lang="en-US"/>
+                        <a:t>Content</a:t>
+                      </a:r>
+                      <a:endParaRPr/>
+                    </a:p>
+                  </a:txBody>
+                  <a:tcPr/>
+                </a:tc>
+              </a:tr>
+              <a:tr h="603720">
+                <a:tc>
+                  <a:txBody>
+                    <a:bodyPr bIns="36000" lIns="36000" rIns="36000" tIns="36000" wrap="none"/>
+                    <a:p>
+                      <a:pPr algn="ctr">
+                        <a:lnSpc>
+                          <a:spcPct val="100000"/>
+                        </a:lnSpc>
+                      </a:pPr>
+                      <a:r>
+                        <a:rPr lang="en-US"/>
+                        <a:t>King</a:t>
+                      </a:r>
+                      <a:endParaRPr/>
+                    </a:p>
+                  </a:txBody>
+                  <a:tcPr/>
+                </a:tc>
+                <a:tc>
+                  <a:txBody>
+                    <a:bodyPr bIns="36000" lIns="36000" rIns="36000" tIns="36000" wrap="none"/>
+                    <a:p>
+                      <a:pPr algn="ctr">
+                        <a:lnSpc>
+                          <a:spcPct val="100000"/>
+                        </a:lnSpc>
+                      </a:pPr>
+                      <a:r>
+                        <a:rPr lang="en-US"/>
+                        <a:t>(2,0)</a:t>
+                      </a:r>
+                      <a:endParaRPr/>
+                    </a:p>
+                  </a:txBody>
+                  <a:tcPr/>
+                </a:tc>
+                <a:tc>
+                  <a:txBody>
+                    <a:bodyPr bIns="36000" lIns="36000" rIns="36000" tIns="36000" wrap="none"/>
+                    <a:p>
+                      <a:pPr algn="ctr">
+                        <a:lnSpc>
+                          <a:spcPct val="100000"/>
+                        </a:lnSpc>
+                      </a:pPr>
+                      <a:r>
+                        <a:rPr lang="en-US"/>
+                        <a:t>5</a:t>
+                      </a:r>
+                      <a:endParaRPr/>
+                    </a:p>
+                  </a:txBody>
+                  <a:tcPr/>
+                </a:tc>
+                <a:tc>
+                  <a:txBody>
+                    <a:bodyPr bIns="36000" lIns="36000" rIns="36000" tIns="36000" wrap="none"/>
+                    <a:p>
+                      <a:pPr algn="ctr">
+                        <a:lnSpc>
+                          <a:spcPct val="100000"/>
+                        </a:lnSpc>
+                      </a:pPr>
+                      <a:r>
+                        <a:rPr lang="en-US"/>
+                        <a:t>Free</a:t>
+                      </a:r>
+                      <a:endParaRPr/>
+                    </a:p>
+                  </a:txBody>
+                  <a:tcPr/>
+                </a:tc>
+              </a:tr>
+            </a:tbl>
+          </a:graphicData>
+        </a:graphic>
+      </p:graphicFrame>
+      <p:graphicFrame>
+        <p:nvGraphicFramePr>
+          <p:cNvPr id="175" name="Table 3"/>
+          <p:cNvGraphicFramePr/>
+          <p:nvPr/>
+        </p:nvGraphicFramePr>
+        <p:xfrm>
+          <a:off x="1791720" y="3831480"/>
+          <a:ext cx="5469480" cy="2496600"/>
+        </p:xfrm>
+        <a:graphic>
+          <a:graphicData uri="http://schemas.openxmlformats.org/drawingml/2006/table">
+            <a:tbl>
+              <a:tblPr/>
+              <a:tblGrid>
+                <a:gridCol w="1822680"/>
+                <a:gridCol w="1822680"/>
+                <a:gridCol w="1824120"/>
+              </a:tblGrid>
+              <a:tr h="832320">
+                <a:tc>
+                  <a:txBody>
+                    <a:bodyPr bIns="36000" lIns="36000" rIns="36000" tIns="36000" wrap="none"/>
+                    <a:p>
+                      <a:pPr algn="ctr">
+                        <a:lnSpc>
+                          <a:spcPct val="100000"/>
+                        </a:lnSpc>
+                      </a:pPr>
+                      <a:r>
+                        <a:rPr lang="en-US"/>
+                        <a:t>0</a:t>
+                      </a:r>
+                      <a:endParaRPr/>
+                    </a:p>
+                  </a:txBody>
+                  <a:tcPr/>
+                </a:tc>
+                <a:tc>
+                  <a:txBody>
+                    <a:bodyPr bIns="36000" lIns="36000" rIns="36000" tIns="36000" wrap="none"/>
+                    <a:p>
+                      <a:pPr algn="ctr">
+                        <a:lnSpc>
+                          <a:spcPct val="100000"/>
+                        </a:lnSpc>
+                      </a:pPr>
+                      <a:r>
+                        <a:rPr lang="en-US"/>
+                        <a:t>1</a:t>
+                      </a:r>
+                      <a:endParaRPr/>
+                    </a:p>
+                  </a:txBody>
+                  <a:tcPr/>
+                </a:tc>
+                <a:tc>
+                  <a:txBody>
+                    <a:bodyPr bIns="36000" lIns="36000" rIns="36000" tIns="36000" wrap="none"/>
+                    <a:p>
+                      <a:pPr algn="ctr">
+                        <a:lnSpc>
+                          <a:spcPct val="100000"/>
+                        </a:lnSpc>
+                      </a:pPr>
+                      <a:r>
+                        <a:rPr lang="en-US"/>
+                        <a:t>2</a:t>
+                      </a:r>
+                      <a:endParaRPr/>
+                    </a:p>
+                  </a:txBody>
+                  <a:tcPr/>
+                </a:tc>
+              </a:tr>
+              <a:tr h="832320">
+                <a:tc>
+                  <a:txBody>
+                    <a:bodyPr bIns="36000" lIns="36000" rIns="36000" tIns="36000" wrap="none"/>
+                    <a:p>
+                      <a:pPr algn="ctr">
+                        <a:lnSpc>
+                          <a:spcPct val="100000"/>
+                        </a:lnSpc>
+                      </a:pPr>
+                      <a:r>
+                        <a:rPr lang="en-US"/>
+                        <a:t>3</a:t>
+                      </a:r>
+                      <a:endParaRPr/>
+                    </a:p>
+                  </a:txBody>
+                  <a:tcPr/>
+                </a:tc>
+                <a:tc>
+                  <a:txBody>
+                    <a:bodyPr bIns="36000" lIns="36000" rIns="36000" tIns="36000" wrap="none"/>
+                    <a:p>
+                      <a:pPr algn="ctr">
+                        <a:lnSpc>
+                          <a:spcPct val="100000"/>
+                        </a:lnSpc>
+                      </a:pPr>
+                      <a:r>
+                        <a:rPr b="1" lang="en-US"/>
+                        <a:t>K</a:t>
+                      </a:r>
+                      <a:endParaRPr/>
+                    </a:p>
+                  </a:txBody>
+                  <a:tcPr/>
+                </a:tc>
+                <a:tc>
+                  <a:txBody>
+                    <a:bodyPr bIns="36000" lIns="36000" rIns="36000" tIns="36000" wrap="none"/>
+                    <a:p>
+                      <a:pPr algn="ctr">
+                        <a:lnSpc>
+                          <a:spcPct val="100000"/>
+                        </a:lnSpc>
+                      </a:pPr>
+                      <a:r>
+                        <a:rPr b="1" lang="en-US"/>
+                        <a:t>Free</a:t>
+                      </a:r>
+                      <a:endParaRPr/>
+                    </a:p>
+                  </a:txBody>
+                  <a:tcPr/>
+                </a:tc>
+              </a:tr>
+              <a:tr h="831960">
+                <a:tc>
+                  <a:txBody>
+                    <a:bodyPr bIns="36000" lIns="36000" rIns="36000" tIns="36000" wrap="none"/>
+                    <a:p>
+                      <a:pPr algn="ctr">
+                        <a:lnSpc>
+                          <a:spcPct val="100000"/>
+                        </a:lnSpc>
+                      </a:pPr>
+                      <a:r>
+                        <a:rPr lang="en-US"/>
+                        <a:t>6</a:t>
+                      </a:r>
+                      <a:endParaRPr/>
+                    </a:p>
+                  </a:txBody>
+                  <a:tcPr/>
+                </a:tc>
+                <a:tc>
+                  <a:txBody>
+                    <a:bodyPr bIns="36000" lIns="36000" rIns="36000" tIns="36000" wrap="none"/>
+                    <a:p>
+                      <a:pPr algn="ctr">
+                        <a:lnSpc>
+                          <a:spcPct val="100000"/>
+                        </a:lnSpc>
+                      </a:pPr>
+                      <a:r>
+                        <a:rPr lang="en-US"/>
+                        <a:t>7</a:t>
+                      </a:r>
+                      <a:endParaRPr/>
+                    </a:p>
+                  </a:txBody>
+                  <a:tcPr/>
+                </a:tc>
+                <a:tc>
+                  <a:txBody>
+                    <a:bodyPr bIns="36000" lIns="36000" rIns="36000" tIns="36000" wrap="none"/>
+                    <a:p>
+                      <a:pPr algn="ctr">
+                        <a:lnSpc>
+                          <a:spcPct val="100000"/>
+                        </a:lnSpc>
+                      </a:pPr>
+                      <a:r>
+                        <a:rPr lang="en-US"/>
+                        <a:t>8</a:t>
+                      </a:r>
+                      <a:endParaRPr/>
+                    </a:p>
+                  </a:txBody>
+                  <a:tcPr/>
+                </a:tc>
+              </a:tr>
+            </a:tbl>
+          </a:graphicData>
+        </a:graphic>
+      </p:graphicFrame>
     </p:spTree>
   </p:cSld>
   <p:timing>
     <p:tnLst>
       <p:par>
-        <p:cTn dur="indefinite" id="39" nodeType="tmRoot" restart="never">
+        <p:cTn dur="indefinite" id="175" nodeType="tmRoot" restart="never">
           <p:childTnLst>
             <p:seq>
-              <p:cTn id="40" nodeType="mainSeq">
+              <p:cTn id="176" nodeType="mainSeq">
                 <p:childTnLst/>
               </p:cTn>
               <p:prevCondLst>
@@ -8366,13 +9050,6 @@
 <file path=ppt/slides/slide21.xml><?xml version="1.0" encoding="utf-8"?>
 <p:sld xmlns:a="http://schemas.openxmlformats.org/drawingml/2006/main" xmlns:p="http://schemas.openxmlformats.org/presentationml/2006/main" xmlns:r="http://schemas.openxmlformats.org/officeDocument/2006/relationships">
   <p:cSld>
-    <p:bg>
-      <p:bgPr>
-        <a:blipFill>
-          <a:blip r:embed="rId1"/>
-        </a:blipFill>
-      </p:bgPr>
-    </p:bg>
     <p:spTree>
       <p:nvGrpSpPr>
         <p:cNvPr id="1" name=""/>
@@ -8389,14 +9066,14 @@
       </p:grpSpPr>
       <p:sp>
         <p:nvSpPr>
-          <p:cNvPr id="177" name="CustomShape 1"/>
+          <p:cNvPr id="176" name="CustomShape 1"/>
           <p:cNvSpPr/>
           <p:nvPr/>
         </p:nvSpPr>
         <p:spPr>
           <a:xfrm>
-            <a:off x="1831680" y="427320"/>
-            <a:ext cx="7014960" cy="1141920"/>
+            <a:off x="457200" y="911520"/>
+            <a:ext cx="8228160" cy="1141560"/>
           </a:xfrm>
           <a:prstGeom prst="rect">
             <a:avLst/>
@@ -8417,78 +9094,384 @@
                 </a:solidFill>
                 <a:latin typeface="Calibri"/>
               </a:rPr>
-              <a:t>Learning checkmate</a:t>
+              <a:t>Simple move 2.0</a:t>
             </a:r>
             <a:endParaRPr/>
           </a:p>
         </p:txBody>
       </p:sp>
-      <p:sp>
-        <p:nvSpPr>
-          <p:cNvPr id="178" name="CustomShape 2"/>
-          <p:cNvSpPr/>
+      <p:graphicFrame>
+        <p:nvGraphicFramePr>
+          <p:cNvPr id="177" name="Table 2"/>
+          <p:cNvGraphicFramePr/>
           <p:nvPr/>
-        </p:nvSpPr>
-        <p:spPr>
-          <a:xfrm>
-            <a:off x="1831680" y="1596600"/>
-            <a:ext cx="7014960" cy="4274640"/>
-          </a:xfrm>
-          <a:prstGeom prst="rect">
-            <a:avLst/>
-          </a:prstGeom>
-        </p:spPr>
-        <p:txBody>
-          <a:bodyPr bIns="45000" lIns="90000" rIns="90000" tIns="45000"/>
-          <a:p>
-            <a:pPr>
-              <a:lnSpc>
-                <a:spcPct val="100000"/>
-              </a:lnSpc>
-              <a:buFont typeface="Arial"/>
-              <a:buChar char="•"/>
-            </a:pPr>
-            <a:r>
-              <a:rPr lang="en-US" sz="2800">
-                <a:solidFill>
-                  <a:srgbClr val="ffffff"/>
-                </a:solidFill>
-                <a:latin typeface="Calibri"/>
-              </a:rPr>
-              <a:t>Features distribution (highlights):</a:t>
-            </a:r>
-            <a:endParaRPr/>
-          </a:p>
-          <a:p>
-            <a:pPr>
-              <a:lnSpc>
-                <a:spcPct val="100000"/>
-              </a:lnSpc>
-              <a:buFont typeface="Arial"/>
-              <a:buChar char="•"/>
-            </a:pPr>
-            <a:r>
-              <a:rPr lang="en-US" sz="2800">
-                <a:solidFill>
-                  <a:srgbClr val="ffffff"/>
-                </a:solidFill>
-                <a:latin typeface="Calibri"/>
-              </a:rPr>
-              <a:t>ddd</a:t>
-            </a:r>
-            <a:endParaRPr/>
-          </a:p>
-        </p:txBody>
-      </p:sp>
+        </p:nvGraphicFramePr>
+        <p:xfrm>
+          <a:off x="209160" y="2131200"/>
+          <a:ext cx="8709480" cy="731520"/>
+        </p:xfrm>
+        <a:graphic>
+          <a:graphicData uri="http://schemas.openxmlformats.org/drawingml/2006/table">
+            <a:tbl>
+              <a:tblPr/>
+              <a:tblGrid>
+                <a:gridCol w="1594080"/>
+                <a:gridCol w="2575440"/>
+                <a:gridCol w="2089800"/>
+                <a:gridCol w="2450160"/>
+              </a:tblGrid>
+              <a:tr h="347760">
+                <a:tc>
+                  <a:txBody>
+                    <a:bodyPr bIns="36000" lIns="36000" rIns="36000" tIns="36000" wrap="none"/>
+                    <a:p>
+                      <a:pPr algn="ctr">
+                        <a:lnSpc>
+                          <a:spcPct val="100000"/>
+                        </a:lnSpc>
+                      </a:pPr>
+                      <a:r>
+                        <a:rPr lang="en-US"/>
+                        <a:t>Piece</a:t>
+                      </a:r>
+                      <a:endParaRPr/>
+                    </a:p>
+                  </a:txBody>
+                  <a:tcPr/>
+                </a:tc>
+                <a:tc>
+                  <a:txBody>
+                    <a:bodyPr bIns="36000" lIns="36000" rIns="36000" tIns="36000" wrap="none"/>
+                    <a:p>
+                      <a:pPr algn="ctr">
+                        <a:lnSpc>
+                          <a:spcPct val="100000"/>
+                        </a:lnSpc>
+                      </a:pPr>
+                      <a:r>
+                        <a:rPr lang="en-US"/>
+                        <a:t>Move diff</a:t>
+                      </a:r>
+                      <a:endParaRPr/>
+                    </a:p>
+                  </a:txBody>
+                  <a:tcPr/>
+                </a:tc>
+                <a:tc>
+                  <a:txBody>
+                    <a:bodyPr bIns="36000" lIns="36000" rIns="36000" tIns="36000" wrap="none"/>
+                    <a:p>
+                      <a:pPr algn="ctr">
+                        <a:lnSpc>
+                          <a:spcPct val="100000"/>
+                        </a:lnSpc>
+                      </a:pPr>
+                      <a:r>
+                        <a:rPr lang="en-US"/>
+                        <a:t>Relative location</a:t>
+                      </a:r>
+                      <a:endParaRPr/>
+                    </a:p>
+                  </a:txBody>
+                  <a:tcPr/>
+                </a:tc>
+                <a:tc>
+                  <a:txBody>
+                    <a:bodyPr bIns="36000" lIns="36000" rIns="36000" tIns="36000" wrap="none"/>
+                    <a:p>
+                      <a:pPr algn="ctr">
+                        <a:lnSpc>
+                          <a:spcPct val="100000"/>
+                        </a:lnSpc>
+                      </a:pPr>
+                      <a:r>
+                        <a:rPr lang="en-US"/>
+                        <a:t>Content</a:t>
+                      </a:r>
+                      <a:endParaRPr/>
+                    </a:p>
+                  </a:txBody>
+                  <a:tcPr/>
+                </a:tc>
+              </a:tr>
+              <a:tr h="603720">
+                <a:tc>
+                  <a:txBody>
+                    <a:bodyPr bIns="36000" lIns="36000" rIns="36000" tIns="36000" wrap="none"/>
+                    <a:p>
+                      <a:pPr algn="ctr">
+                        <a:lnSpc>
+                          <a:spcPct val="100000"/>
+                        </a:lnSpc>
+                      </a:pPr>
+                      <a:r>
+                        <a:rPr lang="en-US"/>
+                        <a:t>Pawn</a:t>
+                      </a:r>
+                      <a:endParaRPr/>
+                    </a:p>
+                  </a:txBody>
+                  <a:tcPr/>
+                </a:tc>
+                <a:tc>
+                  <a:txBody>
+                    <a:bodyPr bIns="36000" lIns="36000" rIns="36000" tIns="36000" wrap="none"/>
+                    <a:p>
+                      <a:pPr algn="ctr">
+                        <a:lnSpc>
+                          <a:spcPct val="100000"/>
+                        </a:lnSpc>
+                      </a:pPr>
+                      <a:r>
+                        <a:rPr lang="en-US"/>
+                        <a:t>(0,2), (0,1)</a:t>
+                      </a:r>
+                      <a:endParaRPr/>
+                    </a:p>
+                  </a:txBody>
+                  <a:tcPr/>
+                </a:tc>
+                <a:tc>
+                  <a:txBody>
+                    <a:bodyPr bIns="36000" lIns="36000" rIns="36000" tIns="36000" wrap="none"/>
+                    <a:p>
+                      <a:pPr algn="ctr">
+                        <a:lnSpc>
+                          <a:spcPct val="100000"/>
+                        </a:lnSpc>
+                      </a:pPr>
+                      <a:r>
+                        <a:rPr lang="en-US"/>
+                        <a:t>7</a:t>
+                      </a:r>
+                      <a:endParaRPr/>
+                    </a:p>
+                  </a:txBody>
+                  <a:tcPr/>
+                </a:tc>
+                <a:tc>
+                  <a:txBody>
+                    <a:bodyPr bIns="36000" lIns="36000" rIns="36000" tIns="36000" wrap="none"/>
+                    <a:p>
+                      <a:pPr algn="ctr">
+                        <a:lnSpc>
+                          <a:spcPct val="100000"/>
+                        </a:lnSpc>
+                      </a:pPr>
+                      <a:r>
+                        <a:rPr lang="en-US"/>
+                        <a:t>Free</a:t>
+                      </a:r>
+                      <a:endParaRPr/>
+                    </a:p>
+                  </a:txBody>
+                  <a:tcPr/>
+                </a:tc>
+              </a:tr>
+            </a:tbl>
+          </a:graphicData>
+        </a:graphic>
+      </p:graphicFrame>
+      <p:graphicFrame>
+        <p:nvGraphicFramePr>
+          <p:cNvPr id="178" name="Table 3"/>
+          <p:cNvGraphicFramePr/>
+          <p:nvPr/>
+        </p:nvGraphicFramePr>
+        <p:xfrm>
+          <a:off x="1791720" y="3831480"/>
+          <a:ext cx="5469480" cy="2496600"/>
+        </p:xfrm>
+        <a:graphic>
+          <a:graphicData uri="http://schemas.openxmlformats.org/drawingml/2006/table">
+            <a:tbl>
+              <a:tblPr/>
+              <a:tblGrid>
+                <a:gridCol w="1822680"/>
+                <a:gridCol w="1822680"/>
+                <a:gridCol w="1824120"/>
+              </a:tblGrid>
+              <a:tr h="832320">
+                <a:tc>
+                  <a:txBody>
+                    <a:bodyPr bIns="36000" lIns="36000" rIns="36000" tIns="36000" wrap="none"/>
+                    <a:p>
+                      <a:pPr algn="ctr">
+                        <a:lnSpc>
+                          <a:spcPct val="100000"/>
+                        </a:lnSpc>
+                      </a:pPr>
+                      <a:r>
+                        <a:rPr lang="en-US"/>
+                        <a:t>0</a:t>
+                      </a:r>
+                      <a:endParaRPr/>
+                    </a:p>
+                  </a:txBody>
+                  <a:tcPr/>
+                </a:tc>
+                <a:tc>
+                  <a:txBody>
+                    <a:bodyPr bIns="36000" lIns="36000" rIns="36000" tIns="36000" wrap="none"/>
+                    <a:p>
+                      <a:pPr algn="ctr">
+                        <a:lnSpc>
+                          <a:spcPct val="100000"/>
+                        </a:lnSpc>
+                      </a:pPr>
+                      <a:r>
+                        <a:rPr lang="en-US"/>
+                        <a:t>1</a:t>
+                      </a:r>
+                      <a:endParaRPr/>
+                    </a:p>
+                  </a:txBody>
+                  <a:tcPr/>
+                </a:tc>
+                <a:tc>
+                  <a:txBody>
+                    <a:bodyPr bIns="36000" lIns="36000" rIns="36000" tIns="36000" wrap="none"/>
+                    <a:p>
+                      <a:pPr algn="ctr">
+                        <a:lnSpc>
+                          <a:spcPct val="100000"/>
+                        </a:lnSpc>
+                      </a:pPr>
+                      <a:r>
+                        <a:rPr lang="en-US"/>
+                        <a:t>2</a:t>
+                      </a:r>
+                      <a:endParaRPr/>
+                    </a:p>
+                  </a:txBody>
+                  <a:tcPr/>
+                </a:tc>
+              </a:tr>
+              <a:tr h="832320">
+                <a:tc>
+                  <a:txBody>
+                    <a:bodyPr bIns="36000" lIns="36000" rIns="36000" tIns="36000" wrap="none"/>
+                    <a:p>
+                      <a:pPr algn="ctr">
+                        <a:lnSpc>
+                          <a:spcPct val="100000"/>
+                        </a:lnSpc>
+                      </a:pPr>
+                      <a:r>
+                        <a:rPr lang="en-US"/>
+                        <a:t>3</a:t>
+                      </a:r>
+                      <a:endParaRPr/>
+                    </a:p>
+                  </a:txBody>
+                  <a:tcPr/>
+                </a:tc>
+                <a:tc>
+                  <a:txBody>
+                    <a:bodyPr bIns="36000" lIns="36000" rIns="36000" tIns="36000" wrap="none"/>
+                    <a:p>
+                      <a:pPr algn="ctr">
+                        <a:lnSpc>
+                          <a:spcPct val="100000"/>
+                        </a:lnSpc>
+                      </a:pPr>
+                      <a:r>
+                        <a:rPr b="1" lang="en-US"/>
+                        <a:t>P</a:t>
+                      </a:r>
+                      <a:endParaRPr/>
+                    </a:p>
+                  </a:txBody>
+                  <a:tcPr/>
+                </a:tc>
+                <a:tc>
+                  <a:txBody>
+                    <a:bodyPr bIns="36000" lIns="36000" rIns="36000" tIns="36000" wrap="none"/>
+                    <a:p>
+                      <a:pPr algn="ctr">
+                        <a:lnSpc>
+                          <a:spcPct val="100000"/>
+                        </a:lnSpc>
+                      </a:pPr>
+                      <a:r>
+                        <a:rPr lang="en-US"/>
+                        <a:t>5</a:t>
+                      </a:r>
+                      <a:endParaRPr/>
+                    </a:p>
+                  </a:txBody>
+                  <a:tcPr/>
+                </a:tc>
+              </a:tr>
+              <a:tr h="831960">
+                <a:tc>
+                  <a:txBody>
+                    <a:bodyPr bIns="36000" lIns="36000" rIns="36000" tIns="36000" wrap="none"/>
+                    <a:p>
+                      <a:pPr algn="ctr">
+                        <a:lnSpc>
+                          <a:spcPct val="100000"/>
+                        </a:lnSpc>
+                      </a:pPr>
+                      <a:r>
+                        <a:rPr lang="en-US"/>
+                        <a:t>6</a:t>
+                      </a:r>
+                      <a:endParaRPr/>
+                    </a:p>
+                  </a:txBody>
+                  <a:tcPr/>
+                </a:tc>
+                <a:tc>
+                  <a:txBody>
+                    <a:bodyPr bIns="36000" lIns="36000" rIns="36000" tIns="36000" wrap="none"/>
+                    <a:p>
+                      <a:pPr algn="ctr">
+                        <a:lnSpc>
+                          <a:spcPct val="100000"/>
+                        </a:lnSpc>
+                      </a:pPr>
+                      <a:r>
+                        <a:rPr b="1" lang="en-US"/>
+                        <a:t>Free</a:t>
+                      </a:r>
+                      <a:endParaRPr/>
+                    </a:p>
+                  </a:txBody>
+                  <a:tcPr/>
+                </a:tc>
+                <a:tc>
+                  <a:txBody>
+                    <a:bodyPr bIns="36000" lIns="36000" rIns="36000" tIns="36000" wrap="none"/>
+                    <a:p>
+                      <a:pPr algn="ctr">
+                        <a:lnSpc>
+                          <a:spcPct val="100000"/>
+                        </a:lnSpc>
+                      </a:pPr>
+                      <a:r>
+                        <a:rPr lang="en-US"/>
+                        <a:t>8</a:t>
+                      </a:r>
+                      <a:endParaRPr/>
+                    </a:p>
+                  </a:txBody>
+                  <a:tcPr/>
+                </a:tc>
+              </a:tr>
+            </a:tbl>
+          </a:graphicData>
+        </a:graphic>
+      </p:graphicFrame>
     </p:spTree>
   </p:cSld>
   <p:timing>
     <p:tnLst>
       <p:par>
-        <p:cTn dur="indefinite" id="41" nodeType="tmRoot" restart="never">
+        <p:cTn dur="indefinite" id="177" nodeType="tmRoot" restart="never">
           <p:childTnLst>
             <p:seq>
-              <p:cTn id="42" nodeType="mainSeq">
+              <p:cTn id="178" nodeType="mainSeq">
                 <p:childTnLst/>
               </p:cTn>
               <p:prevCondLst>
@@ -8517,13 +9500,6 @@
 <file path=ppt/slides/slide22.xml><?xml version="1.0" encoding="utf-8"?>
 <p:sld xmlns:a="http://schemas.openxmlformats.org/drawingml/2006/main" xmlns:p="http://schemas.openxmlformats.org/presentationml/2006/main" xmlns:r="http://schemas.openxmlformats.org/officeDocument/2006/relationships">
   <p:cSld>
-    <p:bg>
-      <p:bgPr>
-        <a:blipFill>
-          <a:blip r:embed="rId1"/>
-        </a:blipFill>
-      </p:bgPr>
-    </p:bg>
     <p:spTree>
       <p:nvGrpSpPr>
         <p:cNvPr id="1" name=""/>
@@ -8546,8 +9522,8 @@
         </p:nvSpPr>
         <p:spPr>
           <a:xfrm>
-            <a:off x="1831680" y="427320"/>
-            <a:ext cx="7014960" cy="1141920"/>
+            <a:off x="457200" y="911520"/>
+            <a:ext cx="8228160" cy="1141560"/>
           </a:xfrm>
           <a:prstGeom prst="rect">
             <a:avLst/>
@@ -8568,78 +9544,339 @@
                 </a:solidFill>
                 <a:latin typeface="Calibri"/>
               </a:rPr>
-              <a:t>Learning checkmate</a:t>
+              <a:t>Simple move 2.0</a:t>
             </a:r>
             <a:endParaRPr/>
           </a:p>
         </p:txBody>
       </p:sp>
-      <p:sp>
-        <p:nvSpPr>
-          <p:cNvPr id="180" name="CustomShape 2"/>
-          <p:cNvSpPr/>
+      <p:graphicFrame>
+        <p:nvGraphicFramePr>
+          <p:cNvPr id="180" name="Table 2"/>
+          <p:cNvGraphicFramePr/>
           <p:nvPr/>
-        </p:nvSpPr>
-        <p:spPr>
-          <a:xfrm>
-            <a:off x="1831680" y="1596600"/>
-            <a:ext cx="7014960" cy="4274640"/>
-          </a:xfrm>
-          <a:prstGeom prst="rect">
-            <a:avLst/>
-          </a:prstGeom>
-        </p:spPr>
-        <p:txBody>
-          <a:bodyPr bIns="45000" lIns="90000" rIns="90000" tIns="45000"/>
-          <a:p>
-            <a:pPr>
-              <a:lnSpc>
-                <a:spcPct val="100000"/>
-              </a:lnSpc>
-              <a:buFont typeface="Arial"/>
-              <a:buChar char="•"/>
-            </a:pPr>
-            <a:r>
-              <a:rPr lang="en-US" sz="2800">
-                <a:solidFill>
-                  <a:srgbClr val="ffffff"/>
-                </a:solidFill>
-                <a:latin typeface="Calibri"/>
-              </a:rPr>
-              <a:t>Results:</a:t>
-            </a:r>
-            <a:endParaRPr/>
-          </a:p>
-          <a:p>
-            <a:pPr>
-              <a:lnSpc>
-                <a:spcPct val="100000"/>
-              </a:lnSpc>
-              <a:buFont typeface="Arial"/>
-              <a:buChar char="•"/>
-            </a:pPr>
-            <a:r>
-              <a:rPr lang="en-US" sz="2800">
-                <a:solidFill>
-                  <a:srgbClr val="ffffff"/>
-                </a:solidFill>
-                <a:latin typeface="Calibri"/>
-              </a:rPr>
-              <a:t>90% ...</a:t>
-            </a:r>
-            <a:endParaRPr/>
-          </a:p>
-        </p:txBody>
-      </p:sp>
+        </p:nvGraphicFramePr>
+        <p:xfrm>
+          <a:off x="209160" y="2131200"/>
+          <a:ext cx="8709480" cy="731520"/>
+        </p:xfrm>
+        <a:graphic>
+          <a:graphicData uri="http://schemas.openxmlformats.org/drawingml/2006/table">
+            <a:tbl>
+              <a:tblPr/>
+              <a:tblGrid>
+                <a:gridCol w="1594080"/>
+                <a:gridCol w="2575440"/>
+                <a:gridCol w="2089800"/>
+                <a:gridCol w="2450160"/>
+              </a:tblGrid>
+              <a:tr h="347760">
+                <a:tc>
+                  <a:txBody>
+                    <a:bodyPr bIns="36000" lIns="36000" rIns="36000" tIns="36000" wrap="none"/>
+                    <a:p>
+                      <a:pPr algn="ctr">
+                        <a:lnSpc>
+                          <a:spcPct val="100000"/>
+                        </a:lnSpc>
+                      </a:pPr>
+                      <a:r>
+                        <a:rPr lang="en-US"/>
+                        <a:t>Piece</a:t>
+                      </a:r>
+                      <a:endParaRPr/>
+                    </a:p>
+                  </a:txBody>
+                  <a:tcPr/>
+                </a:tc>
+                <a:tc>
+                  <a:txBody>
+                    <a:bodyPr bIns="36000" lIns="36000" rIns="36000" tIns="36000" wrap="none"/>
+                    <a:p>
+                      <a:pPr algn="ctr">
+                        <a:lnSpc>
+                          <a:spcPct val="100000"/>
+                        </a:lnSpc>
+                      </a:pPr>
+                      <a:r>
+                        <a:rPr lang="en-US"/>
+                        <a:t>Move diff</a:t>
+                      </a:r>
+                      <a:endParaRPr/>
+                    </a:p>
+                  </a:txBody>
+                  <a:tcPr/>
+                </a:tc>
+                <a:tc>
+                  <a:txBody>
+                    <a:bodyPr bIns="36000" lIns="36000" rIns="36000" tIns="36000" wrap="none"/>
+                    <a:p>
+                      <a:pPr algn="ctr">
+                        <a:lnSpc>
+                          <a:spcPct val="100000"/>
+                        </a:lnSpc>
+                      </a:pPr>
+                      <a:r>
+                        <a:rPr lang="en-US"/>
+                        <a:t>Relative location</a:t>
+                      </a:r>
+                      <a:endParaRPr/>
+                    </a:p>
+                  </a:txBody>
+                  <a:tcPr/>
+                </a:tc>
+                <a:tc>
+                  <a:txBody>
+                    <a:bodyPr bIns="36000" lIns="36000" rIns="36000" tIns="36000" wrap="none"/>
+                    <a:p>
+                      <a:pPr algn="ctr">
+                        <a:lnSpc>
+                          <a:spcPct val="100000"/>
+                        </a:lnSpc>
+                      </a:pPr>
+                      <a:r>
+                        <a:rPr lang="en-US"/>
+                        <a:t>Content</a:t>
+                      </a:r>
+                      <a:endParaRPr/>
+                    </a:p>
+                  </a:txBody>
+                  <a:tcPr/>
+                </a:tc>
+              </a:tr>
+              <a:tr h="603720">
+                <a:tc>
+                  <a:txBody>
+                    <a:bodyPr bIns="36000" lIns="36000" rIns="36000" tIns="36000" wrap="none"/>
+                    <a:p>
+                      <a:pPr algn="ctr">
+                        <a:lnSpc>
+                          <a:spcPct val="100000"/>
+                        </a:lnSpc>
+                      </a:pPr>
+                      <a:r>
+                        <a:rPr lang="en-US"/>
+                        <a:t>Knight</a:t>
+                      </a:r>
+                      <a:endParaRPr/>
+                    </a:p>
+                  </a:txBody>
+                  <a:tcPr/>
+                </a:tc>
+                <a:tc>
+                  <a:tcPr/>
+                </a:tc>
+                <a:tc>
+                  <a:tcPr/>
+                </a:tc>
+                <a:tc>
+                  <a:tcPr/>
+                </a:tc>
+              </a:tr>
+            </a:tbl>
+          </a:graphicData>
+        </a:graphic>
+      </p:graphicFrame>
+      <p:graphicFrame>
+        <p:nvGraphicFramePr>
+          <p:cNvPr id="181" name="Table 3"/>
+          <p:cNvGraphicFramePr/>
+          <p:nvPr/>
+        </p:nvGraphicFramePr>
+        <p:xfrm>
+          <a:off x="1791720" y="3831480"/>
+          <a:ext cx="5469480" cy="2496600"/>
+        </p:xfrm>
+        <a:graphic>
+          <a:graphicData uri="http://schemas.openxmlformats.org/drawingml/2006/table">
+            <a:tbl>
+              <a:tblPr/>
+              <a:tblGrid>
+                <a:gridCol w="1822680"/>
+                <a:gridCol w="1822680"/>
+                <a:gridCol w="1824120"/>
+              </a:tblGrid>
+              <a:tr h="832320">
+                <a:tc>
+                  <a:txBody>
+                    <a:bodyPr bIns="36000" lIns="36000" rIns="36000" tIns="36000" wrap="none"/>
+                    <a:p>
+                      <a:pPr algn="ctr">
+                        <a:lnSpc>
+                          <a:spcPct val="100000"/>
+                        </a:lnSpc>
+                      </a:pPr>
+                      <a:r>
+                        <a:rPr lang="en-US"/>
+                        <a:t>0</a:t>
+                      </a:r>
+                      <a:endParaRPr/>
+                    </a:p>
+                  </a:txBody>
+                  <a:tcPr/>
+                </a:tc>
+                <a:tc>
+                  <a:txBody>
+                    <a:bodyPr bIns="36000" lIns="36000" rIns="36000" tIns="36000" wrap="none"/>
+                    <a:p>
+                      <a:pPr algn="ctr">
+                        <a:lnSpc>
+                          <a:spcPct val="100000"/>
+                        </a:lnSpc>
+                      </a:pPr>
+                      <a:r>
+                        <a:rPr lang="en-US"/>
+                        <a:t>1</a:t>
+                      </a:r>
+                      <a:endParaRPr/>
+                    </a:p>
+                  </a:txBody>
+                  <a:tcPr/>
+                </a:tc>
+                <a:tc>
+                  <a:txBody>
+                    <a:bodyPr bIns="36000" lIns="36000" rIns="36000" tIns="36000" wrap="none"/>
+                    <a:p>
+                      <a:pPr algn="ctr">
+                        <a:lnSpc>
+                          <a:spcPct val="100000"/>
+                        </a:lnSpc>
+                      </a:pPr>
+                      <a:r>
+                        <a:rPr lang="en-US"/>
+                        <a:t>2</a:t>
+                      </a:r>
+                      <a:endParaRPr/>
+                    </a:p>
+                  </a:txBody>
+                  <a:tcPr/>
+                </a:tc>
+              </a:tr>
+              <a:tr h="832320">
+                <a:tc>
+                  <a:txBody>
+                    <a:bodyPr bIns="36000" lIns="36000" rIns="36000" tIns="36000" wrap="none"/>
+                    <a:p>
+                      <a:pPr algn="ctr">
+                        <a:lnSpc>
+                          <a:spcPct val="100000"/>
+                        </a:lnSpc>
+                      </a:pPr>
+                      <a:r>
+                        <a:rPr lang="en-US"/>
+                        <a:t>3</a:t>
+                      </a:r>
+                      <a:endParaRPr/>
+                    </a:p>
+                  </a:txBody>
+                  <a:tcPr/>
+                </a:tc>
+                <a:tc>
+                  <a:txBody>
+                    <a:bodyPr bIns="36000" lIns="36000" rIns="36000" tIns="36000" wrap="none"/>
+                    <a:p>
+                      <a:pPr algn="ctr">
+                        <a:lnSpc>
+                          <a:spcPct val="100000"/>
+                        </a:lnSpc>
+                      </a:pPr>
+                      <a:r>
+                        <a:rPr b="1" lang="en-US"/>
+                        <a:t>N</a:t>
+                      </a:r>
+                      <a:endParaRPr/>
+                    </a:p>
+                  </a:txBody>
+                  <a:tcPr/>
+                </a:tc>
+                <a:tc>
+                  <a:txBody>
+                    <a:bodyPr bIns="36000" lIns="36000" rIns="36000" tIns="36000" wrap="none"/>
+                    <a:p>
+                      <a:pPr algn="ctr">
+                        <a:lnSpc>
+                          <a:spcPct val="100000"/>
+                        </a:lnSpc>
+                      </a:pPr>
+                      <a:r>
+                        <a:rPr lang="en-US"/>
+                        <a:t>5</a:t>
+                      </a:r>
+                      <a:endParaRPr/>
+                    </a:p>
+                  </a:txBody>
+                  <a:tcPr/>
+                </a:tc>
+              </a:tr>
+              <a:tr h="831960">
+                <a:tc>
+                  <a:txBody>
+                    <a:bodyPr bIns="36000" lIns="36000" rIns="36000" tIns="36000" wrap="none"/>
+                    <a:p>
+                      <a:pPr algn="ctr">
+                        <a:lnSpc>
+                          <a:spcPct val="100000"/>
+                        </a:lnSpc>
+                      </a:pPr>
+                      <a:r>
+                        <a:rPr lang="en-US"/>
+                        <a:t>6</a:t>
+                      </a:r>
+                      <a:endParaRPr/>
+                    </a:p>
+                  </a:txBody>
+                  <a:tcPr/>
+                </a:tc>
+                <a:tc>
+                  <a:txBody>
+                    <a:bodyPr bIns="36000" lIns="36000" rIns="36000" tIns="36000" wrap="none"/>
+                    <a:p>
+                      <a:pPr algn="ctr">
+                        <a:lnSpc>
+                          <a:spcPct val="100000"/>
+                        </a:lnSpc>
+                      </a:pPr>
+                      <a:r>
+                        <a:rPr lang="en-US"/>
+                        <a:t>7</a:t>
+                      </a:r>
+                      <a:endParaRPr/>
+                    </a:p>
+                  </a:txBody>
+                  <a:tcPr/>
+                </a:tc>
+                <a:tc>
+                  <a:txBody>
+                    <a:bodyPr bIns="36000" lIns="36000" rIns="36000" tIns="36000" wrap="none"/>
+                    <a:p>
+                      <a:pPr algn="ctr">
+                        <a:lnSpc>
+                          <a:spcPct val="100000"/>
+                        </a:lnSpc>
+                      </a:pPr>
+                      <a:r>
+                        <a:rPr lang="en-US"/>
+                        <a:t>8</a:t>
+                      </a:r>
+                      <a:endParaRPr/>
+                    </a:p>
+                  </a:txBody>
+                  <a:tcPr/>
+                </a:tc>
+              </a:tr>
+            </a:tbl>
+          </a:graphicData>
+        </a:graphic>
+      </p:graphicFrame>
     </p:spTree>
   </p:cSld>
   <p:timing>
     <p:tnLst>
       <p:par>
-        <p:cTn dur="indefinite" id="43" nodeType="tmRoot" restart="never">
+        <p:cTn dur="indefinite" id="179" nodeType="tmRoot" restart="never">
           <p:childTnLst>
             <p:seq>
-              <p:cTn id="44" nodeType="mainSeq">
+              <p:cTn id="180" nodeType="mainSeq">
                 <p:childTnLst/>
               </p:cTn>
               <p:prevCondLst>
@@ -8668,6 +9905,13 @@
 <file path=ppt/slides/slide23.xml><?xml version="1.0" encoding="utf-8"?>
 <p:sld xmlns:a="http://schemas.openxmlformats.org/drawingml/2006/main" xmlns:p="http://schemas.openxmlformats.org/presentationml/2006/main" xmlns:r="http://schemas.openxmlformats.org/officeDocument/2006/relationships">
   <p:cSld>
+    <p:bg>
+      <p:bgPr>
+        <a:blipFill>
+          <a:blip r:embed="rId1"/>
+        </a:blipFill>
+      </p:bgPr>
+    </p:bg>
     <p:spTree>
       <p:nvGrpSpPr>
         <p:cNvPr id="1" name=""/>
@@ -8684,14 +9928,555 @@
       </p:grpSpPr>
       <p:sp>
         <p:nvSpPr>
-          <p:cNvPr id="181" name="CustomShape 1"/>
+          <p:cNvPr id="182" name="CustomShape 1"/>
           <p:cNvSpPr/>
           <p:nvPr/>
         </p:nvSpPr>
         <p:spPr>
           <a:xfrm>
+            <a:off x="1831680" y="427320"/>
+            <a:ext cx="7014600" cy="1141560"/>
+          </a:xfrm>
+          <a:prstGeom prst="rect">
+            <a:avLst/>
+          </a:prstGeom>
+        </p:spPr>
+        <p:txBody>
+          <a:bodyPr anchor="ctr" bIns="45000" lIns="90000" rIns="90000" tIns="45000"/>
+          <a:p>
+            <a:pPr>
+              <a:lnSpc>
+                <a:spcPct val="100000"/>
+              </a:lnSpc>
+            </a:pPr>
+            <a:r>
+              <a:rPr lang="en-US" sz="3600">
+                <a:solidFill>
+                  <a:srgbClr val="ffecbd"/>
+                </a:solidFill>
+                <a:latin typeface="Calibri"/>
+              </a:rPr>
+              <a:t>Learning checkmate</a:t>
+            </a:r>
+            <a:endParaRPr/>
+          </a:p>
+        </p:txBody>
+      </p:sp>
+      <p:sp>
+        <p:nvSpPr>
+          <p:cNvPr id="183" name="CustomShape 2"/>
+          <p:cNvSpPr/>
+          <p:nvPr/>
+        </p:nvSpPr>
+        <p:spPr>
+          <a:xfrm>
+            <a:off x="2541960" y="1395000"/>
+            <a:ext cx="6374520" cy="4274280"/>
+          </a:xfrm>
+          <a:prstGeom prst="rect">
+            <a:avLst/>
+          </a:prstGeom>
+        </p:spPr>
+        <p:txBody>
+          <a:bodyPr bIns="45000" lIns="90000" rIns="90000" tIns="45000"/>
+          <a:p>
+            <a:pPr>
+              <a:lnSpc>
+                <a:spcPct val="100000"/>
+              </a:lnSpc>
+              <a:buFont typeface="Arial"/>
+              <a:buChar char="•"/>
+            </a:pPr>
+            <a:r>
+              <a:rPr lang="en-US" sz="2800">
+                <a:solidFill>
+                  <a:srgbClr val="ffffff"/>
+                </a:solidFill>
+                <a:latin typeface="Calibri"/>
+              </a:rPr>
+              <a:t>Features:</a:t>
+            </a:r>
+            <a:endParaRPr/>
+          </a:p>
+          <a:p>
+            <a:pPr>
+              <a:lnSpc>
+                <a:spcPct val="100000"/>
+              </a:lnSpc>
+              <a:buFont typeface="Arial"/>
+              <a:buChar char="•"/>
+            </a:pPr>
+            <a:r>
+              <a:rPr lang="en-US" sz="2800">
+                <a:solidFill>
+                  <a:srgbClr val="ffffff"/>
+                </a:solidFill>
+                <a:latin typeface="Calibri"/>
+              </a:rPr>
+              <a:t># Piece on the board</a:t>
+            </a:r>
+            <a:endParaRPr/>
+          </a:p>
+          <a:p>
+            <a:pPr>
+              <a:lnSpc>
+                <a:spcPct val="100000"/>
+              </a:lnSpc>
+              <a:buFont typeface="Arial"/>
+              <a:buChar char="•"/>
+            </a:pPr>
+            <a:r>
+              <a:rPr lang="en-US" sz="2800">
+                <a:solidFill>
+                  <a:srgbClr val="ffffff"/>
+                </a:solidFill>
+                <a:latin typeface="Calibri"/>
+              </a:rPr>
+              <a:t># Pieces of each party</a:t>
+            </a:r>
+            <a:endParaRPr/>
+          </a:p>
+          <a:p>
+            <a:pPr>
+              <a:lnSpc>
+                <a:spcPct val="100000"/>
+              </a:lnSpc>
+              <a:buFont typeface="Arial"/>
+              <a:buChar char="•"/>
+            </a:pPr>
+            <a:r>
+              <a:rPr lang="en-US" sz="2800">
+                <a:solidFill>
+                  <a:srgbClr val="ffffff"/>
+                </a:solidFill>
+                <a:latin typeface="Calibri"/>
+              </a:rPr>
+              <a:t># Pieces of each type</a:t>
+            </a:r>
+            <a:endParaRPr/>
+          </a:p>
+          <a:p>
+            <a:pPr>
+              <a:lnSpc>
+                <a:spcPct val="100000"/>
+              </a:lnSpc>
+              <a:buFont typeface="Arial"/>
+              <a:buChar char="•"/>
+            </a:pPr>
+            <a:r>
+              <a:rPr lang="en-US" sz="2800">
+                <a:solidFill>
+                  <a:srgbClr val="ffffff"/>
+                </a:solidFill>
+                <a:latin typeface="Calibri"/>
+              </a:rPr>
+              <a:t>Is Queen in the board</a:t>
+            </a:r>
+            <a:endParaRPr/>
+          </a:p>
+          <a:p>
+            <a:pPr>
+              <a:lnSpc>
+                <a:spcPct val="100000"/>
+              </a:lnSpc>
+              <a:buFont typeface="Arial"/>
+              <a:buChar char="•"/>
+            </a:pPr>
+            <a:r>
+              <a:rPr lang="en-US" sz="2800">
+                <a:solidFill>
+                  <a:srgbClr val="ffffff"/>
+                </a:solidFill>
+                <a:latin typeface="Calibri"/>
+              </a:rPr>
+              <a:t>Is King on the board</a:t>
+            </a:r>
+            <a:endParaRPr/>
+          </a:p>
+          <a:p>
+            <a:pPr>
+              <a:lnSpc>
+                <a:spcPct val="100000"/>
+              </a:lnSpc>
+              <a:buFont typeface="Arial"/>
+              <a:buChar char="•"/>
+            </a:pPr>
+            <a:r>
+              <a:rPr lang="en-US" sz="2800">
+                <a:solidFill>
+                  <a:srgbClr val="ffffff"/>
+                </a:solidFill>
+                <a:latin typeface="Calibri"/>
+              </a:rPr>
+              <a:t># Surrounding pieces by type radius 1-3</a:t>
+            </a:r>
+            <a:endParaRPr/>
+          </a:p>
+        </p:txBody>
+      </p:sp>
+    </p:spTree>
+  </p:cSld>
+  <p:timing>
+    <p:tnLst>
+      <p:par>
+        <p:cTn dur="indefinite" id="181" nodeType="tmRoot" restart="never">
+          <p:childTnLst>
+            <p:seq>
+              <p:cTn id="182" nodeType="mainSeq">
+                <p:childTnLst/>
+              </p:cTn>
+              <p:prevCondLst>
+                <p:cond delay="0" evt="onPrev">
+                  <p:tgtEl>
+                    <p:sldTgt/>
+                  </p:tgtEl>
+                </p:cond>
+              </p:prevCondLst>
+              <p:nextCondLst>
+                <p:cond delay="0" evt="onNext">
+                  <p:tgtEl>
+                    <p:sldTgt/>
+                  </p:tgtEl>
+                </p:cond>
+              </p:nextCondLst>
+            </p:seq>
+          </p:childTnLst>
+        </p:cTn>
+      </p:par>
+    </p:tnLst>
+  </p:timing>
+</p:sld>
+</file>
+
+<file path=ppt/slides/slide24.xml><?xml version="1.0" encoding="utf-8"?>
+<p:sld xmlns:a="http://schemas.openxmlformats.org/drawingml/2006/main" xmlns:p="http://schemas.openxmlformats.org/presentationml/2006/main" xmlns:r="http://schemas.openxmlformats.org/officeDocument/2006/relationships">
+  <p:cSld>
+    <p:bg>
+      <p:bgPr>
+        <a:blipFill>
+          <a:blip r:embed="rId1"/>
+        </a:blipFill>
+      </p:bgPr>
+    </p:bg>
+    <p:spTree>
+      <p:nvGrpSpPr>
+        <p:cNvPr id="1" name=""/>
+        <p:cNvGrpSpPr/>
+        <p:nvPr/>
+      </p:nvGrpSpPr>
+      <p:grpSpPr>
+        <a:xfrm>
+          <a:off x="0" y="0"/>
+          <a:ext cx="0" cy="0"/>
+          <a:chOff x="0" y="0"/>
+          <a:chExt cx="0" cy="0"/>
+        </a:xfrm>
+      </p:grpSpPr>
+      <p:sp>
+        <p:nvSpPr>
+          <p:cNvPr id="184" name="CustomShape 1"/>
+          <p:cNvSpPr/>
+          <p:nvPr/>
+        </p:nvSpPr>
+        <p:spPr>
+          <a:xfrm>
+            <a:off x="1831680" y="427320"/>
+            <a:ext cx="7014600" cy="1141560"/>
+          </a:xfrm>
+          <a:prstGeom prst="rect">
+            <a:avLst/>
+          </a:prstGeom>
+        </p:spPr>
+        <p:txBody>
+          <a:bodyPr anchor="ctr" bIns="45000" lIns="90000" rIns="90000" tIns="45000"/>
+          <a:p>
+            <a:pPr>
+              <a:lnSpc>
+                <a:spcPct val="100000"/>
+              </a:lnSpc>
+            </a:pPr>
+            <a:r>
+              <a:rPr lang="en-US" sz="3600">
+                <a:solidFill>
+                  <a:srgbClr val="ffecbd"/>
+                </a:solidFill>
+                <a:latin typeface="Calibri"/>
+              </a:rPr>
+              <a:t>Learning checkmate</a:t>
+            </a:r>
+            <a:endParaRPr/>
+          </a:p>
+        </p:txBody>
+      </p:sp>
+      <p:sp>
+        <p:nvSpPr>
+          <p:cNvPr id="185" name="CustomShape 2"/>
+          <p:cNvSpPr/>
+          <p:nvPr/>
+        </p:nvSpPr>
+        <p:spPr>
+          <a:xfrm>
+            <a:off x="1831680" y="1596600"/>
+            <a:ext cx="7014600" cy="4274280"/>
+          </a:xfrm>
+          <a:prstGeom prst="rect">
+            <a:avLst/>
+          </a:prstGeom>
+        </p:spPr>
+        <p:txBody>
+          <a:bodyPr bIns="45000" lIns="90000" rIns="90000" tIns="45000"/>
+          <a:p>
+            <a:pPr>
+              <a:lnSpc>
+                <a:spcPct val="100000"/>
+              </a:lnSpc>
+              <a:buFont typeface="Arial"/>
+              <a:buChar char="•"/>
+            </a:pPr>
+            <a:r>
+              <a:rPr lang="en-US" sz="2800">
+                <a:solidFill>
+                  <a:srgbClr val="ffffff"/>
+                </a:solidFill>
+                <a:latin typeface="Calibri"/>
+              </a:rPr>
+              <a:t>Features distribution (highlights):</a:t>
+            </a:r>
+            <a:endParaRPr/>
+          </a:p>
+          <a:p>
+            <a:pPr>
+              <a:lnSpc>
+                <a:spcPct val="100000"/>
+              </a:lnSpc>
+              <a:buFont typeface="Arial"/>
+              <a:buChar char="•"/>
+            </a:pPr>
+            <a:r>
+              <a:rPr lang="en-US" sz="2800">
+                <a:solidFill>
+                  <a:srgbClr val="ffffff"/>
+                </a:solidFill>
+                <a:latin typeface="Calibri"/>
+              </a:rPr>
+              <a:t>ddd</a:t>
+            </a:r>
+            <a:endParaRPr/>
+          </a:p>
+        </p:txBody>
+      </p:sp>
+    </p:spTree>
+  </p:cSld>
+  <p:timing>
+    <p:tnLst>
+      <p:par>
+        <p:cTn dur="indefinite" id="183" nodeType="tmRoot" restart="never">
+          <p:childTnLst>
+            <p:seq>
+              <p:cTn id="184" nodeType="mainSeq">
+                <p:childTnLst/>
+              </p:cTn>
+              <p:prevCondLst>
+                <p:cond delay="0" evt="onPrev">
+                  <p:tgtEl>
+                    <p:sldTgt/>
+                  </p:tgtEl>
+                </p:cond>
+              </p:prevCondLst>
+              <p:nextCondLst>
+                <p:cond delay="0" evt="onNext">
+                  <p:tgtEl>
+                    <p:sldTgt/>
+                  </p:tgtEl>
+                </p:cond>
+              </p:nextCondLst>
+            </p:seq>
+          </p:childTnLst>
+        </p:cTn>
+      </p:par>
+    </p:tnLst>
+  </p:timing>
+</p:sld>
+</file>
+
+<file path=ppt/slides/slide25.xml><?xml version="1.0" encoding="utf-8"?>
+<p:sld xmlns:a="http://schemas.openxmlformats.org/drawingml/2006/main" xmlns:p="http://schemas.openxmlformats.org/presentationml/2006/main" xmlns:r="http://schemas.openxmlformats.org/officeDocument/2006/relationships">
+  <p:cSld>
+    <p:bg>
+      <p:bgPr>
+        <a:blipFill>
+          <a:blip r:embed="rId1"/>
+        </a:blipFill>
+      </p:bgPr>
+    </p:bg>
+    <p:spTree>
+      <p:nvGrpSpPr>
+        <p:cNvPr id="1" name=""/>
+        <p:cNvGrpSpPr/>
+        <p:nvPr/>
+      </p:nvGrpSpPr>
+      <p:grpSpPr>
+        <a:xfrm>
+          <a:off x="0" y="0"/>
+          <a:ext cx="0" cy="0"/>
+          <a:chOff x="0" y="0"/>
+          <a:chExt cx="0" cy="0"/>
+        </a:xfrm>
+      </p:grpSpPr>
+      <p:sp>
+        <p:nvSpPr>
+          <p:cNvPr id="186" name="CustomShape 1"/>
+          <p:cNvSpPr/>
+          <p:nvPr/>
+        </p:nvSpPr>
+        <p:spPr>
+          <a:xfrm>
+            <a:off x="1831680" y="427320"/>
+            <a:ext cx="7014600" cy="1141560"/>
+          </a:xfrm>
+          <a:prstGeom prst="rect">
+            <a:avLst/>
+          </a:prstGeom>
+        </p:spPr>
+        <p:txBody>
+          <a:bodyPr anchor="ctr" bIns="45000" lIns="90000" rIns="90000" tIns="45000"/>
+          <a:p>
+            <a:pPr>
+              <a:lnSpc>
+                <a:spcPct val="100000"/>
+              </a:lnSpc>
+            </a:pPr>
+            <a:r>
+              <a:rPr lang="en-US" sz="3600">
+                <a:solidFill>
+                  <a:srgbClr val="ffecbd"/>
+                </a:solidFill>
+                <a:latin typeface="Calibri"/>
+              </a:rPr>
+              <a:t>Learning checkmate</a:t>
+            </a:r>
+            <a:endParaRPr/>
+          </a:p>
+        </p:txBody>
+      </p:sp>
+      <p:sp>
+        <p:nvSpPr>
+          <p:cNvPr id="187" name="CustomShape 2"/>
+          <p:cNvSpPr/>
+          <p:nvPr/>
+        </p:nvSpPr>
+        <p:spPr>
+          <a:xfrm>
+            <a:off x="1831680" y="1596600"/>
+            <a:ext cx="7014600" cy="4274280"/>
+          </a:xfrm>
+          <a:prstGeom prst="rect">
+            <a:avLst/>
+          </a:prstGeom>
+        </p:spPr>
+        <p:txBody>
+          <a:bodyPr bIns="45000" lIns="90000" rIns="90000" tIns="45000"/>
+          <a:p>
+            <a:pPr>
+              <a:lnSpc>
+                <a:spcPct val="100000"/>
+              </a:lnSpc>
+              <a:buFont typeface="Arial"/>
+              <a:buChar char="•"/>
+            </a:pPr>
+            <a:r>
+              <a:rPr lang="en-US" sz="2800">
+                <a:solidFill>
+                  <a:srgbClr val="ffffff"/>
+                </a:solidFill>
+                <a:latin typeface="Calibri"/>
+              </a:rPr>
+              <a:t>Results:</a:t>
+            </a:r>
+            <a:endParaRPr/>
+          </a:p>
+          <a:p>
+            <a:pPr>
+              <a:lnSpc>
+                <a:spcPct val="100000"/>
+              </a:lnSpc>
+              <a:buFont typeface="Arial"/>
+              <a:buChar char="•"/>
+            </a:pPr>
+            <a:r>
+              <a:rPr lang="en-US" sz="2800">
+                <a:solidFill>
+                  <a:srgbClr val="ffffff"/>
+                </a:solidFill>
+                <a:latin typeface="Calibri"/>
+              </a:rPr>
+              <a:t>90% ...</a:t>
+            </a:r>
+            <a:endParaRPr/>
+          </a:p>
+        </p:txBody>
+      </p:sp>
+    </p:spTree>
+  </p:cSld>
+  <p:timing>
+    <p:tnLst>
+      <p:par>
+        <p:cTn dur="indefinite" id="185" nodeType="tmRoot" restart="never">
+          <p:childTnLst>
+            <p:seq>
+              <p:cTn id="186" nodeType="mainSeq">
+                <p:childTnLst/>
+              </p:cTn>
+              <p:prevCondLst>
+                <p:cond delay="0" evt="onPrev">
+                  <p:tgtEl>
+                    <p:sldTgt/>
+                  </p:tgtEl>
+                </p:cond>
+              </p:prevCondLst>
+              <p:nextCondLst>
+                <p:cond delay="0" evt="onNext">
+                  <p:tgtEl>
+                    <p:sldTgt/>
+                  </p:tgtEl>
+                </p:cond>
+              </p:nextCondLst>
+            </p:seq>
+          </p:childTnLst>
+        </p:cTn>
+      </p:par>
+    </p:tnLst>
+  </p:timing>
+</p:sld>
+</file>
+
+<file path=ppt/slides/slide26.xml><?xml version="1.0" encoding="utf-8"?>
+<p:sld xmlns:a="http://schemas.openxmlformats.org/drawingml/2006/main" xmlns:p="http://schemas.openxmlformats.org/presentationml/2006/main" xmlns:r="http://schemas.openxmlformats.org/officeDocument/2006/relationships">
+  <p:cSld>
+    <p:spTree>
+      <p:nvGrpSpPr>
+        <p:cNvPr id="1" name=""/>
+        <p:cNvGrpSpPr/>
+        <p:nvPr/>
+      </p:nvGrpSpPr>
+      <p:grpSpPr>
+        <a:xfrm>
+          <a:off x="0" y="0"/>
+          <a:ext cx="0" cy="0"/>
+          <a:chOff x="0" y="0"/>
+          <a:chExt cx="0" cy="0"/>
+        </a:xfrm>
+      </p:grpSpPr>
+      <p:sp>
+        <p:nvSpPr>
+          <p:cNvPr id="188" name="CustomShape 1"/>
+          <p:cNvSpPr/>
+          <p:nvPr/>
+        </p:nvSpPr>
+        <p:spPr>
+          <a:xfrm>
             <a:off x="448920" y="833040"/>
-            <a:ext cx="8228520" cy="1141920"/>
+            <a:ext cx="8228160" cy="1141560"/>
           </a:xfrm>
           <a:prstGeom prst="rect">
             <a:avLst/>
@@ -8720,14 +10505,14 @@
       </p:sp>
       <p:sp>
         <p:nvSpPr>
-          <p:cNvPr id="182" name="CustomShape 2"/>
+          <p:cNvPr id="189" name="CustomShape 2"/>
           <p:cNvSpPr/>
           <p:nvPr/>
         </p:nvSpPr>
         <p:spPr>
           <a:xfrm>
             <a:off x="448920" y="2002320"/>
-            <a:ext cx="4039200" cy="638640"/>
+            <a:ext cx="4038840" cy="638280"/>
           </a:xfrm>
           <a:prstGeom prst="rect">
             <a:avLst/>
@@ -8756,14 +10541,14 @@
       </p:sp>
       <p:sp>
         <p:nvSpPr>
-          <p:cNvPr id="183" name="CustomShape 3"/>
+          <p:cNvPr id="190" name="CustomShape 3"/>
           <p:cNvSpPr/>
           <p:nvPr/>
         </p:nvSpPr>
         <p:spPr>
           <a:xfrm>
             <a:off x="448920" y="2631960"/>
-            <a:ext cx="4039200" cy="3034080"/>
+            <a:ext cx="4038840" cy="3033720"/>
           </a:xfrm>
           <a:prstGeom prst="rect">
             <a:avLst/>
@@ -8832,14 +10617,14 @@
       </p:sp>
       <p:sp>
         <p:nvSpPr>
-          <p:cNvPr id="184" name="CustomShape 4"/>
+          <p:cNvPr id="191" name="CustomShape 4"/>
           <p:cNvSpPr/>
           <p:nvPr/>
         </p:nvSpPr>
         <p:spPr>
           <a:xfrm>
             <a:off x="4636800" y="2002320"/>
-            <a:ext cx="4040640" cy="638640"/>
+            <a:ext cx="4040280" cy="638280"/>
           </a:xfrm>
           <a:prstGeom prst="rect">
             <a:avLst/>
@@ -8868,14 +10653,14 @@
       </p:sp>
       <p:sp>
         <p:nvSpPr>
-          <p:cNvPr id="185" name="CustomShape 5"/>
+          <p:cNvPr id="192" name="CustomShape 5"/>
           <p:cNvSpPr/>
           <p:nvPr/>
         </p:nvSpPr>
         <p:spPr>
           <a:xfrm>
             <a:off x="4636800" y="2631960"/>
-            <a:ext cx="4040640" cy="3034080"/>
+            <a:ext cx="4040280" cy="3033720"/>
           </a:xfrm>
           <a:prstGeom prst="rect">
             <a:avLst/>
@@ -8944,6 +10729,35 @@
       </p:sp>
     </p:spTree>
   </p:cSld>
+  <p:timing>
+    <p:tnLst>
+      <p:par>
+        <p:cTn dur="indefinite" id="187" nodeType="tmRoot" restart="never">
+          <p:childTnLst>
+            <p:seq>
+              <p:cTn id="188" nodeType="mainSeq">
+                <p:childTnLst/>
+              </p:cTn>
+              <p:prevCondLst>
+                <p:cond delay="0" evt="onPrev">
+                  <p:tgtEl>
+                    <p:sldTgt/>
+                  </p:tgtEl>
+                </p:cond>
+              </p:prevCondLst>
+              <p:nextCondLst>
+                <p:cond delay="0" evt="onNext">
+                  <p:tgtEl>
+                    <p:sldTgt/>
+                  </p:tgtEl>
+                </p:cond>
+              </p:nextCondLst>
+            </p:seq>
+          </p:childTnLst>
+        </p:cTn>
+      </p:par>
+    </p:tnLst>
+  </p:timing>
 </p:sld>
 </file>
 
@@ -8966,14 +10780,14 @@
       </p:grpSpPr>
       <p:sp>
         <p:nvSpPr>
-          <p:cNvPr id="140" name="CustomShape 1"/>
+          <p:cNvPr id="139" name="CustomShape 1"/>
           <p:cNvSpPr/>
           <p:nvPr/>
         </p:nvSpPr>
         <p:spPr>
           <a:xfrm>
             <a:off x="457200" y="911520"/>
-            <a:ext cx="8228520" cy="1141920"/>
+            <a:ext cx="8228160" cy="1141560"/>
           </a:xfrm>
           <a:prstGeom prst="rect">
             <a:avLst/>
@@ -9002,14 +10816,14 @@
       </p:sp>
       <p:sp>
         <p:nvSpPr>
-          <p:cNvPr id="141" name="CustomShape 2"/>
+          <p:cNvPr id="140" name="CustomShape 2"/>
           <p:cNvSpPr/>
           <p:nvPr/>
         </p:nvSpPr>
         <p:spPr>
           <a:xfrm>
             <a:off x="457200" y="2054520"/>
-            <a:ext cx="8228520" cy="3917880"/>
+            <a:ext cx="8228160" cy="3917520"/>
           </a:xfrm>
           <a:prstGeom prst="rect">
             <a:avLst/>
@@ -9061,14 +10875,14 @@
       </p:sp>
       <p:sp>
         <p:nvSpPr>
-          <p:cNvPr id="142" name="CustomShape 3"/>
+          <p:cNvPr id="141" name="CustomShape 3"/>
           <p:cNvSpPr/>
           <p:nvPr/>
         </p:nvSpPr>
         <p:spPr>
           <a:xfrm>
             <a:off x="457560" y="2054880"/>
-            <a:ext cx="8228520" cy="3917880"/>
+            <a:ext cx="8228160" cy="3917520"/>
           </a:xfrm>
           <a:prstGeom prst="rect">
             <a:avLst/>
@@ -9118,7 +10932,7 @@
                 </a:solidFill>
                 <a:latin typeface="Calibri"/>
               </a:rPr>
-              <a:t>Given a board state – is a specific move legal?</a:t>
+              <a:t>Game on - given a board state, is a specific move legal?</a:t>
             </a:r>
             <a:endParaRPr/>
           </a:p>
@@ -9137,7 +10951,7 @@
                 </a:solidFill>
                 <a:latin typeface="Calibri"/>
               </a:rPr>
-              <a:t>Given a board state – is it Chess-mate?</a:t>
+              <a:t>Game over - given a board state, is it Chess-mate?</a:t>
             </a:r>
             <a:endParaRPr/>
           </a:p>
@@ -9156,7 +10970,7 @@
                 </a:solidFill>
                 <a:latin typeface="Calibri"/>
               </a:rPr>
-              <a:t>It those are possible, can we also learn Physics empirically?</a:t>
+              <a:t>If those are possible, what else can we learn empirically?</a:t>
             </a:r>
             <a:endParaRPr/>
           </a:p>
@@ -9183,11 +10997,208 @@
   <p:timing>
     <p:tnLst>
       <p:par>
-        <p:cTn dur="indefinite" id="5" nodeType="tmRoot" restart="never">
+        <p:cTn dur="indefinite" id="9" nodeType="tmRoot" restart="never">
           <p:childTnLst>
             <p:seq>
-              <p:cTn id="6" nodeType="mainSeq">
-                <p:childTnLst/>
+              <p:cTn id="10" nodeType="mainSeq">
+                <p:childTnLst>
+                  <p:par>
+                    <p:cTn fill="freeze" id="11">
+                      <p:stCondLst>
+                        <p:cond delay="indefinite"/>
+                      </p:stCondLst>
+                      <p:childTnLst>
+                        <p:par>
+                          <p:cTn fill="freeze" id="12">
+                            <p:stCondLst>
+                              <p:cond delay="0"/>
+                            </p:stCondLst>
+                            <p:childTnLst>
+                              <p:par>
+                                <p:cTn fill="hold" id="13" nodeType="clickEffect" presetClass="entr" presetID="1">
+                                  <p:stCondLst>
+                                    <p:cond delay="0"/>
+                                  </p:stCondLst>
+                                  <p:childTnLst>
+                                    <p:set>
+                                      <p:cBhvr>
+                                        <p:cTn dur="1" fill="hold" id="14">
+                                          <p:stCondLst>
+                                            <p:cond delay="0"/>
+                                          </p:stCondLst>
+                                        </p:cTn>
+                                        <p:tgtEl>
+                                          <p:spTgt spid="141">
+                                            <p:txEl>
+                                              <p:pRg end="60" st="1"/>
+                                            </p:txEl>
+                                          </p:spTgt>
+                                        </p:tgtEl>
+                                        <p:attrNameLst>
+                                          <p:attrName>style.visibility</p:attrName>
+                                        </p:attrNameLst>
+                                      </p:cBhvr>
+                                      <p:to>
+                                        <p:strVal val="visible"/>
+                                      </p:to>
+                                    </p:set>
+                                  </p:childTnLst>
+                                </p:cTn>
+                              </p:par>
+                            </p:childTnLst>
+                          </p:cTn>
+                        </p:par>
+                      </p:childTnLst>
+                    </p:cTn>
+                  </p:par>
+                  <p:par>
+                    <p:cTn fill="freeze" id="15">
+                      <p:stCondLst>
+                        <p:cond delay="indefinite"/>
+                      </p:stCondLst>
+                      <p:childTnLst>
+                        <p:par>
+                          <p:cTn fill="freeze" id="16">
+                            <p:stCondLst>
+                              <p:cond delay="0"/>
+                            </p:stCondLst>
+                            <p:childTnLst>
+                              <p:par>
+                                <p:cTn fill="hold" id="17" nodeType="clickEffect" presetClass="entr" presetID="1">
+                                  <p:stCondLst>
+                                    <p:cond delay="0"/>
+                                  </p:stCondLst>
+                                  <p:childTnLst>
+                                    <p:set>
+                                      <p:cBhvr>
+                                        <p:cTn dur="1" fill="hold" id="18">
+                                          <p:stCondLst>
+                                            <p:cond delay="0"/>
+                                          </p:stCondLst>
+                                        </p:cTn>
+                                        <p:tgtEl>
+                                          <p:spTgt spid="141">
+                                            <p:txEl>
+                                              <p:pRg end="117" st="60"/>
+                                            </p:txEl>
+                                          </p:spTgt>
+                                        </p:tgtEl>
+                                        <p:attrNameLst>
+                                          <p:attrName>style.visibility</p:attrName>
+                                        </p:attrNameLst>
+                                      </p:cBhvr>
+                                      <p:to>
+                                        <p:strVal val="visible"/>
+                                      </p:to>
+                                    </p:set>
+                                  </p:childTnLst>
+                                </p:cTn>
+                              </p:par>
+                            </p:childTnLst>
+                          </p:cTn>
+                        </p:par>
+                      </p:childTnLst>
+                    </p:cTn>
+                  </p:par>
+                  <p:par>
+                    <p:cTn fill="freeze" id="19">
+                      <p:stCondLst>
+                        <p:cond delay="indefinite"/>
+                      </p:stCondLst>
+                      <p:childTnLst>
+                        <p:par>
+                          <p:cTn fill="freeze" id="20">
+                            <p:stCondLst>
+                              <p:cond delay="0"/>
+                            </p:stCondLst>
+                            <p:childTnLst>
+                              <p:par>
+                                <p:cTn fill="hold" id="21" nodeType="clickEffect" presetClass="entr" presetID="1">
+                                  <p:stCondLst>
+                                    <p:cond delay="0"/>
+                                  </p:stCondLst>
+                                  <p:childTnLst>
+                                    <p:set>
+                                      <p:cBhvr>
+                                        <p:cTn dur="1" fill="hold" id="22">
+                                          <p:stCondLst>
+                                            <p:cond delay="0"/>
+                                          </p:stCondLst>
+                                        </p:cTn>
+                                        <p:tgtEl>
+                                          <p:spTgt spid="141">
+                                            <p:txEl>
+                                              <p:pRg end="168" st="117"/>
+                                            </p:txEl>
+                                          </p:spTgt>
+                                        </p:tgtEl>
+                                        <p:attrNameLst>
+                                          <p:attrName>style.visibility</p:attrName>
+                                        </p:attrNameLst>
+                                      </p:cBhvr>
+                                      <p:to>
+                                        <p:strVal val="visible"/>
+                                      </p:to>
+                                    </p:set>
+                                  </p:childTnLst>
+                                </p:cTn>
+                              </p:par>
+                            </p:childTnLst>
+                          </p:cTn>
+                        </p:par>
+                      </p:childTnLst>
+                    </p:cTn>
+                  </p:par>
+                  <p:par>
+                    <p:cTn fill="freeze" id="23">
+                      <p:stCondLst>
+                        <p:cond delay="indefinite"/>
+                      </p:stCondLst>
+                      <p:childTnLst>
+                        <p:par>
+                          <p:cTn fill="freeze" id="24">
+                            <p:stCondLst>
+                              <p:cond delay="0"/>
+                            </p:stCondLst>
+                            <p:childTnLst>
+                              <p:par>
+                                <p:cTn fill="hold" id="25" nodeType="clickEffect" presetClass="entr" presetID="1">
+                                  <p:stCondLst>
+                                    <p:cond delay="0"/>
+                                  </p:stCondLst>
+                                  <p:childTnLst>
+                                    <p:set>
+                                      <p:cBhvr>
+                                        <p:cTn dur="1" fill="hold" id="26">
+                                          <p:stCondLst>
+                                            <p:cond delay="0"/>
+                                          </p:stCondLst>
+                                        </p:cTn>
+                                        <p:tgtEl>
+                                          <p:spTgt spid="141">
+                                            <p:txEl>
+                                              <p:pRg end="227" st="168"/>
+                                            </p:txEl>
+                                          </p:spTgt>
+                                        </p:tgtEl>
+                                        <p:attrNameLst>
+                                          <p:attrName>style.visibility</p:attrName>
+                                        </p:attrNameLst>
+                                      </p:cBhvr>
+                                      <p:to>
+                                        <p:strVal val="visible"/>
+                                      </p:to>
+                                    </p:set>
+                                  </p:childTnLst>
+                                </p:cTn>
+                              </p:par>
+                            </p:childTnLst>
+                          </p:cTn>
+                        </p:par>
+                      </p:childTnLst>
+                    </p:cTn>
+                  </p:par>
+                </p:childTnLst>
               </p:cTn>
               <p:prevCondLst>
                 <p:cond delay="0" evt="onPrev">
@@ -9231,14 +11242,14 @@
       </p:grpSpPr>
       <p:sp>
         <p:nvSpPr>
-          <p:cNvPr id="143" name="CustomShape 1"/>
+          <p:cNvPr id="142" name="CustomShape 1"/>
           <p:cNvSpPr/>
           <p:nvPr/>
         </p:nvSpPr>
         <p:spPr>
           <a:xfrm>
             <a:off x="457200" y="911520"/>
-            <a:ext cx="8228520" cy="1141920"/>
+            <a:ext cx="8228160" cy="1141560"/>
           </a:xfrm>
           <a:prstGeom prst="rect">
             <a:avLst/>
@@ -9259,7 +11270,7 @@
                 </a:solidFill>
                 <a:latin typeface="Calibri"/>
               </a:rPr>
-              <a:t>Dataset</a:t>
+              <a:t>Abstracting chess</a:t>
             </a:r>
             <a:endParaRPr/>
           </a:p>
@@ -9267,14 +11278,14 @@
       </p:sp>
       <p:sp>
         <p:nvSpPr>
-          <p:cNvPr id="144" name="CustomShape 2"/>
+          <p:cNvPr id="143" name="CustomShape 2"/>
           <p:cNvSpPr/>
           <p:nvPr/>
         </p:nvSpPr>
         <p:spPr>
           <a:xfrm>
             <a:off x="457200" y="2054520"/>
-            <a:ext cx="8228520" cy="3917880"/>
+            <a:ext cx="8228160" cy="3917520"/>
           </a:xfrm>
           <a:prstGeom prst="rect">
             <a:avLst/>
@@ -9305,17 +11316,7 @@
                 </a:solidFill>
                 <a:latin typeface="Calibri"/>
               </a:rPr>
-              <a:t>Data based on </a:t>
-            </a:r>
-            <a:r>
-              <a:rPr lang="en-US" sz="2800" u="sng">
-                <a:solidFill>
-                  <a:srgbClr val="ffffff"/>
-                </a:solidFill>
-                <a:latin typeface="Calibri"/>
-                <a:hlinkClick r:id="rId1"/>
-              </a:rPr>
-              <a:t>algebraic chess notation</a:t>
+              <a:t>2 parties</a:t>
             </a:r>
             <a:endParaRPr/>
           </a:p>
@@ -9334,7 +11335,7 @@
                 </a:solidFill>
                 <a:latin typeface="Calibri"/>
               </a:rPr>
-              <a:t>Ignoring meta data (players, ranking, location, etc.)</a:t>
+              <a:t>Game end – one winner or tie</a:t>
             </a:r>
             <a:endParaRPr/>
           </a:p>
@@ -9353,7 +11354,7 @@
                 </a:solidFill>
                 <a:latin typeface="Calibri"/>
               </a:rPr>
-              <a:t>X games – Y ended with</a:t>
+              <a:t>8 X 8 board</a:t>
             </a:r>
             <a:endParaRPr/>
           </a:p>
@@ -9372,7 +11373,7 @@
                 </a:solidFill>
                 <a:latin typeface="Calibri"/>
               </a:rPr>
-              <a:t>N moves</a:t>
+              <a:t>Given set of pieces</a:t>
             </a:r>
             <a:endParaRPr/>
           </a:p>
@@ -9391,7 +11392,7 @@
                 </a:solidFill>
                 <a:latin typeface="Calibri"/>
               </a:rPr>
-              <a:t>A chess conditions, B checkmate conditions</a:t>
+              <a:t>Different pieces have different unknown properties</a:t>
             </a:r>
             <a:endParaRPr/>
           </a:p>
@@ -9426,11 +11427,257 @@
   <p:timing>
     <p:tnLst>
       <p:par>
-        <p:cTn dur="indefinite" id="7" nodeType="tmRoot" restart="never">
+        <p:cTn dur="indefinite" id="27" nodeType="tmRoot" restart="never">
           <p:childTnLst>
             <p:seq>
-              <p:cTn id="8" nodeType="mainSeq">
-                <p:childTnLst/>
+              <p:cTn id="28" nodeType="mainSeq">
+                <p:childTnLst>
+                  <p:par>
+                    <p:cTn fill="freeze" id="29">
+                      <p:stCondLst>
+                        <p:cond delay="indefinite"/>
+                      </p:stCondLst>
+                      <p:childTnLst>
+                        <p:par>
+                          <p:cTn fill="freeze" id="30">
+                            <p:stCondLst>
+                              <p:cond delay="0"/>
+                            </p:stCondLst>
+                            <p:childTnLst>
+                              <p:par>
+                                <p:cTn fill="hold" id="31" nodeType="clickEffect" presetClass="entr" presetID="1">
+                                  <p:stCondLst>
+                                    <p:cond delay="0"/>
+                                  </p:stCondLst>
+                                  <p:childTnLst>
+                                    <p:set>
+                                      <p:cBhvr>
+                                        <p:cTn dur="1" fill="hold" id="32">
+                                          <p:stCondLst>
+                                            <p:cond delay="0"/>
+                                          </p:stCondLst>
+                                        </p:cTn>
+                                        <p:tgtEl>
+                                          <p:spTgt spid="143">
+                                            <p:txEl>
+                                              <p:pRg end="11" st="1"/>
+                                            </p:txEl>
+                                          </p:spTgt>
+                                        </p:tgtEl>
+                                        <p:attrNameLst>
+                                          <p:attrName>style.visibility</p:attrName>
+                                        </p:attrNameLst>
+                                      </p:cBhvr>
+                                      <p:to>
+                                        <p:strVal val="visible"/>
+                                      </p:to>
+                                    </p:set>
+                                  </p:childTnLst>
+                                </p:cTn>
+                              </p:par>
+                            </p:childTnLst>
+                          </p:cTn>
+                        </p:par>
+                      </p:childTnLst>
+                    </p:cTn>
+                  </p:par>
+                  <p:par>
+                    <p:cTn fill="freeze" id="33">
+                      <p:stCondLst>
+                        <p:cond delay="indefinite"/>
+                      </p:stCondLst>
+                      <p:childTnLst>
+                        <p:par>
+                          <p:cTn fill="freeze" id="34">
+                            <p:stCondLst>
+                              <p:cond delay="0"/>
+                            </p:stCondLst>
+                            <p:childTnLst>
+                              <p:par>
+                                <p:cTn fill="hold" id="35" nodeType="clickEffect" presetClass="entr" presetID="1">
+                                  <p:stCondLst>
+                                    <p:cond delay="0"/>
+                                  </p:stCondLst>
+                                  <p:childTnLst>
+                                    <p:set>
+                                      <p:cBhvr>
+                                        <p:cTn dur="1" fill="hold" id="36">
+                                          <p:stCondLst>
+                                            <p:cond delay="0"/>
+                                          </p:stCondLst>
+                                        </p:cTn>
+                                        <p:tgtEl>
+                                          <p:spTgt spid="143">
+                                            <p:txEl>
+                                              <p:pRg end="40" st="11"/>
+                                            </p:txEl>
+                                          </p:spTgt>
+                                        </p:tgtEl>
+                                        <p:attrNameLst>
+                                          <p:attrName>style.visibility</p:attrName>
+                                        </p:attrNameLst>
+                                      </p:cBhvr>
+                                      <p:to>
+                                        <p:strVal val="visible"/>
+                                      </p:to>
+                                    </p:set>
+                                  </p:childTnLst>
+                                </p:cTn>
+                              </p:par>
+                            </p:childTnLst>
+                          </p:cTn>
+                        </p:par>
+                      </p:childTnLst>
+                    </p:cTn>
+                  </p:par>
+                  <p:par>
+                    <p:cTn fill="freeze" id="37">
+                      <p:stCondLst>
+                        <p:cond delay="indefinite"/>
+                      </p:stCondLst>
+                      <p:childTnLst>
+                        <p:par>
+                          <p:cTn fill="freeze" id="38">
+                            <p:stCondLst>
+                              <p:cond delay="0"/>
+                            </p:stCondLst>
+                            <p:childTnLst>
+                              <p:par>
+                                <p:cTn fill="hold" id="39" nodeType="clickEffect" presetClass="entr" presetID="1">
+                                  <p:stCondLst>
+                                    <p:cond delay="0"/>
+                                  </p:stCondLst>
+                                  <p:childTnLst>
+                                    <p:set>
+                                      <p:cBhvr>
+                                        <p:cTn dur="1" fill="hold" id="40">
+                                          <p:stCondLst>
+                                            <p:cond delay="0"/>
+                                          </p:stCondLst>
+                                        </p:cTn>
+                                        <p:tgtEl>
+                                          <p:spTgt spid="143">
+                                            <p:txEl>
+                                              <p:pRg end="52" st="40"/>
+                                            </p:txEl>
+                                          </p:spTgt>
+                                        </p:tgtEl>
+                                        <p:attrNameLst>
+                                          <p:attrName>style.visibility</p:attrName>
+                                        </p:attrNameLst>
+                                      </p:cBhvr>
+                                      <p:to>
+                                        <p:strVal val="visible"/>
+                                      </p:to>
+                                    </p:set>
+                                  </p:childTnLst>
+                                </p:cTn>
+                              </p:par>
+                            </p:childTnLst>
+                          </p:cTn>
+                        </p:par>
+                      </p:childTnLst>
+                    </p:cTn>
+                  </p:par>
+                  <p:par>
+                    <p:cTn fill="freeze" id="41">
+                      <p:stCondLst>
+                        <p:cond delay="indefinite"/>
+                      </p:stCondLst>
+                      <p:childTnLst>
+                        <p:par>
+                          <p:cTn fill="freeze" id="42">
+                            <p:stCondLst>
+                              <p:cond delay="0"/>
+                            </p:stCondLst>
+                            <p:childTnLst>
+                              <p:par>
+                                <p:cTn fill="hold" id="43" nodeType="clickEffect" presetClass="entr" presetID="1">
+                                  <p:stCondLst>
+                                    <p:cond delay="0"/>
+                                  </p:stCondLst>
+                                  <p:childTnLst>
+                                    <p:set>
+                                      <p:cBhvr>
+                                        <p:cTn dur="1" fill="hold" id="44">
+                                          <p:stCondLst>
+                                            <p:cond delay="0"/>
+                                          </p:stCondLst>
+                                        </p:cTn>
+                                        <p:tgtEl>
+                                          <p:spTgt spid="143">
+                                            <p:txEl>
+                                              <p:pRg end="72" st="52"/>
+                                            </p:txEl>
+                                          </p:spTgt>
+                                        </p:tgtEl>
+                                        <p:attrNameLst>
+                                          <p:attrName>style.visibility</p:attrName>
+                                        </p:attrNameLst>
+                                      </p:cBhvr>
+                                      <p:to>
+                                        <p:strVal val="visible"/>
+                                      </p:to>
+                                    </p:set>
+                                  </p:childTnLst>
+                                </p:cTn>
+                              </p:par>
+                            </p:childTnLst>
+                          </p:cTn>
+                        </p:par>
+                      </p:childTnLst>
+                    </p:cTn>
+                  </p:par>
+                  <p:par>
+                    <p:cTn fill="freeze" id="45">
+                      <p:stCondLst>
+                        <p:cond delay="indefinite"/>
+                      </p:stCondLst>
+                      <p:childTnLst>
+                        <p:par>
+                          <p:cTn fill="freeze" id="46">
+                            <p:stCondLst>
+                              <p:cond delay="0"/>
+                            </p:stCondLst>
+                            <p:childTnLst>
+                              <p:par>
+                                <p:cTn fill="hold" id="47" nodeType="clickEffect" presetClass="entr" presetID="1">
+                                  <p:stCondLst>
+                                    <p:cond delay="0"/>
+                                  </p:stCondLst>
+                                  <p:childTnLst>
+                                    <p:set>
+                                      <p:cBhvr>
+                                        <p:cTn dur="1" fill="hold" id="48">
+                                          <p:stCondLst>
+                                            <p:cond delay="0"/>
+                                          </p:stCondLst>
+                                        </p:cTn>
+                                        <p:tgtEl>
+                                          <p:spTgt spid="143">
+                                            <p:txEl>
+                                              <p:pRg end="123" st="72"/>
+                                            </p:txEl>
+                                          </p:spTgt>
+                                        </p:tgtEl>
+                                        <p:attrNameLst>
+                                          <p:attrName>style.visibility</p:attrName>
+                                        </p:attrNameLst>
+                                      </p:cBhvr>
+                                      <p:to>
+                                        <p:strVal val="visible"/>
+                                      </p:to>
+                                    </p:set>
+                                  </p:childTnLst>
+                                </p:cTn>
+                              </p:par>
+                            </p:childTnLst>
+                          </p:cTn>
+                        </p:par>
+                      </p:childTnLst>
+                    </p:cTn>
+                  </p:par>
+                </p:childTnLst>
               </p:cTn>
               <p:prevCondLst>
                 <p:cond delay="0" evt="onPrev">
@@ -9474,14 +11721,14 @@
       </p:grpSpPr>
       <p:sp>
         <p:nvSpPr>
-          <p:cNvPr id="145" name="CustomShape 1"/>
+          <p:cNvPr id="144" name="CustomShape 1"/>
           <p:cNvSpPr/>
           <p:nvPr/>
         </p:nvSpPr>
         <p:spPr>
           <a:xfrm>
             <a:off x="457200" y="911520"/>
-            <a:ext cx="8228520" cy="1141920"/>
+            <a:ext cx="8228160" cy="1141560"/>
           </a:xfrm>
           <a:prstGeom prst="rect">
             <a:avLst/>
@@ -9502,7 +11749,7 @@
                 </a:solidFill>
                 <a:latin typeface="Calibri"/>
               </a:rPr>
-              <a:t>Stack</a:t>
+              <a:t>Dataset</a:t>
             </a:r>
             <a:endParaRPr/>
           </a:p>
@@ -9510,14 +11757,14 @@
       </p:sp>
       <p:sp>
         <p:nvSpPr>
-          <p:cNvPr id="146" name="CustomShape 2"/>
+          <p:cNvPr id="145" name="CustomShape 2"/>
           <p:cNvSpPr/>
           <p:nvPr/>
         </p:nvSpPr>
         <p:spPr>
           <a:xfrm>
             <a:off x="457200" y="2054520"/>
-            <a:ext cx="8228520" cy="3917880"/>
+            <a:ext cx="8228160" cy="3917520"/>
           </a:xfrm>
           <a:prstGeom prst="rect">
             <a:avLst/>
@@ -9541,6 +11788,15 @@
               <a:buFont typeface="Arial"/>
               <a:buChar char="•"/>
             </a:pPr>
+            <a:r>
+              <a:rPr lang="en-US" sz="2800">
+                <a:solidFill>
+                  <a:srgbClr val="ffffff"/>
+                </a:solidFill>
+                <a:latin typeface="Calibri"/>
+              </a:rPr>
+              <a:t>Data based on </a:t>
+            </a:r>
             <a:r>
               <a:rPr lang="en-US" sz="2800" u="sng">
                 <a:solidFill>
@@ -9549,8 +11805,18 @@
                 <a:latin typeface="Calibri"/>
                 <a:hlinkClick r:id="rId1"/>
               </a:rPr>
-              <a:t>Chess</a:t>
+              <a:t>algebraic chess notation</a:t>
             </a:r>
+            <a:endParaRPr/>
+          </a:p>
+          <a:p>
+            <a:pPr>
+              <a:lnSpc>
+                <a:spcPct val="100000"/>
+              </a:lnSpc>
+              <a:buFont typeface="Arial"/>
+              <a:buChar char="•"/>
+            </a:pPr>
             <a:r>
               <a:rPr lang="en-US" sz="2800">
                 <a:solidFill>
@@ -9558,7 +11824,7 @@
                 </a:solidFill>
                 <a:latin typeface="Calibri"/>
               </a:rPr>
-              <a:t> </a:t>
+              <a:t>Ignoring meta data (players, ranking, location, etc.)</a:t>
             </a:r>
             <a:endParaRPr/>
           </a:p>
@@ -9570,16 +11836,6 @@
               <a:buFont typeface="Arial"/>
               <a:buChar char="•"/>
             </a:pPr>
-            <a:r>
-              <a:rPr lang="en-US" sz="2800" u="sng">
-                <a:solidFill>
-                  <a:srgbClr val="ffffff"/>
-                </a:solidFill>
-                <a:latin typeface="Calibri"/>
-                <a:hlinkClick r:id="rId2"/>
-              </a:rPr>
-              <a:t>PyLab</a:t>
-            </a:r>
             <a:r>
               <a:rPr lang="en-US" sz="2800">
                 <a:solidFill>
@@ -9587,18 +11843,8 @@
                 </a:solidFill>
                 <a:latin typeface="Calibri"/>
               </a:rPr>
-              <a:t> – Numpy, Scipy, Matplotlib</a:t>
+              <a:t>103925 games – full or partial description</a:t>
             </a:r>
-            <a:endParaRPr/>
-          </a:p>
-          <a:p>
-            <a:pPr>
-              <a:lnSpc>
-                <a:spcPct val="100000"/>
-              </a:lnSpc>
-              <a:buFont typeface="Arial"/>
-              <a:buChar char="•"/>
-            </a:pPr>
             <a:endParaRPr/>
           </a:p>
           <a:p>
@@ -9616,7 +11862,7 @@
                 </a:solidFill>
                 <a:latin typeface="Calibri"/>
               </a:rPr>
-              <a:t>Used Map-Reduce architecture but the data is small enough to process all on single machine</a:t>
+              <a:t>8,302610 moves - </a:t>
             </a:r>
             <a:endParaRPr/>
           </a:p>
@@ -9625,6 +11871,8 @@
               <a:lnSpc>
                 <a:spcPct val="100000"/>
               </a:lnSpc>
+              <a:buFont typeface="Arial"/>
+              <a:buChar char="•"/>
             </a:pPr>
             <a:endParaRPr/>
           </a:p>
@@ -9644,17 +11892,211 @@
             </a:pPr>
             <a:endParaRPr/>
           </a:p>
-        </p:txBody>
-      </p:sp>
+          <a:p>
+            <a:pPr>
+              <a:lnSpc>
+                <a:spcPct val="100000"/>
+              </a:lnSpc>
+            </a:pPr>
+            <a:endParaRPr/>
+          </a:p>
+        </p:txBody>
+      </p:sp>
+      <p:graphicFrame>
+        <p:nvGraphicFramePr>
+          <p:cNvPr id="146" name="Table 3"/>
+          <p:cNvGraphicFramePr/>
+          <p:nvPr/>
+        </p:nvGraphicFramePr>
+        <p:xfrm>
+          <a:off x="1963800" y="4953240"/>
+          <a:ext cx="5075280" cy="1098000"/>
+        </p:xfrm>
+        <a:graphic>
+          <a:graphicData uri="http://schemas.openxmlformats.org/drawingml/2006/table">
+            <a:tbl>
+              <a:tblPr/>
+              <a:tblGrid>
+                <a:gridCol w="1268640"/>
+                <a:gridCol w="1268640"/>
+                <a:gridCol w="1268640"/>
+                <a:gridCol w="1269720"/>
+              </a:tblGrid>
+              <a:tr h="366120">
+                <a:tc>
+                  <a:txBody>
+                    <a:bodyPr bIns="46800" lIns="90000" rIns="90000" tIns="46800" wrap="none"/>
+                    <a:p>
+                      <a:r>
+                        <a:rPr lang="en-US"/>
+                        <a:t>Pawn</a:t>
+                      </a:r>
+                      <a:endParaRPr/>
+                    </a:p>
+                  </a:txBody>
+                  <a:tcPr/>
+                </a:tc>
+                <a:tc>
+                  <a:txBody>
+                    <a:bodyPr bIns="46800" lIns="90000" rIns="90000" tIns="46800" wrap="none"/>
+                    <a:p>
+                      <a:r>
+                        <a:rPr lang="en-US"/>
+                        <a:t>22001860</a:t>
+                      </a:r>
+                      <a:endParaRPr/>
+                    </a:p>
+                  </a:txBody>
+                  <a:tcPr/>
+                </a:tc>
+                <a:tc>
+                  <a:txBody>
+                    <a:bodyPr bIns="46800" lIns="90000" rIns="90000" tIns="46800" wrap="none"/>
+                    <a:p>
+                      <a:r>
+                        <a:rPr lang="en-US"/>
+                        <a:t>Rook</a:t>
+                      </a:r>
+                      <a:endParaRPr/>
+                    </a:p>
+                  </a:txBody>
+                  <a:tcPr/>
+                </a:tc>
+                <a:tc>
+                  <a:txBody>
+                    <a:bodyPr bIns="46800" lIns="90000" rIns="90000" tIns="46800" wrap="none"/>
+                    <a:p>
+                      <a:r>
+                        <a:rPr lang="en-US"/>
+                        <a:t>1352388</a:t>
+                      </a:r>
+                      <a:endParaRPr/>
+                    </a:p>
+                  </a:txBody>
+                  <a:tcPr/>
+                </a:tc>
+              </a:tr>
+              <a:tr h="366120">
+                <a:tc>
+                  <a:txBody>
+                    <a:bodyPr bIns="46800" lIns="90000" rIns="90000" tIns="46800" wrap="none"/>
+                    <a:p>
+                      <a:r>
+                        <a:rPr lang="en-US"/>
+                        <a:t>Bishop</a:t>
+                      </a:r>
+                      <a:endParaRPr/>
+                    </a:p>
+                  </a:txBody>
+                  <a:tcPr/>
+                </a:tc>
+                <a:tc>
+                  <a:txBody>
+                    <a:bodyPr bIns="46800" lIns="90000" rIns="90000" tIns="46800" wrap="none"/>
+                    <a:p>
+                      <a:r>
+                        <a:rPr lang="en-US"/>
+                        <a:t>1290920</a:t>
+                      </a:r>
+                      <a:endParaRPr/>
+                    </a:p>
+                  </a:txBody>
+                  <a:tcPr/>
+                </a:tc>
+                <a:tc>
+                  <a:txBody>
+                    <a:bodyPr bIns="46800" lIns="90000" rIns="90000" tIns="46800" wrap="none"/>
+                    <a:p>
+                      <a:r>
+                        <a:rPr lang="en-US"/>
+                        <a:t>Knight</a:t>
+                      </a:r>
+                      <a:endParaRPr/>
+                    </a:p>
+                  </a:txBody>
+                  <a:tcPr/>
+                </a:tc>
+                <a:tc>
+                  <a:txBody>
+                    <a:bodyPr bIns="46800" lIns="90000" rIns="90000" tIns="46800" wrap="none"/>
+                    <a:p>
+                      <a:r>
+                        <a:rPr lang="en-US"/>
+                        <a:t>1462645</a:t>
+                      </a:r>
+                      <a:endParaRPr/>
+                    </a:p>
+                  </a:txBody>
+                  <a:tcPr/>
+                </a:tc>
+              </a:tr>
+              <a:tr h="366120">
+                <a:tc>
+                  <a:txBody>
+                    <a:bodyPr bIns="46800" lIns="90000" rIns="90000" tIns="46800" wrap="none"/>
+                    <a:p>
+                      <a:r>
+                        <a:rPr lang="en-US"/>
+                        <a:t>King</a:t>
+                      </a:r>
+                      <a:endParaRPr/>
+                    </a:p>
+                  </a:txBody>
+                  <a:tcPr/>
+                </a:tc>
+                <a:tc>
+                  <a:txBody>
+                    <a:bodyPr bIns="46800" lIns="90000" rIns="90000" tIns="46800" wrap="none"/>
+                    <a:p>
+                      <a:r>
+                        <a:rPr lang="en-US"/>
+                        <a:t>996128</a:t>
+                      </a:r>
+                      <a:endParaRPr/>
+                    </a:p>
+                  </a:txBody>
+                  <a:tcPr/>
+                </a:tc>
+                <a:tc>
+                  <a:txBody>
+                    <a:bodyPr bIns="46800" lIns="90000" rIns="90000" tIns="46800" wrap="none"/>
+                    <a:p>
+                      <a:r>
+                        <a:rPr lang="en-US"/>
+                        <a:t>Queen</a:t>
+                      </a:r>
+                      <a:endParaRPr/>
+                    </a:p>
+                  </a:txBody>
+                  <a:tcPr/>
+                </a:tc>
+                <a:tc>
+                  <a:txBody>
+                    <a:bodyPr bIns="46800" lIns="90000" rIns="90000" tIns="46800" wrap="none"/>
+                    <a:p>
+                      <a:r>
+                        <a:rPr lang="en-US"/>
+                        <a:t>1003169</a:t>
+                      </a:r>
+                      <a:endParaRPr/>
+                    </a:p>
+                  </a:txBody>
+                  <a:tcPr/>
+                </a:tc>
+              </a:tr>
+            </a:tbl>
+          </a:graphicData>
+        </a:graphic>
+      </p:graphicFrame>
     </p:spTree>
   </p:cSld>
   <p:timing>
     <p:tnLst>
       <p:par>
-        <p:cTn dur="indefinite" id="9" nodeType="tmRoot" restart="never">
+        <p:cTn dur="indefinite" id="49" nodeType="tmRoot" restart="never">
           <p:childTnLst>
             <p:seq>
-              <p:cTn id="10" nodeType="mainSeq">
+              <p:cTn id="50" nodeType="mainSeq">
                 <p:childTnLst/>
               </p:cTn>
               <p:prevCondLst>
@@ -9706,7 +12148,7 @@
         <p:spPr>
           <a:xfrm>
             <a:off x="457200" y="911520"/>
-            <a:ext cx="8228520" cy="1141920"/>
+            <a:ext cx="8228160" cy="1141560"/>
           </a:xfrm>
           <a:prstGeom prst="rect">
             <a:avLst/>
@@ -9727,7 +12169,7 @@
                 </a:solidFill>
                 <a:latin typeface="Calibri"/>
               </a:rPr>
-              <a:t>Simple move</a:t>
+              <a:t>Stack</a:t>
             </a:r>
             <a:endParaRPr/>
           </a:p>
@@ -9742,7 +12184,7 @@
         <p:spPr>
           <a:xfrm>
             <a:off x="457200" y="2054520"/>
-            <a:ext cx="8228520" cy="3917880"/>
+            <a:ext cx="8228160" cy="3917520"/>
           </a:xfrm>
           <a:prstGeom prst="rect">
             <a:avLst/>
@@ -9766,6 +12208,16 @@
               <a:buFont typeface="Arial"/>
               <a:buChar char="•"/>
             </a:pPr>
+            <a:r>
+              <a:rPr lang="en-US" sz="2800" u="sng">
+                <a:solidFill>
+                  <a:srgbClr val="ffffff"/>
+                </a:solidFill>
+                <a:latin typeface="Calibri"/>
+                <a:hlinkClick r:id="rId1"/>
+              </a:rPr>
+              <a:t>Chess</a:t>
+            </a:r>
             <a:r>
               <a:rPr lang="en-US" sz="2800">
                 <a:solidFill>
@@ -9773,7 +12225,7 @@
                 </a:solidFill>
                 <a:latin typeface="Calibri"/>
               </a:rPr>
-              <a:t>Have we seen that move – board status + move before?</a:t>
+              <a:t> </a:t>
             </a:r>
             <a:endParaRPr/>
           </a:p>
@@ -9785,6 +12237,16 @@
               <a:buFont typeface="Arial"/>
               <a:buChar char="•"/>
             </a:pPr>
+            <a:r>
+              <a:rPr lang="en-US" sz="2800" u="sng">
+                <a:solidFill>
+                  <a:srgbClr val="ffffff"/>
+                </a:solidFill>
+                <a:latin typeface="Calibri"/>
+                <a:hlinkClick r:id="rId2"/>
+              </a:rPr>
+              <a:t>PyLab</a:t>
+            </a:r>
             <a:r>
               <a:rPr lang="en-US" sz="2800">
                 <a:solidFill>
@@ -9792,7 +12254,7 @@
                 </a:solidFill>
                 <a:latin typeface="Calibri"/>
               </a:rPr>
-              <a:t>Yes – Good, No – Try again</a:t>
+              <a:t> – Numpy, Scipy, Matplotlib</a:t>
             </a:r>
             <a:endParaRPr/>
           </a:p>
@@ -9819,7 +12281,7 @@
                 </a:solidFill>
                 <a:latin typeface="Calibri"/>
               </a:rPr>
-              <a:t>Consumes a lot of memory and running time – 10^80 estimated chess moves.</a:t>
+              <a:t>Used Map-Reduce architecture but the data is small enough to process all on single machine</a:t>
             </a:r>
             <a:endParaRPr/>
           </a:p>
@@ -9854,10 +12316,10 @@
   <p:timing>
     <p:tnLst>
       <p:par>
-        <p:cTn dur="indefinite" id="11" nodeType="tmRoot" restart="never">
+        <p:cTn dur="indefinite" id="51" nodeType="tmRoot" restart="never">
           <p:childTnLst>
             <p:seq>
-              <p:cTn id="12" nodeType="mainSeq">
+              <p:cTn id="52" nodeType="mainSeq">
                 <p:childTnLst/>
               </p:cTn>
               <p:prevCondLst>
@@ -9909,7 +12371,7 @@
         <p:spPr>
           <a:xfrm>
             <a:off x="457200" y="911520"/>
-            <a:ext cx="8228520" cy="1141920"/>
+            <a:ext cx="8228160" cy="1141560"/>
           </a:xfrm>
           <a:prstGeom prst="rect">
             <a:avLst/>
@@ -9930,7 +12392,7 @@
                 </a:solidFill>
                 <a:latin typeface="Calibri"/>
               </a:rPr>
-              <a:t>Simple move 1.0</a:t>
+              <a:t>Simple move</a:t>
             </a:r>
             <a:endParaRPr/>
           </a:p>
@@ -9945,7 +12407,7 @@
         <p:spPr>
           <a:xfrm>
             <a:off x="457200" y="2054520"/>
-            <a:ext cx="8228520" cy="3917880"/>
+            <a:ext cx="8228160" cy="3917520"/>
           </a:xfrm>
           <a:prstGeom prst="rect">
             <a:avLst/>
@@ -9976,12 +12438,12 @@
                 </a:solidFill>
                 <a:latin typeface="Calibri"/>
               </a:rPr>
-              <a:t>For each move output move diff – x, y difference. </a:t>
+              <a:t>Have we seen that move – board status + move before?</a:t>
             </a:r>
             <a:endParaRPr/>
           </a:p>
           <a:p>
-            <a:pPr>
+            <a:pPr algn="ctr">
               <a:lnSpc>
                 <a:spcPct val="100000"/>
               </a:lnSpc>
@@ -9995,8 +12457,16 @@
                 </a:solidFill>
                 <a:latin typeface="Calibri"/>
               </a:rPr>
-              <a:t>Pros – good for common moves. Getting better as data size grows (diminishing return), consumes very little memory.</a:t>
+              <a:t>Yes – Good, No – Try again</a:t>
             </a:r>
+            <a:endParaRPr/>
+          </a:p>
+          <a:p>
+            <a:pPr>
+              <a:lnSpc>
+                <a:spcPct val="100000"/>
+              </a:lnSpc>
+            </a:pPr>
             <a:endParaRPr/>
           </a:p>
           <a:p>
@@ -10014,26 +12484,7 @@
                 </a:solidFill>
                 <a:latin typeface="Calibri"/>
               </a:rPr>
-              <a:t>Cons – does not take into account the board status (skip over pieces), not good for rare moves.</a:t>
-            </a:r>
-            <a:endParaRPr/>
-          </a:p>
-          <a:p>
-            <a:pPr>
-              <a:lnSpc>
-                <a:spcPct val="100000"/>
-              </a:lnSpc>
-              <a:buFont typeface="Arial"/>
-              <a:buChar char="•"/>
-            </a:pPr>
-            <a:r>
-              <a:rPr lang="en-US" sz="2800">
-                <a:solidFill>
-                  <a:srgbClr val="ffffff"/>
-                </a:solidFill>
-                <a:latin typeface="Calibri"/>
-              </a:rPr>
-              <a:t>Almost always – necessary condition but not sufficient</a:t>
+              <a:t>Consumes a lot of memory and running time – 10^80 estimated chess moves.</a:t>
             </a:r>
             <a:endParaRPr/>
           </a:p>
@@ -10068,11 +12519,159 @@
   <p:timing>
     <p:tnLst>
       <p:par>
-        <p:cTn dur="indefinite" id="13" nodeType="tmRoot" restart="never">
+        <p:cTn dur="indefinite" id="53" nodeType="tmRoot" restart="never">
           <p:childTnLst>
             <p:seq>
-              <p:cTn id="14" nodeType="mainSeq">
-                <p:childTnLst/>
+              <p:cTn id="54" nodeType="mainSeq">
+                <p:childTnLst>
+                  <p:par>
+                    <p:cTn fill="freeze" id="55">
+                      <p:stCondLst>
+                        <p:cond delay="indefinite"/>
+                      </p:stCondLst>
+                      <p:childTnLst>
+                        <p:par>
+                          <p:cTn fill="freeze" id="56">
+                            <p:stCondLst>
+                              <p:cond delay="0"/>
+                            </p:stCondLst>
+                            <p:childTnLst>
+                              <p:par>
+                                <p:cTn fill="hold" id="57" nodeType="clickEffect" presetClass="entr" presetID="1">
+                                  <p:stCondLst>
+                                    <p:cond delay="0"/>
+                                  </p:stCondLst>
+                                  <p:childTnLst>
+                                    <p:set>
+                                      <p:cBhvr>
+                                        <p:cTn dur="1" fill="hold" id="58">
+                                          <p:stCondLst>
+                                            <p:cond delay="0"/>
+                                          </p:stCondLst>
+                                        </p:cTn>
+                                        <p:tgtEl>
+                                          <p:spTgt spid="150">
+                                            <p:txEl>
+                                              <p:pRg end="54" st="1"/>
+                                            </p:txEl>
+                                          </p:spTgt>
+                                        </p:tgtEl>
+                                        <p:attrNameLst>
+                                          <p:attrName>style.visibility</p:attrName>
+                                        </p:attrNameLst>
+                                      </p:cBhvr>
+                                      <p:to>
+                                        <p:strVal val="visible"/>
+                                      </p:to>
+                                    </p:set>
+                                  </p:childTnLst>
+                                </p:cTn>
+                              </p:par>
+                            </p:childTnLst>
+                          </p:cTn>
+                        </p:par>
+                      </p:childTnLst>
+                    </p:cTn>
+                  </p:par>
+                  <p:par>
+                    <p:cTn fill="freeze" id="59">
+                      <p:stCondLst>
+                        <p:cond delay="indefinite"/>
+                      </p:stCondLst>
+                      <p:childTnLst>
+                        <p:par>
+                          <p:cTn fill="freeze" id="60">
+                            <p:stCondLst>
+                              <p:cond delay="0"/>
+                            </p:stCondLst>
+                            <p:childTnLst>
+                              <p:par>
+                                <p:cTn fill="hold" id="61" nodeType="clickEffect" presetClass="entr" presetID="1">
+                                  <p:stCondLst>
+                                    <p:cond delay="0"/>
+                                  </p:stCondLst>
+                                  <p:childTnLst>
+                                    <p:set>
+                                      <p:cBhvr>
+                                        <p:cTn dur="1" fill="hold" id="62">
+                                          <p:stCondLst>
+                                            <p:cond delay="0"/>
+                                          </p:stCondLst>
+                                        </p:cTn>
+                                        <p:tgtEl>
+                                          <p:spTgt spid="150">
+                                            <p:txEl>
+                                              <p:pRg end="81" st="54"/>
+                                            </p:txEl>
+                                          </p:spTgt>
+                                        </p:tgtEl>
+                                        <p:attrNameLst>
+                                          <p:attrName>style.visibility</p:attrName>
+                                        </p:attrNameLst>
+                                      </p:cBhvr>
+                                      <p:to>
+                                        <p:strVal val="visible"/>
+                                      </p:to>
+                                    </p:set>
+                                  </p:childTnLst>
+                                </p:cTn>
+                              </p:par>
+                            </p:childTnLst>
+                          </p:cTn>
+                        </p:par>
+                      </p:childTnLst>
+                    </p:cTn>
+                  </p:par>
+                  <p:par>
+                    <p:cTn fill="freeze" id="63">
+                      <p:stCondLst>
+                        <p:cond delay="indefinite"/>
+                      </p:stCondLst>
+                      <p:childTnLst>
+                        <p:par>
+                          <p:cTn fill="freeze" id="64">
+                            <p:stCondLst>
+                              <p:cond delay="0"/>
+                            </p:stCondLst>
+                            <p:childTnLst>
+                              <p:par>
+                                <p:cTn fill="hold" id="65" nodeType="clickEffect" presetClass="entr" presetID="1">
+                                  <p:stCondLst>
+                                    <p:cond delay="0"/>
+                                  </p:stCondLst>
+                                  <p:childTnLst>
+                                    <p:set>
+                                      <p:cBhvr>
+                                        <p:cTn dur="1" fill="hold" id="66">
+                                          <p:stCondLst>
+                                            <p:cond delay="0"/>
+                                          </p:stCondLst>
+                                        </p:cTn>
+                                        <p:tgtEl>
+                                          <p:spTgt spid="150">
+                                            <p:txEl>
+                                              <p:pRg end="155" st="82"/>
+                                            </p:txEl>
+                                          </p:spTgt>
+                                        </p:tgtEl>
+                                        <p:attrNameLst>
+                                          <p:attrName>style.visibility</p:attrName>
+                                        </p:attrNameLst>
+                                      </p:cBhvr>
+                                      <p:to>
+                                        <p:strVal val="visible"/>
+                                      </p:to>
+                                    </p:set>
+                                  </p:childTnLst>
+                                </p:cTn>
+                              </p:par>
+                            </p:childTnLst>
+                          </p:cTn>
+                        </p:par>
+                      </p:childTnLst>
+                    </p:cTn>
+                  </p:par>
+                </p:childTnLst>
               </p:cTn>
               <p:prevCondLst>
                 <p:cond delay="0" evt="onPrev">
@@ -10114,38 +12713,294 @@
           <a:chExt cx="0" cy="0"/>
         </a:xfrm>
       </p:grpSpPr>
-      <p:pic>
-        <p:nvPicPr>
-          <p:cNvPr descr="" id="151" name=""/>
-          <p:cNvPicPr/>
+      <p:sp>
+        <p:nvSpPr>
+          <p:cNvPr id="151" name="CustomShape 1"/>
+          <p:cNvSpPr/>
           <p:nvPr/>
-        </p:nvPicPr>
-        <p:blipFill>
-          <a:blip r:embed="rId1"/>
-          <a:stretch>
-            <a:fillRect/>
-          </a:stretch>
-        </p:blipFill>
-        <p:spPr>
-          <a:xfrm>
-            <a:off x="879480" y="642600"/>
-            <a:ext cx="7424280" cy="5595480"/>
-          </a:xfrm>
-          <a:prstGeom prst="rect">
-            <a:avLst/>
-          </a:prstGeom>
-        </p:spPr>
-      </p:pic>
+        </p:nvSpPr>
+        <p:spPr>
+          <a:xfrm>
+            <a:off x="457200" y="911520"/>
+            <a:ext cx="8228160" cy="1141560"/>
+          </a:xfrm>
+          <a:prstGeom prst="rect">
+            <a:avLst/>
+          </a:prstGeom>
+        </p:spPr>
+        <p:txBody>
+          <a:bodyPr anchor="ctr" bIns="45000" lIns="90000" rIns="90000" tIns="45000"/>
+          <a:p>
+            <a:pPr>
+              <a:lnSpc>
+                <a:spcPct val="100000"/>
+              </a:lnSpc>
+            </a:pPr>
+            <a:r>
+              <a:rPr lang="en-US" sz="3600">
+                <a:solidFill>
+                  <a:srgbClr val="ffecbd"/>
+                </a:solidFill>
+                <a:latin typeface="Calibri"/>
+              </a:rPr>
+              <a:t>Simple move 1.0</a:t>
+            </a:r>
+            <a:endParaRPr/>
+          </a:p>
+        </p:txBody>
+      </p:sp>
+      <p:sp>
+        <p:nvSpPr>
+          <p:cNvPr id="152" name="CustomShape 2"/>
+          <p:cNvSpPr/>
+          <p:nvPr/>
+        </p:nvSpPr>
+        <p:spPr>
+          <a:xfrm>
+            <a:off x="457200" y="2054520"/>
+            <a:ext cx="8228160" cy="3917520"/>
+          </a:xfrm>
+          <a:prstGeom prst="rect">
+            <a:avLst/>
+          </a:prstGeom>
+        </p:spPr>
+        <p:txBody>
+          <a:bodyPr bIns="45000" lIns="90000" rIns="90000" tIns="45000"/>
+          <a:p>
+            <a:pPr>
+              <a:lnSpc>
+                <a:spcPct val="100000"/>
+              </a:lnSpc>
+            </a:pPr>
+            <a:endParaRPr/>
+          </a:p>
+          <a:p>
+            <a:pPr>
+              <a:lnSpc>
+                <a:spcPct val="100000"/>
+              </a:lnSpc>
+            </a:pPr>
+            <a:r>
+              <a:rPr lang="en-US" sz="2800">
+                <a:solidFill>
+                  <a:srgbClr val="ffffff"/>
+                </a:solidFill>
+                <a:latin typeface="Calibri"/>
+              </a:rPr>
+              <a:t>For each move output move x, y difference. </a:t>
+            </a:r>
+            <a:endParaRPr/>
+          </a:p>
+          <a:p>
+            <a:pPr>
+              <a:lnSpc>
+                <a:spcPct val="100000"/>
+              </a:lnSpc>
+            </a:pPr>
+            <a:endParaRPr/>
+          </a:p>
+          <a:p>
+            <a:pPr>
+              <a:lnSpc>
+                <a:spcPct val="100000"/>
+              </a:lnSpc>
+              <a:buFont typeface="Arial"/>
+              <a:buChar char="•"/>
+            </a:pPr>
+            <a:endParaRPr/>
+          </a:p>
+          <a:p>
+            <a:pPr>
+              <a:lnSpc>
+                <a:spcPct val="100000"/>
+              </a:lnSpc>
+            </a:pPr>
+            <a:endParaRPr/>
+          </a:p>
+          <a:p>
+            <a:pPr>
+              <a:lnSpc>
+                <a:spcPct val="100000"/>
+              </a:lnSpc>
+            </a:pPr>
+            <a:endParaRPr/>
+          </a:p>
+          <a:p>
+            <a:pPr>
+              <a:lnSpc>
+                <a:spcPct val="100000"/>
+              </a:lnSpc>
+            </a:pPr>
+            <a:endParaRPr/>
+          </a:p>
+          <a:p>
+            <a:pPr>
+              <a:lnSpc>
+                <a:spcPct val="100000"/>
+              </a:lnSpc>
+            </a:pPr>
+            <a:endParaRPr/>
+          </a:p>
+        </p:txBody>
+      </p:sp>
     </p:spTree>
   </p:cSld>
   <p:timing>
     <p:tnLst>
       <p:par>
-        <p:cTn dur="indefinite" id="15" nodeType="tmRoot" restart="never">
+        <p:cTn dur="indefinite" id="67" nodeType="tmRoot" restart="never">
           <p:childTnLst>
             <p:seq>
-              <p:cTn id="16" nodeType="mainSeq">
-                <p:childTnLst/>
+              <p:cTn id="68" nodeType="mainSeq">
+                <p:childTnLst>
+                  <p:par>
+                    <p:cTn fill="freeze" id="69">
+                      <p:stCondLst>
+                        <p:cond delay="indefinite"/>
+                      </p:stCondLst>
+                      <p:childTnLst>
+                        <p:par>
+                          <p:cTn fill="freeze" id="70">
+                            <p:stCondLst>
+                              <p:cond delay="0"/>
+                            </p:stCondLst>
+                            <p:childTnLst>
+                              <p:par>
+                                <p:cTn fill="hold" id="71" nodeType="clickEffect" presetClass="entr" presetID="1">
+                                  <p:stCondLst>
+                                    <p:cond delay="0"/>
+                                  </p:stCondLst>
+                                  <p:childTnLst>
+                                    <p:set>
+                                      <p:cBhvr>
+                                        <p:cTn dur="1" fill="hold" id="72">
+                                          <p:stCondLst>
+                                            <p:cond delay="0"/>
+                                          </p:stCondLst>
+                                        </p:cTn>
+                                        <p:tgtEl>
+                                          <p:spTgt spid="152">
+                                            <p:txEl>
+                                              <p:pRg end="45" st="1"/>
+                                            </p:txEl>
+                                          </p:spTgt>
+                                        </p:tgtEl>
+                                        <p:attrNameLst>
+                                          <p:attrName>style.visibility</p:attrName>
+                                        </p:attrNameLst>
+                                      </p:cBhvr>
+                                      <p:to>
+                                        <p:strVal val="visible"/>
+                                      </p:to>
+                                    </p:set>
+                                  </p:childTnLst>
+                                </p:cTn>
+                              </p:par>
+                            </p:childTnLst>
+                          </p:cTn>
+                        </p:par>
+                      </p:childTnLst>
+                    </p:cTn>
+                  </p:par>
+                  <p:par>
+                    <p:cTn fill="freeze" id="73">
+                      <p:stCondLst>
+                        <p:cond delay="indefinite"/>
+                      </p:stCondLst>
+                      <p:childTnLst>
+                        <p:par>
+                          <p:cTn fill="freeze" id="74">
+                            <p:stCondLst>
+                              <p:cond delay="0"/>
+                            </p:stCondLst>
+                            <p:childTnLst>
+                              <p:par>
+                                <p:cTn fill="hold" id="75" nodeType="clickEffect" presetClass="entr" presetID="1">
+                                  <p:stCondLst>
+                                    <p:cond delay="0"/>
+                                  </p:stCondLst>
+                                  <p:childTnLst>
+                                    <p:set>
+                                      <p:cBhvr>
+                                        <p:cTn dur="1" fill="hold" id="76">
+                                          <p:stCondLst>
+                                            <p:cond delay="0"/>
+                                          </p:stCondLst>
+                                        </p:cTn>
+                                        <p:tgtEl>
+                                          <p:spTgt spid="152">
+                                            <p:txEl>
+                                              <p:pRg end="46" st="45"/>
+                                            </p:txEl>
+                                          </p:spTgt>
+                                        </p:tgtEl>
+                                        <p:attrNameLst>
+                                          <p:attrName>style.visibility</p:attrName>
+                                        </p:attrNameLst>
+                                      </p:cBhvr>
+                                      <p:to>
+                                        <p:strVal val="visible"/>
+                                      </p:to>
+                                    </p:set>
+                                  </p:childTnLst>
+                                </p:cTn>
+                              </p:par>
+                            </p:childTnLst>
+                          </p:cTn>
+                        </p:par>
+                      </p:childTnLst>
+                    </p:cTn>
+                  </p:par>
+                  <p:par>
+                    <p:cTn fill="freeze" id="77">
+                      <p:stCondLst>
+                        <p:cond delay="indefinite"/>
+                      </p:stCondLst>
+                      <p:childTnLst>
+                        <p:par>
+                          <p:cTn fill="freeze" id="78">
+                            <p:stCondLst>
+                              <p:cond delay="0"/>
+                            </p:stCondLst>
+                            <p:childTnLst>
+                              <p:par>
+                                <p:cTn fill="hold" id="79" nodeType="clickEffect" presetClass="entr" presetID="1">
+                                  <p:stCondLst>
+                                    <p:cond delay="0"/>
+                                  </p:stCondLst>
+                                  <p:childTnLst>
+                                    <p:set>
+                                      <p:cBhvr>
+                                        <p:cTn dur="1" fill="hold" id="80">
+                                          <p:stCondLst>
+                                            <p:cond delay="0"/>
+                                          </p:stCondLst>
+                                        </p:cTn>
+                                        <p:tgtEl>
+                                          <p:spTgt spid="152">
+                                            <p:txEl>
+                                              <p:pRg end="47" st="46"/>
+                                            </p:txEl>
+                                          </p:spTgt>
+                                        </p:tgtEl>
+                                        <p:attrNameLst>
+                                          <p:attrName>style.visibility</p:attrName>
+                                        </p:attrNameLst>
+                                      </p:cBhvr>
+                                      <p:to>
+                                        <p:strVal val="visible"/>
+                                      </p:to>
+                                    </p:set>
+                                  </p:childTnLst>
+                                </p:cTn>
+                              </p:par>
+                            </p:childTnLst>
+                          </p:cTn>
+                        </p:par>
+                      </p:childTnLst>
+                    </p:cTn>
+                  </p:par>
+                </p:childTnLst>
               </p:cTn>
               <p:prevCondLst>
                 <p:cond delay="0" evt="onPrev">
@@ -10189,7 +13044,7 @@
       </p:grpSpPr>
       <p:pic>
         <p:nvPicPr>
-          <p:cNvPr descr="" id="152" name=""/>
+          <p:cNvPr descr="" id="153" name=""/>
           <p:cNvPicPr/>
           <p:nvPr/>
         </p:nvPicPr>
@@ -10201,8 +13056,8 @@
         </p:blipFill>
         <p:spPr>
           <a:xfrm>
-            <a:off x="822960" y="805320"/>
-            <a:ext cx="7424280" cy="5595480"/>
+            <a:off x="879480" y="642600"/>
+            <a:ext cx="7423920" cy="5595120"/>
           </a:xfrm>
           <a:prstGeom prst="rect">
             <a:avLst/>
@@ -10214,10 +13069,10 @@
   <p:timing>
     <p:tnLst>
       <p:par>
-        <p:cTn dur="indefinite" id="17" nodeType="tmRoot" restart="never">
+        <p:cTn dur="indefinite" id="81" nodeType="tmRoot" restart="never">
           <p:childTnLst>
             <p:seq>
-              <p:cTn id="18" nodeType="mainSeq">
+              <p:cTn id="82" nodeType="mainSeq">
                 <p:childTnLst/>
               </p:cTn>
               <p:prevCondLst>
